--- a/Relazione/Da IEEE 11073-10206 a FHIR.pptx
+++ b/Relazione/Da IEEE 11073-10206 a FHIR.pptx
@@ -5,15 +5,19 @@
     <p:sldMasterId id="2147483658" r:id="rId4"/>
   </p:sldMasterIdLst>
   <p:notesMasterIdLst>
-    <p:notesMasterId r:id="rId8"/>
+    <p:notesMasterId r:id="rId12"/>
   </p:notesMasterIdLst>
   <p:handoutMasterIdLst>
-    <p:handoutMasterId r:id="rId9"/>
+    <p:handoutMasterId r:id="rId13"/>
   </p:handoutMasterIdLst>
   <p:sldIdLst>
     <p:sldId id="410" r:id="rId5"/>
     <p:sldId id="408" r:id="rId6"/>
-    <p:sldId id="398" r:id="rId7"/>
+    <p:sldId id="412" r:id="rId7"/>
+    <p:sldId id="414" r:id="rId8"/>
+    <p:sldId id="415" r:id="rId9"/>
+    <p:sldId id="413" r:id="rId10"/>
+    <p:sldId id="411" r:id="rId11"/>
   </p:sldIdLst>
   <p:sldSz cx="12192000" cy="6858000"/>
   <p:notesSz cx="6858000" cy="9144000"/>
@@ -193,7 +197,7 @@
             <a:pPr rtl="0"/>
             <a:fld id="{F43FFF67-0A66-4BA5-8D01-D7436A93C5DC}" type="datetime1">
               <a:rPr lang="it-IT" smtClean="0"/>
-              <a:t>07/07/2024</a:t>
+              <a:t>12/07/2024</a:t>
             </a:fld>
             <a:endParaRPr lang="it-IT" dirty="0"/>
           </a:p>
@@ -412,7 +416,7 @@
             <a:fld id="{CCC7B77D-D2C2-452D-80DB-AB1E949B0C69}" type="datetime1">
               <a:rPr lang="it-IT" smtClean="0"/>
               <a:pPr/>
-              <a:t>07/07/2024</a:t>
+              <a:t>12/07/2024</a:t>
             </a:fld>
             <a:endParaRPr lang="it-IT" dirty="0"/>
           </a:p>
@@ -953,7 +957,7 @@
             <a:pPr rtl="0"/>
             <a:fld id="{A89C7E07-3C67-C64C-8DA0-0404F6303970}" type="slidenum">
               <a:rPr lang="it-IT" smtClean="0"/>
-              <a:t>3</a:t>
+              <a:t>4</a:t>
             </a:fld>
             <a:endParaRPr lang="it-IT" dirty="0"/>
           </a:p>
@@ -962,7 +966,101 @@
     </p:spTree>
     <p:extLst>
       <p:ext uri="{BB962C8B-B14F-4D97-AF65-F5344CB8AC3E}">
-        <p14:creationId xmlns:p14="http://schemas.microsoft.com/office/powerpoint/2010/main" val="1765923172"/>
+        <p14:creationId xmlns:p14="http://schemas.microsoft.com/office/powerpoint/2010/main" val="996093964"/>
+      </p:ext>
+    </p:extLst>
+  </p:cSld>
+  <p:clrMapOvr>
+    <a:masterClrMapping/>
+  </p:clrMapOvr>
+</p:notes>
+</file>
+
+<file path=ppt/notesSlides/notesSlide4.xml><?xml version="1.0" encoding="utf-8"?>
+<p:notes xmlns:a="http://schemas.openxmlformats.org/drawingml/2006/main" xmlns:r="http://schemas.openxmlformats.org/officeDocument/2006/relationships" xmlns:p="http://schemas.openxmlformats.org/presentationml/2006/main">
+  <p:cSld>
+    <p:spTree>
+      <p:nvGrpSpPr>
+        <p:cNvPr id="1" name=""/>
+        <p:cNvGrpSpPr/>
+        <p:nvPr/>
+      </p:nvGrpSpPr>
+      <p:grpSpPr>
+        <a:xfrm>
+          <a:off x="0" y="0"/>
+          <a:ext cx="0" cy="0"/>
+          <a:chOff x="0" y="0"/>
+          <a:chExt cx="0" cy="0"/>
+        </a:xfrm>
+      </p:grpSpPr>
+      <p:sp>
+        <p:nvSpPr>
+          <p:cNvPr id="2" name="Segnaposto immagine diapositiva 1"/>
+          <p:cNvSpPr>
+            <a:spLocks noGrp="1" noRot="1" noChangeAspect="1"/>
+          </p:cNvSpPr>
+          <p:nvPr>
+            <p:ph type="sldImg"/>
+          </p:nvPr>
+        </p:nvSpPr>
+        <p:spPr/>
+      </p:sp>
+      <p:sp>
+        <p:nvSpPr>
+          <p:cNvPr id="3" name="Segnaposto note 2"/>
+          <p:cNvSpPr>
+            <a:spLocks noGrp="1"/>
+          </p:cNvSpPr>
+          <p:nvPr>
+            <p:ph type="body" idx="1"/>
+          </p:nvPr>
+        </p:nvSpPr>
+        <p:spPr/>
+        <p:txBody>
+          <a:bodyPr rtlCol="0"/>
+          <a:lstStyle>
+            <a:defPPr>
+              <a:defRPr lang="it-IT"/>
+            </a:defPPr>
+          </a:lstStyle>
+          <a:p>
+            <a:pPr rtl="0"/>
+            <a:endParaRPr lang="it-IT" dirty="0"/>
+          </a:p>
+        </p:txBody>
+      </p:sp>
+      <p:sp>
+        <p:nvSpPr>
+          <p:cNvPr id="4" name="Segnaposto numero diapositiva 3"/>
+          <p:cNvSpPr>
+            <a:spLocks noGrp="1"/>
+          </p:cNvSpPr>
+          <p:nvPr>
+            <p:ph type="sldNum" sz="quarter" idx="5"/>
+          </p:nvPr>
+        </p:nvSpPr>
+        <p:spPr/>
+        <p:txBody>
+          <a:bodyPr rtlCol="0"/>
+          <a:lstStyle>
+            <a:defPPr>
+              <a:defRPr lang="it-IT"/>
+            </a:defPPr>
+          </a:lstStyle>
+          <a:p>
+            <a:pPr rtl="0"/>
+            <a:fld id="{A89C7E07-3C67-C64C-8DA0-0404F6303970}" type="slidenum">
+              <a:rPr lang="it-IT" smtClean="0"/>
+              <a:t>7</a:t>
+            </a:fld>
+            <a:endParaRPr lang="it-IT" dirty="0"/>
+          </a:p>
+        </p:txBody>
+      </p:sp>
+    </p:spTree>
+    <p:extLst>
+      <p:ext uri="{BB962C8B-B14F-4D97-AF65-F5344CB8AC3E}">
+        <p14:creationId xmlns:p14="http://schemas.microsoft.com/office/powerpoint/2010/main" val="2975819521"/>
       </p:ext>
     </p:extLst>
   </p:cSld>
@@ -9103,7 +9201,7 @@
     <p:sldLayoutId id="2147483704" r:id="rId12"/>
     <p:sldLayoutId id="2147483703" r:id="rId13"/>
   </p:sldLayoutIdLst>
-  <p:hf sldNum="0" hdr="0" ftr="0" dt="0"/>
+  <p:hf hdr="0" ftr="0" dt="0"/>
   <p:txStyles>
     <p:titleStyle>
       <a:lvl1pPr algn="l" defTabSz="914400" rtl="0" eaLnBrk="1" latinLnBrk="0" hangingPunct="1">
@@ -9888,17 +9986,1316 @@
             <a:pPr rtl="0"/>
             <a:r>
               <a:rPr lang="it-IT" dirty="0"/>
-              <a:t>Tecniche di comunicazione efficaci</a:t>
+              <a:t>Il problema</a:t>
             </a:r>
+          </a:p>
+        </p:txBody>
+      </p:sp>
+      <p:grpSp>
+        <p:nvGrpSpPr>
+          <p:cNvPr id="14" name="Gruppo 13">
+            <a:extLst>
+              <a:ext uri="{FF2B5EF4-FFF2-40B4-BE49-F238E27FC236}">
+                <a16:creationId xmlns:a16="http://schemas.microsoft.com/office/drawing/2014/main" id="{313FE5FD-1129-8C82-F9AA-3228203F974A}"/>
+              </a:ext>
+            </a:extLst>
+          </p:cNvPr>
+          <p:cNvGrpSpPr/>
+          <p:nvPr/>
+        </p:nvGrpSpPr>
+        <p:grpSpPr>
+          <a:xfrm>
+            <a:off x="982671" y="3031292"/>
+            <a:ext cx="9584465" cy="2287740"/>
+            <a:chOff x="691309" y="4292131"/>
+            <a:chExt cx="9584465" cy="2287740"/>
+          </a:xfrm>
+        </p:grpSpPr>
+        <p:pic>
+          <p:nvPicPr>
+            <p:cNvPr id="45" name="Picture 19">
+              <a:extLst>
+                <a:ext uri="{FF2B5EF4-FFF2-40B4-BE49-F238E27FC236}">
+                  <a16:creationId xmlns:a16="http://schemas.microsoft.com/office/drawing/2014/main" id="{D7322607-D44B-0DC0-2921-4EEC1AF711AA}"/>
+                </a:ext>
+              </a:extLst>
+            </p:cNvPr>
+            <p:cNvPicPr>
+              <a:picLocks noChangeAspect="1"/>
+            </p:cNvPicPr>
+            <p:nvPr/>
+          </p:nvPicPr>
+          <p:blipFill rotWithShape="1">
+            <a:blip r:embed="rId3">
+              <a:clrChange>
+                <a:clrFrom>
+                  <a:srgbClr val="FFFFFC"/>
+                </a:clrFrom>
+                <a:clrTo>
+                  <a:srgbClr val="FFFFFC">
+                    <a:alpha val="0"/>
+                  </a:srgbClr>
+                </a:clrTo>
+              </a:clrChange>
+            </a:blip>
+            <a:srcRect t="6671" r="10925" b="23243"/>
+            <a:stretch/>
+          </p:blipFill>
+          <p:spPr>
+            <a:xfrm>
+              <a:off x="1254123" y="4855769"/>
+              <a:ext cx="716899" cy="731647"/>
+            </a:xfrm>
+            <a:prstGeom prst="rect">
+              <a:avLst/>
+            </a:prstGeom>
+          </p:spPr>
+        </p:pic>
+        <p:pic>
+          <p:nvPicPr>
+            <p:cNvPr id="46" name="Picture 20" descr="Afbeeldingsresultaat voor a&amp;d medical blood pressure monitor">
+              <a:extLst>
+                <a:ext uri="{FF2B5EF4-FFF2-40B4-BE49-F238E27FC236}">
+                  <a16:creationId xmlns:a16="http://schemas.microsoft.com/office/drawing/2014/main" id="{50C5A6B4-10E1-91FD-8ED8-6855A5A44C21}"/>
+                </a:ext>
+              </a:extLst>
+            </p:cNvPr>
+            <p:cNvPicPr>
+              <a:picLocks noChangeAspect="1" noChangeArrowheads="1"/>
+            </p:cNvPicPr>
+            <p:nvPr/>
+          </p:nvPicPr>
+          <p:blipFill>
+            <a:blip r:embed="rId4" cstate="print">
+              <a:clrChange>
+                <a:clrFrom>
+                  <a:srgbClr val="FFFFFF"/>
+                </a:clrFrom>
+                <a:clrTo>
+                  <a:srgbClr val="FFFFFF">
+                    <a:alpha val="0"/>
+                  </a:srgbClr>
+                </a:clrTo>
+              </a:clrChange>
+              <a:extLst>
+                <a:ext uri="{28A0092B-C50C-407E-A947-70E740481C1C}">
+                  <a14:useLocalDpi xmlns:a14="http://schemas.microsoft.com/office/drawing/2010/main" val="0"/>
+                </a:ext>
+              </a:extLst>
+            </a:blip>
+            <a:srcRect/>
+            <a:stretch>
+              <a:fillRect/>
+            </a:stretch>
+          </p:blipFill>
+          <p:spPr bwMode="auto">
+            <a:xfrm>
+              <a:off x="743736" y="5517330"/>
+              <a:ext cx="1153321" cy="790932"/>
+            </a:xfrm>
+            <a:prstGeom prst="rect">
+              <a:avLst/>
+            </a:prstGeom>
+            <a:noFill/>
+            <a:extLst>
+              <a:ext uri="{909E8E84-426E-40DD-AFC4-6F175D3DCCD1}">
+                <a14:hiddenFill xmlns:a14="http://schemas.microsoft.com/office/drawing/2010/main">
+                  <a:solidFill>
+                    <a:srgbClr val="FFFFFF"/>
+                  </a:solidFill>
+                </a14:hiddenFill>
+              </a:ext>
+            </a:extLst>
+          </p:spPr>
+        </p:pic>
+        <p:pic>
+          <p:nvPicPr>
+            <p:cNvPr id="47" name="Picture 6" descr="Afbeeldingsresultaat voor polar bluetooth weight scale">
+              <a:extLst>
+                <a:ext uri="{FF2B5EF4-FFF2-40B4-BE49-F238E27FC236}">
+                  <a16:creationId xmlns:a16="http://schemas.microsoft.com/office/drawing/2014/main" id="{27D2B326-B6EE-357F-39FF-AFA97A757EF2}"/>
+                </a:ext>
+              </a:extLst>
+            </p:cNvPr>
+            <p:cNvPicPr>
+              <a:picLocks noChangeAspect="1" noChangeArrowheads="1"/>
+            </p:cNvPicPr>
+            <p:nvPr/>
+          </p:nvPicPr>
+          <p:blipFill>
+            <a:blip r:embed="rId5" cstate="print">
+              <a:clrChange>
+                <a:clrFrom>
+                  <a:srgbClr val="FFFFFF"/>
+                </a:clrFrom>
+                <a:clrTo>
+                  <a:srgbClr val="FFFFFF">
+                    <a:alpha val="0"/>
+                  </a:srgbClr>
+                </a:clrTo>
+              </a:clrChange>
+              <a:extLst>
+                <a:ext uri="{28A0092B-C50C-407E-A947-70E740481C1C}">
+                  <a14:useLocalDpi xmlns:a14="http://schemas.microsoft.com/office/drawing/2010/main" val="0"/>
+                </a:ext>
+              </a:extLst>
+            </a:blip>
+            <a:srcRect/>
+            <a:stretch>
+              <a:fillRect/>
+            </a:stretch>
+          </p:blipFill>
+          <p:spPr bwMode="auto">
+            <a:xfrm>
+              <a:off x="1897057" y="5374612"/>
+              <a:ext cx="979705" cy="947090"/>
+            </a:xfrm>
+            <a:prstGeom prst="rect">
+              <a:avLst/>
+            </a:prstGeom>
+            <a:noFill/>
+            <a:extLst>
+              <a:ext uri="{909E8E84-426E-40DD-AFC4-6F175D3DCCD1}">
+                <a14:hiddenFill xmlns:a14="http://schemas.microsoft.com/office/drawing/2010/main">
+                  <a:solidFill>
+                    <a:srgbClr val="FFFFFF"/>
+                  </a:solidFill>
+                </a14:hiddenFill>
+              </a:ext>
+            </a:extLst>
+          </p:spPr>
+        </p:pic>
+        <p:pic>
+          <p:nvPicPr>
+            <p:cNvPr id="48" name="Picture 22">
+              <a:extLst>
+                <a:ext uri="{FF2B5EF4-FFF2-40B4-BE49-F238E27FC236}">
+                  <a16:creationId xmlns:a16="http://schemas.microsoft.com/office/drawing/2014/main" id="{675BC08B-759B-47D6-3853-0D95F70EE40C}"/>
+                </a:ext>
+              </a:extLst>
+            </p:cNvPr>
+            <p:cNvPicPr>
+              <a:picLocks noChangeAspect="1"/>
+            </p:cNvPicPr>
+            <p:nvPr/>
+          </p:nvPicPr>
+          <p:blipFill>
+            <a:blip r:embed="rId6" cstate="print">
+              <a:extLst>
+                <a:ext uri="{28A0092B-C50C-407E-A947-70E740481C1C}">
+                  <a14:useLocalDpi xmlns:a14="http://schemas.microsoft.com/office/drawing/2010/main" val="0"/>
+                </a:ext>
+              </a:extLst>
+            </a:blip>
+            <a:stretch>
+              <a:fillRect/>
+            </a:stretch>
+          </p:blipFill>
+          <p:spPr>
+            <a:xfrm>
+              <a:off x="4706869" y="5329857"/>
+              <a:ext cx="1122595" cy="833062"/>
+            </a:xfrm>
+            <a:prstGeom prst="rect">
+              <a:avLst/>
+            </a:prstGeom>
+          </p:spPr>
+        </p:pic>
+        <p:sp>
+          <p:nvSpPr>
+            <p:cNvPr id="49" name="Rounded Rectangle 9">
+              <a:extLst>
+                <a:ext uri="{FF2B5EF4-FFF2-40B4-BE49-F238E27FC236}">
+                  <a16:creationId xmlns:a16="http://schemas.microsoft.com/office/drawing/2014/main" id="{594C1D3C-6011-8580-05EB-E5544975C781}"/>
+                </a:ext>
+              </a:extLst>
+            </p:cNvPr>
+            <p:cNvSpPr/>
+            <p:nvPr/>
+          </p:nvSpPr>
+          <p:spPr>
+            <a:xfrm>
+              <a:off x="691309" y="4292131"/>
+              <a:ext cx="2298117" cy="2143821"/>
+            </a:xfrm>
+            <a:prstGeom prst="roundRect">
+              <a:avLst>
+                <a:gd name="adj" fmla="val 12253"/>
+              </a:avLst>
+            </a:prstGeom>
+            <a:noFill/>
+            <a:ln w="57150"/>
+          </p:spPr>
+          <p:style>
+            <a:lnRef idx="2">
+              <a:schemeClr val="accent1">
+                <a:shade val="50000"/>
+              </a:schemeClr>
+            </a:lnRef>
+            <a:fillRef idx="1">
+              <a:schemeClr val="accent1"/>
+            </a:fillRef>
+            <a:effectRef idx="0">
+              <a:schemeClr val="accent1"/>
+            </a:effectRef>
+            <a:fontRef idx="minor">
+              <a:schemeClr val="lt1"/>
+            </a:fontRef>
+          </p:style>
+          <p:txBody>
+            <a:bodyPr bIns="0" rtlCol="0" anchor="t" anchorCtr="0"/>
+            <a:lstStyle/>
+            <a:p>
+              <a:pPr algn="ctr" defTabSz="1219170">
+                <a:defRPr/>
+              </a:pPr>
+              <a:r>
+                <a:rPr lang="en-US" sz="1200" dirty="0" err="1">
+                  <a:solidFill>
+                    <a:schemeClr val="bg1"/>
+                  </a:solidFill>
+                  <a:latin typeface="+mj-lt"/>
+                </a:rPr>
+                <a:t>Dispositivi</a:t>
+              </a:r>
+              <a:r>
+                <a:rPr lang="en-US" sz="1200" dirty="0">
+                  <a:solidFill>
+                    <a:schemeClr val="bg1"/>
+                  </a:solidFill>
+                  <a:latin typeface="+mj-lt"/>
+                </a:rPr>
+                <a:t> </a:t>
+              </a:r>
+              <a:r>
+                <a:rPr lang="en-US" sz="1200" dirty="0" err="1">
+                  <a:solidFill>
+                    <a:schemeClr val="bg1"/>
+                  </a:solidFill>
+                  <a:latin typeface="+mj-lt"/>
+                </a:rPr>
+                <a:t>rilevamento</a:t>
+              </a:r>
+              <a:r>
+                <a:rPr lang="en-US" sz="1200" dirty="0">
+                  <a:solidFill>
+                    <a:schemeClr val="bg1"/>
+                  </a:solidFill>
+                  <a:latin typeface="+mj-lt"/>
+                </a:rPr>
+                <a:t> salute </a:t>
+              </a:r>
+              <a:r>
+                <a:rPr lang="en-US" sz="1200" dirty="0" err="1">
+                  <a:solidFill>
+                    <a:schemeClr val="bg1"/>
+                  </a:solidFill>
+                  <a:latin typeface="+mj-lt"/>
+                </a:rPr>
+                <a:t>personale</a:t>
+              </a:r>
+              <a:endParaRPr lang="en-US" sz="1200" dirty="0">
+                <a:solidFill>
+                  <a:schemeClr val="bg1"/>
+                </a:solidFill>
+                <a:latin typeface="+mj-lt"/>
+              </a:endParaRPr>
+            </a:p>
+          </p:txBody>
+        </p:sp>
+        <p:sp>
+          <p:nvSpPr>
+            <p:cNvPr id="50" name="Rounded Rectangle 10">
+              <a:extLst>
+                <a:ext uri="{FF2B5EF4-FFF2-40B4-BE49-F238E27FC236}">
+                  <a16:creationId xmlns:a16="http://schemas.microsoft.com/office/drawing/2014/main" id="{A39C87CE-B099-D02F-B842-A19989605D80}"/>
+                </a:ext>
+              </a:extLst>
+            </p:cNvPr>
+            <p:cNvSpPr/>
+            <p:nvPr/>
+          </p:nvSpPr>
+          <p:spPr>
+            <a:xfrm>
+              <a:off x="4606443" y="4483665"/>
+              <a:ext cx="1863541" cy="1795057"/>
+            </a:xfrm>
+            <a:prstGeom prst="roundRect">
+              <a:avLst>
+                <a:gd name="adj" fmla="val 12253"/>
+              </a:avLst>
+            </a:prstGeom>
+            <a:noFill/>
+            <a:ln w="57150"/>
+          </p:spPr>
+          <p:style>
+            <a:lnRef idx="2">
+              <a:schemeClr val="accent1">
+                <a:shade val="50000"/>
+              </a:schemeClr>
+            </a:lnRef>
+            <a:fillRef idx="1">
+              <a:schemeClr val="accent1"/>
+            </a:fillRef>
+            <a:effectRef idx="0">
+              <a:schemeClr val="accent1"/>
+            </a:effectRef>
+            <a:fontRef idx="minor">
+              <a:schemeClr val="lt1"/>
+            </a:fontRef>
+          </p:style>
+          <p:txBody>
+            <a:bodyPr bIns="0" rtlCol="0" anchor="t" anchorCtr="0"/>
+            <a:lstStyle/>
+            <a:p>
+              <a:pPr algn="ctr" defTabSz="1219170">
+                <a:defRPr/>
+              </a:pPr>
+              <a:r>
+                <a:rPr lang="en-US" sz="1200" dirty="0">
+                  <a:solidFill>
+                    <a:schemeClr val="bg1"/>
+                  </a:solidFill>
+                  <a:latin typeface="+mj-lt"/>
+                </a:rPr>
+                <a:t>App </a:t>
+              </a:r>
+              <a:r>
+                <a:rPr lang="en-US" sz="1200" dirty="0" err="1">
+                  <a:solidFill>
+                    <a:schemeClr val="bg1"/>
+                  </a:solidFill>
+                  <a:latin typeface="+mj-lt"/>
+                </a:rPr>
+                <a:t>proprietarie</a:t>
+              </a:r>
+              <a:r>
+                <a:rPr lang="en-US" sz="1200" dirty="0">
+                  <a:solidFill>
+                    <a:schemeClr val="bg1"/>
+                  </a:solidFill>
+                  <a:latin typeface="+mj-lt"/>
+                </a:rPr>
+                <a:t> e </a:t>
+              </a:r>
+              <a:r>
+                <a:rPr lang="en-US" sz="1200" dirty="0" err="1">
+                  <a:solidFill>
+                    <a:schemeClr val="bg1"/>
+                  </a:solidFill>
+                  <a:latin typeface="+mj-lt"/>
+                </a:rPr>
+                <a:t>dispositivi</a:t>
+              </a:r>
+              <a:r>
+                <a:rPr lang="en-US" sz="1200" dirty="0">
+                  <a:solidFill>
+                    <a:schemeClr val="bg1"/>
+                  </a:solidFill>
+                  <a:latin typeface="+mj-lt"/>
+                </a:rPr>
+                <a:t> gateway </a:t>
+              </a:r>
+            </a:p>
+          </p:txBody>
+        </p:sp>
+        <p:pic>
+          <p:nvPicPr>
+            <p:cNvPr id="51" name="Picture 25">
+              <a:extLst>
+                <a:ext uri="{FF2B5EF4-FFF2-40B4-BE49-F238E27FC236}">
+                  <a16:creationId xmlns:a16="http://schemas.microsoft.com/office/drawing/2014/main" id="{BC59C866-6111-B925-957E-93772EC7B664}"/>
+                </a:ext>
+              </a:extLst>
+            </p:cNvPr>
+            <p:cNvPicPr>
+              <a:picLocks noChangeAspect="1"/>
+            </p:cNvPicPr>
+            <p:nvPr/>
+          </p:nvPicPr>
+          <p:blipFill>
+            <a:blip r:embed="rId7" cstate="print">
+              <a:extLst>
+                <a:ext uri="{28A0092B-C50C-407E-A947-70E740481C1C}">
+                  <a14:useLocalDpi xmlns:a14="http://schemas.microsoft.com/office/drawing/2010/main" val="0"/>
+                </a:ext>
+              </a:extLst>
+            </a:blip>
+            <a:stretch>
+              <a:fillRect/>
+            </a:stretch>
+          </p:blipFill>
+          <p:spPr>
+            <a:xfrm>
+              <a:off x="5743912" y="5449336"/>
+              <a:ext cx="771791" cy="707080"/>
+            </a:xfrm>
+            <a:prstGeom prst="rect">
+              <a:avLst/>
+            </a:prstGeom>
+          </p:spPr>
+        </p:pic>
+        <p:sp>
+          <p:nvSpPr>
+            <p:cNvPr id="53" name="Rounded Rectangle 10">
+              <a:extLst>
+                <a:ext uri="{FF2B5EF4-FFF2-40B4-BE49-F238E27FC236}">
+                  <a16:creationId xmlns:a16="http://schemas.microsoft.com/office/drawing/2014/main" id="{E4FE54F5-9E4F-2868-212D-FDE3C5468538}"/>
+                </a:ext>
+              </a:extLst>
+            </p:cNvPr>
+            <p:cNvSpPr/>
+            <p:nvPr/>
+          </p:nvSpPr>
+          <p:spPr>
+            <a:xfrm>
+              <a:off x="8135292" y="4294368"/>
+              <a:ext cx="1955360" cy="2143821"/>
+            </a:xfrm>
+            <a:prstGeom prst="roundRect">
+              <a:avLst>
+                <a:gd name="adj" fmla="val 12253"/>
+              </a:avLst>
+            </a:prstGeom>
+            <a:noFill/>
+            <a:ln w="57150"/>
+          </p:spPr>
+          <p:style>
+            <a:lnRef idx="2">
+              <a:schemeClr val="accent1">
+                <a:shade val="50000"/>
+              </a:schemeClr>
+            </a:lnRef>
+            <a:fillRef idx="1">
+              <a:schemeClr val="accent1"/>
+            </a:fillRef>
+            <a:effectRef idx="0">
+              <a:schemeClr val="accent1"/>
+            </a:effectRef>
+            <a:fontRef idx="minor">
+              <a:schemeClr val="lt1"/>
+            </a:fontRef>
+          </p:style>
+          <p:txBody>
+            <a:bodyPr bIns="0" rtlCol="0" anchor="t" anchorCtr="0"/>
+            <a:lstStyle/>
+            <a:p>
+              <a:pPr algn="ctr" defTabSz="1219170">
+                <a:defRPr/>
+              </a:pPr>
+              <a:r>
+                <a:rPr lang="en-US" sz="1400" dirty="0">
+                  <a:solidFill>
+                    <a:srgbClr val="44546A"/>
+                  </a:solidFill>
+                  <a:effectLst>
+                    <a:outerShdw blurRad="38100" dist="38100" dir="2700000" algn="tl">
+                      <a:srgbClr val="000000">
+                        <a:alpha val="43137"/>
+                      </a:srgbClr>
+                    </a:outerShdw>
+                  </a:effectLst>
+                  <a:latin typeface="Calibri" panose="020F0502020204030204"/>
+                </a:rPr>
+                <a:t>Cloud-based</a:t>
+              </a:r>
+            </a:p>
+            <a:p>
+              <a:pPr algn="ctr" defTabSz="1219170">
+                <a:defRPr/>
+              </a:pPr>
+              <a:r>
+                <a:rPr lang="en-US" sz="1400" dirty="0">
+                  <a:solidFill>
+                    <a:srgbClr val="44546A"/>
+                  </a:solidFill>
+                  <a:effectLst>
+                    <a:outerShdw blurRad="38100" dist="38100" dir="2700000" algn="tl">
+                      <a:srgbClr val="000000">
+                        <a:alpha val="43137"/>
+                      </a:srgbClr>
+                    </a:outerShdw>
+                  </a:effectLst>
+                  <a:latin typeface="Calibri" panose="020F0502020204030204"/>
+                </a:rPr>
+                <a:t>proprietary services</a:t>
+              </a:r>
+            </a:p>
+          </p:txBody>
+        </p:sp>
+        <p:pic>
+          <p:nvPicPr>
+            <p:cNvPr id="57" name="Picture 33">
+              <a:extLst>
+                <a:ext uri="{FF2B5EF4-FFF2-40B4-BE49-F238E27FC236}">
+                  <a16:creationId xmlns:a16="http://schemas.microsoft.com/office/drawing/2014/main" id="{01B6EAAD-3AEF-5414-25EB-A7D3F218B48E}"/>
+                </a:ext>
+              </a:extLst>
+            </p:cNvPr>
+            <p:cNvPicPr>
+              <a:picLocks noChangeAspect="1"/>
+            </p:cNvPicPr>
+            <p:nvPr/>
+          </p:nvPicPr>
+          <p:blipFill>
+            <a:blip r:embed="rId8" cstate="print">
+              <a:extLst>
+                <a:ext uri="{28A0092B-C50C-407E-A947-70E740481C1C}">
+                  <a14:useLocalDpi xmlns:a14="http://schemas.microsoft.com/office/drawing/2010/main" val="0"/>
+                </a:ext>
+              </a:extLst>
+            </a:blip>
+            <a:stretch>
+              <a:fillRect/>
+            </a:stretch>
+          </p:blipFill>
+          <p:spPr>
+            <a:xfrm>
+              <a:off x="5860442" y="5011873"/>
+              <a:ext cx="468069" cy="428825"/>
+            </a:xfrm>
+            <a:prstGeom prst="rect">
+              <a:avLst/>
+            </a:prstGeom>
+          </p:spPr>
+        </p:pic>
+        <p:grpSp>
+          <p:nvGrpSpPr>
+            <p:cNvPr id="5" name="Gruppo 4">
+              <a:extLst>
+                <a:ext uri="{FF2B5EF4-FFF2-40B4-BE49-F238E27FC236}">
+                  <a16:creationId xmlns:a16="http://schemas.microsoft.com/office/drawing/2014/main" id="{04345518-7379-A2DC-3DCE-FED55FCAE891}"/>
+                </a:ext>
+              </a:extLst>
+            </p:cNvPr>
+            <p:cNvGrpSpPr/>
+            <p:nvPr/>
+          </p:nvGrpSpPr>
+          <p:grpSpPr>
+            <a:xfrm>
+              <a:off x="3050378" y="4455199"/>
+              <a:ext cx="1495115" cy="1817683"/>
+              <a:chOff x="6283022" y="775020"/>
+              <a:chExt cx="1495115" cy="1817683"/>
+            </a:xfrm>
+          </p:grpSpPr>
+          <p:sp>
+            <p:nvSpPr>
+              <p:cNvPr id="55" name="Left-Right Arrow 8">
+                <a:extLst>
+                  <a:ext uri="{FF2B5EF4-FFF2-40B4-BE49-F238E27FC236}">
+                    <a16:creationId xmlns:a16="http://schemas.microsoft.com/office/drawing/2014/main" id="{0C56BB87-E18A-FA97-96E9-78560D8C3694}"/>
+                  </a:ext>
+                </a:extLst>
+              </p:cNvPr>
+              <p:cNvSpPr/>
+              <p:nvPr/>
+            </p:nvSpPr>
+            <p:spPr>
+              <a:xfrm>
+                <a:off x="6283024" y="775020"/>
+                <a:ext cx="1495113" cy="913883"/>
+              </a:xfrm>
+              <a:prstGeom prst="leftRightArrow">
+                <a:avLst>
+                  <a:gd name="adj1" fmla="val 79822"/>
+                  <a:gd name="adj2" fmla="val 14767"/>
+                </a:avLst>
+              </a:prstGeom>
+              <a:solidFill>
+                <a:schemeClr val="tx2">
+                  <a:lumMod val="40000"/>
+                  <a:lumOff val="60000"/>
+                </a:schemeClr>
+              </a:solidFill>
+            </p:spPr>
+            <p:style>
+              <a:lnRef idx="2">
+                <a:schemeClr val="accent1">
+                  <a:shade val="50000"/>
+                </a:schemeClr>
+              </a:lnRef>
+              <a:fillRef idx="1">
+                <a:schemeClr val="accent1"/>
+              </a:fillRef>
+              <a:effectRef idx="0">
+                <a:schemeClr val="accent1"/>
+              </a:effectRef>
+              <a:fontRef idx="minor">
+                <a:schemeClr val="lt1"/>
+              </a:fontRef>
+            </p:style>
+            <p:txBody>
+              <a:bodyPr rtlCol="0" anchor="ctr"/>
+              <a:lstStyle/>
+              <a:p>
+                <a:pPr algn="ctr" defTabSz="1219170">
+                  <a:defRPr/>
+                </a:pPr>
+                <a:endParaRPr lang="en-US" sz="1100" dirty="0">
+                  <a:solidFill>
+                    <a:prstClr val="white"/>
+                  </a:solidFill>
+                  <a:latin typeface="Calibri" panose="020F0502020204030204"/>
+                </a:endParaRPr>
+              </a:p>
+            </p:txBody>
+          </p:sp>
+          <p:sp>
+            <p:nvSpPr>
+              <p:cNvPr id="58" name="Left-Right Arrow 8">
+                <a:extLst>
+                  <a:ext uri="{FF2B5EF4-FFF2-40B4-BE49-F238E27FC236}">
+                    <a16:creationId xmlns:a16="http://schemas.microsoft.com/office/drawing/2014/main" id="{247038BE-D6F1-50DF-ACBB-8AA1935F9D03}"/>
+                  </a:ext>
+                </a:extLst>
+              </p:cNvPr>
+              <p:cNvSpPr/>
+              <p:nvPr/>
+            </p:nvSpPr>
+            <p:spPr>
+              <a:xfrm>
+                <a:off x="6283023" y="1271911"/>
+                <a:ext cx="1495113" cy="913883"/>
+              </a:xfrm>
+              <a:prstGeom prst="leftRightArrow">
+                <a:avLst>
+                  <a:gd name="adj1" fmla="val 79822"/>
+                  <a:gd name="adj2" fmla="val 14767"/>
+                </a:avLst>
+              </a:prstGeom>
+              <a:solidFill>
+                <a:schemeClr val="tx2">
+                  <a:lumMod val="60000"/>
+                  <a:lumOff val="40000"/>
+                </a:schemeClr>
+              </a:solidFill>
+            </p:spPr>
+            <p:style>
+              <a:lnRef idx="2">
+                <a:schemeClr val="accent1">
+                  <a:shade val="50000"/>
+                </a:schemeClr>
+              </a:lnRef>
+              <a:fillRef idx="1">
+                <a:schemeClr val="accent1"/>
+              </a:fillRef>
+              <a:effectRef idx="0">
+                <a:schemeClr val="accent1"/>
+              </a:effectRef>
+              <a:fontRef idx="minor">
+                <a:schemeClr val="lt1"/>
+              </a:fontRef>
+            </p:style>
+            <p:txBody>
+              <a:bodyPr rtlCol="0" anchor="ctr"/>
+              <a:lstStyle/>
+              <a:p>
+                <a:pPr algn="ctr" defTabSz="1219170">
+                  <a:defRPr/>
+                </a:pPr>
+                <a:endParaRPr lang="en-US" sz="1100" dirty="0">
+                  <a:solidFill>
+                    <a:prstClr val="white"/>
+                  </a:solidFill>
+                  <a:latin typeface="Calibri" panose="020F0502020204030204"/>
+                </a:endParaRPr>
+              </a:p>
+            </p:txBody>
+          </p:sp>
+          <p:sp>
+            <p:nvSpPr>
+              <p:cNvPr id="59" name="Left-Right Arrow 8">
+                <a:extLst>
+                  <a:ext uri="{FF2B5EF4-FFF2-40B4-BE49-F238E27FC236}">
+                    <a16:creationId xmlns:a16="http://schemas.microsoft.com/office/drawing/2014/main" id="{96CFED16-F2BF-EF05-C460-E6F3AD0E4182}"/>
+                  </a:ext>
+                </a:extLst>
+              </p:cNvPr>
+              <p:cNvSpPr/>
+              <p:nvPr/>
+            </p:nvSpPr>
+            <p:spPr>
+              <a:xfrm>
+                <a:off x="6283022" y="1678820"/>
+                <a:ext cx="1495113" cy="913883"/>
+              </a:xfrm>
+              <a:prstGeom prst="leftRightArrow">
+                <a:avLst>
+                  <a:gd name="adj1" fmla="val 79822"/>
+                  <a:gd name="adj2" fmla="val 14767"/>
+                </a:avLst>
+              </a:prstGeom>
+            </p:spPr>
+            <p:style>
+              <a:lnRef idx="2">
+                <a:schemeClr val="accent1">
+                  <a:shade val="50000"/>
+                </a:schemeClr>
+              </a:lnRef>
+              <a:fillRef idx="1">
+                <a:schemeClr val="accent1"/>
+              </a:fillRef>
+              <a:effectRef idx="0">
+                <a:schemeClr val="accent1"/>
+              </a:effectRef>
+              <a:fontRef idx="minor">
+                <a:schemeClr val="lt1"/>
+              </a:fontRef>
+            </p:style>
+            <p:txBody>
+              <a:bodyPr rtlCol="0" anchor="ctr"/>
+              <a:lstStyle/>
+              <a:p>
+                <a:pPr algn="ctr" defTabSz="1219170">
+                  <a:defRPr/>
+                </a:pPr>
+                <a:r>
+                  <a:rPr lang="en-US" sz="1100" dirty="0" err="1">
+                    <a:solidFill>
+                      <a:prstClr val="white"/>
+                    </a:solidFill>
+                    <a:latin typeface="Calibri" panose="020F0502020204030204"/>
+                  </a:rPr>
+                  <a:t>Protocolli</a:t>
+                </a:r>
+                <a:r>
+                  <a:rPr lang="en-US" sz="1100" dirty="0">
+                    <a:solidFill>
+                      <a:prstClr val="white"/>
+                    </a:solidFill>
+                    <a:latin typeface="Calibri" panose="020F0502020204030204"/>
+                  </a:rPr>
+                  <a:t> </a:t>
+                </a:r>
+                <a:r>
+                  <a:rPr lang="en-US" sz="1100" dirty="0" err="1">
+                    <a:solidFill>
+                      <a:prstClr val="white"/>
+                    </a:solidFill>
+                    <a:latin typeface="Calibri" panose="020F0502020204030204"/>
+                  </a:rPr>
+                  <a:t>proprietari</a:t>
+                </a:r>
+                <a:r>
+                  <a:rPr lang="en-US" sz="1100" dirty="0">
+                    <a:solidFill>
+                      <a:prstClr val="white"/>
+                    </a:solidFill>
+                    <a:latin typeface="Calibri" panose="020F0502020204030204"/>
+                  </a:rPr>
+                  <a:t> via </a:t>
+                </a:r>
+                <a:r>
+                  <a:rPr lang="it-IT" sz="1100" b="0" i="0" u="none" strike="noStrike" baseline="0" dirty="0">
+                    <a:solidFill>
+                      <a:srgbClr val="FFFFFF"/>
+                    </a:solidFill>
+                    <a:latin typeface="Calibri" panose="020F0502020204030204" pitchFamily="34" charset="0"/>
+                  </a:rPr>
+                  <a:t>Bluetooth ®</a:t>
+                </a:r>
+                <a:endParaRPr lang="en-US" sz="1100" dirty="0">
+                  <a:solidFill>
+                    <a:prstClr val="white"/>
+                  </a:solidFill>
+                  <a:latin typeface="Calibri" panose="020F0502020204030204"/>
+                </a:endParaRPr>
+              </a:p>
+            </p:txBody>
+          </p:sp>
+        </p:grpSp>
+        <p:sp>
+          <p:nvSpPr>
+            <p:cNvPr id="63" name="Rounded Rectangle 10">
+              <a:extLst>
+                <a:ext uri="{FF2B5EF4-FFF2-40B4-BE49-F238E27FC236}">
+                  <a16:creationId xmlns:a16="http://schemas.microsoft.com/office/drawing/2014/main" id="{FFDCDD81-7159-B516-A8E0-9719DC9CEF42}"/>
+                </a:ext>
+              </a:extLst>
+            </p:cNvPr>
+            <p:cNvSpPr/>
+            <p:nvPr/>
+          </p:nvSpPr>
+          <p:spPr>
+            <a:xfrm>
+              <a:off x="8320414" y="4436050"/>
+              <a:ext cx="1955360" cy="2143821"/>
+            </a:xfrm>
+            <a:prstGeom prst="roundRect">
+              <a:avLst>
+                <a:gd name="adj" fmla="val 12253"/>
+              </a:avLst>
+            </a:prstGeom>
+            <a:solidFill>
+              <a:schemeClr val="tx1"/>
+            </a:solidFill>
+            <a:ln w="57150"/>
+          </p:spPr>
+          <p:style>
+            <a:lnRef idx="2">
+              <a:schemeClr val="accent1">
+                <a:shade val="50000"/>
+              </a:schemeClr>
+            </a:lnRef>
+            <a:fillRef idx="1">
+              <a:schemeClr val="accent1"/>
+            </a:fillRef>
+            <a:effectRef idx="0">
+              <a:schemeClr val="accent1"/>
+            </a:effectRef>
+            <a:fontRef idx="minor">
+              <a:schemeClr val="lt1"/>
+            </a:fontRef>
+          </p:style>
+          <p:txBody>
+            <a:bodyPr bIns="0" rtlCol="0" anchor="t" anchorCtr="0"/>
+            <a:lstStyle/>
+            <a:p>
+              <a:pPr algn="ctr" defTabSz="1219170">
+                <a:defRPr/>
+              </a:pPr>
+              <a:r>
+                <a:rPr lang="en-US" sz="1200" dirty="0" err="1">
+                  <a:solidFill>
+                    <a:schemeClr val="bg1"/>
+                  </a:solidFill>
+                  <a:latin typeface="+mj-lt"/>
+                </a:rPr>
+                <a:t>Servizi</a:t>
+              </a:r>
+              <a:r>
+                <a:rPr lang="en-US" sz="1200" dirty="0">
+                  <a:solidFill>
+                    <a:schemeClr val="bg1"/>
+                  </a:solidFill>
+                  <a:latin typeface="+mj-lt"/>
+                </a:rPr>
+                <a:t> in cloud </a:t>
+              </a:r>
+              <a:r>
+                <a:rPr lang="en-US" sz="1200" dirty="0" err="1">
+                  <a:solidFill>
+                    <a:schemeClr val="bg1"/>
+                  </a:solidFill>
+                  <a:latin typeface="+mj-lt"/>
+                </a:rPr>
+                <a:t>proprietari</a:t>
+              </a:r>
+              <a:endParaRPr lang="en-US" sz="1200" dirty="0">
+                <a:solidFill>
+                  <a:schemeClr val="bg1"/>
+                </a:solidFill>
+                <a:latin typeface="+mj-lt"/>
+              </a:endParaRPr>
+            </a:p>
+          </p:txBody>
+        </p:sp>
+        <p:grpSp>
+          <p:nvGrpSpPr>
+            <p:cNvPr id="6" name="Gruppo 5">
+              <a:extLst>
+                <a:ext uri="{FF2B5EF4-FFF2-40B4-BE49-F238E27FC236}">
+                  <a16:creationId xmlns:a16="http://schemas.microsoft.com/office/drawing/2014/main" id="{80CA5679-7798-0735-DBD8-B9166E8C6E52}"/>
+                </a:ext>
+              </a:extLst>
+            </p:cNvPr>
+            <p:cNvGrpSpPr/>
+            <p:nvPr/>
+          </p:nvGrpSpPr>
+          <p:grpSpPr>
+            <a:xfrm>
+              <a:off x="6575117" y="4468337"/>
+              <a:ext cx="1495115" cy="1817683"/>
+              <a:chOff x="6283022" y="775020"/>
+              <a:chExt cx="1495115" cy="1817683"/>
+            </a:xfrm>
+          </p:grpSpPr>
+          <p:sp>
+            <p:nvSpPr>
+              <p:cNvPr id="7" name="Left-Right Arrow 8">
+                <a:extLst>
+                  <a:ext uri="{FF2B5EF4-FFF2-40B4-BE49-F238E27FC236}">
+                    <a16:creationId xmlns:a16="http://schemas.microsoft.com/office/drawing/2014/main" id="{E7D4E6EB-735D-1D1A-F21E-4BA9ADFD177D}"/>
+                  </a:ext>
+                </a:extLst>
+              </p:cNvPr>
+              <p:cNvSpPr/>
+              <p:nvPr/>
+            </p:nvSpPr>
+            <p:spPr>
+              <a:xfrm>
+                <a:off x="6283024" y="775020"/>
+                <a:ext cx="1495113" cy="913883"/>
+              </a:xfrm>
+              <a:prstGeom prst="leftRightArrow">
+                <a:avLst>
+                  <a:gd name="adj1" fmla="val 79822"/>
+                  <a:gd name="adj2" fmla="val 14767"/>
+                </a:avLst>
+              </a:prstGeom>
+              <a:solidFill>
+                <a:schemeClr val="tx2">
+                  <a:lumMod val="40000"/>
+                  <a:lumOff val="60000"/>
+                </a:schemeClr>
+              </a:solidFill>
+            </p:spPr>
+            <p:style>
+              <a:lnRef idx="2">
+                <a:schemeClr val="accent1">
+                  <a:shade val="50000"/>
+                </a:schemeClr>
+              </a:lnRef>
+              <a:fillRef idx="1">
+                <a:schemeClr val="accent1"/>
+              </a:fillRef>
+              <a:effectRef idx="0">
+                <a:schemeClr val="accent1"/>
+              </a:effectRef>
+              <a:fontRef idx="minor">
+                <a:schemeClr val="lt1"/>
+              </a:fontRef>
+            </p:style>
+            <p:txBody>
+              <a:bodyPr rtlCol="0" anchor="ctr"/>
+              <a:lstStyle/>
+              <a:p>
+                <a:pPr algn="ctr" defTabSz="1219170">
+                  <a:defRPr/>
+                </a:pPr>
+                <a:endParaRPr lang="en-US" sz="1100" dirty="0">
+                  <a:solidFill>
+                    <a:prstClr val="white"/>
+                  </a:solidFill>
+                  <a:latin typeface="Calibri" panose="020F0502020204030204"/>
+                </a:endParaRPr>
+              </a:p>
+            </p:txBody>
+          </p:sp>
+          <p:sp>
+            <p:nvSpPr>
+              <p:cNvPr id="8" name="Left-Right Arrow 8">
+                <a:extLst>
+                  <a:ext uri="{FF2B5EF4-FFF2-40B4-BE49-F238E27FC236}">
+                    <a16:creationId xmlns:a16="http://schemas.microsoft.com/office/drawing/2014/main" id="{6A979E36-3D23-7D9E-EA33-EE1D5797B9ED}"/>
+                  </a:ext>
+                </a:extLst>
+              </p:cNvPr>
+              <p:cNvSpPr/>
+              <p:nvPr/>
+            </p:nvSpPr>
+            <p:spPr>
+              <a:xfrm>
+                <a:off x="6283023" y="1271911"/>
+                <a:ext cx="1495113" cy="913883"/>
+              </a:xfrm>
+              <a:prstGeom prst="leftRightArrow">
+                <a:avLst>
+                  <a:gd name="adj1" fmla="val 79822"/>
+                  <a:gd name="adj2" fmla="val 14767"/>
+                </a:avLst>
+              </a:prstGeom>
+              <a:solidFill>
+                <a:schemeClr val="tx2">
+                  <a:lumMod val="60000"/>
+                  <a:lumOff val="40000"/>
+                </a:schemeClr>
+              </a:solidFill>
+            </p:spPr>
+            <p:style>
+              <a:lnRef idx="2">
+                <a:schemeClr val="accent1">
+                  <a:shade val="50000"/>
+                </a:schemeClr>
+              </a:lnRef>
+              <a:fillRef idx="1">
+                <a:schemeClr val="accent1"/>
+              </a:fillRef>
+              <a:effectRef idx="0">
+                <a:schemeClr val="accent1"/>
+              </a:effectRef>
+              <a:fontRef idx="minor">
+                <a:schemeClr val="lt1"/>
+              </a:fontRef>
+            </p:style>
+            <p:txBody>
+              <a:bodyPr rtlCol="0" anchor="ctr"/>
+              <a:lstStyle/>
+              <a:p>
+                <a:pPr algn="ctr" defTabSz="1219170">
+                  <a:defRPr/>
+                </a:pPr>
+                <a:endParaRPr lang="en-US" sz="1100" dirty="0">
+                  <a:solidFill>
+                    <a:prstClr val="white"/>
+                  </a:solidFill>
+                  <a:latin typeface="Calibri" panose="020F0502020204030204"/>
+                </a:endParaRPr>
+              </a:p>
+            </p:txBody>
+          </p:sp>
+          <p:sp>
+            <p:nvSpPr>
+              <p:cNvPr id="9" name="Left-Right Arrow 8">
+                <a:extLst>
+                  <a:ext uri="{FF2B5EF4-FFF2-40B4-BE49-F238E27FC236}">
+                    <a16:creationId xmlns:a16="http://schemas.microsoft.com/office/drawing/2014/main" id="{2526BB73-9275-09F7-C740-43E12B75B858}"/>
+                  </a:ext>
+                </a:extLst>
+              </p:cNvPr>
+              <p:cNvSpPr/>
+              <p:nvPr/>
+            </p:nvSpPr>
+            <p:spPr>
+              <a:xfrm>
+                <a:off x="6283022" y="1678820"/>
+                <a:ext cx="1495113" cy="913883"/>
+              </a:xfrm>
+              <a:prstGeom prst="leftRightArrow">
+                <a:avLst>
+                  <a:gd name="adj1" fmla="val 79822"/>
+                  <a:gd name="adj2" fmla="val 14767"/>
+                </a:avLst>
+              </a:prstGeom>
+            </p:spPr>
+            <p:style>
+              <a:lnRef idx="2">
+                <a:schemeClr val="accent1">
+                  <a:shade val="50000"/>
+                </a:schemeClr>
+              </a:lnRef>
+              <a:fillRef idx="1">
+                <a:schemeClr val="accent1"/>
+              </a:fillRef>
+              <a:effectRef idx="0">
+                <a:schemeClr val="accent1"/>
+              </a:effectRef>
+              <a:fontRef idx="minor">
+                <a:schemeClr val="lt1"/>
+              </a:fontRef>
+            </p:style>
+            <p:txBody>
+              <a:bodyPr rtlCol="0" anchor="ctr"/>
+              <a:lstStyle/>
+              <a:p>
+                <a:pPr algn="ctr" defTabSz="1219170">
+                  <a:defRPr/>
+                </a:pPr>
+                <a:r>
+                  <a:rPr lang="en-US" sz="1100" dirty="0">
+                    <a:solidFill>
+                      <a:prstClr val="white"/>
+                    </a:solidFill>
+                    <a:latin typeface="Calibri" panose="020F0502020204030204"/>
+                  </a:rPr>
+                  <a:t>Upload e download </a:t>
+                </a:r>
+                <a:r>
+                  <a:rPr lang="en-US" sz="1100" dirty="0" err="1">
+                    <a:solidFill>
+                      <a:prstClr val="white"/>
+                    </a:solidFill>
+                    <a:latin typeface="Calibri" panose="020F0502020204030204"/>
+                  </a:rPr>
+                  <a:t>dati</a:t>
+                </a:r>
+                <a:r>
+                  <a:rPr lang="en-US" sz="1100" dirty="0">
+                    <a:solidFill>
+                      <a:prstClr val="white"/>
+                    </a:solidFill>
+                    <a:latin typeface="Calibri" panose="020F0502020204030204"/>
+                  </a:rPr>
+                  <a:t> </a:t>
+                </a:r>
+                <a:r>
+                  <a:rPr lang="en-US" sz="1100" dirty="0" err="1">
+                    <a:solidFill>
+                      <a:prstClr val="white"/>
+                    </a:solidFill>
+                    <a:latin typeface="Calibri" panose="020F0502020204030204"/>
+                  </a:rPr>
+                  <a:t>proprietari</a:t>
+                </a:r>
+                <a:endParaRPr lang="en-US" sz="1100" dirty="0">
+                  <a:solidFill>
+                    <a:prstClr val="white"/>
+                  </a:solidFill>
+                  <a:latin typeface="Calibri" panose="020F0502020204030204"/>
+                </a:endParaRPr>
+              </a:p>
+            </p:txBody>
+          </p:sp>
+        </p:grpSp>
+      </p:grpSp>
+      <p:pic>
+        <p:nvPicPr>
+          <p:cNvPr id="12" name="Segnaposto contenuto 11" descr="Nuvola con riempimento a tinta unita">
+            <a:extLst>
+              <a:ext uri="{FF2B5EF4-FFF2-40B4-BE49-F238E27FC236}">
+                <a16:creationId xmlns:a16="http://schemas.microsoft.com/office/drawing/2014/main" id="{C92DABD1-4272-51EC-EC21-B12A8232F66F}"/>
+              </a:ext>
+            </a:extLst>
+          </p:cNvPr>
+          <p:cNvPicPr>
+            <a:picLocks noGrp="1" noChangeAspect="1"/>
+          </p:cNvPicPr>
+          <p:nvPr>
+            <p:ph sz="quarter" idx="15"/>
+          </p:nvPr>
+        </p:nvPicPr>
+        <p:blipFill>
+          <a:blip r:embed="rId9">
+            <a:extLst>
+              <a:ext uri="{96DAC541-7B7A-43D3-8B79-37D633B846F1}">
+                <asvg:svgBlip xmlns:asvg="http://schemas.microsoft.com/office/drawing/2016/SVG/main" r:embed="rId10"/>
+              </a:ext>
+            </a:extLst>
+          </a:blip>
+          <a:stretch>
+            <a:fillRect/>
+          </a:stretch>
+        </p:blipFill>
+        <p:spPr>
+          <a:xfrm>
+            <a:off x="9132256" y="3869377"/>
+            <a:ext cx="914400" cy="914400"/>
+          </a:xfrm>
+        </p:spPr>
+      </p:pic>
+      <p:sp>
+        <p:nvSpPr>
+          <p:cNvPr id="3" name="Curved Left Arrow 10">
+            <a:extLst>
+              <a:ext uri="{FF2B5EF4-FFF2-40B4-BE49-F238E27FC236}">
+                <a16:creationId xmlns:a16="http://schemas.microsoft.com/office/drawing/2014/main" id="{6C466918-3CBF-F5A0-0E19-EEE7EED3DA17}"/>
+              </a:ext>
+            </a:extLst>
+          </p:cNvPr>
+          <p:cNvSpPr/>
+          <p:nvPr/>
+        </p:nvSpPr>
+        <p:spPr>
+          <a:xfrm>
+            <a:off x="10632718" y="4029371"/>
+            <a:ext cx="539552" cy="718582"/>
+          </a:xfrm>
+          <a:prstGeom prst="curvedLeftArrow">
+            <a:avLst/>
+          </a:prstGeom>
+          <a:solidFill>
+            <a:schemeClr val="tx2"/>
+          </a:solidFill>
+          <a:ln w="25400" cap="flat" cmpd="sng" algn="ctr">
+            <a:solidFill>
+              <a:schemeClr val="tx2">
+                <a:lumMod val="60000"/>
+                <a:lumOff val="40000"/>
+              </a:schemeClr>
+            </a:solidFill>
+            <a:prstDash val="solid"/>
+          </a:ln>
+          <a:effectLst/>
+        </p:spPr>
+        <p:style>
+          <a:lnRef idx="2">
+            <a:schemeClr val="accent1">
+              <a:shade val="50000"/>
+            </a:schemeClr>
+          </a:lnRef>
+          <a:fillRef idx="1">
+            <a:schemeClr val="accent1"/>
+          </a:fillRef>
+          <a:effectRef idx="0">
+            <a:schemeClr val="accent1"/>
+          </a:effectRef>
+          <a:fontRef idx="minor">
+            <a:schemeClr val="lt1"/>
+          </a:fontRef>
+        </p:style>
+        <p:txBody>
+          <a:bodyPr rtlCol="0" anchor="ctr"/>
+          <a:lstStyle/>
+          <a:p>
+            <a:pPr algn="ctr"/>
+            <a:endParaRPr lang="en-US">
+              <a:solidFill>
+                <a:schemeClr val="tx1"/>
+              </a:solidFill>
+            </a:endParaRPr>
           </a:p>
         </p:txBody>
       </p:sp>
       <p:sp>
         <p:nvSpPr>
-          <p:cNvPr id="3" name="Segnaposto contenuto 2">
+          <p:cNvPr id="4" name="Curved Left Arrow 10">
             <a:extLst>
               <a:ext uri="{FF2B5EF4-FFF2-40B4-BE49-F238E27FC236}">
-                <a16:creationId xmlns:a16="http://schemas.microsoft.com/office/drawing/2014/main" id="{DB097449-5B72-ADA0-3B2D-1CBC160D6B90}"/>
+                <a16:creationId xmlns:a16="http://schemas.microsoft.com/office/drawing/2014/main" id="{9FDC0EF2-8D07-4D3E-331D-9FA9958DD9EA}"/>
+              </a:ext>
+            </a:extLst>
+          </p:cNvPr>
+          <p:cNvSpPr/>
+          <p:nvPr/>
+        </p:nvSpPr>
+        <p:spPr>
+          <a:xfrm>
+            <a:off x="10604640" y="3751034"/>
+            <a:ext cx="539552" cy="718582"/>
+          </a:xfrm>
+          <a:prstGeom prst="curvedLeftArrow">
+            <a:avLst/>
+          </a:prstGeom>
+          <a:solidFill>
+            <a:schemeClr val="tx2">
+              <a:lumMod val="60000"/>
+              <a:lumOff val="40000"/>
+            </a:schemeClr>
+          </a:solidFill>
+          <a:ln w="25400" cap="flat" cmpd="sng" algn="ctr">
+            <a:solidFill>
+              <a:schemeClr val="tx2"/>
+            </a:solidFill>
+            <a:prstDash val="solid"/>
+          </a:ln>
+          <a:effectLst/>
+        </p:spPr>
+        <p:style>
+          <a:lnRef idx="2">
+            <a:schemeClr val="accent1">
+              <a:shade val="50000"/>
+            </a:schemeClr>
+          </a:lnRef>
+          <a:fillRef idx="1">
+            <a:schemeClr val="accent1"/>
+          </a:fillRef>
+          <a:effectRef idx="0">
+            <a:schemeClr val="accent1"/>
+          </a:effectRef>
+          <a:fontRef idx="minor">
+            <a:schemeClr val="lt1"/>
+          </a:fontRef>
+        </p:style>
+        <p:txBody>
+          <a:bodyPr rtlCol="0" anchor="ctr"/>
+          <a:lstStyle/>
+          <a:p>
+            <a:pPr algn="ctr"/>
+            <a:endParaRPr lang="en-US">
+              <a:solidFill>
+                <a:schemeClr val="tx1"/>
+              </a:solidFill>
+            </a:endParaRPr>
+          </a:p>
+        </p:txBody>
+      </p:sp>
+      <p:sp>
+        <p:nvSpPr>
+          <p:cNvPr id="10" name="Segnaposto numero diapositiva 9">
+            <a:extLst>
+              <a:ext uri="{FF2B5EF4-FFF2-40B4-BE49-F238E27FC236}">
+                <a16:creationId xmlns:a16="http://schemas.microsoft.com/office/drawing/2014/main" id="{AB771242-2AE6-7C4B-1244-63422EE7CADA}"/>
               </a:ext>
             </a:extLst>
           </p:cNvPr>
@@ -9906,115 +11303,23 @@
             <a:spLocks noGrp="1"/>
           </p:cNvSpPr>
           <p:nvPr>
-            <p:ph sz="quarter" idx="15"/>
+            <p:ph type="sldNum" sz="quarter" idx="12"/>
           </p:nvPr>
         </p:nvSpPr>
-        <p:spPr>
-          <a:xfrm>
-            <a:off x="594360" y="2676525"/>
-            <a:ext cx="4490827" cy="3597470"/>
-          </a:xfrm>
-        </p:spPr>
+        <p:spPr/>
         <p:txBody>
-          <a:bodyPr rtlCol="0"/>
-          <a:lstStyle>
-            <a:defPPr>
-              <a:defRPr lang="it-IT"/>
-            </a:defPPr>
-          </a:lstStyle>
+          <a:bodyPr/>
+          <a:lstStyle/>
           <a:p>
             <a:pPr rtl="0"/>
-            <a:r>
-              <a:rPr lang="it-IT" dirty="0"/>
-              <a:t>Questo è un potente strumento per l'arte oratoria. Ti aiuterà a variare l'intonazione, il tono e il volume per trasmettere emozioni, enfatizzare punti e mantenere l'interesse:</a:t>
-            </a:r>
-          </a:p>
-          <a:p>
-            <a:pPr lvl="1" rtl="0"/>
-            <a:r>
-              <a:rPr lang="it-IT" dirty="0"/>
-              <a:t>Variazione intonazione</a:t>
-            </a:r>
-          </a:p>
-          <a:p>
-            <a:pPr lvl="1" rtl="0"/>
-            <a:r>
-              <a:rPr lang="it-IT" dirty="0"/>
-              <a:t>Inflessione del tono</a:t>
-            </a:r>
-          </a:p>
-          <a:p>
-            <a:pPr lvl="1" rtl="0"/>
-            <a:r>
-              <a:rPr lang="it-IT" dirty="0"/>
-              <a:t>Controllo del volume</a:t>
-            </a:r>
-          </a:p>
-        </p:txBody>
-      </p:sp>
-      <p:sp>
-        <p:nvSpPr>
-          <p:cNvPr id="4" name="Segnaposto contenuto 3">
-            <a:extLst>
-              <a:ext uri="{FF2B5EF4-FFF2-40B4-BE49-F238E27FC236}">
-                <a16:creationId xmlns:a16="http://schemas.microsoft.com/office/drawing/2014/main" id="{41FC7B50-71A6-D8BE-C032-5EB4CF5706D5}"/>
-              </a:ext>
-            </a:extLst>
-          </p:cNvPr>
-          <p:cNvSpPr>
-            <a:spLocks noGrp="1"/>
-          </p:cNvSpPr>
-          <p:nvPr>
-            <p:ph sz="quarter" idx="16"/>
-          </p:nvPr>
-        </p:nvSpPr>
-        <p:spPr>
-          <a:xfrm>
-            <a:off x="5881898" y="2676525"/>
-            <a:ext cx="4490827" cy="3597470"/>
-          </a:xfrm>
-        </p:spPr>
-        <p:txBody>
-          <a:bodyPr rtlCol="0"/>
-          <a:lstStyle>
-            <a:defPPr>
-              <a:defRPr lang="it-IT"/>
-            </a:defPPr>
-          </a:lstStyle>
-          <a:p>
-            <a:pPr rtl="0"/>
-            <a:r>
-              <a:rPr lang="it-IT" dirty="0"/>
-              <a:t>Un linguaggio del corpo efficace valorizza il tuo messaggio, rendendolo più incisivo e memorabile:</a:t>
-            </a:r>
-          </a:p>
-          <a:p>
-            <a:pPr lvl="1" rtl="0"/>
-            <a:r>
-              <a:rPr lang="it-IT" dirty="0"/>
-              <a:t>Contatto visivo significativo</a:t>
-            </a:r>
-          </a:p>
-          <a:p>
-            <a:pPr lvl="1" rtl="0"/>
-            <a:r>
-              <a:rPr lang="it-IT" dirty="0"/>
-              <a:t>Movimenti intenzionali</a:t>
-            </a:r>
-          </a:p>
-          <a:p>
-            <a:pPr lvl="1" rtl="0"/>
-            <a:r>
-              <a:rPr lang="it-IT" dirty="0"/>
-              <a:t>Mantieni una buona postura</a:t>
-            </a:r>
-          </a:p>
-          <a:p>
-            <a:pPr lvl="1" rtl="0"/>
-            <a:r>
-              <a:rPr lang="it-IT" dirty="0"/>
-              <a:t>Controlla le espressioni</a:t>
-            </a:r>
+            <a:fld id="{294A09A9-5501-47C1-A89A-A340965A2BE2}" type="slidenum">
+              <a:rPr lang="it-IT" smtClean="0"/>
+              <a:pPr rtl="0"/>
+              <a:t>2</a:t>
+            </a:fld>
+            <a:endParaRPr lang="it-IT" dirty="0">
+              <a:latin typeface="+mn-lt"/>
+            </a:endParaRPr>
           </a:p>
         </p:txBody>
       </p:sp>
@@ -10053,7 +11358,7 @@
           <p:cNvPr id="2" name="Titolo 1">
             <a:extLst>
               <a:ext uri="{FF2B5EF4-FFF2-40B4-BE49-F238E27FC236}">
-                <a16:creationId xmlns:a16="http://schemas.microsoft.com/office/drawing/2014/main" id="{F810C1B7-6E4E-3DEE-50C0-1CA3B14303EE}"/>
+                <a16:creationId xmlns:a16="http://schemas.microsoft.com/office/drawing/2014/main" id="{7FBFBBBA-ED58-C5C3-11F4-296EDE8DB1E6}"/>
               </a:ext>
             </a:extLst>
           </p:cNvPr>
@@ -10061,13 +11366,329 @@
             <a:spLocks noGrp="1"/>
           </p:cNvSpPr>
           <p:nvPr>
-            <p:ph type="ctrTitle"/>
+            <p:ph type="title"/>
+          </p:nvPr>
+        </p:nvSpPr>
+        <p:spPr/>
+        <p:txBody>
+          <a:bodyPr/>
+          <a:lstStyle/>
+          <a:p>
+            <a:r>
+              <a:rPr lang="it-IT" dirty="0"/>
+              <a:t>La soluzione</a:t>
+            </a:r>
+          </a:p>
+        </p:txBody>
+      </p:sp>
+      <p:sp>
+        <p:nvSpPr>
+          <p:cNvPr id="3" name="Segnaposto contenuto 2">
+            <a:extLst>
+              <a:ext uri="{FF2B5EF4-FFF2-40B4-BE49-F238E27FC236}">
+                <a16:creationId xmlns:a16="http://schemas.microsoft.com/office/drawing/2014/main" id="{A074437C-C6DC-6C0D-6A49-D84539AFB00D}"/>
+              </a:ext>
+            </a:extLst>
+          </p:cNvPr>
+          <p:cNvSpPr>
+            <a:spLocks noGrp="1"/>
+          </p:cNvSpPr>
+          <p:nvPr>
+            <p:ph sz="quarter" idx="15"/>
+          </p:nvPr>
+        </p:nvSpPr>
+        <p:spPr/>
+        <p:txBody>
+          <a:bodyPr>
+            <a:normAutofit/>
+          </a:bodyPr>
+          <a:lstStyle/>
+          <a:p>
+            <a:r>
+              <a:rPr lang="it-IT" sz="1600" b="1" dirty="0"/>
+              <a:t>HL7 FHIR</a:t>
+            </a:r>
+          </a:p>
+          <a:p>
+            <a:pPr marL="342900" indent="-342900">
+              <a:buFont typeface="Arial" panose="020B0604020202020204" pitchFamily="34" charset="0"/>
+              <a:buChar char="•"/>
+            </a:pPr>
+            <a:r>
+              <a:rPr lang="it-IT" sz="1600" dirty="0"/>
+              <a:t>Linguaggio a livello di applicazione per ottenere l'interoperabilità dei dati sanitari. </a:t>
+            </a:r>
+          </a:p>
+          <a:p>
+            <a:pPr marL="342900" indent="-342900">
+              <a:buFont typeface="Arial" panose="020B0604020202020204" pitchFamily="34" charset="0"/>
+              <a:buChar char="•"/>
+            </a:pPr>
+            <a:r>
+              <a:rPr lang="it-IT" sz="1600" dirty="0"/>
+              <a:t>Non risolve ancora la diversità di comunicazione dei dispositivi di salute personale, ed è qui che entra in gioco ACOM</a:t>
+            </a:r>
+          </a:p>
+          <a:p>
+            <a:endParaRPr lang="it-IT" sz="1600" b="1" dirty="0"/>
+          </a:p>
+        </p:txBody>
+      </p:sp>
+      <p:sp>
+        <p:nvSpPr>
+          <p:cNvPr id="4" name="Segnaposto contenuto 3">
+            <a:extLst>
+              <a:ext uri="{FF2B5EF4-FFF2-40B4-BE49-F238E27FC236}">
+                <a16:creationId xmlns:a16="http://schemas.microsoft.com/office/drawing/2014/main" id="{0F865E98-3896-E174-8D9E-73E3D9AB91DC}"/>
+              </a:ext>
+            </a:extLst>
+          </p:cNvPr>
+          <p:cNvSpPr>
+            <a:spLocks noGrp="1"/>
+          </p:cNvSpPr>
+          <p:nvPr>
+            <p:ph sz="quarter" idx="16"/>
+          </p:nvPr>
+        </p:nvSpPr>
+        <p:spPr/>
+        <p:txBody>
+          <a:bodyPr>
+            <a:normAutofit/>
+          </a:bodyPr>
+          <a:lstStyle/>
+          <a:p>
+            <a:r>
+              <a:rPr lang="it-IT" sz="1600" b="1" dirty="0"/>
+              <a:t>IEEE 11073-10206 ACOM</a:t>
+            </a:r>
+          </a:p>
+          <a:p>
+            <a:pPr marL="342900" indent="-342900">
+              <a:buFont typeface="Arial" panose="020B0604020202020204" pitchFamily="34" charset="0"/>
+              <a:buChar char="•"/>
+            </a:pPr>
+            <a:r>
+              <a:rPr lang="it-IT" sz="1600" dirty="0"/>
+              <a:t>ACOM sta per «Abstract Content Model»</a:t>
+            </a:r>
+          </a:p>
+          <a:p>
+            <a:pPr marL="342900" indent="-342900">
+              <a:buFont typeface="Arial" panose="020B0604020202020204" pitchFamily="34" charset="0"/>
+              <a:buChar char="•"/>
+            </a:pPr>
+            <a:r>
+              <a:rPr lang="it-IT" sz="1600" dirty="0"/>
+              <a:t>ACOM definisce un modello basato sullo standard IEEE 11073 per la comunicazione dei dispositivi medici</a:t>
+            </a:r>
+          </a:p>
+          <a:p>
+            <a:pPr marL="342900" indent="-342900">
+              <a:buFont typeface="Arial" panose="020B0604020202020204" pitchFamily="34" charset="0"/>
+              <a:buChar char="•"/>
+            </a:pPr>
+            <a:r>
+              <a:rPr lang="it-IT" sz="1600" dirty="0"/>
+              <a:t>Gli oggetti e gli attributi di ACOM sono mappati </a:t>
+            </a:r>
+            <a:r>
+              <a:rPr lang="it-IT" sz="1600" b="1" dirty="0"/>
+              <a:t>1 a 1</a:t>
+            </a:r>
+            <a:r>
+              <a:rPr lang="it-IT" sz="1600" dirty="0"/>
+              <a:t> alle risorse HL7 FHIR</a:t>
+            </a:r>
+            <a:endParaRPr lang="it-IT" sz="1600" b="1" dirty="0"/>
+          </a:p>
+        </p:txBody>
+      </p:sp>
+      <p:pic>
+        <p:nvPicPr>
+          <p:cNvPr id="6" name="Picture 2" descr="FHIR and the Real Challenge of Health Data ...">
+            <a:extLst>
+              <a:ext uri="{FF2B5EF4-FFF2-40B4-BE49-F238E27FC236}">
+                <a16:creationId xmlns:a16="http://schemas.microsoft.com/office/drawing/2014/main" id="{7CC15EDF-1016-FD1E-0048-5341C48C1F16}"/>
+              </a:ext>
+            </a:extLst>
+          </p:cNvPr>
+          <p:cNvPicPr>
+            <a:picLocks noChangeAspect="1" noChangeArrowheads="1"/>
+          </p:cNvPicPr>
+          <p:nvPr/>
+        </p:nvPicPr>
+        <p:blipFill>
+          <a:blip r:embed="rId2" cstate="print">
+            <a:clrChange>
+              <a:clrFrom>
+                <a:srgbClr val="FFFFFF"/>
+              </a:clrFrom>
+              <a:clrTo>
+                <a:srgbClr val="FFFFFF">
+                  <a:alpha val="0"/>
+                </a:srgbClr>
+              </a:clrTo>
+            </a:clrChange>
+            <a:extLst>
+              <a:ext uri="{28A0092B-C50C-407E-A947-70E740481C1C}">
+                <a14:useLocalDpi xmlns:a14="http://schemas.microsoft.com/office/drawing/2010/main" val="0"/>
+              </a:ext>
+            </a:extLst>
+          </a:blip>
+          <a:srcRect/>
+          <a:stretch>
+            <a:fillRect/>
+          </a:stretch>
+        </p:blipFill>
+        <p:spPr bwMode="auto">
+          <a:xfrm>
+            <a:off x="594359" y="5565217"/>
+            <a:ext cx="1513179" cy="708778"/>
+          </a:xfrm>
+          <a:prstGeom prst="rect">
+            <a:avLst/>
+          </a:prstGeom>
+          <a:noFill/>
+          <a:extLst>
+            <a:ext uri="{909E8E84-426E-40DD-AFC4-6F175D3DCCD1}">
+              <a14:hiddenFill xmlns:a14="http://schemas.microsoft.com/office/drawing/2010/main">
+                <a:solidFill>
+                  <a:srgbClr val="FFFFFF"/>
+                </a:solidFill>
+              </a14:hiddenFill>
+            </a:ext>
+          </a:extLst>
+        </p:spPr>
+      </p:pic>
+      <p:pic>
+        <p:nvPicPr>
+          <p:cNvPr id="7" name="Content Placeholder 4" descr="Icon&#10;&#10;Description automatically generated">
+            <a:extLst>
+              <a:ext uri="{FF2B5EF4-FFF2-40B4-BE49-F238E27FC236}">
+                <a16:creationId xmlns:a16="http://schemas.microsoft.com/office/drawing/2014/main" id="{10A4B3F2-9790-A176-8B5A-9FAFFF7752DE}"/>
+              </a:ext>
+            </a:extLst>
+          </p:cNvPr>
+          <p:cNvPicPr>
+            <a:picLocks noChangeAspect="1"/>
+          </p:cNvPicPr>
+          <p:nvPr/>
+        </p:nvPicPr>
+        <p:blipFill>
+          <a:blip r:embed="rId3">
+            <a:clrChange>
+              <a:clrFrom>
+                <a:srgbClr val="FFFFFF"/>
+              </a:clrFrom>
+              <a:clrTo>
+                <a:srgbClr val="FFFFFF">
+                  <a:alpha val="0"/>
+                </a:srgbClr>
+              </a:clrTo>
+            </a:clrChange>
+            <a:extLst>
+              <a:ext uri="{28A0092B-C50C-407E-A947-70E740481C1C}">
+                <a14:useLocalDpi xmlns:a14="http://schemas.microsoft.com/office/drawing/2010/main" val="0"/>
+              </a:ext>
+            </a:extLst>
+          </a:blip>
+          <a:stretch>
+            <a:fillRect/>
+          </a:stretch>
+        </p:blipFill>
+        <p:spPr>
+          <a:xfrm>
+            <a:off x="8859545" y="5677650"/>
+            <a:ext cx="1513180" cy="483911"/>
+          </a:xfrm>
+          <a:prstGeom prst="rect">
+            <a:avLst/>
+          </a:prstGeom>
+        </p:spPr>
+      </p:pic>
+      <p:sp>
+        <p:nvSpPr>
+          <p:cNvPr id="5" name="Segnaposto numero diapositiva 4">
+            <a:extLst>
+              <a:ext uri="{FF2B5EF4-FFF2-40B4-BE49-F238E27FC236}">
+                <a16:creationId xmlns:a16="http://schemas.microsoft.com/office/drawing/2014/main" id="{E342E31C-47FE-08AD-D5F9-44ACD71819F1}"/>
+              </a:ext>
+            </a:extLst>
+          </p:cNvPr>
+          <p:cNvSpPr>
+            <a:spLocks noGrp="1"/>
+          </p:cNvSpPr>
+          <p:nvPr>
+            <p:ph type="sldNum" sz="quarter" idx="12"/>
+          </p:nvPr>
+        </p:nvSpPr>
+        <p:spPr/>
+        <p:txBody>
+          <a:bodyPr/>
+          <a:lstStyle/>
+          <a:p>
+            <a:pPr rtl="0"/>
+            <a:fld id="{294A09A9-5501-47C1-A89A-A340965A2BE2}" type="slidenum">
+              <a:rPr lang="it-IT" smtClean="0"/>
+              <a:pPr rtl="0"/>
+              <a:t>3</a:t>
+            </a:fld>
+            <a:endParaRPr lang="it-IT" dirty="0">
+              <a:latin typeface="+mn-lt"/>
+            </a:endParaRPr>
+          </a:p>
+        </p:txBody>
+      </p:sp>
+    </p:spTree>
+    <p:extLst>
+      <p:ext uri="{BB962C8B-B14F-4D97-AF65-F5344CB8AC3E}">
+        <p14:creationId xmlns:p14="http://schemas.microsoft.com/office/powerpoint/2010/main" val="1625547966"/>
+      </p:ext>
+    </p:extLst>
+  </p:cSld>
+  <p:clrMapOvr>
+    <a:masterClrMapping/>
+  </p:clrMapOvr>
+</p:sld>
+</file>
+
+<file path=ppt/slides/slide4.xml><?xml version="1.0" encoding="utf-8"?>
+<p:sld xmlns:a="http://schemas.openxmlformats.org/drawingml/2006/main" xmlns:r="http://schemas.openxmlformats.org/officeDocument/2006/relationships" xmlns:p="http://schemas.openxmlformats.org/presentationml/2006/main">
+  <p:cSld>
+    <p:spTree>
+      <p:nvGrpSpPr>
+        <p:cNvPr id="1" name=""/>
+        <p:cNvGrpSpPr/>
+        <p:nvPr/>
+      </p:nvGrpSpPr>
+      <p:grpSpPr>
+        <a:xfrm>
+          <a:off x="0" y="0"/>
+          <a:ext cx="0" cy="0"/>
+          <a:chOff x="0" y="0"/>
+          <a:chExt cx="0" cy="0"/>
+        </a:xfrm>
+      </p:grpSpPr>
+      <p:sp>
+        <p:nvSpPr>
+          <p:cNvPr id="2" name="Titolo 1">
+            <a:extLst>
+              <a:ext uri="{FF2B5EF4-FFF2-40B4-BE49-F238E27FC236}">
+                <a16:creationId xmlns:a16="http://schemas.microsoft.com/office/drawing/2014/main" id="{805346ED-721D-85EE-2F1B-A31D0912DE29}"/>
+              </a:ext>
+            </a:extLst>
+          </p:cNvPr>
+          <p:cNvSpPr>
+            <a:spLocks noGrp="1"/>
+          </p:cNvSpPr>
+          <p:nvPr>
+            <p:ph type="title"/>
           </p:nvPr>
         </p:nvSpPr>
         <p:spPr>
           <a:xfrm>
-            <a:off x="594360" y="411479"/>
-            <a:ext cx="5486400" cy="3291840"/>
+            <a:off x="594360" y="278129"/>
+            <a:ext cx="9778365" cy="1494596"/>
           </a:xfrm>
         </p:spPr>
         <p:txBody>
@@ -10080,18 +11701,873 @@
           <a:p>
             <a:pPr rtl="0"/>
             <a:r>
-              <a:rPr lang="it-IT"/>
-              <a:t>Grazie</a:t>
+              <a:rPr lang="it-IT" dirty="0"/>
+              <a:t>La soluzione</a:t>
             </a:r>
+          </a:p>
+        </p:txBody>
+      </p:sp>
+      <p:grpSp>
+        <p:nvGrpSpPr>
+          <p:cNvPr id="14" name="Gruppo 13">
+            <a:extLst>
+              <a:ext uri="{FF2B5EF4-FFF2-40B4-BE49-F238E27FC236}">
+                <a16:creationId xmlns:a16="http://schemas.microsoft.com/office/drawing/2014/main" id="{313FE5FD-1129-8C82-F9AA-3228203F974A}"/>
+              </a:ext>
+            </a:extLst>
+          </p:cNvPr>
+          <p:cNvGrpSpPr/>
+          <p:nvPr/>
+        </p:nvGrpSpPr>
+        <p:grpSpPr>
+          <a:xfrm>
+            <a:off x="1117600" y="2978259"/>
+            <a:ext cx="9344210" cy="2148427"/>
+            <a:chOff x="691309" y="4287525"/>
+            <a:chExt cx="9344210" cy="2148427"/>
+          </a:xfrm>
+        </p:grpSpPr>
+        <p:pic>
+          <p:nvPicPr>
+            <p:cNvPr id="45" name="Picture 19">
+              <a:extLst>
+                <a:ext uri="{FF2B5EF4-FFF2-40B4-BE49-F238E27FC236}">
+                  <a16:creationId xmlns:a16="http://schemas.microsoft.com/office/drawing/2014/main" id="{D7322607-D44B-0DC0-2921-4EEC1AF711AA}"/>
+                </a:ext>
+              </a:extLst>
+            </p:cNvPr>
+            <p:cNvPicPr>
+              <a:picLocks noChangeAspect="1"/>
+            </p:cNvPicPr>
+            <p:nvPr/>
+          </p:nvPicPr>
+          <p:blipFill rotWithShape="1">
+            <a:blip r:embed="rId3">
+              <a:clrChange>
+                <a:clrFrom>
+                  <a:srgbClr val="FFFFFC"/>
+                </a:clrFrom>
+                <a:clrTo>
+                  <a:srgbClr val="FFFFFC">
+                    <a:alpha val="0"/>
+                  </a:srgbClr>
+                </a:clrTo>
+              </a:clrChange>
+            </a:blip>
+            <a:srcRect t="6671" r="10925" b="23243"/>
+            <a:stretch/>
+          </p:blipFill>
+          <p:spPr>
+            <a:xfrm>
+              <a:off x="1254123" y="4855769"/>
+              <a:ext cx="716899" cy="731647"/>
+            </a:xfrm>
+            <a:prstGeom prst="rect">
+              <a:avLst/>
+            </a:prstGeom>
+          </p:spPr>
+        </p:pic>
+        <p:pic>
+          <p:nvPicPr>
+            <p:cNvPr id="46" name="Picture 20" descr="Afbeeldingsresultaat voor a&amp;d medical blood pressure monitor">
+              <a:extLst>
+                <a:ext uri="{FF2B5EF4-FFF2-40B4-BE49-F238E27FC236}">
+                  <a16:creationId xmlns:a16="http://schemas.microsoft.com/office/drawing/2014/main" id="{50C5A6B4-10E1-91FD-8ED8-6855A5A44C21}"/>
+                </a:ext>
+              </a:extLst>
+            </p:cNvPr>
+            <p:cNvPicPr>
+              <a:picLocks noChangeAspect="1" noChangeArrowheads="1"/>
+            </p:cNvPicPr>
+            <p:nvPr/>
+          </p:nvPicPr>
+          <p:blipFill>
+            <a:blip r:embed="rId4" cstate="print">
+              <a:clrChange>
+                <a:clrFrom>
+                  <a:srgbClr val="FFFFFF"/>
+                </a:clrFrom>
+                <a:clrTo>
+                  <a:srgbClr val="FFFFFF">
+                    <a:alpha val="0"/>
+                  </a:srgbClr>
+                </a:clrTo>
+              </a:clrChange>
+              <a:extLst>
+                <a:ext uri="{28A0092B-C50C-407E-A947-70E740481C1C}">
+                  <a14:useLocalDpi xmlns:a14="http://schemas.microsoft.com/office/drawing/2010/main" val="0"/>
+                </a:ext>
+              </a:extLst>
+            </a:blip>
+            <a:srcRect/>
+            <a:stretch>
+              <a:fillRect/>
+            </a:stretch>
+          </p:blipFill>
+          <p:spPr bwMode="auto">
+            <a:xfrm>
+              <a:off x="743736" y="5517330"/>
+              <a:ext cx="1153321" cy="790932"/>
+            </a:xfrm>
+            <a:prstGeom prst="rect">
+              <a:avLst/>
+            </a:prstGeom>
+            <a:noFill/>
+            <a:extLst>
+              <a:ext uri="{909E8E84-426E-40DD-AFC4-6F175D3DCCD1}">
+                <a14:hiddenFill xmlns:a14="http://schemas.microsoft.com/office/drawing/2010/main">
+                  <a:solidFill>
+                    <a:srgbClr val="FFFFFF"/>
+                  </a:solidFill>
+                </a14:hiddenFill>
+              </a:ext>
+            </a:extLst>
+          </p:spPr>
+        </p:pic>
+        <p:pic>
+          <p:nvPicPr>
+            <p:cNvPr id="47" name="Picture 6" descr="Afbeeldingsresultaat voor polar bluetooth weight scale">
+              <a:extLst>
+                <a:ext uri="{FF2B5EF4-FFF2-40B4-BE49-F238E27FC236}">
+                  <a16:creationId xmlns:a16="http://schemas.microsoft.com/office/drawing/2014/main" id="{27D2B326-B6EE-357F-39FF-AFA97A757EF2}"/>
+                </a:ext>
+              </a:extLst>
+            </p:cNvPr>
+            <p:cNvPicPr>
+              <a:picLocks noChangeAspect="1" noChangeArrowheads="1"/>
+            </p:cNvPicPr>
+            <p:nvPr/>
+          </p:nvPicPr>
+          <p:blipFill>
+            <a:blip r:embed="rId5" cstate="print">
+              <a:clrChange>
+                <a:clrFrom>
+                  <a:srgbClr val="FFFFFF"/>
+                </a:clrFrom>
+                <a:clrTo>
+                  <a:srgbClr val="FFFFFF">
+                    <a:alpha val="0"/>
+                  </a:srgbClr>
+                </a:clrTo>
+              </a:clrChange>
+              <a:extLst>
+                <a:ext uri="{28A0092B-C50C-407E-A947-70E740481C1C}">
+                  <a14:useLocalDpi xmlns:a14="http://schemas.microsoft.com/office/drawing/2010/main" val="0"/>
+                </a:ext>
+              </a:extLst>
+            </a:blip>
+            <a:srcRect/>
+            <a:stretch>
+              <a:fillRect/>
+            </a:stretch>
+          </p:blipFill>
+          <p:spPr bwMode="auto">
+            <a:xfrm>
+              <a:off x="1897057" y="5374612"/>
+              <a:ext cx="979705" cy="947090"/>
+            </a:xfrm>
+            <a:prstGeom prst="rect">
+              <a:avLst/>
+            </a:prstGeom>
+            <a:noFill/>
+            <a:extLst>
+              <a:ext uri="{909E8E84-426E-40DD-AFC4-6F175D3DCCD1}">
+                <a14:hiddenFill xmlns:a14="http://schemas.microsoft.com/office/drawing/2010/main">
+                  <a:solidFill>
+                    <a:srgbClr val="FFFFFF"/>
+                  </a:solidFill>
+                </a14:hiddenFill>
+              </a:ext>
+            </a:extLst>
+          </p:spPr>
+        </p:pic>
+        <p:pic>
+          <p:nvPicPr>
+            <p:cNvPr id="48" name="Picture 22">
+              <a:extLst>
+                <a:ext uri="{FF2B5EF4-FFF2-40B4-BE49-F238E27FC236}">
+                  <a16:creationId xmlns:a16="http://schemas.microsoft.com/office/drawing/2014/main" id="{675BC08B-759B-47D6-3853-0D95F70EE40C}"/>
+                </a:ext>
+              </a:extLst>
+            </p:cNvPr>
+            <p:cNvPicPr>
+              <a:picLocks noChangeAspect="1"/>
+            </p:cNvPicPr>
+            <p:nvPr/>
+          </p:nvPicPr>
+          <p:blipFill>
+            <a:blip r:embed="rId6" cstate="print">
+              <a:extLst>
+                <a:ext uri="{28A0092B-C50C-407E-A947-70E740481C1C}">
+                  <a14:useLocalDpi xmlns:a14="http://schemas.microsoft.com/office/drawing/2010/main" val="0"/>
+                </a:ext>
+              </a:extLst>
+            </a:blip>
+            <a:stretch>
+              <a:fillRect/>
+            </a:stretch>
+          </p:blipFill>
+          <p:spPr>
+            <a:xfrm>
+              <a:off x="4706869" y="5329857"/>
+              <a:ext cx="1122595" cy="833062"/>
+            </a:xfrm>
+            <a:prstGeom prst="rect">
+              <a:avLst/>
+            </a:prstGeom>
+          </p:spPr>
+        </p:pic>
+        <p:sp>
+          <p:nvSpPr>
+            <p:cNvPr id="49" name="Rounded Rectangle 9">
+              <a:extLst>
+                <a:ext uri="{FF2B5EF4-FFF2-40B4-BE49-F238E27FC236}">
+                  <a16:creationId xmlns:a16="http://schemas.microsoft.com/office/drawing/2014/main" id="{594C1D3C-6011-8580-05EB-E5544975C781}"/>
+                </a:ext>
+              </a:extLst>
+            </p:cNvPr>
+            <p:cNvSpPr/>
+            <p:nvPr/>
+          </p:nvSpPr>
+          <p:spPr>
+            <a:xfrm>
+              <a:off x="691309" y="4292131"/>
+              <a:ext cx="2298117" cy="2143821"/>
+            </a:xfrm>
+            <a:prstGeom prst="roundRect">
+              <a:avLst>
+                <a:gd name="adj" fmla="val 12253"/>
+              </a:avLst>
+            </a:prstGeom>
+            <a:noFill/>
+            <a:ln w="57150"/>
+          </p:spPr>
+          <p:style>
+            <a:lnRef idx="2">
+              <a:schemeClr val="accent1">
+                <a:shade val="50000"/>
+              </a:schemeClr>
+            </a:lnRef>
+            <a:fillRef idx="1">
+              <a:schemeClr val="accent1"/>
+            </a:fillRef>
+            <a:effectRef idx="0">
+              <a:schemeClr val="accent1"/>
+            </a:effectRef>
+            <a:fontRef idx="minor">
+              <a:schemeClr val="lt1"/>
+            </a:fontRef>
+          </p:style>
+          <p:txBody>
+            <a:bodyPr bIns="0" rtlCol="0" anchor="t" anchorCtr="0"/>
+            <a:lstStyle/>
+            <a:p>
+              <a:pPr algn="ctr" defTabSz="1219170">
+                <a:defRPr/>
+              </a:pPr>
+              <a:r>
+                <a:rPr lang="en-US" sz="1200" dirty="0" err="1">
+                  <a:solidFill>
+                    <a:schemeClr val="bg1"/>
+                  </a:solidFill>
+                  <a:latin typeface="+mj-lt"/>
+                </a:rPr>
+                <a:t>Dispositivi</a:t>
+              </a:r>
+              <a:r>
+                <a:rPr lang="en-US" sz="1200" dirty="0">
+                  <a:solidFill>
+                    <a:schemeClr val="bg1"/>
+                  </a:solidFill>
+                  <a:latin typeface="+mj-lt"/>
+                </a:rPr>
+                <a:t> </a:t>
+              </a:r>
+              <a:r>
+                <a:rPr lang="en-US" sz="1200" dirty="0" err="1">
+                  <a:solidFill>
+                    <a:schemeClr val="bg1"/>
+                  </a:solidFill>
+                  <a:latin typeface="+mj-lt"/>
+                </a:rPr>
+                <a:t>rilevamento</a:t>
+              </a:r>
+              <a:r>
+                <a:rPr lang="en-US" sz="1200" dirty="0">
+                  <a:solidFill>
+                    <a:schemeClr val="bg1"/>
+                  </a:solidFill>
+                  <a:latin typeface="+mj-lt"/>
+                </a:rPr>
+                <a:t> salute </a:t>
+              </a:r>
+              <a:r>
+                <a:rPr lang="en-US" sz="1200" dirty="0" err="1">
+                  <a:solidFill>
+                    <a:schemeClr val="bg1"/>
+                  </a:solidFill>
+                  <a:latin typeface="+mj-lt"/>
+                </a:rPr>
+                <a:t>personale</a:t>
+              </a:r>
+              <a:endParaRPr lang="en-US" sz="1200" dirty="0">
+                <a:solidFill>
+                  <a:schemeClr val="bg1"/>
+                </a:solidFill>
+                <a:latin typeface="+mj-lt"/>
+              </a:endParaRPr>
+            </a:p>
+          </p:txBody>
+        </p:sp>
+        <p:sp>
+          <p:nvSpPr>
+            <p:cNvPr id="50" name="Rounded Rectangle 10">
+              <a:extLst>
+                <a:ext uri="{FF2B5EF4-FFF2-40B4-BE49-F238E27FC236}">
+                  <a16:creationId xmlns:a16="http://schemas.microsoft.com/office/drawing/2014/main" id="{A39C87CE-B099-D02F-B842-A19989605D80}"/>
+                </a:ext>
+              </a:extLst>
+            </p:cNvPr>
+            <p:cNvSpPr/>
+            <p:nvPr/>
+          </p:nvSpPr>
+          <p:spPr>
+            <a:xfrm>
+              <a:off x="4606443" y="4483665"/>
+              <a:ext cx="1863541" cy="1795057"/>
+            </a:xfrm>
+            <a:prstGeom prst="roundRect">
+              <a:avLst>
+                <a:gd name="adj" fmla="val 12253"/>
+              </a:avLst>
+            </a:prstGeom>
+            <a:noFill/>
+            <a:ln w="57150"/>
+          </p:spPr>
+          <p:style>
+            <a:lnRef idx="2">
+              <a:schemeClr val="accent1">
+                <a:shade val="50000"/>
+              </a:schemeClr>
+            </a:lnRef>
+            <a:fillRef idx="1">
+              <a:schemeClr val="accent1"/>
+            </a:fillRef>
+            <a:effectRef idx="0">
+              <a:schemeClr val="accent1"/>
+            </a:effectRef>
+            <a:fontRef idx="minor">
+              <a:schemeClr val="lt1"/>
+            </a:fontRef>
+          </p:style>
+          <p:txBody>
+            <a:bodyPr bIns="0" rtlCol="0" anchor="t" anchorCtr="0"/>
+            <a:lstStyle/>
+            <a:p>
+              <a:pPr algn="ctr" defTabSz="1219170">
+                <a:defRPr/>
+              </a:pPr>
+              <a:r>
+                <a:rPr lang="en-US" sz="1200" dirty="0">
+                  <a:solidFill>
+                    <a:schemeClr val="bg1"/>
+                  </a:solidFill>
+                  <a:latin typeface="+mj-lt"/>
+                </a:rPr>
+                <a:t>App </a:t>
+              </a:r>
+              <a:r>
+                <a:rPr lang="en-US" sz="1200" dirty="0" err="1">
+                  <a:solidFill>
+                    <a:schemeClr val="bg1"/>
+                  </a:solidFill>
+                  <a:latin typeface="+mj-lt"/>
+                </a:rPr>
+                <a:t>generica</a:t>
+              </a:r>
+              <a:r>
+                <a:rPr lang="en-US" sz="1200" dirty="0">
+                  <a:solidFill>
+                    <a:schemeClr val="bg1"/>
+                  </a:solidFill>
+                  <a:latin typeface="+mj-lt"/>
+                </a:rPr>
+                <a:t> e </a:t>
+              </a:r>
+              <a:r>
+                <a:rPr lang="en-US" sz="1200" dirty="0" err="1">
+                  <a:solidFill>
+                    <a:schemeClr val="bg1"/>
+                  </a:solidFill>
+                  <a:latin typeface="+mj-lt"/>
+                </a:rPr>
+                <a:t>dispositivi</a:t>
+              </a:r>
+              <a:r>
+                <a:rPr lang="en-US" sz="1200" dirty="0">
+                  <a:solidFill>
+                    <a:schemeClr val="bg1"/>
+                  </a:solidFill>
+                  <a:latin typeface="+mj-lt"/>
+                </a:rPr>
+                <a:t> gateway </a:t>
+              </a:r>
+            </a:p>
+          </p:txBody>
+        </p:sp>
+        <p:pic>
+          <p:nvPicPr>
+            <p:cNvPr id="51" name="Picture 25">
+              <a:extLst>
+                <a:ext uri="{FF2B5EF4-FFF2-40B4-BE49-F238E27FC236}">
+                  <a16:creationId xmlns:a16="http://schemas.microsoft.com/office/drawing/2014/main" id="{BC59C866-6111-B925-957E-93772EC7B664}"/>
+                </a:ext>
+              </a:extLst>
+            </p:cNvPr>
+            <p:cNvPicPr>
+              <a:picLocks noChangeAspect="1"/>
+            </p:cNvPicPr>
+            <p:nvPr/>
+          </p:nvPicPr>
+          <p:blipFill>
+            <a:blip r:embed="rId7" cstate="print">
+              <a:extLst>
+                <a:ext uri="{28A0092B-C50C-407E-A947-70E740481C1C}">
+                  <a14:useLocalDpi xmlns:a14="http://schemas.microsoft.com/office/drawing/2010/main" val="0"/>
+                </a:ext>
+              </a:extLst>
+            </a:blip>
+            <a:stretch>
+              <a:fillRect/>
+            </a:stretch>
+          </p:blipFill>
+          <p:spPr>
+            <a:xfrm>
+              <a:off x="5743912" y="5449336"/>
+              <a:ext cx="771791" cy="707080"/>
+            </a:xfrm>
+            <a:prstGeom prst="rect">
+              <a:avLst/>
+            </a:prstGeom>
+          </p:spPr>
+        </p:pic>
+        <p:pic>
+          <p:nvPicPr>
+            <p:cNvPr id="57" name="Picture 33">
+              <a:extLst>
+                <a:ext uri="{FF2B5EF4-FFF2-40B4-BE49-F238E27FC236}">
+                  <a16:creationId xmlns:a16="http://schemas.microsoft.com/office/drawing/2014/main" id="{01B6EAAD-3AEF-5414-25EB-A7D3F218B48E}"/>
+                </a:ext>
+              </a:extLst>
+            </p:cNvPr>
+            <p:cNvPicPr>
+              <a:picLocks noChangeAspect="1"/>
+            </p:cNvPicPr>
+            <p:nvPr/>
+          </p:nvPicPr>
+          <p:blipFill>
+            <a:blip r:embed="rId8" cstate="print">
+              <a:extLst>
+                <a:ext uri="{28A0092B-C50C-407E-A947-70E740481C1C}">
+                  <a14:useLocalDpi xmlns:a14="http://schemas.microsoft.com/office/drawing/2010/main" val="0"/>
+                </a:ext>
+              </a:extLst>
+            </a:blip>
+            <a:stretch>
+              <a:fillRect/>
+            </a:stretch>
+          </p:blipFill>
+          <p:spPr>
+            <a:xfrm>
+              <a:off x="5860442" y="5011873"/>
+              <a:ext cx="468069" cy="428825"/>
+            </a:xfrm>
+            <a:prstGeom prst="rect">
+              <a:avLst/>
+            </a:prstGeom>
+          </p:spPr>
+        </p:pic>
+        <p:sp>
+          <p:nvSpPr>
+            <p:cNvPr id="59" name="Left-Right Arrow 8">
+              <a:extLst>
+                <a:ext uri="{FF2B5EF4-FFF2-40B4-BE49-F238E27FC236}">
+                  <a16:creationId xmlns:a16="http://schemas.microsoft.com/office/drawing/2014/main" id="{96CFED16-F2BF-EF05-C460-E6F3AD0E4182}"/>
+                </a:ext>
+              </a:extLst>
+            </p:cNvPr>
+            <p:cNvSpPr/>
+            <p:nvPr/>
+          </p:nvSpPr>
+          <p:spPr>
+            <a:xfrm>
+              <a:off x="3057241" y="4650880"/>
+              <a:ext cx="1495113" cy="1417113"/>
+            </a:xfrm>
+            <a:prstGeom prst="leftRightArrow">
+              <a:avLst>
+                <a:gd name="adj1" fmla="val 79822"/>
+                <a:gd name="adj2" fmla="val 14767"/>
+              </a:avLst>
+            </a:prstGeom>
+          </p:spPr>
+          <p:style>
+            <a:lnRef idx="2">
+              <a:schemeClr val="accent1">
+                <a:shade val="50000"/>
+              </a:schemeClr>
+            </a:lnRef>
+            <a:fillRef idx="1">
+              <a:schemeClr val="accent1"/>
+            </a:fillRef>
+            <a:effectRef idx="0">
+              <a:schemeClr val="accent1"/>
+            </a:effectRef>
+            <a:fontRef idx="minor">
+              <a:schemeClr val="lt1"/>
+            </a:fontRef>
+          </p:style>
+          <p:txBody>
+            <a:bodyPr rtlCol="0" anchor="ctr"/>
+            <a:lstStyle/>
+            <a:p>
+              <a:pPr algn="ctr" defTabSz="1219170">
+                <a:defRPr/>
+              </a:pPr>
+              <a:r>
+                <a:rPr lang="en-US" sz="1100" b="1" dirty="0">
+                  <a:solidFill>
+                    <a:prstClr val="white"/>
+                  </a:solidFill>
+                  <a:latin typeface="Calibri" panose="020F0502020204030204"/>
+                </a:rPr>
+                <a:t>ACOM</a:t>
+              </a:r>
+              <a:r>
+                <a:rPr lang="en-US" sz="1100" dirty="0">
+                  <a:solidFill>
+                    <a:prstClr val="white"/>
+                  </a:solidFill>
+                  <a:latin typeface="Calibri" panose="020F0502020204030204"/>
+                </a:rPr>
+                <a:t> via </a:t>
+              </a:r>
+              <a:r>
+                <a:rPr lang="it-IT" sz="1100" b="0" i="0" u="none" strike="noStrike" baseline="0" dirty="0">
+                  <a:solidFill>
+                    <a:srgbClr val="FFFFFF"/>
+                  </a:solidFill>
+                  <a:latin typeface="Calibri" panose="020F0502020204030204" pitchFamily="34" charset="0"/>
+                </a:rPr>
+                <a:t>Bluetooth ®</a:t>
+              </a:r>
+              <a:endParaRPr lang="en-US" sz="1100" dirty="0">
+                <a:solidFill>
+                  <a:prstClr val="white"/>
+                </a:solidFill>
+                <a:latin typeface="Calibri" panose="020F0502020204030204"/>
+              </a:endParaRPr>
+            </a:p>
+          </p:txBody>
+        </p:sp>
+        <p:sp>
+          <p:nvSpPr>
+            <p:cNvPr id="63" name="Rounded Rectangle 10">
+              <a:extLst>
+                <a:ext uri="{FF2B5EF4-FFF2-40B4-BE49-F238E27FC236}">
+                  <a16:creationId xmlns:a16="http://schemas.microsoft.com/office/drawing/2014/main" id="{FFDCDD81-7159-B516-A8E0-9719DC9CEF42}"/>
+                </a:ext>
+              </a:extLst>
+            </p:cNvPr>
+            <p:cNvSpPr/>
+            <p:nvPr/>
+          </p:nvSpPr>
+          <p:spPr>
+            <a:xfrm>
+              <a:off x="8080159" y="4287525"/>
+              <a:ext cx="1955360" cy="2143821"/>
+            </a:xfrm>
+            <a:prstGeom prst="roundRect">
+              <a:avLst>
+                <a:gd name="adj" fmla="val 12253"/>
+              </a:avLst>
+            </a:prstGeom>
+            <a:solidFill>
+              <a:schemeClr val="tx1"/>
+            </a:solidFill>
+            <a:ln w="57150"/>
+          </p:spPr>
+          <p:style>
+            <a:lnRef idx="2">
+              <a:schemeClr val="accent1">
+                <a:shade val="50000"/>
+              </a:schemeClr>
+            </a:lnRef>
+            <a:fillRef idx="1">
+              <a:schemeClr val="accent1"/>
+            </a:fillRef>
+            <a:effectRef idx="0">
+              <a:schemeClr val="accent1"/>
+            </a:effectRef>
+            <a:fontRef idx="minor">
+              <a:schemeClr val="lt1"/>
+            </a:fontRef>
+          </p:style>
+          <p:txBody>
+            <a:bodyPr bIns="0" rtlCol="0" anchor="t" anchorCtr="0"/>
+            <a:lstStyle/>
+            <a:p>
+              <a:pPr algn="ctr" defTabSz="1219170">
+                <a:defRPr/>
+              </a:pPr>
+              <a:r>
+                <a:rPr lang="en-US" sz="1200" dirty="0">
+                  <a:solidFill>
+                    <a:schemeClr val="bg1"/>
+                  </a:solidFill>
+                  <a:latin typeface="+mj-lt"/>
+                </a:rPr>
+                <a:t>Server FHIR</a:t>
+              </a:r>
+            </a:p>
+          </p:txBody>
+        </p:sp>
+      </p:grpSp>
+      <p:pic>
+        <p:nvPicPr>
+          <p:cNvPr id="12" name="Segnaposto contenuto 11" descr="Nuvola con riempimento a tinta unita">
+            <a:extLst>
+              <a:ext uri="{FF2B5EF4-FFF2-40B4-BE49-F238E27FC236}">
+                <a16:creationId xmlns:a16="http://schemas.microsoft.com/office/drawing/2014/main" id="{C92DABD1-4272-51EC-EC21-B12A8232F66F}"/>
+              </a:ext>
+            </a:extLst>
+          </p:cNvPr>
+          <p:cNvPicPr>
+            <a:picLocks noGrp="1" noChangeAspect="1"/>
+          </p:cNvPicPr>
+          <p:nvPr>
+            <p:ph sz="quarter" idx="15"/>
+          </p:nvPr>
+        </p:nvPicPr>
+        <p:blipFill>
+          <a:blip r:embed="rId9">
+            <a:extLst>
+              <a:ext uri="{96DAC541-7B7A-43D3-8B79-37D633B846F1}">
+                <asvg:svgBlip xmlns:asvg="http://schemas.microsoft.com/office/drawing/2016/SVG/main" r:embed="rId10"/>
+              </a:ext>
+            </a:extLst>
+          </a:blip>
+          <a:stretch>
+            <a:fillRect/>
+          </a:stretch>
+        </p:blipFill>
+        <p:spPr>
+          <a:xfrm>
+            <a:off x="9026930" y="3592969"/>
+            <a:ext cx="914400" cy="914400"/>
+          </a:xfrm>
+        </p:spPr>
+      </p:pic>
+      <p:sp>
+        <p:nvSpPr>
+          <p:cNvPr id="4" name="Left-Right Arrow 8">
+            <a:extLst>
+              <a:ext uri="{FF2B5EF4-FFF2-40B4-BE49-F238E27FC236}">
+                <a16:creationId xmlns:a16="http://schemas.microsoft.com/office/drawing/2014/main" id="{4C89ABBC-6632-F7A3-5678-0C2E0DB747AC}"/>
+              </a:ext>
+            </a:extLst>
+          </p:cNvPr>
+          <p:cNvSpPr/>
+          <p:nvPr/>
+        </p:nvSpPr>
+        <p:spPr>
+          <a:xfrm>
+            <a:off x="6960856" y="3312034"/>
+            <a:ext cx="1495113" cy="1417113"/>
+          </a:xfrm>
+          <a:prstGeom prst="leftRightArrow">
+            <a:avLst>
+              <a:gd name="adj1" fmla="val 79822"/>
+              <a:gd name="adj2" fmla="val 14767"/>
+            </a:avLst>
+          </a:prstGeom>
+        </p:spPr>
+        <p:style>
+          <a:lnRef idx="2">
+            <a:schemeClr val="accent1">
+              <a:shade val="50000"/>
+            </a:schemeClr>
+          </a:lnRef>
+          <a:fillRef idx="1">
+            <a:schemeClr val="accent1"/>
+          </a:fillRef>
+          <a:effectRef idx="0">
+            <a:schemeClr val="accent1"/>
+          </a:effectRef>
+          <a:fontRef idx="minor">
+            <a:schemeClr val="lt1"/>
+          </a:fontRef>
+        </p:style>
+        <p:txBody>
+          <a:bodyPr rtlCol="0" anchor="ctr"/>
+          <a:lstStyle/>
+          <a:p>
+            <a:pPr algn="ctr" defTabSz="1219170">
+              <a:defRPr/>
+            </a:pPr>
+            <a:r>
+              <a:rPr lang="it-IT" sz="1100" dirty="0">
+                <a:solidFill>
+                  <a:prstClr val="white"/>
+                </a:solidFill>
+                <a:latin typeface="Calibri" panose="020F0502020204030204"/>
+              </a:rPr>
+              <a:t>Upload e download osservazioni </a:t>
+            </a:r>
+            <a:r>
+              <a:rPr lang="it-IT" sz="1100" b="1" dirty="0">
+                <a:solidFill>
+                  <a:prstClr val="white"/>
+                </a:solidFill>
+                <a:latin typeface="Calibri" panose="020F0502020204030204"/>
+              </a:rPr>
+              <a:t>FHIR</a:t>
+            </a:r>
+            <a:endParaRPr lang="en-US" sz="1100" b="1" dirty="0">
+              <a:solidFill>
+                <a:prstClr val="white"/>
+              </a:solidFill>
+              <a:latin typeface="Calibri" panose="020F0502020204030204"/>
+            </a:endParaRPr>
+          </a:p>
+        </p:txBody>
+      </p:sp>
+      <p:pic>
+        <p:nvPicPr>
+          <p:cNvPr id="10" name="Picture 2" descr="FHIR and the Real Challenge of Health Data ...">
+            <a:extLst>
+              <a:ext uri="{FF2B5EF4-FFF2-40B4-BE49-F238E27FC236}">
+                <a16:creationId xmlns:a16="http://schemas.microsoft.com/office/drawing/2014/main" id="{6D789119-6EE1-F86A-5E15-6F524E055F90}"/>
+              </a:ext>
+            </a:extLst>
+          </p:cNvPr>
+          <p:cNvPicPr>
+            <a:picLocks noChangeAspect="1" noChangeArrowheads="1"/>
+          </p:cNvPicPr>
+          <p:nvPr/>
+        </p:nvPicPr>
+        <p:blipFill>
+          <a:blip r:embed="rId11" cstate="print">
+            <a:clrChange>
+              <a:clrFrom>
+                <a:srgbClr val="FFFFFF"/>
+              </a:clrFrom>
+              <a:clrTo>
+                <a:srgbClr val="FFFFFF">
+                  <a:alpha val="0"/>
+                </a:srgbClr>
+              </a:clrTo>
+            </a:clrChange>
+            <a:extLst>
+              <a:ext uri="{28A0092B-C50C-407E-A947-70E740481C1C}">
+                <a14:useLocalDpi xmlns:a14="http://schemas.microsoft.com/office/drawing/2010/main" val="0"/>
+              </a:ext>
+            </a:extLst>
+          </a:blip>
+          <a:srcRect/>
+          <a:stretch>
+            <a:fillRect/>
+          </a:stretch>
+        </p:blipFill>
+        <p:spPr bwMode="auto">
+          <a:xfrm>
+            <a:off x="8607412" y="4286042"/>
+            <a:ext cx="1513179" cy="708778"/>
+          </a:xfrm>
+          <a:prstGeom prst="rect">
+            <a:avLst/>
+          </a:prstGeom>
+          <a:noFill/>
+          <a:extLst>
+            <a:ext uri="{909E8E84-426E-40DD-AFC4-6F175D3DCCD1}">
+              <a14:hiddenFill xmlns:a14="http://schemas.microsoft.com/office/drawing/2010/main">
+                <a:solidFill>
+                  <a:srgbClr val="FFFFFF"/>
+                </a:solidFill>
+              </a14:hiddenFill>
+            </a:ext>
+          </a:extLst>
+        </p:spPr>
+      </p:pic>
+      <p:sp>
+        <p:nvSpPr>
+          <p:cNvPr id="3" name="Curved Left Arrow 10">
+            <a:extLst>
+              <a:ext uri="{FF2B5EF4-FFF2-40B4-BE49-F238E27FC236}">
+                <a16:creationId xmlns:a16="http://schemas.microsoft.com/office/drawing/2014/main" id="{726309FD-46F8-D604-40C4-A3165719CB67}"/>
+              </a:ext>
+            </a:extLst>
+          </p:cNvPr>
+          <p:cNvSpPr/>
+          <p:nvPr/>
+        </p:nvSpPr>
+        <p:spPr>
+          <a:xfrm>
+            <a:off x="10525178" y="3661299"/>
+            <a:ext cx="539552" cy="718582"/>
+          </a:xfrm>
+          <a:prstGeom prst="curvedLeftArrow">
+            <a:avLst/>
+          </a:prstGeom>
+          <a:solidFill>
+            <a:schemeClr val="tx2"/>
+          </a:solidFill>
+          <a:ln w="25400" cap="flat" cmpd="sng" algn="ctr">
+            <a:solidFill>
+              <a:schemeClr val="tx2">
+                <a:lumMod val="60000"/>
+                <a:lumOff val="40000"/>
+              </a:schemeClr>
+            </a:solidFill>
+            <a:prstDash val="solid"/>
+          </a:ln>
+          <a:effectLst/>
+        </p:spPr>
+        <p:style>
+          <a:lnRef idx="2">
+            <a:schemeClr val="accent1">
+              <a:shade val="50000"/>
+            </a:schemeClr>
+          </a:lnRef>
+          <a:fillRef idx="1">
+            <a:schemeClr val="accent1"/>
+          </a:fillRef>
+          <a:effectRef idx="0">
+            <a:schemeClr val="accent1"/>
+          </a:effectRef>
+          <a:fontRef idx="minor">
+            <a:schemeClr val="lt1"/>
+          </a:fontRef>
+        </p:style>
+        <p:txBody>
+          <a:bodyPr rtlCol="0" anchor="ctr"/>
+          <a:lstStyle/>
+          <a:p>
+            <a:pPr algn="ctr"/>
+            <a:endParaRPr lang="en-US">
+              <a:solidFill>
+                <a:schemeClr val="tx1"/>
+              </a:solidFill>
+            </a:endParaRPr>
           </a:p>
         </p:txBody>
       </p:sp>
       <p:sp>
         <p:nvSpPr>
-          <p:cNvPr id="3" name="Segnaposto testo 2">
+          <p:cNvPr id="5" name="Segnaposto numero diapositiva 4">
             <a:extLst>
               <a:ext uri="{FF2B5EF4-FFF2-40B4-BE49-F238E27FC236}">
-                <a16:creationId xmlns:a16="http://schemas.microsoft.com/office/drawing/2014/main" id="{8BE734F0-2DDD-AF70-F13D-F9E4C1929411}"/>
+                <a16:creationId xmlns:a16="http://schemas.microsoft.com/office/drawing/2014/main" id="{26E4ED73-77F5-F09A-5197-34B24F5B76C3}"/>
               </a:ext>
             </a:extLst>
           </p:cNvPr>
@@ -10099,13 +12575,860 @@
             <a:spLocks noGrp="1"/>
           </p:cNvSpPr>
           <p:nvPr>
-            <p:ph type="body" sz="quarter" idx="11"/>
+            <p:ph type="sldNum" sz="quarter" idx="12"/>
+          </p:nvPr>
+        </p:nvSpPr>
+        <p:spPr/>
+        <p:txBody>
+          <a:bodyPr/>
+          <a:lstStyle/>
+          <a:p>
+            <a:pPr rtl="0"/>
+            <a:fld id="{294A09A9-5501-47C1-A89A-A340965A2BE2}" type="slidenum">
+              <a:rPr lang="it-IT" smtClean="0"/>
+              <a:pPr rtl="0"/>
+              <a:t>4</a:t>
+            </a:fld>
+            <a:endParaRPr lang="it-IT" dirty="0">
+              <a:latin typeface="+mn-lt"/>
+            </a:endParaRPr>
+          </a:p>
+        </p:txBody>
+      </p:sp>
+      <p:sp>
+        <p:nvSpPr>
+          <p:cNvPr id="7" name="Elaborazione alternativa 6">
+            <a:extLst>
+              <a:ext uri="{FF2B5EF4-FFF2-40B4-BE49-F238E27FC236}">
+                <a16:creationId xmlns:a16="http://schemas.microsoft.com/office/drawing/2014/main" id="{DA8AB70E-8B2D-6523-16B4-853D8DF8E608}"/>
+              </a:ext>
+            </a:extLst>
+          </p:cNvPr>
+          <p:cNvSpPr/>
+          <p:nvPr/>
+        </p:nvSpPr>
+        <p:spPr>
+          <a:xfrm>
+            <a:off x="1007706" y="2724539"/>
+            <a:ext cx="5953150" cy="2640563"/>
+          </a:xfrm>
+          <a:prstGeom prst="flowChartAlternateProcess">
+            <a:avLst/>
+          </a:prstGeom>
+          <a:noFill/>
+          <a:ln w="38100">
+            <a:solidFill>
+              <a:schemeClr val="tx2"/>
+            </a:solidFill>
+            <a:extLst>
+              <a:ext uri="{C807C97D-BFC1-408E-A445-0C87EB9F89A2}">
+                <ask:lineSketchStyleProps xmlns:ask="http://schemas.microsoft.com/office/drawing/2018/sketchyshapes" sd="1219033472">
+                  <a:custGeom>
+                    <a:avLst/>
+                    <a:gdLst>
+                      <a:gd name="connsiteX0" fmla="*/ 0 w 6046456"/>
+                      <a:gd name="connsiteY0" fmla="*/ 440094 h 2640563"/>
+                      <a:gd name="connsiteX1" fmla="*/ 440094 w 6046456"/>
+                      <a:gd name="connsiteY1" fmla="*/ 0 h 2640563"/>
+                      <a:gd name="connsiteX2" fmla="*/ 1117449 w 6046456"/>
+                      <a:gd name="connsiteY2" fmla="*/ 0 h 2640563"/>
+                      <a:gd name="connsiteX3" fmla="*/ 1639816 w 6046456"/>
+                      <a:gd name="connsiteY3" fmla="*/ 0 h 2640563"/>
+                      <a:gd name="connsiteX4" fmla="*/ 2110521 w 6046456"/>
+                      <a:gd name="connsiteY4" fmla="*/ 0 h 2640563"/>
+                      <a:gd name="connsiteX5" fmla="*/ 2736213 w 6046456"/>
+                      <a:gd name="connsiteY5" fmla="*/ 0 h 2640563"/>
+                      <a:gd name="connsiteX6" fmla="*/ 3258580 w 6046456"/>
+                      <a:gd name="connsiteY6" fmla="*/ 0 h 2640563"/>
+                      <a:gd name="connsiteX7" fmla="*/ 3935935 w 6046456"/>
+                      <a:gd name="connsiteY7" fmla="*/ 0 h 2640563"/>
+                      <a:gd name="connsiteX8" fmla="*/ 4406640 w 6046456"/>
+                      <a:gd name="connsiteY8" fmla="*/ 0 h 2640563"/>
+                      <a:gd name="connsiteX9" fmla="*/ 5083995 w 6046456"/>
+                      <a:gd name="connsiteY9" fmla="*/ 0 h 2640563"/>
+                      <a:gd name="connsiteX10" fmla="*/ 5606362 w 6046456"/>
+                      <a:gd name="connsiteY10" fmla="*/ 0 h 2640563"/>
+                      <a:gd name="connsiteX11" fmla="*/ 6046456 w 6046456"/>
+                      <a:gd name="connsiteY11" fmla="*/ 440094 h 2640563"/>
+                      <a:gd name="connsiteX12" fmla="*/ 6046456 w 6046456"/>
+                      <a:gd name="connsiteY12" fmla="*/ 1044489 h 2640563"/>
+                      <a:gd name="connsiteX13" fmla="*/ 6046456 w 6046456"/>
+                      <a:gd name="connsiteY13" fmla="*/ 1666489 h 2640563"/>
+                      <a:gd name="connsiteX14" fmla="*/ 6046456 w 6046456"/>
+                      <a:gd name="connsiteY14" fmla="*/ 2200469 h 2640563"/>
+                      <a:gd name="connsiteX15" fmla="*/ 5606362 w 6046456"/>
+                      <a:gd name="connsiteY15" fmla="*/ 2640563 h 2640563"/>
+                      <a:gd name="connsiteX16" fmla="*/ 4980670 w 6046456"/>
+                      <a:gd name="connsiteY16" fmla="*/ 2640563 h 2640563"/>
+                      <a:gd name="connsiteX17" fmla="*/ 4406640 w 6046456"/>
+                      <a:gd name="connsiteY17" fmla="*/ 2640563 h 2640563"/>
+                      <a:gd name="connsiteX18" fmla="*/ 3987598 w 6046456"/>
+                      <a:gd name="connsiteY18" fmla="*/ 2640563 h 2640563"/>
+                      <a:gd name="connsiteX19" fmla="*/ 3516894 w 6046456"/>
+                      <a:gd name="connsiteY19" fmla="*/ 2640563 h 2640563"/>
+                      <a:gd name="connsiteX20" fmla="*/ 2839538 w 6046456"/>
+                      <a:gd name="connsiteY20" fmla="*/ 2640563 h 2640563"/>
+                      <a:gd name="connsiteX21" fmla="*/ 2265509 w 6046456"/>
+                      <a:gd name="connsiteY21" fmla="*/ 2640563 h 2640563"/>
+                      <a:gd name="connsiteX22" fmla="*/ 1794804 w 6046456"/>
+                      <a:gd name="connsiteY22" fmla="*/ 2640563 h 2640563"/>
+                      <a:gd name="connsiteX23" fmla="*/ 1220774 w 6046456"/>
+                      <a:gd name="connsiteY23" fmla="*/ 2640563 h 2640563"/>
+                      <a:gd name="connsiteX24" fmla="*/ 440094 w 6046456"/>
+                      <a:gd name="connsiteY24" fmla="*/ 2640563 h 2640563"/>
+                      <a:gd name="connsiteX25" fmla="*/ 0 w 6046456"/>
+                      <a:gd name="connsiteY25" fmla="*/ 2200469 h 2640563"/>
+                      <a:gd name="connsiteX26" fmla="*/ 0 w 6046456"/>
+                      <a:gd name="connsiteY26" fmla="*/ 1578470 h 2640563"/>
+                      <a:gd name="connsiteX27" fmla="*/ 0 w 6046456"/>
+                      <a:gd name="connsiteY27" fmla="*/ 974074 h 2640563"/>
+                      <a:gd name="connsiteX28" fmla="*/ 0 w 6046456"/>
+                      <a:gd name="connsiteY28" fmla="*/ 440094 h 2640563"/>
+                    </a:gdLst>
+                    <a:ahLst/>
+                    <a:cxnLst>
+                      <a:cxn ang="0">
+                        <a:pos x="connsiteX0" y="connsiteY0"/>
+                      </a:cxn>
+                      <a:cxn ang="0">
+                        <a:pos x="connsiteX1" y="connsiteY1"/>
+                      </a:cxn>
+                      <a:cxn ang="0">
+                        <a:pos x="connsiteX2" y="connsiteY2"/>
+                      </a:cxn>
+                      <a:cxn ang="0">
+                        <a:pos x="connsiteX3" y="connsiteY3"/>
+                      </a:cxn>
+                      <a:cxn ang="0">
+                        <a:pos x="connsiteX4" y="connsiteY4"/>
+                      </a:cxn>
+                      <a:cxn ang="0">
+                        <a:pos x="connsiteX5" y="connsiteY5"/>
+                      </a:cxn>
+                      <a:cxn ang="0">
+                        <a:pos x="connsiteX6" y="connsiteY6"/>
+                      </a:cxn>
+                      <a:cxn ang="0">
+                        <a:pos x="connsiteX7" y="connsiteY7"/>
+                      </a:cxn>
+                      <a:cxn ang="0">
+                        <a:pos x="connsiteX8" y="connsiteY8"/>
+                      </a:cxn>
+                      <a:cxn ang="0">
+                        <a:pos x="connsiteX9" y="connsiteY9"/>
+                      </a:cxn>
+                      <a:cxn ang="0">
+                        <a:pos x="connsiteX10" y="connsiteY10"/>
+                      </a:cxn>
+                      <a:cxn ang="0">
+                        <a:pos x="connsiteX11" y="connsiteY11"/>
+                      </a:cxn>
+                      <a:cxn ang="0">
+                        <a:pos x="connsiteX12" y="connsiteY12"/>
+                      </a:cxn>
+                      <a:cxn ang="0">
+                        <a:pos x="connsiteX13" y="connsiteY13"/>
+                      </a:cxn>
+                      <a:cxn ang="0">
+                        <a:pos x="connsiteX14" y="connsiteY14"/>
+                      </a:cxn>
+                      <a:cxn ang="0">
+                        <a:pos x="connsiteX15" y="connsiteY15"/>
+                      </a:cxn>
+                      <a:cxn ang="0">
+                        <a:pos x="connsiteX16" y="connsiteY16"/>
+                      </a:cxn>
+                      <a:cxn ang="0">
+                        <a:pos x="connsiteX17" y="connsiteY17"/>
+                      </a:cxn>
+                      <a:cxn ang="0">
+                        <a:pos x="connsiteX18" y="connsiteY18"/>
+                      </a:cxn>
+                      <a:cxn ang="0">
+                        <a:pos x="connsiteX19" y="connsiteY19"/>
+                      </a:cxn>
+                      <a:cxn ang="0">
+                        <a:pos x="connsiteX20" y="connsiteY20"/>
+                      </a:cxn>
+                      <a:cxn ang="0">
+                        <a:pos x="connsiteX21" y="connsiteY21"/>
+                      </a:cxn>
+                      <a:cxn ang="0">
+                        <a:pos x="connsiteX22" y="connsiteY22"/>
+                      </a:cxn>
+                      <a:cxn ang="0">
+                        <a:pos x="connsiteX23" y="connsiteY23"/>
+                      </a:cxn>
+                      <a:cxn ang="0">
+                        <a:pos x="connsiteX24" y="connsiteY24"/>
+                      </a:cxn>
+                      <a:cxn ang="0">
+                        <a:pos x="connsiteX25" y="connsiteY25"/>
+                      </a:cxn>
+                      <a:cxn ang="0">
+                        <a:pos x="connsiteX26" y="connsiteY26"/>
+                      </a:cxn>
+                      <a:cxn ang="0">
+                        <a:pos x="connsiteX27" y="connsiteY27"/>
+                      </a:cxn>
+                      <a:cxn ang="0">
+                        <a:pos x="connsiteX28" y="connsiteY28"/>
+                      </a:cxn>
+                    </a:cxnLst>
+                    <a:rect l="l" t="t" r="r" b="b"/>
+                    <a:pathLst>
+                      <a:path w="6046456" h="2640563" extrusionOk="0">
+                        <a:moveTo>
+                          <a:pt x="0" y="440094"/>
+                        </a:moveTo>
+                        <a:cubicBezTo>
+                          <a:pt x="-42569" y="170779"/>
+                          <a:pt x="142703" y="20393"/>
+                          <a:pt x="440094" y="0"/>
+                        </a:cubicBezTo>
+                        <a:cubicBezTo>
+                          <a:pt x="680745" y="-45245"/>
+                          <a:pt x="976571" y="33845"/>
+                          <a:pt x="1117449" y="0"/>
+                        </a:cubicBezTo>
+                        <a:cubicBezTo>
+                          <a:pt x="1258328" y="-33845"/>
+                          <a:pt x="1506494" y="52524"/>
+                          <a:pt x="1639816" y="0"/>
+                        </a:cubicBezTo>
+                        <a:cubicBezTo>
+                          <a:pt x="1773138" y="-52524"/>
+                          <a:pt x="1974044" y="21277"/>
+                          <a:pt x="2110521" y="0"/>
+                        </a:cubicBezTo>
+                        <a:cubicBezTo>
+                          <a:pt x="2246998" y="-21277"/>
+                          <a:pt x="2570345" y="32668"/>
+                          <a:pt x="2736213" y="0"/>
+                        </a:cubicBezTo>
+                        <a:cubicBezTo>
+                          <a:pt x="2902081" y="-32668"/>
+                          <a:pt x="3032528" y="41392"/>
+                          <a:pt x="3258580" y="0"/>
+                        </a:cubicBezTo>
+                        <a:cubicBezTo>
+                          <a:pt x="3484632" y="-41392"/>
+                          <a:pt x="3746587" y="12995"/>
+                          <a:pt x="3935935" y="0"/>
+                        </a:cubicBezTo>
+                        <a:cubicBezTo>
+                          <a:pt x="4125283" y="-12995"/>
+                          <a:pt x="4310631" y="18247"/>
+                          <a:pt x="4406640" y="0"/>
+                        </a:cubicBezTo>
+                        <a:cubicBezTo>
+                          <a:pt x="4502649" y="-18247"/>
+                          <a:pt x="4869948" y="29128"/>
+                          <a:pt x="5083995" y="0"/>
+                        </a:cubicBezTo>
+                        <a:cubicBezTo>
+                          <a:pt x="5298042" y="-29128"/>
+                          <a:pt x="5385694" y="8273"/>
+                          <a:pt x="5606362" y="0"/>
+                        </a:cubicBezTo>
+                        <a:cubicBezTo>
+                          <a:pt x="5789906" y="-3404"/>
+                          <a:pt x="6069184" y="134712"/>
+                          <a:pt x="6046456" y="440094"/>
+                        </a:cubicBezTo>
+                        <a:cubicBezTo>
+                          <a:pt x="6104832" y="690667"/>
+                          <a:pt x="5992733" y="829596"/>
+                          <a:pt x="6046456" y="1044489"/>
+                        </a:cubicBezTo>
+                        <a:cubicBezTo>
+                          <a:pt x="6100179" y="1259383"/>
+                          <a:pt x="6022052" y="1374981"/>
+                          <a:pt x="6046456" y="1666489"/>
+                        </a:cubicBezTo>
+                        <a:cubicBezTo>
+                          <a:pt x="6070860" y="1957997"/>
+                          <a:pt x="6036460" y="2049368"/>
+                          <a:pt x="6046456" y="2200469"/>
+                        </a:cubicBezTo>
+                        <a:cubicBezTo>
+                          <a:pt x="5975364" y="2455200"/>
+                          <a:pt x="5794988" y="2603007"/>
+                          <a:pt x="5606362" y="2640563"/>
+                        </a:cubicBezTo>
+                        <a:cubicBezTo>
+                          <a:pt x="5379871" y="2645638"/>
+                          <a:pt x="5210292" y="2636065"/>
+                          <a:pt x="4980670" y="2640563"/>
+                        </a:cubicBezTo>
+                        <a:cubicBezTo>
+                          <a:pt x="4751048" y="2645061"/>
+                          <a:pt x="4689693" y="2592286"/>
+                          <a:pt x="4406640" y="2640563"/>
+                        </a:cubicBezTo>
+                        <a:cubicBezTo>
+                          <a:pt x="4123587" y="2688840"/>
+                          <a:pt x="4084801" y="2602302"/>
+                          <a:pt x="3987598" y="2640563"/>
+                        </a:cubicBezTo>
+                        <a:cubicBezTo>
+                          <a:pt x="3890395" y="2678824"/>
+                          <a:pt x="3678033" y="2589654"/>
+                          <a:pt x="3516894" y="2640563"/>
+                        </a:cubicBezTo>
+                        <a:cubicBezTo>
+                          <a:pt x="3355755" y="2691472"/>
+                          <a:pt x="3022620" y="2579831"/>
+                          <a:pt x="2839538" y="2640563"/>
+                        </a:cubicBezTo>
+                        <a:cubicBezTo>
+                          <a:pt x="2656456" y="2701295"/>
+                          <a:pt x="2384311" y="2603079"/>
+                          <a:pt x="2265509" y="2640563"/>
+                        </a:cubicBezTo>
+                        <a:cubicBezTo>
+                          <a:pt x="2146707" y="2678047"/>
+                          <a:pt x="1940205" y="2615226"/>
+                          <a:pt x="1794804" y="2640563"/>
+                        </a:cubicBezTo>
+                        <a:cubicBezTo>
+                          <a:pt x="1649403" y="2665900"/>
+                          <a:pt x="1390725" y="2592526"/>
+                          <a:pt x="1220774" y="2640563"/>
+                        </a:cubicBezTo>
+                        <a:cubicBezTo>
+                          <a:pt x="1050823" y="2688600"/>
+                          <a:pt x="735332" y="2561157"/>
+                          <a:pt x="440094" y="2640563"/>
+                        </a:cubicBezTo>
+                        <a:cubicBezTo>
+                          <a:pt x="209451" y="2602383"/>
+                          <a:pt x="24123" y="2469609"/>
+                          <a:pt x="0" y="2200469"/>
+                        </a:cubicBezTo>
+                        <a:cubicBezTo>
+                          <a:pt x="-23780" y="1993048"/>
+                          <a:pt x="49531" y="1706490"/>
+                          <a:pt x="0" y="1578470"/>
+                        </a:cubicBezTo>
+                        <a:cubicBezTo>
+                          <a:pt x="-49531" y="1450450"/>
+                          <a:pt x="42074" y="1122045"/>
+                          <a:pt x="0" y="974074"/>
+                        </a:cubicBezTo>
+                        <a:cubicBezTo>
+                          <a:pt x="-42074" y="826103"/>
+                          <a:pt x="56192" y="570668"/>
+                          <a:pt x="0" y="440094"/>
+                        </a:cubicBezTo>
+                        <a:close/>
+                      </a:path>
+                    </a:pathLst>
+                  </a:custGeom>
+                  <ask:type>
+                    <ask:lineSketchNone/>
+                  </ask:type>
+                </ask:lineSketchStyleProps>
+              </a:ext>
+            </a:extLst>
+          </a:ln>
+        </p:spPr>
+        <p:style>
+          <a:lnRef idx="2">
+            <a:schemeClr val="accent1">
+              <a:shade val="15000"/>
+            </a:schemeClr>
+          </a:lnRef>
+          <a:fillRef idx="1">
+            <a:schemeClr val="accent1"/>
+          </a:fillRef>
+          <a:effectRef idx="0">
+            <a:schemeClr val="accent1"/>
+          </a:effectRef>
+          <a:fontRef idx="minor">
+            <a:schemeClr val="lt1"/>
+          </a:fontRef>
+        </p:style>
+        <p:txBody>
+          <a:bodyPr rtlCol="0" anchor="ctr"/>
+          <a:lstStyle/>
+          <a:p>
+            <a:pPr algn="ctr"/>
+            <a:endParaRPr lang="it-IT"/>
+          </a:p>
+        </p:txBody>
+      </p:sp>
+    </p:spTree>
+    <p:extLst>
+      <p:ext uri="{BB962C8B-B14F-4D97-AF65-F5344CB8AC3E}">
+        <p14:creationId xmlns:p14="http://schemas.microsoft.com/office/powerpoint/2010/main" val="511606997"/>
+      </p:ext>
+    </p:extLst>
+  </p:cSld>
+  <p:clrMapOvr>
+    <a:masterClrMapping/>
+  </p:clrMapOvr>
+  <p:timing>
+    <p:tnLst>
+      <p:par>
+        <p:cTn id="1" dur="indefinite" restart="never" nodeType="tmRoot">
+          <p:childTnLst>
+            <p:seq concurrent="1" nextAc="seek">
+              <p:cTn id="2" dur="indefinite" nodeType="mainSeq">
+                <p:childTnLst>
+                  <p:par>
+                    <p:cTn id="3" fill="hold">
+                      <p:stCondLst>
+                        <p:cond delay="indefinite"/>
+                      </p:stCondLst>
+                      <p:childTnLst>
+                        <p:par>
+                          <p:cTn id="4" fill="hold">
+                            <p:stCondLst>
+                              <p:cond delay="0"/>
+                            </p:stCondLst>
+                            <p:childTnLst>
+                              <p:par>
+                                <p:cTn id="5" presetID="10" presetClass="entr" presetSubtype="0" fill="hold" grpId="0" nodeType="clickEffect">
+                                  <p:stCondLst>
+                                    <p:cond delay="0"/>
+                                  </p:stCondLst>
+                                  <p:childTnLst>
+                                    <p:set>
+                                      <p:cBhvr>
+                                        <p:cTn id="6" dur="1" fill="hold">
+                                          <p:stCondLst>
+                                            <p:cond delay="0"/>
+                                          </p:stCondLst>
+                                        </p:cTn>
+                                        <p:tgtEl>
+                                          <p:spTgt spid="7"/>
+                                        </p:tgtEl>
+                                        <p:attrNameLst>
+                                          <p:attrName>style.visibility</p:attrName>
+                                        </p:attrNameLst>
+                                      </p:cBhvr>
+                                      <p:to>
+                                        <p:strVal val="visible"/>
+                                      </p:to>
+                                    </p:set>
+                                    <p:animEffect transition="in" filter="fade">
+                                      <p:cBhvr>
+                                        <p:cTn id="7" dur="500"/>
+                                        <p:tgtEl>
+                                          <p:spTgt spid="7"/>
+                                        </p:tgtEl>
+                                      </p:cBhvr>
+                                    </p:animEffect>
+                                  </p:childTnLst>
+                                </p:cTn>
+                              </p:par>
+                            </p:childTnLst>
+                          </p:cTn>
+                        </p:par>
+                      </p:childTnLst>
+                    </p:cTn>
+                  </p:par>
+                </p:childTnLst>
+              </p:cTn>
+              <p:prevCondLst>
+                <p:cond evt="onPrev" delay="0">
+                  <p:tgtEl>
+                    <p:sldTgt/>
+                  </p:tgtEl>
+                </p:cond>
+              </p:prevCondLst>
+              <p:nextCondLst>
+                <p:cond evt="onNext" delay="0">
+                  <p:tgtEl>
+                    <p:sldTgt/>
+                  </p:tgtEl>
+                </p:cond>
+              </p:nextCondLst>
+            </p:seq>
+          </p:childTnLst>
+        </p:cTn>
+      </p:par>
+    </p:tnLst>
+    <p:bldLst>
+      <p:bldP spid="7" grpId="0" animBg="1"/>
+    </p:bldLst>
+  </p:timing>
+</p:sld>
+</file>
+
+<file path=ppt/slides/slide5.xml><?xml version="1.0" encoding="utf-8"?>
+<p:sld xmlns:a="http://schemas.openxmlformats.org/drawingml/2006/main" xmlns:r="http://schemas.openxmlformats.org/officeDocument/2006/relationships" xmlns:p="http://schemas.openxmlformats.org/presentationml/2006/main">
+  <p:cSld>
+    <p:spTree>
+      <p:nvGrpSpPr>
+        <p:cNvPr id="1" name=""/>
+        <p:cNvGrpSpPr/>
+        <p:nvPr/>
+      </p:nvGrpSpPr>
+      <p:grpSpPr>
+        <a:xfrm>
+          <a:off x="0" y="0"/>
+          <a:ext cx="0" cy="0"/>
+          <a:chOff x="0" y="0"/>
+          <a:chExt cx="0" cy="0"/>
+        </a:xfrm>
+      </p:grpSpPr>
+      <p:sp>
+        <p:nvSpPr>
+          <p:cNvPr id="2" name="Titolo 1">
+            <a:extLst>
+              <a:ext uri="{FF2B5EF4-FFF2-40B4-BE49-F238E27FC236}">
+                <a16:creationId xmlns:a16="http://schemas.microsoft.com/office/drawing/2014/main" id="{979312F5-A241-3BFE-E84B-B36E1CE8FD1F}"/>
+              </a:ext>
+            </a:extLst>
+          </p:cNvPr>
+          <p:cNvSpPr>
+            <a:spLocks noGrp="1"/>
+          </p:cNvSpPr>
+          <p:nvPr>
+            <p:ph type="title"/>
           </p:nvPr>
         </p:nvSpPr>
         <p:spPr>
           <a:xfrm>
-            <a:off x="594360" y="4549552"/>
-            <a:ext cx="5486400" cy="1645920"/>
+            <a:off x="594360" y="278129"/>
+            <a:ext cx="9778365" cy="1494596"/>
+          </a:xfrm>
+        </p:spPr>
+        <p:txBody>
+          <a:bodyPr/>
+          <a:lstStyle/>
+          <a:p>
+            <a:r>
+              <a:rPr lang="it-IT" dirty="0"/>
+              <a:t>Obbiettivo tesi</a:t>
+            </a:r>
+          </a:p>
+        </p:txBody>
+      </p:sp>
+      <p:sp>
+        <p:nvSpPr>
+          <p:cNvPr id="8" name="Segnaposto contenuto 7">
+            <a:extLst>
+              <a:ext uri="{FF2B5EF4-FFF2-40B4-BE49-F238E27FC236}">
+                <a16:creationId xmlns:a16="http://schemas.microsoft.com/office/drawing/2014/main" id="{E78FEFCE-05EE-692F-66B8-B5ED151C0192}"/>
+              </a:ext>
+            </a:extLst>
+          </p:cNvPr>
+          <p:cNvSpPr>
+            <a:spLocks noGrp="1"/>
+          </p:cNvSpPr>
+          <p:nvPr>
+            <p:ph sz="quarter" idx="15"/>
+          </p:nvPr>
+        </p:nvSpPr>
+        <p:spPr>
+          <a:xfrm>
+            <a:off x="594360" y="2676525"/>
+            <a:ext cx="9778365" cy="3597470"/>
+          </a:xfrm>
+        </p:spPr>
+        <p:txBody>
+          <a:bodyPr/>
+          <a:lstStyle/>
+          <a:p>
+            <a:pPr marL="457200" indent="-457200">
+              <a:buFont typeface="+mj-lt"/>
+              <a:buAutoNum type="arabicPeriod"/>
+            </a:pPr>
+            <a:r>
+              <a:rPr lang="it-IT" sz="1600" dirty="0"/>
+              <a:t>Studio IEEE 1103-10206</a:t>
+            </a:r>
+          </a:p>
+          <a:p>
+            <a:pPr marL="457200" indent="-457200">
+              <a:buFont typeface="+mj-lt"/>
+              <a:buAutoNum type="arabicPeriod"/>
+            </a:pPr>
+            <a:r>
+              <a:rPr lang="it-IT" sz="1600" dirty="0"/>
+              <a:t>Studio FHIR</a:t>
+            </a:r>
+          </a:p>
+          <a:p>
+            <a:pPr marL="457200" indent="-457200">
+              <a:buFont typeface="+mj-lt"/>
+              <a:buAutoNum type="arabicPeriod"/>
+            </a:pPr>
+            <a:r>
+              <a:rPr lang="it-IT" sz="1600" dirty="0"/>
+              <a:t>Sviluppo convertitore </a:t>
+            </a:r>
+          </a:p>
+        </p:txBody>
+      </p:sp>
+      <p:sp>
+        <p:nvSpPr>
+          <p:cNvPr id="5" name="Segnaposto numero diapositiva 4">
+            <a:extLst>
+              <a:ext uri="{FF2B5EF4-FFF2-40B4-BE49-F238E27FC236}">
+                <a16:creationId xmlns:a16="http://schemas.microsoft.com/office/drawing/2014/main" id="{C639AE6C-4A86-993D-11B4-5994747B919B}"/>
+              </a:ext>
+            </a:extLst>
+          </p:cNvPr>
+          <p:cNvSpPr>
+            <a:spLocks noGrp="1"/>
+          </p:cNvSpPr>
+          <p:nvPr>
+            <p:ph type="sldNum" sz="quarter" idx="12"/>
+          </p:nvPr>
+        </p:nvSpPr>
+        <p:spPr>
+          <a:xfrm>
+            <a:off x="594360" y="6332220"/>
+            <a:ext cx="523240" cy="247651"/>
+          </a:xfrm>
+        </p:spPr>
+        <p:txBody>
+          <a:bodyPr/>
+          <a:lstStyle/>
+          <a:p>
+            <a:fld id="{294A09A9-5501-47C1-A89A-A340965A2BE2}" type="slidenum">
+              <a:rPr lang="it-IT" smtClean="0"/>
+              <a:pPr/>
+              <a:t>5</a:t>
+            </a:fld>
+            <a:endParaRPr lang="it-IT" dirty="0"/>
+          </a:p>
+        </p:txBody>
+      </p:sp>
+    </p:spTree>
+    <p:extLst>
+      <p:ext uri="{BB962C8B-B14F-4D97-AF65-F5344CB8AC3E}">
+        <p14:creationId xmlns:p14="http://schemas.microsoft.com/office/powerpoint/2010/main" val="343753163"/>
+      </p:ext>
+    </p:extLst>
+  </p:cSld>
+  <p:clrMapOvr>
+    <a:masterClrMapping/>
+  </p:clrMapOvr>
+</p:sld>
+</file>
+
+<file path=ppt/slides/slide6.xml><?xml version="1.0" encoding="utf-8"?>
+<p:sld xmlns:a="http://schemas.openxmlformats.org/drawingml/2006/main" xmlns:r="http://schemas.openxmlformats.org/officeDocument/2006/relationships" xmlns:p="http://schemas.openxmlformats.org/presentationml/2006/main">
+  <p:cSld>
+    <p:spTree>
+      <p:nvGrpSpPr>
+        <p:cNvPr id="1" name=""/>
+        <p:cNvGrpSpPr/>
+        <p:nvPr/>
+      </p:nvGrpSpPr>
+      <p:grpSpPr>
+        <a:xfrm>
+          <a:off x="0" y="0"/>
+          <a:ext cx="0" cy="0"/>
+          <a:chOff x="0" y="0"/>
+          <a:chExt cx="0" cy="0"/>
+        </a:xfrm>
+      </p:grpSpPr>
+      <p:sp>
+        <p:nvSpPr>
+          <p:cNvPr id="2" name="Titolo 1">
+            <a:extLst>
+              <a:ext uri="{FF2B5EF4-FFF2-40B4-BE49-F238E27FC236}">
+                <a16:creationId xmlns:a16="http://schemas.microsoft.com/office/drawing/2014/main" id="{DDE826F3-B1A9-C6D4-80A2-7CCADFEA9915}"/>
+              </a:ext>
+            </a:extLst>
+          </p:cNvPr>
+          <p:cNvSpPr>
+            <a:spLocks noGrp="1"/>
+          </p:cNvSpPr>
+          <p:nvPr>
+            <p:ph type="title"/>
+          </p:nvPr>
+        </p:nvSpPr>
+        <p:spPr/>
+        <p:txBody>
+          <a:bodyPr/>
+          <a:lstStyle/>
+          <a:p>
+            <a:r>
+              <a:rPr lang="it-IT" dirty="0"/>
+              <a:t>Osservazioni ACOM</a:t>
+            </a:r>
+          </a:p>
+        </p:txBody>
+      </p:sp>
+      <p:sp>
+        <p:nvSpPr>
+          <p:cNvPr id="3" name="Segnaposto contenuto 2">
+            <a:extLst>
+              <a:ext uri="{FF2B5EF4-FFF2-40B4-BE49-F238E27FC236}">
+                <a16:creationId xmlns:a16="http://schemas.microsoft.com/office/drawing/2014/main" id="{6C2B0DB9-7139-1DD7-2E95-C7135E14C45F}"/>
+              </a:ext>
+            </a:extLst>
+          </p:cNvPr>
+          <p:cNvSpPr>
+            <a:spLocks noGrp="1"/>
+          </p:cNvSpPr>
+          <p:nvPr>
+            <p:ph sz="quarter" idx="15"/>
+          </p:nvPr>
+        </p:nvSpPr>
+        <p:spPr>
+          <a:xfrm>
+            <a:off x="594360" y="2676525"/>
+            <a:ext cx="3002855" cy="3597470"/>
+          </a:xfrm>
+        </p:spPr>
+        <p:txBody>
+          <a:bodyPr>
+            <a:normAutofit/>
+          </a:bodyPr>
+          <a:lstStyle/>
+          <a:p>
+            <a:pPr marL="285750" indent="-285750">
+              <a:buFont typeface="Arial" panose="020B0604020202020204" pitchFamily="34" charset="0"/>
+              <a:buChar char="•"/>
+            </a:pPr>
+            <a:r>
+              <a:rPr lang="it-IT" sz="1600" dirty="0"/>
+              <a:t>ACOM definisce un insieme di classi che modellano i diversi tipi di </a:t>
+            </a:r>
+            <a:r>
+              <a:rPr lang="it-IT" sz="1600" b="1" dirty="0"/>
+              <a:t>osservazioni</a:t>
+            </a:r>
+            <a:r>
+              <a:rPr lang="it-IT" sz="1600" dirty="0"/>
+              <a:t> che i dispositivi di salute personale possono creare.</a:t>
+            </a:r>
+          </a:p>
+          <a:p>
+            <a:pPr marL="285750" indent="-285750">
+              <a:buFont typeface="Arial" panose="020B0604020202020204" pitchFamily="34" charset="0"/>
+              <a:buChar char="•"/>
+            </a:pPr>
+            <a:r>
+              <a:rPr lang="it-IT" sz="1600" dirty="0"/>
+              <a:t>Questa base permette lo sviluppo di specializzazioni</a:t>
+            </a:r>
+          </a:p>
+        </p:txBody>
+      </p:sp>
+      <p:pic>
+        <p:nvPicPr>
+          <p:cNvPr id="5" name="Picture 3">
+            <a:extLst>
+              <a:ext uri="{FF2B5EF4-FFF2-40B4-BE49-F238E27FC236}">
+                <a16:creationId xmlns:a16="http://schemas.microsoft.com/office/drawing/2014/main" id="{A23B0152-79D8-1C18-2C94-378197C74368}"/>
+              </a:ext>
+            </a:extLst>
+          </p:cNvPr>
+          <p:cNvPicPr>
+            <a:picLocks noGrp="1" noChangeAspect="1"/>
+          </p:cNvPicPr>
+          <p:nvPr>
+            <p:ph sz="quarter" idx="16"/>
+          </p:nvPr>
+        </p:nvPicPr>
+        <p:blipFill>
+          <a:blip r:embed="rId2"/>
+          <a:stretch>
+            <a:fillRect/>
+          </a:stretch>
+        </p:blipFill>
+        <p:spPr>
+          <a:xfrm>
+            <a:off x="3842966" y="2097241"/>
+            <a:ext cx="6980253" cy="4482630"/>
+          </a:xfrm>
+          <a:prstGeom prst="rect">
+            <a:avLst/>
+          </a:prstGeom>
+        </p:spPr>
+      </p:pic>
+      <p:sp>
+        <p:nvSpPr>
+          <p:cNvPr id="4" name="Segnaposto numero diapositiva 3">
+            <a:extLst>
+              <a:ext uri="{FF2B5EF4-FFF2-40B4-BE49-F238E27FC236}">
+                <a16:creationId xmlns:a16="http://schemas.microsoft.com/office/drawing/2014/main" id="{94D13361-0EF9-915F-7A6E-78D0881CF188}"/>
+              </a:ext>
+            </a:extLst>
+          </p:cNvPr>
+          <p:cNvSpPr>
+            <a:spLocks noGrp="1"/>
+          </p:cNvSpPr>
+          <p:nvPr>
+            <p:ph type="sldNum" sz="quarter" idx="12"/>
+          </p:nvPr>
+        </p:nvSpPr>
+        <p:spPr/>
+        <p:txBody>
+          <a:bodyPr/>
+          <a:lstStyle/>
+          <a:p>
+            <a:pPr rtl="0"/>
+            <a:fld id="{294A09A9-5501-47C1-A89A-A340965A2BE2}" type="slidenum">
+              <a:rPr lang="it-IT" smtClean="0"/>
+              <a:pPr rtl="0"/>
+              <a:t>6</a:t>
+            </a:fld>
+            <a:endParaRPr lang="it-IT" dirty="0">
+              <a:latin typeface="+mn-lt"/>
+            </a:endParaRPr>
+          </a:p>
+        </p:txBody>
+      </p:sp>
+    </p:spTree>
+    <p:extLst>
+      <p:ext uri="{BB962C8B-B14F-4D97-AF65-F5344CB8AC3E}">
+        <p14:creationId xmlns:p14="http://schemas.microsoft.com/office/powerpoint/2010/main" val="555919634"/>
+      </p:ext>
+    </p:extLst>
+  </p:cSld>
+  <p:clrMapOvr>
+    <a:masterClrMapping/>
+  </p:clrMapOvr>
+</p:sld>
+</file>
+
+<file path=ppt/slides/slide7.xml><?xml version="1.0" encoding="utf-8"?>
+<p:sld xmlns:a="http://schemas.openxmlformats.org/drawingml/2006/main" xmlns:r="http://schemas.openxmlformats.org/officeDocument/2006/relationships" xmlns:p="http://schemas.openxmlformats.org/presentationml/2006/main">
+  <p:cSld>
+    <p:spTree>
+      <p:nvGrpSpPr>
+        <p:cNvPr id="1" name=""/>
+        <p:cNvGrpSpPr/>
+        <p:nvPr/>
+      </p:nvGrpSpPr>
+      <p:grpSpPr>
+        <a:xfrm>
+          <a:off x="0" y="0"/>
+          <a:ext cx="0" cy="0"/>
+          <a:chOff x="0" y="0"/>
+          <a:chExt cx="0" cy="0"/>
+        </a:xfrm>
+      </p:grpSpPr>
+      <p:sp>
+        <p:nvSpPr>
+          <p:cNvPr id="2" name="Titolo 1">
+            <a:extLst>
+              <a:ext uri="{FF2B5EF4-FFF2-40B4-BE49-F238E27FC236}">
+                <a16:creationId xmlns:a16="http://schemas.microsoft.com/office/drawing/2014/main" id="{805346ED-721D-85EE-2F1B-A31D0912DE29}"/>
+              </a:ext>
+            </a:extLst>
+          </p:cNvPr>
+          <p:cNvSpPr>
+            <a:spLocks noGrp="1"/>
+          </p:cNvSpPr>
+          <p:nvPr>
+            <p:ph type="title"/>
+          </p:nvPr>
+        </p:nvSpPr>
+        <p:spPr>
+          <a:xfrm>
+            <a:off x="594360" y="278129"/>
+            <a:ext cx="9778365" cy="1494596"/>
           </a:xfrm>
         </p:spPr>
         <p:txBody>
@@ -10118,37 +13441,888 @@
           <a:p>
             <a:pPr rtl="0"/>
             <a:r>
-              <a:rPr lang="it-IT"/>
-              <a:t>Brita Tamm</a:t>
+              <a:rPr lang="it-IT" dirty="0"/>
+              <a:t>Mappatura da ACOM a FHIR</a:t>
             </a:r>
           </a:p>
+        </p:txBody>
+      </p:sp>
+      <p:sp>
+        <p:nvSpPr>
+          <p:cNvPr id="3" name="Segnaposto contenuto 2">
+            <a:extLst>
+              <a:ext uri="{FF2B5EF4-FFF2-40B4-BE49-F238E27FC236}">
+                <a16:creationId xmlns:a16="http://schemas.microsoft.com/office/drawing/2014/main" id="{DB097449-5B72-ADA0-3B2D-1CBC160D6B90}"/>
+              </a:ext>
+            </a:extLst>
+          </p:cNvPr>
+          <p:cNvSpPr>
+            <a:spLocks noGrp="1"/>
+          </p:cNvSpPr>
+          <p:nvPr>
+            <p:ph sz="quarter" idx="15"/>
+          </p:nvPr>
+        </p:nvSpPr>
+        <p:spPr>
+          <a:xfrm>
+            <a:off x="594361" y="2676525"/>
+            <a:ext cx="3035247" cy="3597470"/>
+          </a:xfrm>
+        </p:spPr>
+        <p:txBody>
+          <a:bodyPr rtlCol="0">
+            <a:normAutofit/>
+          </a:bodyPr>
+          <a:lstStyle>
+            <a:defPPr>
+              <a:defRPr lang="it-IT"/>
+            </a:defPPr>
+          </a:lstStyle>
           <a:p>
             <a:pPr rtl="0"/>
             <a:r>
-              <a:rPr lang="it-IT"/>
-              <a:t>502-555-0152</a:t>
+              <a:rPr lang="it-IT" sz="1600" dirty="0">
+                <a:sym typeface="Wingdings" panose="05000000000000000000" pitchFamily="2" charset="2"/>
+              </a:rPr>
+              <a:t>Nel progetto di tesi è stato sviluppato un convertitore in grado di convertire le specifiche IEEE 11073-10408 </a:t>
             </a:r>
-          </a:p>
+            <a:r>
+              <a:rPr lang="it-IT" sz="1600" b="1" dirty="0">
+                <a:sym typeface="Wingdings" panose="05000000000000000000" pitchFamily="2" charset="2"/>
+              </a:rPr>
+              <a:t>Termometro</a:t>
+            </a:r>
+            <a:r>
+              <a:rPr lang="it-IT" sz="1600" dirty="0">
+                <a:sym typeface="Wingdings" panose="05000000000000000000" pitchFamily="2" charset="2"/>
+              </a:rPr>
+              <a:t> e IEEE 11073-10415 </a:t>
+            </a:r>
+            <a:r>
+              <a:rPr lang="it-IT" sz="1600" b="1" dirty="0">
+                <a:sym typeface="Wingdings" panose="05000000000000000000" pitchFamily="2" charset="2"/>
+              </a:rPr>
+              <a:t>Bilancia</a:t>
+            </a:r>
+          </a:p>
+        </p:txBody>
+      </p:sp>
+      <p:graphicFrame>
+        <p:nvGraphicFramePr>
+          <p:cNvPr id="5" name="Table 4">
+            <a:extLst>
+              <a:ext uri="{FF2B5EF4-FFF2-40B4-BE49-F238E27FC236}">
+                <a16:creationId xmlns:a16="http://schemas.microsoft.com/office/drawing/2014/main" id="{53ADB8C0-B7A5-CE30-62C8-79A827F7A094}"/>
+              </a:ext>
+            </a:extLst>
+          </p:cNvPr>
+          <p:cNvGraphicFramePr>
+            <a:graphicFrameLocks noGrp="1"/>
+          </p:cNvGraphicFramePr>
+          <p:nvPr>
+            <p:extLst>
+              <p:ext uri="{D42A27DB-BD31-4B8C-83A1-F6EECF244321}">
+                <p14:modId xmlns:p14="http://schemas.microsoft.com/office/powerpoint/2010/main" val="1836332384"/>
+              </p:ext>
+            </p:extLst>
+          </p:nvPr>
+        </p:nvGraphicFramePr>
+        <p:xfrm>
+          <a:off x="3890867" y="2217510"/>
+          <a:ext cx="6937748" cy="4362361"/>
+        </p:xfrm>
+        <a:graphic>
+          <a:graphicData uri="http://schemas.openxmlformats.org/drawingml/2006/table">
+            <a:tbl>
+              <a:tblPr firstRow="1" bandRow="1">
+                <a:tableStyleId>{5C22544A-7EE6-4342-B048-85BDC9FD1C3A}</a:tableStyleId>
+              </a:tblPr>
+              <a:tblGrid>
+                <a:gridCol w="1715801">
+                  <a:extLst>
+                    <a:ext uri="{9D8B030D-6E8A-4147-A177-3AD203B41FA5}">
+                      <a16:colId xmlns:a16="http://schemas.microsoft.com/office/drawing/2014/main" val="20000"/>
+                    </a:ext>
+                  </a:extLst>
+                </a:gridCol>
+                <a:gridCol w="2405136">
+                  <a:extLst>
+                    <a:ext uri="{9D8B030D-6E8A-4147-A177-3AD203B41FA5}">
+                      <a16:colId xmlns:a16="http://schemas.microsoft.com/office/drawing/2014/main" val="20001"/>
+                    </a:ext>
+                  </a:extLst>
+                </a:gridCol>
+                <a:gridCol w="2816811">
+                  <a:extLst>
+                    <a:ext uri="{9D8B030D-6E8A-4147-A177-3AD203B41FA5}">
+                      <a16:colId xmlns:a16="http://schemas.microsoft.com/office/drawing/2014/main" val="4235085973"/>
+                    </a:ext>
+                  </a:extLst>
+                </a:gridCol>
+              </a:tblGrid>
+              <a:tr h="549840">
+                <a:tc>
+                  <a:txBody>
+                    <a:bodyPr/>
+                    <a:lstStyle/>
+                    <a:p>
+                      <a:r>
+                        <a:rPr lang="it-IT" sz="1200" noProof="0" dirty="0"/>
+                        <a:t>Attributo</a:t>
+                      </a:r>
+                      <a:r>
+                        <a:rPr lang="en-US" sz="1200" dirty="0"/>
+                        <a:t> </a:t>
+                      </a:r>
+                    </a:p>
+                    <a:p>
+                      <a:r>
+                        <a:rPr lang="it-IT" sz="1200" noProof="0" dirty="0"/>
+                        <a:t>osservazione</a:t>
+                      </a:r>
+                    </a:p>
+                    <a:p>
+                      <a:r>
+                        <a:rPr lang="en-US" sz="1200" dirty="0"/>
+                        <a:t>ACOM</a:t>
+                      </a:r>
+                    </a:p>
+                  </a:txBody>
+                  <a:tcPr marL="55443" marR="55443" marT="27722" marB="27722" anchor="ctr"/>
+                </a:tc>
+                <a:tc>
+                  <a:txBody>
+                    <a:bodyPr/>
+                    <a:lstStyle/>
+                    <a:p>
+                      <a:r>
+                        <a:rPr lang="en-US" sz="1200" dirty="0"/>
+                        <a:t>Valore</a:t>
+                      </a:r>
+                    </a:p>
+                  </a:txBody>
+                  <a:tcPr marL="55443" marR="55443" marT="27722" marB="27722" anchor="ctr"/>
+                </a:tc>
+                <a:tc>
+                  <a:txBody>
+                    <a:bodyPr/>
+                    <a:lstStyle/>
+                    <a:p>
+                      <a:r>
+                        <a:rPr lang="en-US" sz="1200" dirty="0" err="1"/>
+                        <a:t>Attributi</a:t>
+                      </a:r>
+                      <a:r>
+                        <a:rPr lang="en-US" sz="1200" dirty="0"/>
+                        <a:t> e </a:t>
+                      </a:r>
+                      <a:r>
+                        <a:rPr lang="en-US" sz="1200" dirty="0" err="1"/>
+                        <a:t>valori</a:t>
+                      </a:r>
+                      <a:r>
+                        <a:rPr lang="en-US" sz="1200" dirty="0"/>
+                        <a:t> </a:t>
+                      </a:r>
+                      <a:r>
+                        <a:rPr lang="en-US" sz="1200" dirty="0" err="1"/>
+                        <a:t>osservazione</a:t>
+                      </a:r>
+                      <a:r>
+                        <a:rPr lang="en-US" sz="1200" dirty="0"/>
+                        <a:t> FHIR</a:t>
+                      </a:r>
+                    </a:p>
+                  </a:txBody>
+                  <a:tcPr marL="55443" marR="55443" marT="27722" marB="27722" anchor="ctr"/>
+                </a:tc>
+                <a:extLst>
+                  <a:ext uri="{0D108BD9-81ED-4DB2-BD59-A6C34878D82A}">
+                    <a16:rowId xmlns:a16="http://schemas.microsoft.com/office/drawing/2014/main" val="10000"/>
+                  </a:ext>
+                </a:extLst>
+              </a:tr>
+              <a:tr h="432267">
+                <a:tc>
+                  <a:txBody>
+                    <a:bodyPr/>
+                    <a:lstStyle/>
+                    <a:p>
+                      <a:r>
+                        <a:rPr lang="en-US" sz="1200"/>
+                        <a:t>Object</a:t>
+                      </a:r>
+                    </a:p>
+                  </a:txBody>
+                  <a:tcPr marL="55443" marR="55443" marT="27722" marB="27722" anchor="ctr"/>
+                </a:tc>
+                <a:tc>
+                  <a:txBody>
+                    <a:bodyPr/>
+                    <a:lstStyle/>
+                    <a:p>
+                      <a:r>
+                        <a:rPr lang="en-US" sz="1200" dirty="0"/>
+                        <a:t>Numeric Observation</a:t>
+                      </a:r>
+                    </a:p>
+                  </a:txBody>
+                  <a:tcPr marL="55443" marR="55443" marT="27722" marB="27722" anchor="ctr"/>
+                </a:tc>
+                <a:tc>
+                  <a:txBody>
+                    <a:bodyPr/>
+                    <a:lstStyle/>
+                    <a:p>
+                      <a:r>
+                        <a:rPr lang="en-US" sz="1200" dirty="0"/>
+                        <a:t>{</a:t>
+                      </a:r>
+                    </a:p>
+                    <a:p>
+                      <a:r>
+                        <a:rPr lang="en-US" sz="1200" dirty="0"/>
+                        <a:t>“</a:t>
+                      </a:r>
+                      <a:r>
+                        <a:rPr lang="en-US" sz="1200" dirty="0" err="1"/>
+                        <a:t>resourceType</a:t>
+                      </a:r>
+                      <a:r>
+                        <a:rPr lang="en-US" sz="1200" dirty="0"/>
+                        <a:t>”: “Observation”,</a:t>
+                      </a:r>
+                    </a:p>
+                  </a:txBody>
+                  <a:tcPr marL="55443" marR="55443" marT="27722" marB="27722" anchor="ctr"/>
+                </a:tc>
+                <a:extLst>
+                  <a:ext uri="{0D108BD9-81ED-4DB2-BD59-A6C34878D82A}">
+                    <a16:rowId xmlns:a16="http://schemas.microsoft.com/office/drawing/2014/main" val="3422855056"/>
+                  </a:ext>
+                </a:extLst>
+              </a:tr>
+              <a:tr h="1049214">
+                <a:tc>
+                  <a:txBody>
+                    <a:bodyPr/>
+                    <a:lstStyle/>
+                    <a:p>
+                      <a:r>
+                        <a:rPr lang="en-US" sz="1200" dirty="0"/>
+                        <a:t>Type</a:t>
+                      </a:r>
+                    </a:p>
+                  </a:txBody>
+                  <a:tcPr marL="55443" marR="55443" marT="27722" marB="27722" anchor="ctr"/>
+                </a:tc>
+                <a:tc>
+                  <a:txBody>
+                    <a:bodyPr/>
+                    <a:lstStyle/>
+                    <a:p>
+                      <a:pPr marL="0" algn="l" defTabSz="914400" rtl="0" eaLnBrk="1" latinLnBrk="0" hangingPunct="1"/>
+                      <a:r>
+                        <a:rPr lang="it-IT" sz="1200" kern="1200" dirty="0">
+                          <a:solidFill>
+                            <a:schemeClr val="dk1"/>
+                          </a:solidFill>
+                          <a:latin typeface="+mn-lt"/>
+                          <a:ea typeface="+mn-ea"/>
+                          <a:cs typeface="+mn-cs"/>
+                        </a:rPr>
+                        <a:t>MDC_TEMP_BODY</a:t>
+                      </a:r>
+                    </a:p>
+                  </a:txBody>
+                  <a:tcPr marL="55443" marR="55443" marT="27722" marB="27722" anchor="ctr"/>
+                </a:tc>
+                <a:tc>
+                  <a:txBody>
+                    <a:bodyPr/>
+                    <a:lstStyle/>
+                    <a:p>
+                      <a:pPr marL="0" algn="l" defTabSz="914400" rtl="0" eaLnBrk="1" latinLnBrk="0" hangingPunct="1"/>
+                      <a:r>
+                        <a:rPr lang="en-US" sz="1800" b="0" kern="1200" dirty="0">
+                          <a:solidFill>
+                            <a:schemeClr val="dk1"/>
+                          </a:solidFill>
+                          <a:effectLst/>
+                          <a:latin typeface="+mn-lt"/>
+                          <a:ea typeface="+mn-ea"/>
+                          <a:cs typeface="+mn-cs"/>
+                        </a:rPr>
+                        <a:t>"</a:t>
+                      </a:r>
+                      <a:r>
+                        <a:rPr lang="en-US" sz="1200" kern="1200" dirty="0">
+                          <a:solidFill>
+                            <a:schemeClr val="dk1"/>
+                          </a:solidFill>
+                          <a:latin typeface="+mn-lt"/>
+                          <a:ea typeface="+mn-ea"/>
+                          <a:cs typeface="+mn-cs"/>
+                        </a:rPr>
+                        <a:t>code": {"coding": [{</a:t>
+                      </a:r>
+                    </a:p>
+                    <a:p>
+                      <a:pPr marL="0" algn="l" defTabSz="914400" rtl="0" eaLnBrk="1" latinLnBrk="0" hangingPunct="1"/>
+                      <a:r>
+                        <a:rPr lang="en-US" sz="1200" kern="1200" dirty="0">
+                          <a:solidFill>
+                            <a:schemeClr val="dk1"/>
+                          </a:solidFill>
+                          <a:latin typeface="+mn-lt"/>
+                          <a:ea typeface="+mn-ea"/>
+                          <a:cs typeface="+mn-cs"/>
+                        </a:rPr>
+                        <a:t>            "system": "http://loinc.org",</a:t>
+                      </a:r>
+                    </a:p>
+                    <a:p>
+                      <a:pPr marL="0" algn="l" defTabSz="914400" rtl="0" eaLnBrk="1" latinLnBrk="0" hangingPunct="1"/>
+                      <a:r>
+                        <a:rPr lang="en-US" sz="1200" kern="1200" dirty="0">
+                          <a:solidFill>
+                            <a:schemeClr val="dk1"/>
+                          </a:solidFill>
+                          <a:latin typeface="+mn-lt"/>
+                          <a:ea typeface="+mn-ea"/>
+                          <a:cs typeface="+mn-cs"/>
+                        </a:rPr>
+                        <a:t>            "code": "8310-5",</a:t>
+                      </a:r>
+                    </a:p>
+                    <a:p>
+                      <a:pPr marL="0" algn="l" defTabSz="914400" rtl="0" eaLnBrk="1" latinLnBrk="0" hangingPunct="1"/>
+                      <a:r>
+                        <a:rPr lang="en-US" sz="1200" kern="1200" dirty="0">
+                          <a:solidFill>
+                            <a:schemeClr val="dk1"/>
+                          </a:solidFill>
+                          <a:latin typeface="+mn-lt"/>
+                          <a:ea typeface="+mn-ea"/>
+                          <a:cs typeface="+mn-cs"/>
+                        </a:rPr>
+                        <a:t>            "display": "Body temperature“}],</a:t>
+                      </a:r>
+                    </a:p>
+                    <a:p>
+                      <a:pPr marL="0" algn="l" defTabSz="914400" rtl="0" eaLnBrk="1" latinLnBrk="0" hangingPunct="1"/>
+                      <a:r>
+                        <a:rPr lang="en-US" sz="1200" kern="1200" dirty="0">
+                          <a:solidFill>
+                            <a:schemeClr val="dk1"/>
+                          </a:solidFill>
+                          <a:latin typeface="+mn-lt"/>
+                          <a:ea typeface="+mn-ea"/>
+                          <a:cs typeface="+mn-cs"/>
+                        </a:rPr>
+                        <a:t>            "text": "Body temperature"</a:t>
+                      </a:r>
+                    </a:p>
+                    <a:p>
+                      <a:pPr marL="0" algn="l" defTabSz="914400" rtl="0" eaLnBrk="1" latinLnBrk="0" hangingPunct="1"/>
+                      <a:r>
+                        <a:rPr lang="en-US" sz="1200" kern="1200" dirty="0">
+                          <a:solidFill>
+                            <a:schemeClr val="dk1"/>
+                          </a:solidFill>
+                          <a:latin typeface="+mn-lt"/>
+                          <a:ea typeface="+mn-ea"/>
+                          <a:cs typeface="+mn-cs"/>
+                        </a:rPr>
+                        <a:t>        },</a:t>
+                      </a:r>
+                    </a:p>
+                  </a:txBody>
+                  <a:tcPr marL="55443" marR="55443" marT="27722" marB="27722" anchor="ctr"/>
+                </a:tc>
+                <a:extLst>
+                  <a:ext uri="{0D108BD9-81ED-4DB2-BD59-A6C34878D82A}">
+                    <a16:rowId xmlns:a16="http://schemas.microsoft.com/office/drawing/2014/main" val="10001"/>
+                  </a:ext>
+                </a:extLst>
+              </a:tr>
+              <a:tr h="555304">
+                <a:tc>
+                  <a:txBody>
+                    <a:bodyPr/>
+                    <a:lstStyle/>
+                    <a:p>
+                      <a:pPr marL="0" algn="l" defTabSz="914400" rtl="0" eaLnBrk="1" latinLnBrk="0" hangingPunct="1"/>
+                      <a:r>
+                        <a:rPr lang="en-US" sz="1200" kern="1200" dirty="0"/>
+                        <a:t>Unit Code </a:t>
+                      </a:r>
+                      <a:endParaRPr lang="en-US" sz="1200" kern="1200" dirty="0">
+                        <a:solidFill>
+                          <a:schemeClr val="dk1"/>
+                        </a:solidFill>
+                        <a:latin typeface="+mn-lt"/>
+                        <a:ea typeface="+mn-ea"/>
+                        <a:cs typeface="+mn-cs"/>
+                      </a:endParaRPr>
+                    </a:p>
+                  </a:txBody>
+                  <a:tcPr marL="55443" marR="55443" marT="27722" marB="27722" anchor="ctr"/>
+                </a:tc>
+                <a:tc>
+                  <a:txBody>
+                    <a:bodyPr/>
+                    <a:lstStyle/>
+                    <a:p>
+                      <a:pPr marL="0" marR="0" lvl="0" indent="0" algn="l" defTabSz="914400" rtl="0" eaLnBrk="1" fontAlgn="auto" latinLnBrk="0" hangingPunct="1">
+                        <a:lnSpc>
+                          <a:spcPct val="100000"/>
+                        </a:lnSpc>
+                        <a:spcBef>
+                          <a:spcPts val="0"/>
+                        </a:spcBef>
+                        <a:spcAft>
+                          <a:spcPts val="0"/>
+                        </a:spcAft>
+                        <a:buClrTx/>
+                        <a:buSzTx/>
+                        <a:buFontTx/>
+                        <a:buNone/>
+                        <a:tabLst/>
+                        <a:defRPr/>
+                      </a:pPr>
+                      <a:r>
+                        <a:rPr lang="it-IT" sz="1200" kern="1200" dirty="0">
+                          <a:solidFill>
+                            <a:schemeClr val="dk1"/>
+                          </a:solidFill>
+                          <a:latin typeface="+mn-lt"/>
+                          <a:ea typeface="+mn-ea"/>
+                          <a:cs typeface="+mn-cs"/>
+                        </a:rPr>
+                        <a:t>MDC_DIM_DEGC</a:t>
+                      </a:r>
+                    </a:p>
+                    <a:p>
+                      <a:endParaRPr lang="it-IT" sz="1200" kern="1200" dirty="0">
+                        <a:solidFill>
+                          <a:schemeClr val="dk1"/>
+                        </a:solidFill>
+                        <a:latin typeface="+mn-lt"/>
+                        <a:ea typeface="+mn-ea"/>
+                        <a:cs typeface="+mn-cs"/>
+                      </a:endParaRPr>
+                    </a:p>
+                  </a:txBody>
+                  <a:tcPr marL="55443" marR="55443" marT="27722" marB="27722" anchor="ctr"/>
+                </a:tc>
+                <a:tc rowSpan="2">
+                  <a:txBody>
+                    <a:bodyPr/>
+                    <a:lstStyle/>
+                    <a:p>
+                      <a:r>
+                        <a:rPr lang="it-IT" sz="1800" b="0" kern="1200" dirty="0">
+                          <a:solidFill>
+                            <a:schemeClr val="dk1"/>
+                          </a:solidFill>
+                          <a:effectLst/>
+                          <a:latin typeface="+mn-lt"/>
+                          <a:ea typeface="+mn-ea"/>
+                          <a:cs typeface="+mn-cs"/>
+                        </a:rPr>
+                        <a:t> </a:t>
+                      </a:r>
+                      <a:r>
+                        <a:rPr lang="it-IT" sz="1200" kern="1200" dirty="0">
+                          <a:solidFill>
+                            <a:schemeClr val="dk1"/>
+                          </a:solidFill>
+                          <a:latin typeface="+mn-lt"/>
+                          <a:ea typeface="+mn-ea"/>
+                          <a:cs typeface="+mn-cs"/>
+                        </a:rPr>
+                        <a:t>"</a:t>
+                      </a:r>
+                      <a:r>
+                        <a:rPr lang="it-IT" sz="1200" kern="1200" dirty="0" err="1">
+                          <a:solidFill>
+                            <a:schemeClr val="dk1"/>
+                          </a:solidFill>
+                          <a:latin typeface="+mn-lt"/>
+                          <a:ea typeface="+mn-ea"/>
+                          <a:cs typeface="+mn-cs"/>
+                        </a:rPr>
+                        <a:t>valueQuantity</a:t>
+                      </a:r>
+                      <a:r>
+                        <a:rPr lang="it-IT" sz="1200" kern="1200" dirty="0">
+                          <a:solidFill>
+                            <a:schemeClr val="dk1"/>
+                          </a:solidFill>
+                          <a:latin typeface="+mn-lt"/>
+                          <a:ea typeface="+mn-ea"/>
+                          <a:cs typeface="+mn-cs"/>
+                        </a:rPr>
+                        <a:t>": {</a:t>
+                      </a:r>
+                    </a:p>
+                    <a:p>
+                      <a:r>
+                        <a:rPr lang="it-IT" sz="1200" kern="1200" dirty="0">
+                          <a:solidFill>
+                            <a:schemeClr val="dk1"/>
+                          </a:solidFill>
+                          <a:latin typeface="+mn-lt"/>
+                          <a:ea typeface="+mn-ea"/>
+                          <a:cs typeface="+mn-cs"/>
+                        </a:rPr>
+                        <a:t>            "</a:t>
+                      </a:r>
+                      <a:r>
+                        <a:rPr lang="it-IT" sz="1200" kern="1200" dirty="0" err="1">
+                          <a:solidFill>
+                            <a:schemeClr val="dk1"/>
+                          </a:solidFill>
+                          <a:latin typeface="+mn-lt"/>
+                          <a:ea typeface="+mn-ea"/>
+                          <a:cs typeface="+mn-cs"/>
+                        </a:rPr>
+                        <a:t>value</a:t>
+                      </a:r>
+                      <a:r>
+                        <a:rPr lang="it-IT" sz="1200" kern="1200" dirty="0">
+                          <a:solidFill>
+                            <a:schemeClr val="dk1"/>
+                          </a:solidFill>
+                          <a:latin typeface="+mn-lt"/>
+                          <a:ea typeface="+mn-ea"/>
+                          <a:cs typeface="+mn-cs"/>
+                        </a:rPr>
+                        <a:t>": 36.5,</a:t>
+                      </a:r>
+                    </a:p>
+                    <a:p>
+                      <a:r>
+                        <a:rPr lang="it-IT" sz="1200" kern="1200" dirty="0">
+                          <a:solidFill>
+                            <a:schemeClr val="dk1"/>
+                          </a:solidFill>
+                          <a:latin typeface="+mn-lt"/>
+                          <a:ea typeface="+mn-ea"/>
+                          <a:cs typeface="+mn-cs"/>
+                        </a:rPr>
+                        <a:t>            "</a:t>
+                      </a:r>
+                      <a:r>
+                        <a:rPr lang="it-IT" sz="1200" kern="1200" dirty="0" err="1">
+                          <a:solidFill>
+                            <a:schemeClr val="dk1"/>
+                          </a:solidFill>
+                          <a:latin typeface="+mn-lt"/>
+                          <a:ea typeface="+mn-ea"/>
+                          <a:cs typeface="+mn-cs"/>
+                        </a:rPr>
+                        <a:t>unit</a:t>
+                      </a:r>
+                      <a:r>
+                        <a:rPr lang="it-IT" sz="1200" kern="1200" dirty="0">
+                          <a:solidFill>
+                            <a:schemeClr val="dk1"/>
+                          </a:solidFill>
+                          <a:latin typeface="+mn-lt"/>
+                          <a:ea typeface="+mn-ea"/>
+                          <a:cs typeface="+mn-cs"/>
+                        </a:rPr>
+                        <a:t>": "C",</a:t>
+                      </a:r>
+                    </a:p>
+                    <a:p>
+                      <a:r>
+                        <a:rPr lang="it-IT" sz="1200" kern="1200" dirty="0">
+                          <a:solidFill>
+                            <a:schemeClr val="dk1"/>
+                          </a:solidFill>
+                          <a:latin typeface="+mn-lt"/>
+                          <a:ea typeface="+mn-ea"/>
+                          <a:cs typeface="+mn-cs"/>
+                        </a:rPr>
+                        <a:t>            "system": "http://unitsofmeasure.org",</a:t>
+                      </a:r>
+                    </a:p>
+                    <a:p>
+                      <a:r>
+                        <a:rPr lang="it-IT" sz="1200" kern="1200" dirty="0">
+                          <a:solidFill>
+                            <a:schemeClr val="dk1"/>
+                          </a:solidFill>
+                          <a:latin typeface="+mn-lt"/>
+                          <a:ea typeface="+mn-ea"/>
+                          <a:cs typeface="+mn-cs"/>
+                        </a:rPr>
+                        <a:t>            "code": "Cel"</a:t>
+                      </a:r>
+                    </a:p>
+                    <a:p>
+                      <a:r>
+                        <a:rPr lang="it-IT" sz="1200" kern="1200" dirty="0">
+                          <a:solidFill>
+                            <a:schemeClr val="dk1"/>
+                          </a:solidFill>
+                          <a:latin typeface="+mn-lt"/>
+                          <a:ea typeface="+mn-ea"/>
+                          <a:cs typeface="+mn-cs"/>
+                        </a:rPr>
+                        <a:t>        }</a:t>
+                      </a:r>
+                      <a:r>
+                        <a:rPr lang="en-US" sz="1200" kern="1200" dirty="0">
+                          <a:solidFill>
+                            <a:schemeClr val="dk1"/>
+                          </a:solidFill>
+                          <a:latin typeface="+mn-lt"/>
+                          <a:ea typeface="+mn-ea"/>
+                          <a:cs typeface="+mn-cs"/>
+                        </a:rPr>
+                        <a:t>,</a:t>
+                      </a:r>
+                    </a:p>
+                  </a:txBody>
+                  <a:tcPr marL="55443" marR="55443" marT="27722" marB="27722" anchor="ctr"/>
+                </a:tc>
+                <a:extLst>
+                  <a:ext uri="{0D108BD9-81ED-4DB2-BD59-A6C34878D82A}">
+                    <a16:rowId xmlns:a16="http://schemas.microsoft.com/office/drawing/2014/main" val="10003"/>
+                  </a:ext>
+                </a:extLst>
+              </a:tr>
+              <a:tr h="910056">
+                <a:tc>
+                  <a:txBody>
+                    <a:bodyPr/>
+                    <a:lstStyle/>
+                    <a:p>
+                      <a:pPr marL="0" algn="l" defTabSz="914400" rtl="0" eaLnBrk="1" latinLnBrk="0" hangingPunct="1"/>
+                      <a:r>
+                        <a:rPr lang="en-US" sz="1200" kern="1200"/>
+                        <a:t>Observed Value </a:t>
+                      </a:r>
+                      <a:endParaRPr lang="en-US" sz="1200" kern="1200">
+                        <a:solidFill>
+                          <a:schemeClr val="dk1"/>
+                        </a:solidFill>
+                        <a:latin typeface="+mn-lt"/>
+                        <a:ea typeface="+mn-ea"/>
+                        <a:cs typeface="+mn-cs"/>
+                      </a:endParaRPr>
+                    </a:p>
+                  </a:txBody>
+                  <a:tcPr marL="55443" marR="55443" marT="27722" marB="27722" anchor="ctr"/>
+                </a:tc>
+                <a:tc>
+                  <a:txBody>
+                    <a:bodyPr/>
+                    <a:lstStyle/>
+                    <a:p>
+                      <a:pPr marL="0" marR="0" lvl="0" indent="0" algn="l" defTabSz="914400" rtl="0" eaLnBrk="1" fontAlgn="auto" latinLnBrk="0" hangingPunct="1">
+                        <a:lnSpc>
+                          <a:spcPct val="100000"/>
+                        </a:lnSpc>
+                        <a:spcBef>
+                          <a:spcPts val="0"/>
+                        </a:spcBef>
+                        <a:spcAft>
+                          <a:spcPts val="0"/>
+                        </a:spcAft>
+                        <a:buClrTx/>
+                        <a:buSzTx/>
+                        <a:buFontTx/>
+                        <a:buNone/>
+                        <a:tabLst/>
+                        <a:defRPr/>
+                      </a:pPr>
+                      <a:r>
+                        <a:rPr lang="it-IT" sz="1200" kern="1200" dirty="0">
+                          <a:solidFill>
+                            <a:schemeClr val="dk1"/>
+                          </a:solidFill>
+                          <a:latin typeface="+mn-lt"/>
+                          <a:ea typeface="+mn-ea"/>
+                          <a:cs typeface="+mn-cs"/>
+                        </a:rPr>
+                        <a:t>36.5</a:t>
+                      </a:r>
+                    </a:p>
+                  </a:txBody>
+                  <a:tcPr marL="55443" marR="55443" marT="27722" marB="27722" anchor="ctr"/>
+                </a:tc>
+                <a:tc vMerge="1">
+                  <a:txBody>
+                    <a:bodyPr/>
+                    <a:lstStyle/>
+                    <a:p>
+                      <a:endParaRPr lang="en-US" sz="1400" dirty="0"/>
+                    </a:p>
+                  </a:txBody>
+                  <a:tcPr marL="68580" marR="68580" marT="34290" marB="34290">
+                    <a:lnT w="12700" cap="flat" cmpd="sng" algn="ctr">
+                      <a:solidFill>
+                        <a:schemeClr val="tx1"/>
+                      </a:solidFill>
+                      <a:prstDash val="solid"/>
+                      <a:round/>
+                      <a:headEnd type="none" w="med" len="med"/>
+                      <a:tailEnd type="none" w="med" len="med"/>
+                    </a:lnT>
+                  </a:tcPr>
+                </a:tc>
+                <a:extLst>
+                  <a:ext uri="{0D108BD9-81ED-4DB2-BD59-A6C34878D82A}">
+                    <a16:rowId xmlns:a16="http://schemas.microsoft.com/office/drawing/2014/main" val="10004"/>
+                  </a:ext>
+                </a:extLst>
+              </a:tr>
+              <a:tr h="616486">
+                <a:tc>
+                  <a:txBody>
+                    <a:bodyPr/>
+                    <a:lstStyle/>
+                    <a:p>
+                      <a:r>
+                        <a:rPr lang="en-US" sz="1200" dirty="0"/>
+                        <a:t>Time stamp</a:t>
+                      </a:r>
+                    </a:p>
+                  </a:txBody>
+                  <a:tcPr marL="55443" marR="55443" marT="27722" marB="27722" anchor="ctr"/>
+                </a:tc>
+                <a:tc>
+                  <a:txBody>
+                    <a:bodyPr/>
+                    <a:lstStyle/>
+                    <a:p>
+                      <a:pPr marL="0" marR="0" lvl="0" indent="0" algn="l" defTabSz="914400" rtl="0" eaLnBrk="1" fontAlgn="auto" latinLnBrk="0" hangingPunct="1">
+                        <a:lnSpc>
+                          <a:spcPct val="100000"/>
+                        </a:lnSpc>
+                        <a:spcBef>
+                          <a:spcPts val="0"/>
+                        </a:spcBef>
+                        <a:spcAft>
+                          <a:spcPts val="0"/>
+                        </a:spcAft>
+                        <a:buClrTx/>
+                        <a:buSzTx/>
+                        <a:buFontTx/>
+                        <a:buNone/>
+                        <a:tabLst/>
+                        <a:defRPr/>
+                      </a:pPr>
+                      <a:r>
+                        <a:rPr lang="it-IT" sz="1200" kern="1200" dirty="0">
+                          <a:solidFill>
+                            <a:schemeClr val="dk1"/>
+                          </a:solidFill>
+                          <a:latin typeface="+mn-lt"/>
+                          <a:ea typeface="+mn-ea"/>
+                          <a:cs typeface="+mn-cs"/>
+                        </a:rPr>
+                        <a:t>2024-05-24T10:27:02Z</a:t>
+                      </a:r>
+                    </a:p>
+                  </a:txBody>
+                  <a:tcPr marL="55443" marR="55443" marT="27722" marB="27722" anchor="ctr"/>
+                </a:tc>
+                <a:tc>
+                  <a:txBody>
+                    <a:bodyPr/>
+                    <a:lstStyle/>
+                    <a:p>
+                      <a:pPr marL="0" algn="l" defTabSz="914400" rtl="0" eaLnBrk="1" latinLnBrk="0" hangingPunct="1"/>
+                      <a:r>
+                        <a:rPr lang="it-IT" sz="1200" kern="1200" dirty="0">
+                          <a:solidFill>
+                            <a:schemeClr val="dk1"/>
+                          </a:solidFill>
+                          <a:latin typeface="+mn-lt"/>
+                          <a:ea typeface="+mn-ea"/>
+                          <a:cs typeface="+mn-cs"/>
+                        </a:rPr>
+                        <a:t>"</a:t>
+                      </a:r>
+                      <a:r>
+                        <a:rPr lang="it-IT" sz="1200" kern="1200" dirty="0" err="1">
+                          <a:solidFill>
+                            <a:schemeClr val="dk1"/>
+                          </a:solidFill>
+                          <a:latin typeface="+mn-lt"/>
+                          <a:ea typeface="+mn-ea"/>
+                          <a:cs typeface="+mn-cs"/>
+                        </a:rPr>
+                        <a:t>effectiveDateTime</a:t>
+                      </a:r>
+                      <a:r>
+                        <a:rPr lang="it-IT" sz="1200" kern="1200" dirty="0">
+                          <a:solidFill>
+                            <a:schemeClr val="dk1"/>
+                          </a:solidFill>
+                          <a:latin typeface="+mn-lt"/>
+                          <a:ea typeface="+mn-ea"/>
+                          <a:cs typeface="+mn-cs"/>
+                        </a:rPr>
+                        <a:t>": "2024-05-24T10:27:02Z"</a:t>
+                      </a:r>
+                    </a:p>
+                  </a:txBody>
+                  <a:tcPr marL="55443" marR="55443" marT="27722" marB="27722" anchor="ctr"/>
+                </a:tc>
+                <a:extLst>
+                  <a:ext uri="{0D108BD9-81ED-4DB2-BD59-A6C34878D82A}">
+                    <a16:rowId xmlns:a16="http://schemas.microsoft.com/office/drawing/2014/main" val="10005"/>
+                  </a:ext>
+                </a:extLst>
+              </a:tr>
+            </a:tbl>
+          </a:graphicData>
+        </a:graphic>
+      </p:graphicFrame>
+      <p:sp>
+        <p:nvSpPr>
+          <p:cNvPr id="4" name="Segnaposto numero diapositiva 3">
+            <a:extLst>
+              <a:ext uri="{FF2B5EF4-FFF2-40B4-BE49-F238E27FC236}">
+                <a16:creationId xmlns:a16="http://schemas.microsoft.com/office/drawing/2014/main" id="{24FA05D7-6198-9DD7-9CBB-A68CE906CB8C}"/>
+              </a:ext>
+            </a:extLst>
+          </p:cNvPr>
+          <p:cNvSpPr>
+            <a:spLocks noGrp="1"/>
+          </p:cNvSpPr>
+          <p:nvPr>
+            <p:ph type="sldNum" sz="quarter" idx="12"/>
+          </p:nvPr>
+        </p:nvSpPr>
+        <p:spPr/>
+        <p:txBody>
+          <a:bodyPr/>
+          <a:lstStyle/>
           <a:p>
             <a:pPr rtl="0"/>
-            <a:r>
-              <a:rPr lang="it-IT"/>
-              <a:t>brita@firstupconsultants.com</a:t>
-            </a:r>
-          </a:p>
-          <a:p>
-            <a:pPr rtl="0"/>
-            <a:r>
-              <a:rPr lang="it-IT"/>
-              <a:t>www.firstupconsultants.com</a:t>
-            </a:r>
+            <a:fld id="{294A09A9-5501-47C1-A89A-A340965A2BE2}" type="slidenum">
+              <a:rPr lang="it-IT" smtClean="0"/>
+              <a:pPr rtl="0"/>
+              <a:t>7</a:t>
+            </a:fld>
+            <a:endParaRPr lang="it-IT" dirty="0">
+              <a:latin typeface="+mn-lt"/>
+            </a:endParaRPr>
           </a:p>
         </p:txBody>
       </p:sp>
     </p:spTree>
     <p:extLst>
       <p:ext uri="{BB962C8B-B14F-4D97-AF65-F5344CB8AC3E}">
-        <p14:creationId xmlns:p14="http://schemas.microsoft.com/office/powerpoint/2010/main" val="4261132419"/>
+        <p14:creationId xmlns:p14="http://schemas.microsoft.com/office/powerpoint/2010/main" val="1031111158"/>
       </p:ext>
     </p:extLst>
   </p:cSld>
@@ -11010,6 +15184,35 @@
 </file>
 
 <file path=customXml/item1.xml><?xml version="1.0" encoding="utf-8"?>
+<?mso-contentType ?>
+<FormTemplates xmlns="http://schemas.microsoft.com/sharepoint/v3/contenttype/forms">
+  <Display>DocumentLibraryForm</Display>
+  <Edit>DocumentLibraryForm</Edit>
+  <New>DocumentLibraryForm</New>
+</FormTemplates>
+</file>
+
+<file path=customXml/item2.xml><?xml version="1.0" encoding="utf-8"?>
+<p:properties xmlns:p="http://schemas.microsoft.com/office/2006/metadata/properties" xmlns:xsi="http://www.w3.org/2001/XMLSchema-instance" xmlns:pc="http://schemas.microsoft.com/office/infopath/2007/PartnerControls">
+  <documentManagement>
+    <Background xmlns="71af3243-3dd4-4a8d-8c0d-dd76da1f02a5">false</Background>
+    <Status xmlns="71af3243-3dd4-4a8d-8c0d-dd76da1f02a5">Not started</Status>
+    <_ip_UnifiedCompliancePolicyUIAction xmlns="http://schemas.microsoft.com/sharepoint/v3" xsi:nil="true"/>
+    <Image xmlns="71af3243-3dd4-4a8d-8c0d-dd76da1f02a5">
+      <Url xsi:nil="true"/>
+      <Description xsi:nil="true"/>
+    </Image>
+    <_ip_UnifiedCompliancePolicyProperties xmlns="http://schemas.microsoft.com/sharepoint/v3" xsi:nil="true"/>
+    <ImageTagsTaxHTField xmlns="71af3243-3dd4-4a8d-8c0d-dd76da1f02a5">
+      <Terms xmlns="http://schemas.microsoft.com/office/infopath/2007/PartnerControls"/>
+    </ImageTagsTaxHTField>
+    <TaxCatchAll xmlns="230e9df3-be65-4c73-a93b-d1236ebd677e" xsi:nil="true"/>
+    <MediaServiceKeyPoints xmlns="71af3243-3dd4-4a8d-8c0d-dd76da1f02a5" xsi:nil="true"/>
+  </documentManagement>
+</p:properties>
+</file>
+
+<file path=customXml/item3.xml><?xml version="1.0" encoding="utf-8"?>
 <ct:contentTypeSchema xmlns:ct="http://schemas.microsoft.com/office/2006/metadata/contentType" xmlns:ma="http://schemas.microsoft.com/office/2006/metadata/properties/metaAttributes" ct:_="" ma:_="" ma:contentTypeName="Document" ma:contentTypeID="0x01010079F111ED35F8CC479449609E8A0923A6" ma:contentTypeVersion="28" ma:contentTypeDescription="Create a new document." ma:contentTypeScope="" ma:versionID="60f5a4f2d2b0abadcf532d48ebf9cb71">
   <xsd:schema xmlns:xsd="http://www.w3.org/2001/XMLSchema" xmlns:xs="http://www.w3.org/2001/XMLSchema" xmlns:p="http://schemas.microsoft.com/office/2006/metadata/properties" xmlns:ns1="http://schemas.microsoft.com/sharepoint/v3" xmlns:ns2="71af3243-3dd4-4a8d-8c0d-dd76da1f02a5" xmlns:ns3="16c05727-aa75-4e4a-9b5f-8a80a1165891" xmlns:ns4="230e9df3-be65-4c73-a93b-d1236ebd677e" targetNamespace="http://schemas.microsoft.com/office/2006/metadata/properties" ma:root="true" ma:fieldsID="7dd78129e6a1811f84807ad11c651531" ns1:_="" ns2:_="" ns3:_="" ns4:_="">
     <xsd:import namespace="http://schemas.microsoft.com/sharepoint/v3"/>
@@ -11321,36 +15524,27 @@
 </ct:contentTypeSchema>
 </file>
 
-<file path=customXml/item2.xml><?xml version="1.0" encoding="utf-8"?>
-<p:properties xmlns:p="http://schemas.microsoft.com/office/2006/metadata/properties" xmlns:xsi="http://www.w3.org/2001/XMLSchema-instance" xmlns:pc="http://schemas.microsoft.com/office/infopath/2007/PartnerControls">
-  <documentManagement>
-    <Background xmlns="71af3243-3dd4-4a8d-8c0d-dd76da1f02a5">false</Background>
-    <Status xmlns="71af3243-3dd4-4a8d-8c0d-dd76da1f02a5">Not started</Status>
-    <_ip_UnifiedCompliancePolicyUIAction xmlns="http://schemas.microsoft.com/sharepoint/v3" xsi:nil="true"/>
-    <Image xmlns="71af3243-3dd4-4a8d-8c0d-dd76da1f02a5">
-      <Url xsi:nil="true"/>
-      <Description xsi:nil="true"/>
-    </Image>
-    <_ip_UnifiedCompliancePolicyProperties xmlns="http://schemas.microsoft.com/sharepoint/v3" xsi:nil="true"/>
-    <ImageTagsTaxHTField xmlns="71af3243-3dd4-4a8d-8c0d-dd76da1f02a5">
-      <Terms xmlns="http://schemas.microsoft.com/office/infopath/2007/PartnerControls"/>
-    </ImageTagsTaxHTField>
-    <TaxCatchAll xmlns="230e9df3-be65-4c73-a93b-d1236ebd677e" xsi:nil="true"/>
-    <MediaServiceKeyPoints xmlns="71af3243-3dd4-4a8d-8c0d-dd76da1f02a5" xsi:nil="true"/>
-  </documentManagement>
-</p:properties>
+<file path=customXml/itemProps1.xml><?xml version="1.0" encoding="utf-8"?>
+<ds:datastoreItem xmlns:ds="http://schemas.openxmlformats.org/officeDocument/2006/customXml" ds:itemID="{C21FFAC0-05A2-416A-B06C-C248395482CF}">
+  <ds:schemaRefs>
+    <ds:schemaRef ds:uri="http://schemas.microsoft.com/sharepoint/v3/contenttype/forms"/>
+  </ds:schemaRefs>
+</ds:datastoreItem>
 </file>
 
-<file path=customXml/item3.xml><?xml version="1.0" encoding="utf-8"?>
-<?mso-contentType ?>
-<FormTemplates xmlns="http://schemas.microsoft.com/sharepoint/v3/contenttype/forms">
-  <Display>DocumentLibraryForm</Display>
-  <Edit>DocumentLibraryForm</Edit>
-  <New>DocumentLibraryForm</New>
-</FormTemplates>
+<file path=customXml/itemProps2.xml><?xml version="1.0" encoding="utf-8"?>
+<ds:datastoreItem xmlns:ds="http://schemas.openxmlformats.org/officeDocument/2006/customXml" ds:itemID="{4F4B194E-8B30-4377-8C59-ECFB902D2A26}">
+  <ds:schemaRefs>
+    <ds:schemaRef ds:uri="http://schemas.microsoft.com/office/2006/metadata/properties"/>
+    <ds:schemaRef ds:uri="http://schemas.microsoft.com/office/infopath/2007/PartnerControls"/>
+    <ds:schemaRef ds:uri="71af3243-3dd4-4a8d-8c0d-dd76da1f02a5"/>
+    <ds:schemaRef ds:uri="http://schemas.microsoft.com/sharepoint/v3"/>
+    <ds:schemaRef ds:uri="230e9df3-be65-4c73-a93b-d1236ebd677e"/>
+  </ds:schemaRefs>
+</ds:datastoreItem>
 </file>
 
-<file path=customXml/itemProps1.xml><?xml version="1.0" encoding="utf-8"?>
+<file path=customXml/itemProps3.xml><?xml version="1.0" encoding="utf-8"?>
 <ds:datastoreItem xmlns:ds="http://schemas.openxmlformats.org/officeDocument/2006/customXml" ds:itemID="{92DB9E12-8AC3-4138-BF4D-720A5525AB10}">
   <ds:schemaRefs>
     <ds:schemaRef ds:uri="http://schemas.microsoft.com/office/2006/metadata/contentType"/>
@@ -11371,26 +15565,6 @@
 </ds:datastoreItem>
 </file>
 
-<file path=customXml/itemProps2.xml><?xml version="1.0" encoding="utf-8"?>
-<ds:datastoreItem xmlns:ds="http://schemas.openxmlformats.org/officeDocument/2006/customXml" ds:itemID="{4F4B194E-8B30-4377-8C59-ECFB902D2A26}">
-  <ds:schemaRefs>
-    <ds:schemaRef ds:uri="http://schemas.microsoft.com/office/2006/metadata/properties"/>
-    <ds:schemaRef ds:uri="http://schemas.microsoft.com/office/infopath/2007/PartnerControls"/>
-    <ds:schemaRef ds:uri="71af3243-3dd4-4a8d-8c0d-dd76da1f02a5"/>
-    <ds:schemaRef ds:uri="http://schemas.microsoft.com/sharepoint/v3"/>
-    <ds:schemaRef ds:uri="230e9df3-be65-4c73-a93b-d1236ebd677e"/>
-  </ds:schemaRefs>
-</ds:datastoreItem>
-</file>
-
-<file path=customXml/itemProps3.xml><?xml version="1.0" encoding="utf-8"?>
-<ds:datastoreItem xmlns:ds="http://schemas.openxmlformats.org/officeDocument/2006/customXml" ds:itemID="{C21FFAC0-05A2-416A-B06C-C248395482CF}">
-  <ds:schemaRefs>
-    <ds:schemaRef ds:uri="http://schemas.microsoft.com/sharepoint/v3/contenttype/forms"/>
-  </ds:schemaRefs>
-</ds:datastoreItem>
-</file>
-
 <file path=docMetadata/LabelInfo.xml><?xml version="1.0" encoding="utf-8"?>
 <clbl:labelList xmlns:clbl="http://schemas.microsoft.com/office/2020/mipLabelMetadata"/>
 </file>
--- a/Relazione/Da IEEE 11073-10206 a FHIR.pptx
+++ b/Relazione/Da IEEE 11073-10206 a FHIR.pptx
@@ -3,21 +3,23 @@
 <p:presentation xmlns:a="http://schemas.openxmlformats.org/drawingml/2006/main" xmlns:r="http://schemas.openxmlformats.org/officeDocument/2006/relationships" xmlns:p="http://schemas.openxmlformats.org/presentationml/2006/main" showSpecialPlsOnTitleSld="0" saveSubsetFonts="1">
   <p:sldMasterIdLst>
     <p:sldMasterId id="2147483658" r:id="rId4"/>
+    <p:sldMasterId id="2147483712" r:id="rId5"/>
   </p:sldMasterIdLst>
   <p:notesMasterIdLst>
-    <p:notesMasterId r:id="rId12"/>
+    <p:notesMasterId r:id="rId14"/>
   </p:notesMasterIdLst>
   <p:handoutMasterIdLst>
-    <p:handoutMasterId r:id="rId13"/>
+    <p:handoutMasterId r:id="rId15"/>
   </p:handoutMasterIdLst>
   <p:sldIdLst>
-    <p:sldId id="410" r:id="rId5"/>
-    <p:sldId id="408" r:id="rId6"/>
-    <p:sldId id="412" r:id="rId7"/>
+    <p:sldId id="410" r:id="rId6"/>
+    <p:sldId id="408" r:id="rId7"/>
     <p:sldId id="414" r:id="rId8"/>
     <p:sldId id="415" r:id="rId9"/>
     <p:sldId id="413" r:id="rId10"/>
-    <p:sldId id="411" r:id="rId11"/>
+    <p:sldId id="416" r:id="rId11"/>
+    <p:sldId id="411" r:id="rId12"/>
+    <p:sldId id="417" r:id="rId13"/>
   </p:sldIdLst>
   <p:sldSz cx="12192000" cy="6858000"/>
   <p:notesSz cx="6858000" cy="9144000"/>
@@ -139,6 +141,2504 @@
 </p:cmAuthorLst>
 </file>
 
+<file path=ppt/diagrams/colors1.xml><?xml version="1.0" encoding="utf-8"?>
+<dgm:colorsDef xmlns:dgm="http://schemas.openxmlformats.org/drawingml/2006/diagram" xmlns:a="http://schemas.openxmlformats.org/drawingml/2006/main" uniqueId="urn:microsoft.com/office/officeart/2005/8/colors/accent1_2">
+  <dgm:title val=""/>
+  <dgm:desc val=""/>
+  <dgm:catLst>
+    <dgm:cat type="accent1" pri="11200"/>
+  </dgm:catLst>
+  <dgm:styleLbl name="node0">
+    <dgm:fillClrLst meth="repeat">
+      <a:schemeClr val="accent1"/>
+    </dgm:fillClrLst>
+    <dgm:linClrLst meth="repeat">
+      <a:schemeClr val="lt1"/>
+    </dgm:linClrLst>
+    <dgm:effectClrLst/>
+    <dgm:txLinClrLst/>
+    <dgm:txFillClrLst/>
+    <dgm:txEffectClrLst/>
+  </dgm:styleLbl>
+  <dgm:styleLbl name="alignNode1">
+    <dgm:fillClrLst meth="repeat">
+      <a:schemeClr val="accent1"/>
+    </dgm:fillClrLst>
+    <dgm:linClrLst meth="repeat">
+      <a:schemeClr val="accent1"/>
+    </dgm:linClrLst>
+    <dgm:effectClrLst/>
+    <dgm:txLinClrLst/>
+    <dgm:txFillClrLst/>
+    <dgm:txEffectClrLst/>
+  </dgm:styleLbl>
+  <dgm:styleLbl name="node1">
+    <dgm:fillClrLst meth="repeat">
+      <a:schemeClr val="accent1"/>
+    </dgm:fillClrLst>
+    <dgm:linClrLst meth="repeat">
+      <a:schemeClr val="lt1"/>
+    </dgm:linClrLst>
+    <dgm:effectClrLst/>
+    <dgm:txLinClrLst/>
+    <dgm:txFillClrLst/>
+    <dgm:txEffectClrLst/>
+  </dgm:styleLbl>
+  <dgm:styleLbl name="lnNode1">
+    <dgm:fillClrLst meth="repeat">
+      <a:schemeClr val="accent1"/>
+    </dgm:fillClrLst>
+    <dgm:linClrLst meth="repeat">
+      <a:schemeClr val="lt1"/>
+    </dgm:linClrLst>
+    <dgm:effectClrLst/>
+    <dgm:txLinClrLst/>
+    <dgm:txFillClrLst/>
+    <dgm:txEffectClrLst/>
+  </dgm:styleLbl>
+  <dgm:styleLbl name="vennNode1">
+    <dgm:fillClrLst meth="repeat">
+      <a:schemeClr val="accent1">
+        <a:alpha val="50000"/>
+      </a:schemeClr>
+    </dgm:fillClrLst>
+    <dgm:linClrLst meth="repeat">
+      <a:schemeClr val="lt1"/>
+    </dgm:linClrLst>
+    <dgm:effectClrLst/>
+    <dgm:txLinClrLst/>
+    <dgm:txFillClrLst/>
+    <dgm:txEffectClrLst/>
+  </dgm:styleLbl>
+  <dgm:styleLbl name="node2">
+    <dgm:fillClrLst meth="repeat">
+      <a:schemeClr val="accent1"/>
+    </dgm:fillClrLst>
+    <dgm:linClrLst meth="repeat">
+      <a:schemeClr val="lt1"/>
+    </dgm:linClrLst>
+    <dgm:effectClrLst/>
+    <dgm:txLinClrLst/>
+    <dgm:txFillClrLst/>
+    <dgm:txEffectClrLst/>
+  </dgm:styleLbl>
+  <dgm:styleLbl name="node3">
+    <dgm:fillClrLst meth="repeat">
+      <a:schemeClr val="accent1"/>
+    </dgm:fillClrLst>
+    <dgm:linClrLst meth="repeat">
+      <a:schemeClr val="lt1"/>
+    </dgm:linClrLst>
+    <dgm:effectClrLst/>
+    <dgm:txLinClrLst/>
+    <dgm:txFillClrLst/>
+    <dgm:txEffectClrLst/>
+  </dgm:styleLbl>
+  <dgm:styleLbl name="node4">
+    <dgm:fillClrLst meth="repeat">
+      <a:schemeClr val="accent1"/>
+    </dgm:fillClrLst>
+    <dgm:linClrLst meth="repeat">
+      <a:schemeClr val="lt1"/>
+    </dgm:linClrLst>
+    <dgm:effectClrLst/>
+    <dgm:txLinClrLst/>
+    <dgm:txFillClrLst/>
+    <dgm:txEffectClrLst/>
+  </dgm:styleLbl>
+  <dgm:styleLbl name="fgImgPlace1">
+    <dgm:fillClrLst meth="repeat">
+      <a:schemeClr val="accent1">
+        <a:tint val="50000"/>
+      </a:schemeClr>
+    </dgm:fillClrLst>
+    <dgm:linClrLst meth="repeat">
+      <a:schemeClr val="lt1"/>
+    </dgm:linClrLst>
+    <dgm:effectClrLst/>
+    <dgm:txLinClrLst/>
+    <dgm:txFillClrLst meth="repeat">
+      <a:schemeClr val="lt1"/>
+    </dgm:txFillClrLst>
+    <dgm:txEffectClrLst/>
+  </dgm:styleLbl>
+  <dgm:styleLbl name="alignImgPlace1">
+    <dgm:fillClrLst meth="repeat">
+      <a:schemeClr val="accent1">
+        <a:tint val="50000"/>
+      </a:schemeClr>
+    </dgm:fillClrLst>
+    <dgm:linClrLst meth="repeat">
+      <a:schemeClr val="lt1"/>
+    </dgm:linClrLst>
+    <dgm:effectClrLst/>
+    <dgm:txLinClrLst/>
+    <dgm:txFillClrLst meth="repeat">
+      <a:schemeClr val="lt1"/>
+    </dgm:txFillClrLst>
+    <dgm:txEffectClrLst/>
+  </dgm:styleLbl>
+  <dgm:styleLbl name="bgImgPlace1">
+    <dgm:fillClrLst meth="repeat">
+      <a:schemeClr val="accent1">
+        <a:tint val="50000"/>
+      </a:schemeClr>
+    </dgm:fillClrLst>
+    <dgm:linClrLst meth="repeat">
+      <a:schemeClr val="lt1"/>
+    </dgm:linClrLst>
+    <dgm:effectClrLst/>
+    <dgm:txLinClrLst/>
+    <dgm:txFillClrLst meth="repeat">
+      <a:schemeClr val="lt1"/>
+    </dgm:txFillClrLst>
+    <dgm:txEffectClrLst/>
+  </dgm:styleLbl>
+  <dgm:styleLbl name="sibTrans2D1">
+    <dgm:fillClrLst meth="repeat">
+      <a:schemeClr val="accent1">
+        <a:tint val="60000"/>
+      </a:schemeClr>
+    </dgm:fillClrLst>
+    <dgm:linClrLst meth="repeat">
+      <a:schemeClr val="accent1">
+        <a:tint val="60000"/>
+      </a:schemeClr>
+    </dgm:linClrLst>
+    <dgm:effectClrLst/>
+    <dgm:txLinClrLst/>
+    <dgm:txFillClrLst/>
+    <dgm:txEffectClrLst/>
+  </dgm:styleLbl>
+  <dgm:styleLbl name="fgSibTrans2D1">
+    <dgm:fillClrLst meth="repeat">
+      <a:schemeClr val="accent1">
+        <a:tint val="60000"/>
+      </a:schemeClr>
+    </dgm:fillClrLst>
+    <dgm:linClrLst meth="repeat">
+      <a:schemeClr val="accent1">
+        <a:tint val="60000"/>
+      </a:schemeClr>
+    </dgm:linClrLst>
+    <dgm:effectClrLst/>
+    <dgm:txLinClrLst/>
+    <dgm:txFillClrLst/>
+    <dgm:txEffectClrLst/>
+  </dgm:styleLbl>
+  <dgm:styleLbl name="bgSibTrans2D1">
+    <dgm:fillClrLst meth="repeat">
+      <a:schemeClr val="accent1">
+        <a:tint val="60000"/>
+      </a:schemeClr>
+    </dgm:fillClrLst>
+    <dgm:linClrLst meth="repeat">
+      <a:schemeClr val="accent1">
+        <a:tint val="60000"/>
+      </a:schemeClr>
+    </dgm:linClrLst>
+    <dgm:effectClrLst/>
+    <dgm:txLinClrLst/>
+    <dgm:txFillClrLst/>
+    <dgm:txEffectClrLst/>
+  </dgm:styleLbl>
+  <dgm:styleLbl name="sibTrans1D1">
+    <dgm:fillClrLst meth="repeat">
+      <a:schemeClr val="accent1"/>
+    </dgm:fillClrLst>
+    <dgm:linClrLst meth="repeat">
+      <a:schemeClr val="accent1"/>
+    </dgm:linClrLst>
+    <dgm:effectClrLst/>
+    <dgm:txLinClrLst/>
+    <dgm:txFillClrLst meth="repeat">
+      <a:schemeClr val="tx1"/>
+    </dgm:txFillClrLst>
+    <dgm:txEffectClrLst/>
+  </dgm:styleLbl>
+  <dgm:styleLbl name="callout">
+    <dgm:fillClrLst meth="repeat">
+      <a:schemeClr val="accent1"/>
+    </dgm:fillClrLst>
+    <dgm:linClrLst meth="repeat">
+      <a:schemeClr val="accent1">
+        <a:tint val="50000"/>
+      </a:schemeClr>
+    </dgm:linClrLst>
+    <dgm:effectClrLst/>
+    <dgm:txLinClrLst/>
+    <dgm:txFillClrLst meth="repeat">
+      <a:schemeClr val="tx1"/>
+    </dgm:txFillClrLst>
+    <dgm:txEffectClrLst/>
+  </dgm:styleLbl>
+  <dgm:styleLbl name="asst0">
+    <dgm:fillClrLst meth="repeat">
+      <a:schemeClr val="accent1"/>
+    </dgm:fillClrLst>
+    <dgm:linClrLst meth="repeat">
+      <a:schemeClr val="lt1"/>
+    </dgm:linClrLst>
+    <dgm:effectClrLst/>
+    <dgm:txLinClrLst/>
+    <dgm:txFillClrLst/>
+    <dgm:txEffectClrLst/>
+  </dgm:styleLbl>
+  <dgm:styleLbl name="asst1">
+    <dgm:fillClrLst meth="repeat">
+      <a:schemeClr val="accent1"/>
+    </dgm:fillClrLst>
+    <dgm:linClrLst meth="repeat">
+      <a:schemeClr val="lt1"/>
+    </dgm:linClrLst>
+    <dgm:effectClrLst/>
+    <dgm:txLinClrLst/>
+    <dgm:txFillClrLst/>
+    <dgm:txEffectClrLst/>
+  </dgm:styleLbl>
+  <dgm:styleLbl name="asst2">
+    <dgm:fillClrLst meth="repeat">
+      <a:schemeClr val="accent1"/>
+    </dgm:fillClrLst>
+    <dgm:linClrLst meth="repeat">
+      <a:schemeClr val="lt1"/>
+    </dgm:linClrLst>
+    <dgm:effectClrLst/>
+    <dgm:txLinClrLst/>
+    <dgm:txFillClrLst/>
+    <dgm:txEffectClrLst/>
+  </dgm:styleLbl>
+  <dgm:styleLbl name="asst3">
+    <dgm:fillClrLst meth="repeat">
+      <a:schemeClr val="accent1"/>
+    </dgm:fillClrLst>
+    <dgm:linClrLst meth="repeat">
+      <a:schemeClr val="lt1"/>
+    </dgm:linClrLst>
+    <dgm:effectClrLst/>
+    <dgm:txLinClrLst/>
+    <dgm:txFillClrLst/>
+    <dgm:txEffectClrLst/>
+  </dgm:styleLbl>
+  <dgm:styleLbl name="asst4">
+    <dgm:fillClrLst meth="repeat">
+      <a:schemeClr val="accent1"/>
+    </dgm:fillClrLst>
+    <dgm:linClrLst meth="repeat">
+      <a:schemeClr val="lt1"/>
+    </dgm:linClrLst>
+    <dgm:effectClrLst/>
+    <dgm:txLinClrLst/>
+    <dgm:txFillClrLst/>
+    <dgm:txEffectClrLst/>
+  </dgm:styleLbl>
+  <dgm:styleLbl name="parChTrans2D1">
+    <dgm:fillClrLst meth="repeat">
+      <a:schemeClr val="accent1">
+        <a:tint val="60000"/>
+      </a:schemeClr>
+    </dgm:fillClrLst>
+    <dgm:linClrLst meth="repeat">
+      <a:schemeClr val="accent1">
+        <a:tint val="60000"/>
+      </a:schemeClr>
+    </dgm:linClrLst>
+    <dgm:effectClrLst/>
+    <dgm:txLinClrLst/>
+    <dgm:txFillClrLst meth="repeat">
+      <a:schemeClr val="lt1"/>
+    </dgm:txFillClrLst>
+    <dgm:txEffectClrLst/>
+  </dgm:styleLbl>
+  <dgm:styleLbl name="parChTrans2D2">
+    <dgm:fillClrLst meth="repeat">
+      <a:schemeClr val="accent1"/>
+    </dgm:fillClrLst>
+    <dgm:linClrLst meth="repeat">
+      <a:schemeClr val="accent1"/>
+    </dgm:linClrLst>
+    <dgm:effectClrLst/>
+    <dgm:txLinClrLst/>
+    <dgm:txFillClrLst meth="repeat">
+      <a:schemeClr val="lt1"/>
+    </dgm:txFillClrLst>
+    <dgm:txEffectClrLst/>
+  </dgm:styleLbl>
+  <dgm:styleLbl name="parChTrans2D3">
+    <dgm:fillClrLst meth="repeat">
+      <a:schemeClr val="accent1"/>
+    </dgm:fillClrLst>
+    <dgm:linClrLst meth="repeat">
+      <a:schemeClr val="accent1"/>
+    </dgm:linClrLst>
+    <dgm:effectClrLst/>
+    <dgm:txLinClrLst/>
+    <dgm:txFillClrLst meth="repeat">
+      <a:schemeClr val="lt1"/>
+    </dgm:txFillClrLst>
+    <dgm:txEffectClrLst/>
+  </dgm:styleLbl>
+  <dgm:styleLbl name="parChTrans2D4">
+    <dgm:fillClrLst meth="repeat">
+      <a:schemeClr val="accent1"/>
+    </dgm:fillClrLst>
+    <dgm:linClrLst meth="repeat">
+      <a:schemeClr val="accent1"/>
+    </dgm:linClrLst>
+    <dgm:effectClrLst/>
+    <dgm:txLinClrLst/>
+    <dgm:txFillClrLst meth="repeat">
+      <a:schemeClr val="lt1"/>
+    </dgm:txFillClrLst>
+    <dgm:txEffectClrLst/>
+  </dgm:styleLbl>
+  <dgm:styleLbl name="parChTrans1D1">
+    <dgm:fillClrLst meth="repeat">
+      <a:schemeClr val="accent1"/>
+    </dgm:fillClrLst>
+    <dgm:linClrLst meth="repeat">
+      <a:schemeClr val="accent1">
+        <a:shade val="60000"/>
+      </a:schemeClr>
+    </dgm:linClrLst>
+    <dgm:effectClrLst/>
+    <dgm:txLinClrLst/>
+    <dgm:txFillClrLst meth="repeat">
+      <a:schemeClr val="tx1"/>
+    </dgm:txFillClrLst>
+    <dgm:txEffectClrLst/>
+  </dgm:styleLbl>
+  <dgm:styleLbl name="parChTrans1D2">
+    <dgm:fillClrLst meth="repeat">
+      <a:schemeClr val="accent1"/>
+    </dgm:fillClrLst>
+    <dgm:linClrLst meth="repeat">
+      <a:schemeClr val="accent1">
+        <a:shade val="60000"/>
+      </a:schemeClr>
+    </dgm:linClrLst>
+    <dgm:effectClrLst/>
+    <dgm:txLinClrLst/>
+    <dgm:txFillClrLst meth="repeat">
+      <a:schemeClr val="tx1"/>
+    </dgm:txFillClrLst>
+    <dgm:txEffectClrLst/>
+  </dgm:styleLbl>
+  <dgm:styleLbl name="parChTrans1D3">
+    <dgm:fillClrLst meth="repeat">
+      <a:schemeClr val="accent1"/>
+    </dgm:fillClrLst>
+    <dgm:linClrLst meth="repeat">
+      <a:schemeClr val="accent1">
+        <a:shade val="80000"/>
+      </a:schemeClr>
+    </dgm:linClrLst>
+    <dgm:effectClrLst/>
+    <dgm:txLinClrLst/>
+    <dgm:txFillClrLst meth="repeat">
+      <a:schemeClr val="tx1"/>
+    </dgm:txFillClrLst>
+    <dgm:txEffectClrLst/>
+  </dgm:styleLbl>
+  <dgm:styleLbl name="parChTrans1D4">
+    <dgm:fillClrLst meth="repeat">
+      <a:schemeClr val="accent1"/>
+    </dgm:fillClrLst>
+    <dgm:linClrLst meth="repeat">
+      <a:schemeClr val="accent1">
+        <a:shade val="80000"/>
+      </a:schemeClr>
+    </dgm:linClrLst>
+    <dgm:effectClrLst/>
+    <dgm:txLinClrLst/>
+    <dgm:txFillClrLst meth="repeat">
+      <a:schemeClr val="tx1"/>
+    </dgm:txFillClrLst>
+    <dgm:txEffectClrLst/>
+  </dgm:styleLbl>
+  <dgm:styleLbl name="fgAcc1">
+    <dgm:fillClrLst meth="repeat">
+      <a:schemeClr val="lt1">
+        <a:alpha val="90000"/>
+      </a:schemeClr>
+    </dgm:fillClrLst>
+    <dgm:linClrLst meth="repeat">
+      <a:schemeClr val="accent1"/>
+    </dgm:linClrLst>
+    <dgm:effectClrLst/>
+    <dgm:txLinClrLst/>
+    <dgm:txFillClrLst meth="repeat">
+      <a:schemeClr val="dk1"/>
+    </dgm:txFillClrLst>
+    <dgm:txEffectClrLst/>
+  </dgm:styleLbl>
+  <dgm:styleLbl name="conFgAcc1">
+    <dgm:fillClrLst meth="repeat">
+      <a:schemeClr val="lt1">
+        <a:alpha val="90000"/>
+      </a:schemeClr>
+    </dgm:fillClrLst>
+    <dgm:linClrLst meth="repeat">
+      <a:schemeClr val="accent1"/>
+    </dgm:linClrLst>
+    <dgm:effectClrLst/>
+    <dgm:txLinClrLst/>
+    <dgm:txFillClrLst meth="repeat">
+      <a:schemeClr val="dk1"/>
+    </dgm:txFillClrLst>
+    <dgm:txEffectClrLst/>
+  </dgm:styleLbl>
+  <dgm:styleLbl name="alignAcc1">
+    <dgm:fillClrLst meth="repeat">
+      <a:schemeClr val="lt1">
+        <a:alpha val="90000"/>
+      </a:schemeClr>
+    </dgm:fillClrLst>
+    <dgm:linClrLst meth="repeat">
+      <a:schemeClr val="accent1"/>
+    </dgm:linClrLst>
+    <dgm:effectClrLst/>
+    <dgm:txLinClrLst/>
+    <dgm:txFillClrLst meth="repeat">
+      <a:schemeClr val="dk1"/>
+    </dgm:txFillClrLst>
+    <dgm:txEffectClrLst/>
+  </dgm:styleLbl>
+  <dgm:styleLbl name="trAlignAcc1">
+    <dgm:fillClrLst meth="repeat">
+      <a:schemeClr val="lt1">
+        <a:alpha val="40000"/>
+      </a:schemeClr>
+    </dgm:fillClrLst>
+    <dgm:linClrLst meth="repeat">
+      <a:schemeClr val="accent1"/>
+    </dgm:linClrLst>
+    <dgm:effectClrLst/>
+    <dgm:txLinClrLst/>
+    <dgm:txFillClrLst meth="repeat">
+      <a:schemeClr val="dk1"/>
+    </dgm:txFillClrLst>
+    <dgm:txEffectClrLst/>
+  </dgm:styleLbl>
+  <dgm:styleLbl name="bgAcc1">
+    <dgm:fillClrLst meth="repeat">
+      <a:schemeClr val="lt1">
+        <a:alpha val="90000"/>
+      </a:schemeClr>
+    </dgm:fillClrLst>
+    <dgm:linClrLst meth="repeat">
+      <a:schemeClr val="accent1"/>
+    </dgm:linClrLst>
+    <dgm:effectClrLst/>
+    <dgm:txLinClrLst/>
+    <dgm:txFillClrLst meth="repeat">
+      <a:schemeClr val="dk1"/>
+    </dgm:txFillClrLst>
+    <dgm:txEffectClrLst/>
+  </dgm:styleLbl>
+  <dgm:styleLbl name="solidFgAcc1">
+    <dgm:fillClrLst meth="repeat">
+      <a:schemeClr val="lt1"/>
+    </dgm:fillClrLst>
+    <dgm:linClrLst meth="repeat">
+      <a:schemeClr val="accent1"/>
+    </dgm:linClrLst>
+    <dgm:effectClrLst/>
+    <dgm:txLinClrLst/>
+    <dgm:txFillClrLst meth="repeat">
+      <a:schemeClr val="dk1"/>
+    </dgm:txFillClrLst>
+    <dgm:txEffectClrLst/>
+  </dgm:styleLbl>
+  <dgm:styleLbl name="solidAlignAcc1">
+    <dgm:fillClrLst meth="repeat">
+      <a:schemeClr val="lt1"/>
+    </dgm:fillClrLst>
+    <dgm:linClrLst meth="repeat">
+      <a:schemeClr val="accent1"/>
+    </dgm:linClrLst>
+    <dgm:effectClrLst/>
+    <dgm:txLinClrLst/>
+    <dgm:txFillClrLst meth="repeat">
+      <a:schemeClr val="dk1"/>
+    </dgm:txFillClrLst>
+    <dgm:txEffectClrLst/>
+  </dgm:styleLbl>
+  <dgm:styleLbl name="solidBgAcc1">
+    <dgm:fillClrLst meth="repeat">
+      <a:schemeClr val="lt1"/>
+    </dgm:fillClrLst>
+    <dgm:linClrLst meth="repeat">
+      <a:schemeClr val="accent1"/>
+    </dgm:linClrLst>
+    <dgm:effectClrLst/>
+    <dgm:txLinClrLst/>
+    <dgm:txFillClrLst meth="repeat">
+      <a:schemeClr val="dk1"/>
+    </dgm:txFillClrLst>
+    <dgm:txEffectClrLst/>
+  </dgm:styleLbl>
+  <dgm:styleLbl name="fgAccFollowNode1">
+    <dgm:fillClrLst meth="repeat">
+      <a:schemeClr val="accent1">
+        <a:alpha val="90000"/>
+        <a:tint val="40000"/>
+      </a:schemeClr>
+    </dgm:fillClrLst>
+    <dgm:linClrLst meth="repeat">
+      <a:schemeClr val="accent1">
+        <a:alpha val="90000"/>
+        <a:tint val="40000"/>
+      </a:schemeClr>
+    </dgm:linClrLst>
+    <dgm:effectClrLst/>
+    <dgm:txLinClrLst/>
+    <dgm:txFillClrLst meth="repeat">
+      <a:schemeClr val="dk1"/>
+    </dgm:txFillClrLst>
+    <dgm:txEffectClrLst/>
+  </dgm:styleLbl>
+  <dgm:styleLbl name="alignAccFollowNode1">
+    <dgm:fillClrLst meth="repeat">
+      <a:schemeClr val="accent1">
+        <a:alpha val="90000"/>
+        <a:tint val="40000"/>
+      </a:schemeClr>
+    </dgm:fillClrLst>
+    <dgm:linClrLst meth="repeat">
+      <a:schemeClr val="accent1">
+        <a:alpha val="90000"/>
+        <a:tint val="40000"/>
+      </a:schemeClr>
+    </dgm:linClrLst>
+    <dgm:effectClrLst/>
+    <dgm:txLinClrLst/>
+    <dgm:txFillClrLst meth="repeat">
+      <a:schemeClr val="dk1"/>
+    </dgm:txFillClrLst>
+    <dgm:txEffectClrLst/>
+  </dgm:styleLbl>
+  <dgm:styleLbl name="bgAccFollowNode1">
+    <dgm:fillClrLst meth="repeat">
+      <a:schemeClr val="accent1">
+        <a:alpha val="90000"/>
+        <a:tint val="40000"/>
+      </a:schemeClr>
+    </dgm:fillClrLst>
+    <dgm:linClrLst meth="repeat">
+      <a:schemeClr val="accent1">
+        <a:alpha val="90000"/>
+        <a:tint val="40000"/>
+      </a:schemeClr>
+    </dgm:linClrLst>
+    <dgm:effectClrLst/>
+    <dgm:txLinClrLst/>
+    <dgm:txFillClrLst meth="repeat">
+      <a:schemeClr val="dk1"/>
+    </dgm:txFillClrLst>
+    <dgm:txEffectClrLst/>
+  </dgm:styleLbl>
+  <dgm:styleLbl name="fgAcc0">
+    <dgm:fillClrLst meth="repeat">
+      <a:schemeClr val="lt1">
+        <a:alpha val="90000"/>
+      </a:schemeClr>
+    </dgm:fillClrLst>
+    <dgm:linClrLst meth="repeat">
+      <a:schemeClr val="accent1"/>
+    </dgm:linClrLst>
+    <dgm:effectClrLst/>
+    <dgm:txLinClrLst/>
+    <dgm:txFillClrLst meth="repeat">
+      <a:schemeClr val="dk1"/>
+    </dgm:txFillClrLst>
+    <dgm:txEffectClrLst/>
+  </dgm:styleLbl>
+  <dgm:styleLbl name="fgAcc2">
+    <dgm:fillClrLst meth="repeat">
+      <a:schemeClr val="lt1">
+        <a:alpha val="90000"/>
+      </a:schemeClr>
+    </dgm:fillClrLst>
+    <dgm:linClrLst meth="repeat">
+      <a:schemeClr val="accent1"/>
+    </dgm:linClrLst>
+    <dgm:effectClrLst/>
+    <dgm:txLinClrLst/>
+    <dgm:txFillClrLst meth="repeat">
+      <a:schemeClr val="dk1"/>
+    </dgm:txFillClrLst>
+    <dgm:txEffectClrLst/>
+  </dgm:styleLbl>
+  <dgm:styleLbl name="fgAcc3">
+    <dgm:fillClrLst meth="repeat">
+      <a:schemeClr val="lt1">
+        <a:alpha val="90000"/>
+      </a:schemeClr>
+    </dgm:fillClrLst>
+    <dgm:linClrLst meth="repeat">
+      <a:schemeClr val="accent1"/>
+    </dgm:linClrLst>
+    <dgm:effectClrLst/>
+    <dgm:txLinClrLst/>
+    <dgm:txFillClrLst meth="repeat">
+      <a:schemeClr val="dk1"/>
+    </dgm:txFillClrLst>
+    <dgm:txEffectClrLst/>
+  </dgm:styleLbl>
+  <dgm:styleLbl name="fgAcc4">
+    <dgm:fillClrLst meth="repeat">
+      <a:schemeClr val="lt1">
+        <a:alpha val="90000"/>
+      </a:schemeClr>
+    </dgm:fillClrLst>
+    <dgm:linClrLst meth="repeat">
+      <a:schemeClr val="accent1"/>
+    </dgm:linClrLst>
+    <dgm:effectClrLst/>
+    <dgm:txLinClrLst/>
+    <dgm:txFillClrLst meth="repeat">
+      <a:schemeClr val="dk1"/>
+    </dgm:txFillClrLst>
+    <dgm:txEffectClrLst/>
+  </dgm:styleLbl>
+  <dgm:styleLbl name="bgShp">
+    <dgm:fillClrLst meth="repeat">
+      <a:schemeClr val="accent1">
+        <a:tint val="40000"/>
+      </a:schemeClr>
+    </dgm:fillClrLst>
+    <dgm:linClrLst meth="repeat">
+      <a:schemeClr val="accent1"/>
+    </dgm:linClrLst>
+    <dgm:effectClrLst/>
+    <dgm:txLinClrLst/>
+    <dgm:txFillClrLst meth="repeat">
+      <a:schemeClr val="dk1"/>
+    </dgm:txFillClrLst>
+    <dgm:txEffectClrLst/>
+  </dgm:styleLbl>
+  <dgm:styleLbl name="dkBgShp">
+    <dgm:fillClrLst meth="repeat">
+      <a:schemeClr val="accent1">
+        <a:shade val="80000"/>
+      </a:schemeClr>
+    </dgm:fillClrLst>
+    <dgm:linClrLst meth="repeat">
+      <a:schemeClr val="accent1"/>
+    </dgm:linClrLst>
+    <dgm:effectClrLst/>
+    <dgm:txLinClrLst/>
+    <dgm:txFillClrLst meth="repeat">
+      <a:schemeClr val="lt1"/>
+    </dgm:txFillClrLst>
+    <dgm:txEffectClrLst/>
+  </dgm:styleLbl>
+  <dgm:styleLbl name="trBgShp">
+    <dgm:fillClrLst meth="repeat">
+      <a:schemeClr val="accent1">
+        <a:tint val="50000"/>
+        <a:alpha val="40000"/>
+      </a:schemeClr>
+    </dgm:fillClrLst>
+    <dgm:linClrLst meth="repeat">
+      <a:schemeClr val="accent1"/>
+    </dgm:linClrLst>
+    <dgm:effectClrLst/>
+    <dgm:txLinClrLst/>
+    <dgm:txFillClrLst meth="repeat">
+      <a:schemeClr val="lt1"/>
+    </dgm:txFillClrLst>
+    <dgm:txEffectClrLst/>
+  </dgm:styleLbl>
+  <dgm:styleLbl name="fgShp">
+    <dgm:fillClrLst meth="repeat">
+      <a:schemeClr val="accent1">
+        <a:tint val="60000"/>
+      </a:schemeClr>
+    </dgm:fillClrLst>
+    <dgm:linClrLst meth="repeat">
+      <a:schemeClr val="lt1"/>
+    </dgm:linClrLst>
+    <dgm:effectClrLst/>
+    <dgm:txLinClrLst/>
+    <dgm:txFillClrLst meth="repeat">
+      <a:schemeClr val="dk1"/>
+    </dgm:txFillClrLst>
+    <dgm:txEffectClrLst/>
+  </dgm:styleLbl>
+  <dgm:styleLbl name="revTx">
+    <dgm:fillClrLst meth="repeat">
+      <a:schemeClr val="lt1">
+        <a:alpha val="0"/>
+      </a:schemeClr>
+    </dgm:fillClrLst>
+    <dgm:linClrLst meth="repeat">
+      <a:schemeClr val="dk1">
+        <a:alpha val="0"/>
+      </a:schemeClr>
+    </dgm:linClrLst>
+    <dgm:effectClrLst/>
+    <dgm:txLinClrLst/>
+    <dgm:txFillClrLst meth="repeat">
+      <a:schemeClr val="tx1"/>
+    </dgm:txFillClrLst>
+    <dgm:txEffectClrLst/>
+  </dgm:styleLbl>
+</dgm:colorsDef>
+</file>
+
+<file path=ppt/diagrams/data1.xml><?xml version="1.0" encoding="utf-8"?>
+<dgm:dataModel xmlns:dgm="http://schemas.openxmlformats.org/drawingml/2006/diagram" xmlns:a="http://schemas.openxmlformats.org/drawingml/2006/main">
+  <dgm:ptLst>
+    <dgm:pt modelId="{9E0D1736-FD5B-424C-91CD-A888EA56FB99}" type="doc">
+      <dgm:prSet loTypeId="urn:microsoft.com/office/officeart/2005/8/layout/chevron1" loCatId="process" qsTypeId="urn:microsoft.com/office/officeart/2005/8/quickstyle/simple1" qsCatId="simple" csTypeId="urn:microsoft.com/office/officeart/2005/8/colors/accent1_2" csCatId="accent1" phldr="1"/>
+      <dgm:spPr/>
+    </dgm:pt>
+    <dgm:pt modelId="{D523A580-097B-4790-8323-E3ADE550CF46}">
+      <dgm:prSet phldrT="[Testo]" custT="1"/>
+      <dgm:spPr/>
+      <dgm:t>
+        <a:bodyPr/>
+        <a:lstStyle/>
+        <a:p>
+          <a:r>
+            <a:rPr lang="it-IT" sz="2400" dirty="0"/>
+            <a:t>Studio IEEE 11073-10206 ACOM</a:t>
+          </a:r>
+        </a:p>
+      </dgm:t>
+    </dgm:pt>
+    <dgm:pt modelId="{9D6B1295-E75F-4662-BE5E-7B001261965B}" type="parTrans" cxnId="{E3DECE02-B533-44DA-9B63-D79ABBA721E7}">
+      <dgm:prSet/>
+      <dgm:spPr/>
+      <dgm:t>
+        <a:bodyPr/>
+        <a:lstStyle/>
+        <a:p>
+          <a:endParaRPr lang="it-IT" sz="2400"/>
+        </a:p>
+      </dgm:t>
+    </dgm:pt>
+    <dgm:pt modelId="{1B93AB58-AAE2-4B29-8D32-1139AA27F2C5}" type="sibTrans" cxnId="{E3DECE02-B533-44DA-9B63-D79ABBA721E7}">
+      <dgm:prSet/>
+      <dgm:spPr/>
+      <dgm:t>
+        <a:bodyPr/>
+        <a:lstStyle/>
+        <a:p>
+          <a:endParaRPr lang="it-IT" sz="2400"/>
+        </a:p>
+      </dgm:t>
+    </dgm:pt>
+    <dgm:pt modelId="{34F279CA-3D4E-44AF-87D4-392D3593C5B6}">
+      <dgm:prSet phldrT="[Testo]" custT="1"/>
+      <dgm:spPr/>
+      <dgm:t>
+        <a:bodyPr/>
+        <a:lstStyle/>
+        <a:p>
+          <a:r>
+            <a:rPr lang="it-IT" sz="2400" dirty="0"/>
+            <a:t>Studio FHIR</a:t>
+          </a:r>
+        </a:p>
+      </dgm:t>
+    </dgm:pt>
+    <dgm:pt modelId="{D5438E9A-AEC7-41F3-B59D-3E1E27D1123D}" type="parTrans" cxnId="{1A795495-D247-4C02-9D3C-01FC3428CE31}">
+      <dgm:prSet/>
+      <dgm:spPr/>
+      <dgm:t>
+        <a:bodyPr/>
+        <a:lstStyle/>
+        <a:p>
+          <a:endParaRPr lang="it-IT" sz="2400"/>
+        </a:p>
+      </dgm:t>
+    </dgm:pt>
+    <dgm:pt modelId="{D136654E-F3D1-4A4C-AB29-FAB8C796F7C2}" type="sibTrans" cxnId="{1A795495-D247-4C02-9D3C-01FC3428CE31}">
+      <dgm:prSet/>
+      <dgm:spPr/>
+      <dgm:t>
+        <a:bodyPr/>
+        <a:lstStyle/>
+        <a:p>
+          <a:endParaRPr lang="it-IT" sz="2400"/>
+        </a:p>
+      </dgm:t>
+    </dgm:pt>
+    <dgm:pt modelId="{DB88278E-5FD8-4D77-A57F-23E5C144B595}">
+      <dgm:prSet phldrT="[Testo]" custT="1"/>
+      <dgm:spPr/>
+      <dgm:t>
+        <a:bodyPr/>
+        <a:lstStyle/>
+        <a:p>
+          <a:r>
+            <a:rPr lang="it-IT" sz="2400" dirty="0"/>
+            <a:t>Sviluppo generatore e convertitore di osservazioni</a:t>
+          </a:r>
+        </a:p>
+      </dgm:t>
+    </dgm:pt>
+    <dgm:pt modelId="{D6BD3AB8-58D4-48C0-9817-D8923767D286}" type="parTrans" cxnId="{1622B6D6-A37E-4E8B-9030-FF725BDB9C71}">
+      <dgm:prSet/>
+      <dgm:spPr/>
+      <dgm:t>
+        <a:bodyPr/>
+        <a:lstStyle/>
+        <a:p>
+          <a:endParaRPr lang="it-IT" sz="2400"/>
+        </a:p>
+      </dgm:t>
+    </dgm:pt>
+    <dgm:pt modelId="{E30DCA5E-1082-475C-BF3C-438246DB9545}" type="sibTrans" cxnId="{1622B6D6-A37E-4E8B-9030-FF725BDB9C71}">
+      <dgm:prSet/>
+      <dgm:spPr/>
+      <dgm:t>
+        <a:bodyPr/>
+        <a:lstStyle/>
+        <a:p>
+          <a:endParaRPr lang="it-IT" sz="2400"/>
+        </a:p>
+      </dgm:t>
+    </dgm:pt>
+    <dgm:pt modelId="{8194E803-14B5-4C45-91AA-FB690E49227A}" type="pres">
+      <dgm:prSet presAssocID="{9E0D1736-FD5B-424C-91CD-A888EA56FB99}" presName="Name0" presStyleCnt="0">
+        <dgm:presLayoutVars>
+          <dgm:dir/>
+          <dgm:animLvl val="lvl"/>
+          <dgm:resizeHandles val="exact"/>
+        </dgm:presLayoutVars>
+      </dgm:prSet>
+      <dgm:spPr/>
+    </dgm:pt>
+    <dgm:pt modelId="{CE18E7B6-3F9D-4A0E-B599-3A1DDBE91DED}" type="pres">
+      <dgm:prSet presAssocID="{D523A580-097B-4790-8323-E3ADE550CF46}" presName="parTxOnly" presStyleLbl="node1" presStyleIdx="0" presStyleCnt="3">
+        <dgm:presLayoutVars>
+          <dgm:chMax val="0"/>
+          <dgm:chPref val="0"/>
+          <dgm:bulletEnabled val="1"/>
+        </dgm:presLayoutVars>
+      </dgm:prSet>
+      <dgm:spPr/>
+    </dgm:pt>
+    <dgm:pt modelId="{46FF1CBA-7F4B-4F8D-8BC9-5E4E7DC6D219}" type="pres">
+      <dgm:prSet presAssocID="{1B93AB58-AAE2-4B29-8D32-1139AA27F2C5}" presName="parTxOnlySpace" presStyleCnt="0"/>
+      <dgm:spPr/>
+    </dgm:pt>
+    <dgm:pt modelId="{1CB494EB-D95F-4575-9B2D-B9B7AE338272}" type="pres">
+      <dgm:prSet presAssocID="{34F279CA-3D4E-44AF-87D4-392D3593C5B6}" presName="parTxOnly" presStyleLbl="node1" presStyleIdx="1" presStyleCnt="3">
+        <dgm:presLayoutVars>
+          <dgm:chMax val="0"/>
+          <dgm:chPref val="0"/>
+          <dgm:bulletEnabled val="1"/>
+        </dgm:presLayoutVars>
+      </dgm:prSet>
+      <dgm:spPr/>
+    </dgm:pt>
+    <dgm:pt modelId="{5FB8A1DC-E47F-4EDA-9F69-0ACD72110CCE}" type="pres">
+      <dgm:prSet presAssocID="{D136654E-F3D1-4A4C-AB29-FAB8C796F7C2}" presName="parTxOnlySpace" presStyleCnt="0"/>
+      <dgm:spPr/>
+    </dgm:pt>
+    <dgm:pt modelId="{CD087C56-7628-471B-896B-CF94081711B9}" type="pres">
+      <dgm:prSet presAssocID="{DB88278E-5FD8-4D77-A57F-23E5C144B595}" presName="parTxOnly" presStyleLbl="node1" presStyleIdx="2" presStyleCnt="3">
+        <dgm:presLayoutVars>
+          <dgm:chMax val="0"/>
+          <dgm:chPref val="0"/>
+          <dgm:bulletEnabled val="1"/>
+        </dgm:presLayoutVars>
+      </dgm:prSet>
+      <dgm:spPr/>
+    </dgm:pt>
+  </dgm:ptLst>
+  <dgm:cxnLst>
+    <dgm:cxn modelId="{E3DECE02-B533-44DA-9B63-D79ABBA721E7}" srcId="{9E0D1736-FD5B-424C-91CD-A888EA56FB99}" destId="{D523A580-097B-4790-8323-E3ADE550CF46}" srcOrd="0" destOrd="0" parTransId="{9D6B1295-E75F-4662-BE5E-7B001261965B}" sibTransId="{1B93AB58-AAE2-4B29-8D32-1139AA27F2C5}"/>
+    <dgm:cxn modelId="{AE1B2428-ADA5-4291-8DDC-C8437302DCAF}" type="presOf" srcId="{9E0D1736-FD5B-424C-91CD-A888EA56FB99}" destId="{8194E803-14B5-4C45-91AA-FB690E49227A}" srcOrd="0" destOrd="0" presId="urn:microsoft.com/office/officeart/2005/8/layout/chevron1"/>
+    <dgm:cxn modelId="{73F8C030-BA03-4791-8B6A-8FBF12E6879B}" type="presOf" srcId="{DB88278E-5FD8-4D77-A57F-23E5C144B595}" destId="{CD087C56-7628-471B-896B-CF94081711B9}" srcOrd="0" destOrd="0" presId="urn:microsoft.com/office/officeart/2005/8/layout/chevron1"/>
+    <dgm:cxn modelId="{2E088575-0449-4975-A406-89B063BA3AE6}" type="presOf" srcId="{34F279CA-3D4E-44AF-87D4-392D3593C5B6}" destId="{1CB494EB-D95F-4575-9B2D-B9B7AE338272}" srcOrd="0" destOrd="0" presId="urn:microsoft.com/office/officeart/2005/8/layout/chevron1"/>
+    <dgm:cxn modelId="{1A795495-D247-4C02-9D3C-01FC3428CE31}" srcId="{9E0D1736-FD5B-424C-91CD-A888EA56FB99}" destId="{34F279CA-3D4E-44AF-87D4-392D3593C5B6}" srcOrd="1" destOrd="0" parTransId="{D5438E9A-AEC7-41F3-B59D-3E1E27D1123D}" sibTransId="{D136654E-F3D1-4A4C-AB29-FAB8C796F7C2}"/>
+    <dgm:cxn modelId="{F672B595-A7F8-43D1-AE66-C675A6029AE8}" type="presOf" srcId="{D523A580-097B-4790-8323-E3ADE550CF46}" destId="{CE18E7B6-3F9D-4A0E-B599-3A1DDBE91DED}" srcOrd="0" destOrd="0" presId="urn:microsoft.com/office/officeart/2005/8/layout/chevron1"/>
+    <dgm:cxn modelId="{1622B6D6-A37E-4E8B-9030-FF725BDB9C71}" srcId="{9E0D1736-FD5B-424C-91CD-A888EA56FB99}" destId="{DB88278E-5FD8-4D77-A57F-23E5C144B595}" srcOrd="2" destOrd="0" parTransId="{D6BD3AB8-58D4-48C0-9817-D8923767D286}" sibTransId="{E30DCA5E-1082-475C-BF3C-438246DB9545}"/>
+    <dgm:cxn modelId="{18B9D0C6-686F-4C53-8458-33DEAD06C8AB}" type="presParOf" srcId="{8194E803-14B5-4C45-91AA-FB690E49227A}" destId="{CE18E7B6-3F9D-4A0E-B599-3A1DDBE91DED}" srcOrd="0" destOrd="0" presId="urn:microsoft.com/office/officeart/2005/8/layout/chevron1"/>
+    <dgm:cxn modelId="{3998C50A-610D-4A97-AA09-506F69DF151B}" type="presParOf" srcId="{8194E803-14B5-4C45-91AA-FB690E49227A}" destId="{46FF1CBA-7F4B-4F8D-8BC9-5E4E7DC6D219}" srcOrd="1" destOrd="0" presId="urn:microsoft.com/office/officeart/2005/8/layout/chevron1"/>
+    <dgm:cxn modelId="{E0440830-D0DE-4444-8F22-56291A927591}" type="presParOf" srcId="{8194E803-14B5-4C45-91AA-FB690E49227A}" destId="{1CB494EB-D95F-4575-9B2D-B9B7AE338272}" srcOrd="2" destOrd="0" presId="urn:microsoft.com/office/officeart/2005/8/layout/chevron1"/>
+    <dgm:cxn modelId="{0C8AF7A2-432D-463D-A956-CF4BE37440DA}" type="presParOf" srcId="{8194E803-14B5-4C45-91AA-FB690E49227A}" destId="{5FB8A1DC-E47F-4EDA-9F69-0ACD72110CCE}" srcOrd="3" destOrd="0" presId="urn:microsoft.com/office/officeart/2005/8/layout/chevron1"/>
+    <dgm:cxn modelId="{57C2B96C-729B-4B35-B3D1-B52A2D86CE05}" type="presParOf" srcId="{8194E803-14B5-4C45-91AA-FB690E49227A}" destId="{CD087C56-7628-471B-896B-CF94081711B9}" srcOrd="4" destOrd="0" presId="urn:microsoft.com/office/officeart/2005/8/layout/chevron1"/>
+  </dgm:cxnLst>
+  <dgm:bg/>
+  <dgm:whole/>
+  <dgm:extLst>
+    <a:ext uri="http://schemas.microsoft.com/office/drawing/2008/diagram">
+      <dsp:dataModelExt xmlns:dsp="http://schemas.microsoft.com/office/drawing/2008/diagram" relId="rId6" minVer="http://schemas.openxmlformats.org/drawingml/2006/diagram"/>
+    </a:ext>
+  </dgm:extLst>
+</dgm:dataModel>
+</file>
+
+<file path=ppt/diagrams/drawing1.xml><?xml version="1.0" encoding="utf-8"?>
+<dsp:drawing xmlns:dgm="http://schemas.openxmlformats.org/drawingml/2006/diagram" xmlns:dsp="http://schemas.microsoft.com/office/drawing/2008/diagram" xmlns:a="http://schemas.openxmlformats.org/drawingml/2006/main">
+  <dsp:spTree>
+    <dsp:nvGrpSpPr>
+      <dsp:cNvPr id="0" name=""/>
+      <dsp:cNvGrpSpPr/>
+    </dsp:nvGrpSpPr>
+    <dsp:grpSpPr/>
+    <dsp:sp modelId="{CE18E7B6-3F9D-4A0E-B599-3A1DDBE91DED}">
+      <dsp:nvSpPr>
+        <dsp:cNvPr id="0" name=""/>
+        <dsp:cNvSpPr/>
+      </dsp:nvSpPr>
+      <dsp:spPr>
+        <a:xfrm>
+          <a:off x="3148" y="1225394"/>
+          <a:ext cx="3835499" cy="1534199"/>
+        </a:xfrm>
+        <a:prstGeom prst="chevron">
+          <a:avLst/>
+        </a:prstGeom>
+        <a:solidFill>
+          <a:schemeClr val="accent1">
+            <a:hueOff val="0"/>
+            <a:satOff val="0"/>
+            <a:lumOff val="0"/>
+            <a:alphaOff val="0"/>
+          </a:schemeClr>
+        </a:solidFill>
+        <a:ln w="12700" cap="flat" cmpd="sng" algn="ctr">
+          <a:solidFill>
+            <a:schemeClr val="lt1">
+              <a:hueOff val="0"/>
+              <a:satOff val="0"/>
+              <a:lumOff val="0"/>
+              <a:alphaOff val="0"/>
+            </a:schemeClr>
+          </a:solidFill>
+          <a:prstDash val="solid"/>
+          <a:miter lim="800000"/>
+        </a:ln>
+        <a:effectLst/>
+      </dsp:spPr>
+      <dsp:style>
+        <a:lnRef idx="2">
+          <a:scrgbClr r="0" g="0" b="0"/>
+        </a:lnRef>
+        <a:fillRef idx="1">
+          <a:scrgbClr r="0" g="0" b="0"/>
+        </a:fillRef>
+        <a:effectRef idx="0">
+          <a:scrgbClr r="0" g="0" b="0"/>
+        </a:effectRef>
+        <a:fontRef idx="minor">
+          <a:schemeClr val="lt1"/>
+        </a:fontRef>
+      </dsp:style>
+      <dsp:txBody>
+        <a:bodyPr spcFirstLastPara="0" vert="horz" wrap="square" lIns="96012" tIns="32004" rIns="32004" bIns="32004" numCol="1" spcCol="1270" anchor="ctr" anchorCtr="0">
+          <a:noAutofit/>
+        </a:bodyPr>
+        <a:lstStyle/>
+        <a:p>
+          <a:pPr marL="0" lvl="0" indent="0" algn="ctr" defTabSz="1066800">
+            <a:lnSpc>
+              <a:spcPct val="90000"/>
+            </a:lnSpc>
+            <a:spcBef>
+              <a:spcPct val="0"/>
+            </a:spcBef>
+            <a:spcAft>
+              <a:spcPct val="35000"/>
+            </a:spcAft>
+            <a:buNone/>
+          </a:pPr>
+          <a:r>
+            <a:rPr lang="it-IT" sz="2400" kern="1200" dirty="0"/>
+            <a:t>Studio IEEE 11073-10206 ACOM</a:t>
+          </a:r>
+        </a:p>
+      </dsp:txBody>
+      <dsp:txXfrm>
+        <a:off x="770248" y="1225394"/>
+        <a:ext cx="2301300" cy="1534199"/>
+      </dsp:txXfrm>
+    </dsp:sp>
+    <dsp:sp modelId="{1CB494EB-D95F-4575-9B2D-B9B7AE338272}">
+      <dsp:nvSpPr>
+        <dsp:cNvPr id="0" name=""/>
+        <dsp:cNvSpPr/>
+      </dsp:nvSpPr>
+      <dsp:spPr>
+        <a:xfrm>
+          <a:off x="3455098" y="1225394"/>
+          <a:ext cx="3835499" cy="1534199"/>
+        </a:xfrm>
+        <a:prstGeom prst="chevron">
+          <a:avLst/>
+        </a:prstGeom>
+        <a:solidFill>
+          <a:schemeClr val="accent1">
+            <a:hueOff val="0"/>
+            <a:satOff val="0"/>
+            <a:lumOff val="0"/>
+            <a:alphaOff val="0"/>
+          </a:schemeClr>
+        </a:solidFill>
+        <a:ln w="12700" cap="flat" cmpd="sng" algn="ctr">
+          <a:solidFill>
+            <a:schemeClr val="lt1">
+              <a:hueOff val="0"/>
+              <a:satOff val="0"/>
+              <a:lumOff val="0"/>
+              <a:alphaOff val="0"/>
+            </a:schemeClr>
+          </a:solidFill>
+          <a:prstDash val="solid"/>
+          <a:miter lim="800000"/>
+        </a:ln>
+        <a:effectLst/>
+      </dsp:spPr>
+      <dsp:style>
+        <a:lnRef idx="2">
+          <a:scrgbClr r="0" g="0" b="0"/>
+        </a:lnRef>
+        <a:fillRef idx="1">
+          <a:scrgbClr r="0" g="0" b="0"/>
+        </a:fillRef>
+        <a:effectRef idx="0">
+          <a:scrgbClr r="0" g="0" b="0"/>
+        </a:effectRef>
+        <a:fontRef idx="minor">
+          <a:schemeClr val="lt1"/>
+        </a:fontRef>
+      </dsp:style>
+      <dsp:txBody>
+        <a:bodyPr spcFirstLastPara="0" vert="horz" wrap="square" lIns="96012" tIns="32004" rIns="32004" bIns="32004" numCol="1" spcCol="1270" anchor="ctr" anchorCtr="0">
+          <a:noAutofit/>
+        </a:bodyPr>
+        <a:lstStyle/>
+        <a:p>
+          <a:pPr marL="0" lvl="0" indent="0" algn="ctr" defTabSz="1066800">
+            <a:lnSpc>
+              <a:spcPct val="90000"/>
+            </a:lnSpc>
+            <a:spcBef>
+              <a:spcPct val="0"/>
+            </a:spcBef>
+            <a:spcAft>
+              <a:spcPct val="35000"/>
+            </a:spcAft>
+            <a:buNone/>
+          </a:pPr>
+          <a:r>
+            <a:rPr lang="it-IT" sz="2400" kern="1200" dirty="0"/>
+            <a:t>Studio FHIR</a:t>
+          </a:r>
+        </a:p>
+      </dsp:txBody>
+      <dsp:txXfrm>
+        <a:off x="4222198" y="1225394"/>
+        <a:ext cx="2301300" cy="1534199"/>
+      </dsp:txXfrm>
+    </dsp:sp>
+    <dsp:sp modelId="{CD087C56-7628-471B-896B-CF94081711B9}">
+      <dsp:nvSpPr>
+        <dsp:cNvPr id="0" name=""/>
+        <dsp:cNvSpPr/>
+      </dsp:nvSpPr>
+      <dsp:spPr>
+        <a:xfrm>
+          <a:off x="6907047" y="1225394"/>
+          <a:ext cx="3835499" cy="1534199"/>
+        </a:xfrm>
+        <a:prstGeom prst="chevron">
+          <a:avLst/>
+        </a:prstGeom>
+        <a:solidFill>
+          <a:schemeClr val="accent1">
+            <a:hueOff val="0"/>
+            <a:satOff val="0"/>
+            <a:lumOff val="0"/>
+            <a:alphaOff val="0"/>
+          </a:schemeClr>
+        </a:solidFill>
+        <a:ln w="12700" cap="flat" cmpd="sng" algn="ctr">
+          <a:solidFill>
+            <a:schemeClr val="lt1">
+              <a:hueOff val="0"/>
+              <a:satOff val="0"/>
+              <a:lumOff val="0"/>
+              <a:alphaOff val="0"/>
+            </a:schemeClr>
+          </a:solidFill>
+          <a:prstDash val="solid"/>
+          <a:miter lim="800000"/>
+        </a:ln>
+        <a:effectLst/>
+      </dsp:spPr>
+      <dsp:style>
+        <a:lnRef idx="2">
+          <a:scrgbClr r="0" g="0" b="0"/>
+        </a:lnRef>
+        <a:fillRef idx="1">
+          <a:scrgbClr r="0" g="0" b="0"/>
+        </a:fillRef>
+        <a:effectRef idx="0">
+          <a:scrgbClr r="0" g="0" b="0"/>
+        </a:effectRef>
+        <a:fontRef idx="minor">
+          <a:schemeClr val="lt1"/>
+        </a:fontRef>
+      </dsp:style>
+      <dsp:txBody>
+        <a:bodyPr spcFirstLastPara="0" vert="horz" wrap="square" lIns="96012" tIns="32004" rIns="32004" bIns="32004" numCol="1" spcCol="1270" anchor="ctr" anchorCtr="0">
+          <a:noAutofit/>
+        </a:bodyPr>
+        <a:lstStyle/>
+        <a:p>
+          <a:pPr marL="0" lvl="0" indent="0" algn="ctr" defTabSz="1066800">
+            <a:lnSpc>
+              <a:spcPct val="90000"/>
+            </a:lnSpc>
+            <a:spcBef>
+              <a:spcPct val="0"/>
+            </a:spcBef>
+            <a:spcAft>
+              <a:spcPct val="35000"/>
+            </a:spcAft>
+            <a:buNone/>
+          </a:pPr>
+          <a:r>
+            <a:rPr lang="it-IT" sz="2400" kern="1200" dirty="0"/>
+            <a:t>Sviluppo generatore e convertitore di osservazioni</a:t>
+          </a:r>
+        </a:p>
+      </dsp:txBody>
+      <dsp:txXfrm>
+        <a:off x="7674147" y="1225394"/>
+        <a:ext cx="2301300" cy="1534199"/>
+      </dsp:txXfrm>
+    </dsp:sp>
+  </dsp:spTree>
+</dsp:drawing>
+</file>
+
+<file path=ppt/diagrams/layout1.xml><?xml version="1.0" encoding="utf-8"?>
+<dgm:layoutDef xmlns:dgm="http://schemas.openxmlformats.org/drawingml/2006/diagram" xmlns:a="http://schemas.openxmlformats.org/drawingml/2006/main" uniqueId="urn:microsoft.com/office/officeart/2005/8/layout/chevron1">
+  <dgm:title val=""/>
+  <dgm:desc val=""/>
+  <dgm:catLst>
+    <dgm:cat type="process" pri="9000"/>
+  </dgm:catLst>
+  <dgm:sampData useDef="1">
+    <dgm:dataModel>
+      <dgm:ptLst/>
+      <dgm:bg/>
+      <dgm:whole/>
+    </dgm:dataModel>
+  </dgm:sampData>
+  <dgm:styleData>
+    <dgm:dataModel>
+      <dgm:ptLst>
+        <dgm:pt modelId="0" type="doc"/>
+        <dgm:pt modelId="1"/>
+        <dgm:pt modelId="2"/>
+      </dgm:ptLst>
+      <dgm:cxnLst>
+        <dgm:cxn modelId="3" srcId="0" destId="1" srcOrd="0" destOrd="0"/>
+        <dgm:cxn modelId="4" srcId="0" destId="2" srcOrd="1" destOrd="0"/>
+      </dgm:cxnLst>
+      <dgm:bg/>
+      <dgm:whole/>
+    </dgm:dataModel>
+  </dgm:styleData>
+  <dgm:clrData>
+    <dgm:dataModel>
+      <dgm:ptLst>
+        <dgm:pt modelId="0" type="doc"/>
+        <dgm:pt modelId="1"/>
+        <dgm:pt modelId="2"/>
+        <dgm:pt modelId="3"/>
+        <dgm:pt modelId="4"/>
+      </dgm:ptLst>
+      <dgm:cxnLst>
+        <dgm:cxn modelId="5" srcId="0" destId="1" srcOrd="0" destOrd="0"/>
+        <dgm:cxn modelId="6" srcId="0" destId="2" srcOrd="1" destOrd="0"/>
+        <dgm:cxn modelId="7" srcId="0" destId="3" srcOrd="2" destOrd="0"/>
+        <dgm:cxn modelId="8" srcId="0" destId="4" srcOrd="3" destOrd="0"/>
+      </dgm:cxnLst>
+      <dgm:bg/>
+      <dgm:whole/>
+    </dgm:dataModel>
+  </dgm:clrData>
+  <dgm:layoutNode name="Name0">
+    <dgm:varLst>
+      <dgm:dir/>
+      <dgm:animLvl val="lvl"/>
+      <dgm:resizeHandles val="exact"/>
+    </dgm:varLst>
+    <dgm:choose name="Name1">
+      <dgm:if name="Name2" func="var" arg="dir" op="equ" val="norm">
+        <dgm:alg type="lin"/>
+      </dgm:if>
+      <dgm:else name="Name3">
+        <dgm:alg type="lin">
+          <dgm:param type="linDir" val="fromR"/>
+        </dgm:alg>
+      </dgm:else>
+    </dgm:choose>
+    <dgm:shape xmlns:r="http://schemas.openxmlformats.org/officeDocument/2006/relationships" r:blip="">
+      <dgm:adjLst/>
+    </dgm:shape>
+    <dgm:presOf/>
+    <dgm:choose name="Name4">
+      <dgm:if name="Name5" axis="des" func="maxDepth" op="gte" val="2">
+        <dgm:constrLst>
+          <dgm:constr type="h" for="ch" forName="composite" refType="h"/>
+          <dgm:constr type="w" for="ch" forName="composite" refType="w"/>
+          <dgm:constr type="w" for="des" forName="parTx"/>
+          <dgm:constr type="h" for="des" forName="parTx" op="equ"/>
+          <dgm:constr type="w" for="des" forName="desTx"/>
+          <dgm:constr type="h" for="des" forName="desTx" op="equ"/>
+          <dgm:constr type="primFontSz" for="des" forName="parTx" val="65"/>
+          <dgm:constr type="secFontSz" for="des" forName="desTx" refType="primFontSz" refFor="des" refForName="parTx" op="equ"/>
+          <dgm:constr type="h" for="des" forName="parTx" refType="primFontSz" refFor="des" refForName="parTx" fact="1.5"/>
+          <dgm:constr type="h" for="des" forName="desTx" refType="primFontSz" refFor="des" refForName="parTx" fact="0.5"/>
+          <dgm:constr type="w" for="ch" forName="space" op="equ" val="-6"/>
+        </dgm:constrLst>
+        <dgm:ruleLst>
+          <dgm:rule type="w" for="ch" forName="composite" val="0" fact="NaN" max="NaN"/>
+          <dgm:rule type="primFontSz" for="des" forName="parTx" val="5" fact="NaN" max="NaN"/>
+        </dgm:ruleLst>
+        <dgm:forEach name="Name6" axis="ch" ptType="node">
+          <dgm:layoutNode name="composite">
+            <dgm:alg type="composite"/>
+            <dgm:shape xmlns:r="http://schemas.openxmlformats.org/officeDocument/2006/relationships" r:blip="">
+              <dgm:adjLst/>
+            </dgm:shape>
+            <dgm:presOf/>
+            <dgm:choose name="Name7">
+              <dgm:if name="Name8" func="var" arg="dir" op="equ" val="norm">
+                <dgm:constrLst>
+                  <dgm:constr type="l" for="ch" forName="parTx"/>
+                  <dgm:constr type="w" for="ch" forName="parTx" refType="w"/>
+                  <dgm:constr type="t" for="ch" forName="parTx"/>
+                  <dgm:constr type="l" for="ch" forName="desTx"/>
+                  <dgm:constr type="w" for="ch" forName="desTx" refType="w" refFor="ch" refForName="parTx" fact="0.8"/>
+                  <dgm:constr type="t" for="ch" forName="desTx" refType="h" refFor="ch" refForName="parTx" fact="1.125"/>
+                </dgm:constrLst>
+              </dgm:if>
+              <dgm:else name="Name9">
+                <dgm:constrLst>
+                  <dgm:constr type="l" for="ch" forName="parTx"/>
+                  <dgm:constr type="w" for="ch" forName="parTx" refType="w"/>
+                  <dgm:constr type="t" for="ch" forName="parTx"/>
+                  <dgm:constr type="l" for="ch" forName="desTx" refType="w" fact="0.2"/>
+                  <dgm:constr type="w" for="ch" forName="desTx" refType="w" refFor="ch" refForName="parTx" fact="0.8"/>
+                  <dgm:constr type="t" for="ch" forName="desTx" refType="h" refFor="ch" refForName="parTx" fact="1.125"/>
+                </dgm:constrLst>
+              </dgm:else>
+            </dgm:choose>
+            <dgm:ruleLst>
+              <dgm:rule type="h" val="INF" fact="NaN" max="NaN"/>
+            </dgm:ruleLst>
+            <dgm:layoutNode name="parTx">
+              <dgm:varLst>
+                <dgm:chMax val="0"/>
+                <dgm:chPref val="0"/>
+                <dgm:bulletEnabled val="1"/>
+              </dgm:varLst>
+              <dgm:alg type="tx"/>
+              <dgm:choose name="Name10">
+                <dgm:if name="Name11" func="var" arg="dir" op="equ" val="norm">
+                  <dgm:shape xmlns:r="http://schemas.openxmlformats.org/officeDocument/2006/relationships" type="chevron" r:blip="">
+                    <dgm:adjLst/>
+                  </dgm:shape>
+                </dgm:if>
+                <dgm:else name="Name12">
+                  <dgm:shape xmlns:r="http://schemas.openxmlformats.org/officeDocument/2006/relationships" rot="180" type="chevron" r:blip="">
+                    <dgm:adjLst/>
+                  </dgm:shape>
+                </dgm:else>
+              </dgm:choose>
+              <dgm:presOf axis="self" ptType="node"/>
+              <dgm:choose name="Name13">
+                <dgm:if name="Name14" func="var" arg="dir" op="equ" val="norm">
+                  <dgm:constrLst>
+                    <dgm:constr type="h" refType="w" op="lte" fact="0.4"/>
+                    <dgm:constr type="h"/>
+                    <dgm:constr type="tMarg" refType="primFontSz" fact="0.105"/>
+                    <dgm:constr type="bMarg" refType="primFontSz" fact="0.105"/>
+                    <dgm:constr type="lMarg" refType="primFontSz" fact="0.315"/>
+                    <dgm:constr type="rMarg" refType="primFontSz" fact="0.105"/>
+                  </dgm:constrLst>
+                </dgm:if>
+                <dgm:else name="Name15">
+                  <dgm:constrLst>
+                    <dgm:constr type="h" refType="w" op="lte" fact="0.4"/>
+                    <dgm:constr type="h"/>
+                    <dgm:constr type="tMarg" refType="primFontSz" fact="0.105"/>
+                    <dgm:constr type="bMarg" refType="primFontSz" fact="0.105"/>
+                    <dgm:constr type="lMarg" refType="primFontSz" fact="0.105"/>
+                    <dgm:constr type="rMarg" refType="primFontSz" fact="0.315"/>
+                  </dgm:constrLst>
+                </dgm:else>
+              </dgm:choose>
+              <dgm:ruleLst>
+                <dgm:rule type="h" val="INF" fact="NaN" max="NaN"/>
+              </dgm:ruleLst>
+            </dgm:layoutNode>
+            <dgm:layoutNode name="desTx" styleLbl="revTx">
+              <dgm:varLst>
+                <dgm:bulletEnabled val="1"/>
+              </dgm:varLst>
+              <dgm:alg type="tx">
+                <dgm:param type="stBulletLvl" val="1"/>
+              </dgm:alg>
+              <dgm:choose name="Name16">
+                <dgm:if name="Name17" axis="ch" ptType="node" func="cnt" op="gte" val="1">
+                  <dgm:shape xmlns:r="http://schemas.openxmlformats.org/officeDocument/2006/relationships" type="rect" r:blip="">
+                    <dgm:adjLst/>
+                  </dgm:shape>
+                </dgm:if>
+                <dgm:else name="Name18">
+                  <dgm:shape xmlns:r="http://schemas.openxmlformats.org/officeDocument/2006/relationships" type="rect" r:blip="" hideGeom="1">
+                    <dgm:adjLst/>
+                  </dgm:shape>
+                </dgm:else>
+              </dgm:choose>
+              <dgm:presOf axis="des" ptType="node"/>
+              <dgm:constrLst>
+                <dgm:constr type="secFontSz" val="65"/>
+                <dgm:constr type="primFontSz" refType="secFontSz"/>
+                <dgm:constr type="h"/>
+                <dgm:constr type="tMarg"/>
+                <dgm:constr type="bMarg"/>
+                <dgm:constr type="rMarg"/>
+                <dgm:constr type="lMarg"/>
+              </dgm:constrLst>
+              <dgm:ruleLst>
+                <dgm:rule type="h" val="INF" fact="NaN" max="NaN"/>
+              </dgm:ruleLst>
+            </dgm:layoutNode>
+          </dgm:layoutNode>
+          <dgm:forEach name="Name19" axis="followSib" ptType="sibTrans" cnt="1">
+            <dgm:layoutNode name="space">
+              <dgm:alg type="sp"/>
+              <dgm:shape xmlns:r="http://schemas.openxmlformats.org/officeDocument/2006/relationships" r:blip="">
+                <dgm:adjLst/>
+              </dgm:shape>
+              <dgm:presOf/>
+              <dgm:constrLst/>
+              <dgm:ruleLst/>
+            </dgm:layoutNode>
+          </dgm:forEach>
+        </dgm:forEach>
+      </dgm:if>
+      <dgm:else name="Name20">
+        <dgm:constrLst>
+          <dgm:constr type="w" for="ch" forName="parTxOnly" refType="w"/>
+          <dgm:constr type="h" for="des" forName="parTxOnly" op="equ"/>
+          <dgm:constr type="primFontSz" for="des" forName="parTxOnly" op="equ" val="65"/>
+          <dgm:constr type="w" for="ch" forName="parTxOnlySpace" refType="w" refFor="ch" refForName="parTxOnly" fact="-0.1"/>
+        </dgm:constrLst>
+        <dgm:ruleLst/>
+        <dgm:forEach name="Name21" axis="ch" ptType="node">
+          <dgm:layoutNode name="parTxOnly">
+            <dgm:varLst>
+              <dgm:chMax val="0"/>
+              <dgm:chPref val="0"/>
+              <dgm:bulletEnabled val="1"/>
+            </dgm:varLst>
+            <dgm:alg type="tx"/>
+            <dgm:choose name="Name22">
+              <dgm:if name="Name23" func="var" arg="dir" op="equ" val="norm">
+                <dgm:shape xmlns:r="http://schemas.openxmlformats.org/officeDocument/2006/relationships" type="chevron" r:blip="">
+                  <dgm:adjLst/>
+                </dgm:shape>
+              </dgm:if>
+              <dgm:else name="Name24">
+                <dgm:shape xmlns:r="http://schemas.openxmlformats.org/officeDocument/2006/relationships" rot="180" type="chevron" r:blip="">
+                  <dgm:adjLst/>
+                </dgm:shape>
+              </dgm:else>
+            </dgm:choose>
+            <dgm:presOf axis="self" ptType="node"/>
+            <dgm:choose name="Name25">
+              <dgm:if name="Name26" func="var" arg="dir" op="equ" val="norm">
+                <dgm:constrLst>
+                  <dgm:constr type="h" refType="w" op="equ" fact="0.4"/>
+                  <dgm:constr type="tMarg" refType="primFontSz" fact="0.105"/>
+                  <dgm:constr type="bMarg" refType="primFontSz" fact="0.105"/>
+                  <dgm:constr type="lMarg" refType="primFontSz" fact="0.315"/>
+                  <dgm:constr type="rMarg" refType="primFontSz" fact="0.105"/>
+                </dgm:constrLst>
+              </dgm:if>
+              <dgm:else name="Name27">
+                <dgm:constrLst>
+                  <dgm:constr type="h" refType="w" op="equ" fact="0.4"/>
+                  <dgm:constr type="tMarg" refType="primFontSz" fact="0.105"/>
+                  <dgm:constr type="bMarg" refType="primFontSz" fact="0.105"/>
+                  <dgm:constr type="lMarg" refType="primFontSz" fact="0.105"/>
+                  <dgm:constr type="rMarg" refType="primFontSz" fact="0.315"/>
+                </dgm:constrLst>
+              </dgm:else>
+            </dgm:choose>
+            <dgm:ruleLst>
+              <dgm:rule type="primFontSz" val="5" fact="NaN" max="NaN"/>
+            </dgm:ruleLst>
+          </dgm:layoutNode>
+          <dgm:forEach name="Name28" axis="followSib" ptType="sibTrans" cnt="1">
+            <dgm:layoutNode name="parTxOnlySpace">
+              <dgm:alg type="sp"/>
+              <dgm:shape xmlns:r="http://schemas.openxmlformats.org/officeDocument/2006/relationships" r:blip="">
+                <dgm:adjLst/>
+              </dgm:shape>
+              <dgm:presOf/>
+              <dgm:constrLst/>
+              <dgm:ruleLst/>
+            </dgm:layoutNode>
+          </dgm:forEach>
+        </dgm:forEach>
+      </dgm:else>
+    </dgm:choose>
+  </dgm:layoutNode>
+</dgm:layoutDef>
+</file>
+
+<file path=ppt/diagrams/quickStyle1.xml><?xml version="1.0" encoding="utf-8"?>
+<dgm:styleDef xmlns:dgm="http://schemas.openxmlformats.org/drawingml/2006/diagram" xmlns:a="http://schemas.openxmlformats.org/drawingml/2006/main" uniqueId="urn:microsoft.com/office/officeart/2005/8/quickstyle/simple1">
+  <dgm:title val=""/>
+  <dgm:desc val=""/>
+  <dgm:catLst>
+    <dgm:cat type="simple" pri="10100"/>
+  </dgm:catLst>
+  <dgm:scene3d>
+    <a:camera prst="orthographicFront"/>
+    <a:lightRig rig="threePt" dir="t"/>
+  </dgm:scene3d>
+  <dgm:styleLbl name="node0">
+    <dgm:scene3d>
+      <a:camera prst="orthographicFront"/>
+      <a:lightRig rig="threePt" dir="t"/>
+    </dgm:scene3d>
+    <dgm:sp3d/>
+    <dgm:txPr/>
+    <dgm:style>
+      <a:lnRef idx="2">
+        <a:scrgbClr r="0" g="0" b="0"/>
+      </a:lnRef>
+      <a:fillRef idx="1">
+        <a:scrgbClr r="0" g="0" b="0"/>
+      </a:fillRef>
+      <a:effectRef idx="0">
+        <a:scrgbClr r="0" g="0" b="0"/>
+      </a:effectRef>
+      <a:fontRef idx="minor">
+        <a:schemeClr val="lt1"/>
+      </a:fontRef>
+    </dgm:style>
+  </dgm:styleLbl>
+  <dgm:styleLbl name="lnNode1">
+    <dgm:scene3d>
+      <a:camera prst="orthographicFront"/>
+      <a:lightRig rig="threePt" dir="t"/>
+    </dgm:scene3d>
+    <dgm:sp3d/>
+    <dgm:txPr/>
+    <dgm:style>
+      <a:lnRef idx="2">
+        <a:scrgbClr r="0" g="0" b="0"/>
+      </a:lnRef>
+      <a:fillRef idx="1">
+        <a:scrgbClr r="0" g="0" b="0"/>
+      </a:fillRef>
+      <a:effectRef idx="0">
+        <a:scrgbClr r="0" g="0" b="0"/>
+      </a:effectRef>
+      <a:fontRef idx="minor">
+        <a:schemeClr val="lt1"/>
+      </a:fontRef>
+    </dgm:style>
+  </dgm:styleLbl>
+  <dgm:styleLbl name="vennNode1">
+    <dgm:scene3d>
+      <a:camera prst="orthographicFront"/>
+      <a:lightRig rig="threePt" dir="t"/>
+    </dgm:scene3d>
+    <dgm:sp3d/>
+    <dgm:txPr/>
+    <dgm:style>
+      <a:lnRef idx="2">
+        <a:scrgbClr r="0" g="0" b="0"/>
+      </a:lnRef>
+      <a:fillRef idx="1">
+        <a:scrgbClr r="0" g="0" b="0"/>
+      </a:fillRef>
+      <a:effectRef idx="0">
+        <a:scrgbClr r="0" g="0" b="0"/>
+      </a:effectRef>
+      <a:fontRef idx="minor">
+        <a:schemeClr val="tx1"/>
+      </a:fontRef>
+    </dgm:style>
+  </dgm:styleLbl>
+  <dgm:styleLbl name="alignNode1">
+    <dgm:scene3d>
+      <a:camera prst="orthographicFront"/>
+      <a:lightRig rig="threePt" dir="t"/>
+    </dgm:scene3d>
+    <dgm:sp3d/>
+    <dgm:txPr/>
+    <dgm:style>
+      <a:lnRef idx="2">
+        <a:scrgbClr r="0" g="0" b="0"/>
+      </a:lnRef>
+      <a:fillRef idx="1">
+        <a:scrgbClr r="0" g="0" b="0"/>
+      </a:fillRef>
+      <a:effectRef idx="0">
+        <a:scrgbClr r="0" g="0" b="0"/>
+      </a:effectRef>
+      <a:fontRef idx="minor">
+        <a:schemeClr val="lt1"/>
+      </a:fontRef>
+    </dgm:style>
+  </dgm:styleLbl>
+  <dgm:styleLbl name="node1">
+    <dgm:scene3d>
+      <a:camera prst="orthographicFront"/>
+      <a:lightRig rig="threePt" dir="t"/>
+    </dgm:scene3d>
+    <dgm:sp3d/>
+    <dgm:txPr/>
+    <dgm:style>
+      <a:lnRef idx="2">
+        <a:scrgbClr r="0" g="0" b="0"/>
+      </a:lnRef>
+      <a:fillRef idx="1">
+        <a:scrgbClr r="0" g="0" b="0"/>
+      </a:fillRef>
+      <a:effectRef idx="0">
+        <a:scrgbClr r="0" g="0" b="0"/>
+      </a:effectRef>
+      <a:fontRef idx="minor">
+        <a:schemeClr val="lt1"/>
+      </a:fontRef>
+    </dgm:style>
+  </dgm:styleLbl>
+  <dgm:styleLbl name="node2">
+    <dgm:scene3d>
+      <a:camera prst="orthographicFront"/>
+      <a:lightRig rig="threePt" dir="t"/>
+    </dgm:scene3d>
+    <dgm:sp3d/>
+    <dgm:txPr/>
+    <dgm:style>
+      <a:lnRef idx="2">
+        <a:scrgbClr r="0" g="0" b="0"/>
+      </a:lnRef>
+      <a:fillRef idx="1">
+        <a:scrgbClr r="0" g="0" b="0"/>
+      </a:fillRef>
+      <a:effectRef idx="0">
+        <a:scrgbClr r="0" g="0" b="0"/>
+      </a:effectRef>
+      <a:fontRef idx="minor">
+        <a:schemeClr val="lt1"/>
+      </a:fontRef>
+    </dgm:style>
+  </dgm:styleLbl>
+  <dgm:styleLbl name="node3">
+    <dgm:scene3d>
+      <a:camera prst="orthographicFront"/>
+      <a:lightRig rig="threePt" dir="t"/>
+    </dgm:scene3d>
+    <dgm:sp3d/>
+    <dgm:txPr/>
+    <dgm:style>
+      <a:lnRef idx="2">
+        <a:scrgbClr r="0" g="0" b="0"/>
+      </a:lnRef>
+      <a:fillRef idx="1">
+        <a:scrgbClr r="0" g="0" b="0"/>
+      </a:fillRef>
+      <a:effectRef idx="0">
+        <a:scrgbClr r="0" g="0" b="0"/>
+      </a:effectRef>
+      <a:fontRef idx="minor">
+        <a:schemeClr val="lt1"/>
+      </a:fontRef>
+    </dgm:style>
+  </dgm:styleLbl>
+  <dgm:styleLbl name="node4">
+    <dgm:scene3d>
+      <a:camera prst="orthographicFront"/>
+      <a:lightRig rig="threePt" dir="t"/>
+    </dgm:scene3d>
+    <dgm:sp3d/>
+    <dgm:txPr/>
+    <dgm:style>
+      <a:lnRef idx="2">
+        <a:scrgbClr r="0" g="0" b="0"/>
+      </a:lnRef>
+      <a:fillRef idx="1">
+        <a:scrgbClr r="0" g="0" b="0"/>
+      </a:fillRef>
+      <a:effectRef idx="0">
+        <a:scrgbClr r="0" g="0" b="0"/>
+      </a:effectRef>
+      <a:fontRef idx="minor">
+        <a:schemeClr val="lt1"/>
+      </a:fontRef>
+    </dgm:style>
+  </dgm:styleLbl>
+  <dgm:styleLbl name="fgImgPlace1">
+    <dgm:scene3d>
+      <a:camera prst="orthographicFront"/>
+      <a:lightRig rig="threePt" dir="t"/>
+    </dgm:scene3d>
+    <dgm:sp3d/>
+    <dgm:txPr/>
+    <dgm:style>
+      <a:lnRef idx="2">
+        <a:scrgbClr r="0" g="0" b="0"/>
+      </a:lnRef>
+      <a:fillRef idx="1">
+        <a:scrgbClr r="0" g="0" b="0"/>
+      </a:fillRef>
+      <a:effectRef idx="0">
+        <a:scrgbClr r="0" g="0" b="0"/>
+      </a:effectRef>
+      <a:fontRef idx="minor"/>
+    </dgm:style>
+  </dgm:styleLbl>
+  <dgm:styleLbl name="alignImgPlace1">
+    <dgm:scene3d>
+      <a:camera prst="orthographicFront"/>
+      <a:lightRig rig="threePt" dir="t"/>
+    </dgm:scene3d>
+    <dgm:sp3d/>
+    <dgm:txPr/>
+    <dgm:style>
+      <a:lnRef idx="2">
+        <a:scrgbClr r="0" g="0" b="0"/>
+      </a:lnRef>
+      <a:fillRef idx="1">
+        <a:scrgbClr r="0" g="0" b="0"/>
+      </a:fillRef>
+      <a:effectRef idx="0">
+        <a:scrgbClr r="0" g="0" b="0"/>
+      </a:effectRef>
+      <a:fontRef idx="minor"/>
+    </dgm:style>
+  </dgm:styleLbl>
+  <dgm:styleLbl name="bgImgPlace1">
+    <dgm:scene3d>
+      <a:camera prst="orthographicFront"/>
+      <a:lightRig rig="threePt" dir="t"/>
+    </dgm:scene3d>
+    <dgm:sp3d/>
+    <dgm:txPr/>
+    <dgm:style>
+      <a:lnRef idx="2">
+        <a:scrgbClr r="0" g="0" b="0"/>
+      </a:lnRef>
+      <a:fillRef idx="1">
+        <a:scrgbClr r="0" g="0" b="0"/>
+      </a:fillRef>
+      <a:effectRef idx="0">
+        <a:scrgbClr r="0" g="0" b="0"/>
+      </a:effectRef>
+      <a:fontRef idx="minor"/>
+    </dgm:style>
+  </dgm:styleLbl>
+  <dgm:styleLbl name="sibTrans2D1">
+    <dgm:scene3d>
+      <a:camera prst="orthographicFront"/>
+      <a:lightRig rig="threePt" dir="t"/>
+    </dgm:scene3d>
+    <dgm:sp3d/>
+    <dgm:txPr/>
+    <dgm:style>
+      <a:lnRef idx="0">
+        <a:scrgbClr r="0" g="0" b="0"/>
+      </a:lnRef>
+      <a:fillRef idx="1">
+        <a:scrgbClr r="0" g="0" b="0"/>
+      </a:fillRef>
+      <a:effectRef idx="0">
+        <a:scrgbClr r="0" g="0" b="0"/>
+      </a:effectRef>
+      <a:fontRef idx="minor">
+        <a:schemeClr val="lt1"/>
+      </a:fontRef>
+    </dgm:style>
+  </dgm:styleLbl>
+  <dgm:styleLbl name="fgSibTrans2D1">
+    <dgm:scene3d>
+      <a:camera prst="orthographicFront"/>
+      <a:lightRig rig="threePt" dir="t"/>
+    </dgm:scene3d>
+    <dgm:sp3d/>
+    <dgm:txPr/>
+    <dgm:style>
+      <a:lnRef idx="0">
+        <a:scrgbClr r="0" g="0" b="0"/>
+      </a:lnRef>
+      <a:fillRef idx="1">
+        <a:scrgbClr r="0" g="0" b="0"/>
+      </a:fillRef>
+      <a:effectRef idx="0">
+        <a:scrgbClr r="0" g="0" b="0"/>
+      </a:effectRef>
+      <a:fontRef idx="minor">
+        <a:schemeClr val="lt1"/>
+      </a:fontRef>
+    </dgm:style>
+  </dgm:styleLbl>
+  <dgm:styleLbl name="bgSibTrans2D1">
+    <dgm:scene3d>
+      <a:camera prst="orthographicFront"/>
+      <a:lightRig rig="threePt" dir="t"/>
+    </dgm:scene3d>
+    <dgm:sp3d/>
+    <dgm:txPr/>
+    <dgm:style>
+      <a:lnRef idx="0">
+        <a:scrgbClr r="0" g="0" b="0"/>
+      </a:lnRef>
+      <a:fillRef idx="1">
+        <a:scrgbClr r="0" g="0" b="0"/>
+      </a:fillRef>
+      <a:effectRef idx="0">
+        <a:scrgbClr r="0" g="0" b="0"/>
+      </a:effectRef>
+      <a:fontRef idx="minor">
+        <a:schemeClr val="lt1"/>
+      </a:fontRef>
+    </dgm:style>
+  </dgm:styleLbl>
+  <dgm:styleLbl name="sibTrans1D1">
+    <dgm:scene3d>
+      <a:camera prst="orthographicFront"/>
+      <a:lightRig rig="threePt" dir="t"/>
+    </dgm:scene3d>
+    <dgm:sp3d/>
+    <dgm:txPr/>
+    <dgm:style>
+      <a:lnRef idx="1">
+        <a:scrgbClr r="0" g="0" b="0"/>
+      </a:lnRef>
+      <a:fillRef idx="0">
+        <a:scrgbClr r="0" g="0" b="0"/>
+      </a:fillRef>
+      <a:effectRef idx="0">
+        <a:scrgbClr r="0" g="0" b="0"/>
+      </a:effectRef>
+      <a:fontRef idx="minor"/>
+    </dgm:style>
+  </dgm:styleLbl>
+  <dgm:styleLbl name="callout">
+    <dgm:scene3d>
+      <a:camera prst="orthographicFront"/>
+      <a:lightRig rig="threePt" dir="t"/>
+    </dgm:scene3d>
+    <dgm:sp3d/>
+    <dgm:txPr/>
+    <dgm:style>
+      <a:lnRef idx="2">
+        <a:scrgbClr r="0" g="0" b="0"/>
+      </a:lnRef>
+      <a:fillRef idx="1">
+        <a:scrgbClr r="0" g="0" b="0"/>
+      </a:fillRef>
+      <a:effectRef idx="0">
+        <a:scrgbClr r="0" g="0" b="0"/>
+      </a:effectRef>
+      <a:fontRef idx="minor"/>
+    </dgm:style>
+  </dgm:styleLbl>
+  <dgm:styleLbl name="asst0">
+    <dgm:scene3d>
+      <a:camera prst="orthographicFront"/>
+      <a:lightRig rig="threePt" dir="t"/>
+    </dgm:scene3d>
+    <dgm:sp3d/>
+    <dgm:txPr/>
+    <dgm:style>
+      <a:lnRef idx="2">
+        <a:scrgbClr r="0" g="0" b="0"/>
+      </a:lnRef>
+      <a:fillRef idx="1">
+        <a:scrgbClr r="0" g="0" b="0"/>
+      </a:fillRef>
+      <a:effectRef idx="0">
+        <a:scrgbClr r="0" g="0" b="0"/>
+      </a:effectRef>
+      <a:fontRef idx="minor">
+        <a:schemeClr val="lt1"/>
+      </a:fontRef>
+    </dgm:style>
+  </dgm:styleLbl>
+  <dgm:styleLbl name="asst1">
+    <dgm:scene3d>
+      <a:camera prst="orthographicFront"/>
+      <a:lightRig rig="threePt" dir="t"/>
+    </dgm:scene3d>
+    <dgm:sp3d/>
+    <dgm:txPr/>
+    <dgm:style>
+      <a:lnRef idx="2">
+        <a:scrgbClr r="0" g="0" b="0"/>
+      </a:lnRef>
+      <a:fillRef idx="1">
+        <a:scrgbClr r="0" g="0" b="0"/>
+      </a:fillRef>
+      <a:effectRef idx="0">
+        <a:scrgbClr r="0" g="0" b="0"/>
+      </a:effectRef>
+      <a:fontRef idx="minor">
+        <a:schemeClr val="lt1"/>
+      </a:fontRef>
+    </dgm:style>
+  </dgm:styleLbl>
+  <dgm:styleLbl name="asst2">
+    <dgm:scene3d>
+      <a:camera prst="orthographicFront"/>
+      <a:lightRig rig="threePt" dir="t"/>
+    </dgm:scene3d>
+    <dgm:sp3d/>
+    <dgm:txPr/>
+    <dgm:style>
+      <a:lnRef idx="2">
+        <a:scrgbClr r="0" g="0" b="0"/>
+      </a:lnRef>
+      <a:fillRef idx="1">
+        <a:scrgbClr r="0" g="0" b="0"/>
+      </a:fillRef>
+      <a:effectRef idx="0">
+        <a:scrgbClr r="0" g="0" b="0"/>
+      </a:effectRef>
+      <a:fontRef idx="minor">
+        <a:schemeClr val="lt1"/>
+      </a:fontRef>
+    </dgm:style>
+  </dgm:styleLbl>
+  <dgm:styleLbl name="asst3">
+    <dgm:scene3d>
+      <a:camera prst="orthographicFront"/>
+      <a:lightRig rig="threePt" dir="t"/>
+    </dgm:scene3d>
+    <dgm:sp3d/>
+    <dgm:txPr/>
+    <dgm:style>
+      <a:lnRef idx="2">
+        <a:scrgbClr r="0" g="0" b="0"/>
+      </a:lnRef>
+      <a:fillRef idx="1">
+        <a:scrgbClr r="0" g="0" b="0"/>
+      </a:fillRef>
+      <a:effectRef idx="0">
+        <a:scrgbClr r="0" g="0" b="0"/>
+      </a:effectRef>
+      <a:fontRef idx="minor">
+        <a:schemeClr val="lt1"/>
+      </a:fontRef>
+    </dgm:style>
+  </dgm:styleLbl>
+  <dgm:styleLbl name="asst4">
+    <dgm:scene3d>
+      <a:camera prst="orthographicFront"/>
+      <a:lightRig rig="threePt" dir="t"/>
+    </dgm:scene3d>
+    <dgm:sp3d/>
+    <dgm:txPr/>
+    <dgm:style>
+      <a:lnRef idx="2">
+        <a:scrgbClr r="0" g="0" b="0"/>
+      </a:lnRef>
+      <a:fillRef idx="1">
+        <a:scrgbClr r="0" g="0" b="0"/>
+      </a:fillRef>
+      <a:effectRef idx="0">
+        <a:scrgbClr r="0" g="0" b="0"/>
+      </a:effectRef>
+      <a:fontRef idx="minor">
+        <a:schemeClr val="lt1"/>
+      </a:fontRef>
+    </dgm:style>
+  </dgm:styleLbl>
+  <dgm:styleLbl name="parChTrans2D1">
+    <dgm:scene3d>
+      <a:camera prst="orthographicFront"/>
+      <a:lightRig rig="threePt" dir="t"/>
+    </dgm:scene3d>
+    <dgm:sp3d/>
+    <dgm:txPr/>
+    <dgm:style>
+      <a:lnRef idx="2">
+        <a:scrgbClr r="0" g="0" b="0"/>
+      </a:lnRef>
+      <a:fillRef idx="1">
+        <a:scrgbClr r="0" g="0" b="0"/>
+      </a:fillRef>
+      <a:effectRef idx="0">
+        <a:scrgbClr r="0" g="0" b="0"/>
+      </a:effectRef>
+      <a:fontRef idx="minor">
+        <a:schemeClr val="lt1"/>
+      </a:fontRef>
+    </dgm:style>
+  </dgm:styleLbl>
+  <dgm:styleLbl name="parChTrans2D2">
+    <dgm:scene3d>
+      <a:camera prst="orthographicFront"/>
+      <a:lightRig rig="threePt" dir="t"/>
+    </dgm:scene3d>
+    <dgm:sp3d/>
+    <dgm:txPr/>
+    <dgm:style>
+      <a:lnRef idx="2">
+        <a:scrgbClr r="0" g="0" b="0"/>
+      </a:lnRef>
+      <a:fillRef idx="1">
+        <a:scrgbClr r="0" g="0" b="0"/>
+      </a:fillRef>
+      <a:effectRef idx="0">
+        <a:scrgbClr r="0" g="0" b="0"/>
+      </a:effectRef>
+      <a:fontRef idx="minor">
+        <a:schemeClr val="lt1"/>
+      </a:fontRef>
+    </dgm:style>
+  </dgm:styleLbl>
+  <dgm:styleLbl name="parChTrans2D3">
+    <dgm:scene3d>
+      <a:camera prst="orthographicFront"/>
+      <a:lightRig rig="threePt" dir="t"/>
+    </dgm:scene3d>
+    <dgm:sp3d/>
+    <dgm:txPr/>
+    <dgm:style>
+      <a:lnRef idx="2">
+        <a:scrgbClr r="0" g="0" b="0"/>
+      </a:lnRef>
+      <a:fillRef idx="1">
+        <a:scrgbClr r="0" g="0" b="0"/>
+      </a:fillRef>
+      <a:effectRef idx="0">
+        <a:scrgbClr r="0" g="0" b="0"/>
+      </a:effectRef>
+      <a:fontRef idx="minor">
+        <a:schemeClr val="lt1"/>
+      </a:fontRef>
+    </dgm:style>
+  </dgm:styleLbl>
+  <dgm:styleLbl name="parChTrans2D4">
+    <dgm:scene3d>
+      <a:camera prst="orthographicFront"/>
+      <a:lightRig rig="threePt" dir="t"/>
+    </dgm:scene3d>
+    <dgm:sp3d/>
+    <dgm:txPr/>
+    <dgm:style>
+      <a:lnRef idx="2">
+        <a:scrgbClr r="0" g="0" b="0"/>
+      </a:lnRef>
+      <a:fillRef idx="1">
+        <a:scrgbClr r="0" g="0" b="0"/>
+      </a:fillRef>
+      <a:effectRef idx="0">
+        <a:scrgbClr r="0" g="0" b="0"/>
+      </a:effectRef>
+      <a:fontRef idx="minor">
+        <a:schemeClr val="lt1"/>
+      </a:fontRef>
+    </dgm:style>
+  </dgm:styleLbl>
+  <dgm:styleLbl name="parChTrans1D1">
+    <dgm:scene3d>
+      <a:camera prst="orthographicFront"/>
+      <a:lightRig rig="threePt" dir="t"/>
+    </dgm:scene3d>
+    <dgm:sp3d/>
+    <dgm:txPr/>
+    <dgm:style>
+      <a:lnRef idx="2">
+        <a:scrgbClr r="0" g="0" b="0"/>
+      </a:lnRef>
+      <a:fillRef idx="0">
+        <a:scrgbClr r="0" g="0" b="0"/>
+      </a:fillRef>
+      <a:effectRef idx="0">
+        <a:scrgbClr r="0" g="0" b="0"/>
+      </a:effectRef>
+      <a:fontRef idx="minor"/>
+    </dgm:style>
+  </dgm:styleLbl>
+  <dgm:styleLbl name="parChTrans1D2">
+    <dgm:scene3d>
+      <a:camera prst="orthographicFront"/>
+      <a:lightRig rig="threePt" dir="t"/>
+    </dgm:scene3d>
+    <dgm:sp3d/>
+    <dgm:txPr/>
+    <dgm:style>
+      <a:lnRef idx="2">
+        <a:scrgbClr r="0" g="0" b="0"/>
+      </a:lnRef>
+      <a:fillRef idx="0">
+        <a:scrgbClr r="0" g="0" b="0"/>
+      </a:fillRef>
+      <a:effectRef idx="0">
+        <a:scrgbClr r="0" g="0" b="0"/>
+      </a:effectRef>
+      <a:fontRef idx="minor"/>
+    </dgm:style>
+  </dgm:styleLbl>
+  <dgm:styleLbl name="parChTrans1D3">
+    <dgm:scene3d>
+      <a:camera prst="orthographicFront"/>
+      <a:lightRig rig="threePt" dir="t"/>
+    </dgm:scene3d>
+    <dgm:sp3d/>
+    <dgm:txPr/>
+    <dgm:style>
+      <a:lnRef idx="2">
+        <a:scrgbClr r="0" g="0" b="0"/>
+      </a:lnRef>
+      <a:fillRef idx="0">
+        <a:scrgbClr r="0" g="0" b="0"/>
+      </a:fillRef>
+      <a:effectRef idx="0">
+        <a:scrgbClr r="0" g="0" b="0"/>
+      </a:effectRef>
+      <a:fontRef idx="minor"/>
+    </dgm:style>
+  </dgm:styleLbl>
+  <dgm:styleLbl name="parChTrans1D4">
+    <dgm:scene3d>
+      <a:camera prst="orthographicFront"/>
+      <a:lightRig rig="threePt" dir="t"/>
+    </dgm:scene3d>
+    <dgm:sp3d/>
+    <dgm:txPr/>
+    <dgm:style>
+      <a:lnRef idx="2">
+        <a:scrgbClr r="0" g="0" b="0"/>
+      </a:lnRef>
+      <a:fillRef idx="0">
+        <a:scrgbClr r="0" g="0" b="0"/>
+      </a:fillRef>
+      <a:effectRef idx="0">
+        <a:scrgbClr r="0" g="0" b="0"/>
+      </a:effectRef>
+      <a:fontRef idx="minor"/>
+    </dgm:style>
+  </dgm:styleLbl>
+  <dgm:styleLbl name="fgAcc1">
+    <dgm:scene3d>
+      <a:camera prst="orthographicFront"/>
+      <a:lightRig rig="threePt" dir="t"/>
+    </dgm:scene3d>
+    <dgm:sp3d/>
+    <dgm:txPr/>
+    <dgm:style>
+      <a:lnRef idx="2">
+        <a:scrgbClr r="0" g="0" b="0"/>
+      </a:lnRef>
+      <a:fillRef idx="1">
+        <a:scrgbClr r="0" g="0" b="0"/>
+      </a:fillRef>
+      <a:effectRef idx="0">
+        <a:scrgbClr r="0" g="0" b="0"/>
+      </a:effectRef>
+      <a:fontRef idx="minor"/>
+    </dgm:style>
+  </dgm:styleLbl>
+  <dgm:styleLbl name="conFgAcc1">
+    <dgm:scene3d>
+      <a:camera prst="orthographicFront"/>
+      <a:lightRig rig="threePt" dir="t"/>
+    </dgm:scene3d>
+    <dgm:sp3d/>
+    <dgm:txPr/>
+    <dgm:style>
+      <a:lnRef idx="2">
+        <a:scrgbClr r="0" g="0" b="0"/>
+      </a:lnRef>
+      <a:fillRef idx="1">
+        <a:scrgbClr r="0" g="0" b="0"/>
+      </a:fillRef>
+      <a:effectRef idx="0">
+        <a:scrgbClr r="0" g="0" b="0"/>
+      </a:effectRef>
+      <a:fontRef idx="minor"/>
+    </dgm:style>
+  </dgm:styleLbl>
+  <dgm:styleLbl name="alignAcc1">
+    <dgm:scene3d>
+      <a:camera prst="orthographicFront"/>
+      <a:lightRig rig="threePt" dir="t"/>
+    </dgm:scene3d>
+    <dgm:sp3d/>
+    <dgm:txPr/>
+    <dgm:style>
+      <a:lnRef idx="2">
+        <a:scrgbClr r="0" g="0" b="0"/>
+      </a:lnRef>
+      <a:fillRef idx="1">
+        <a:scrgbClr r="0" g="0" b="0"/>
+      </a:fillRef>
+      <a:effectRef idx="0">
+        <a:scrgbClr r="0" g="0" b="0"/>
+      </a:effectRef>
+      <a:fontRef idx="minor"/>
+    </dgm:style>
+  </dgm:styleLbl>
+  <dgm:styleLbl name="trAlignAcc1">
+    <dgm:scene3d>
+      <a:camera prst="orthographicFront"/>
+      <a:lightRig rig="threePt" dir="t"/>
+    </dgm:scene3d>
+    <dgm:sp3d/>
+    <dgm:txPr/>
+    <dgm:style>
+      <a:lnRef idx="1">
+        <a:scrgbClr r="0" g="0" b="0"/>
+      </a:lnRef>
+      <a:fillRef idx="1">
+        <a:scrgbClr r="0" g="0" b="0"/>
+      </a:fillRef>
+      <a:effectRef idx="0">
+        <a:scrgbClr r="0" g="0" b="0"/>
+      </a:effectRef>
+      <a:fontRef idx="minor"/>
+    </dgm:style>
+  </dgm:styleLbl>
+  <dgm:styleLbl name="bgAcc1">
+    <dgm:scene3d>
+      <a:camera prst="orthographicFront"/>
+      <a:lightRig rig="threePt" dir="t"/>
+    </dgm:scene3d>
+    <dgm:sp3d/>
+    <dgm:txPr/>
+    <dgm:style>
+      <a:lnRef idx="2">
+        <a:scrgbClr r="0" g="0" b="0"/>
+      </a:lnRef>
+      <a:fillRef idx="1">
+        <a:scrgbClr r="0" g="0" b="0"/>
+      </a:fillRef>
+      <a:effectRef idx="0">
+        <a:scrgbClr r="0" g="0" b="0"/>
+      </a:effectRef>
+      <a:fontRef idx="minor"/>
+    </dgm:style>
+  </dgm:styleLbl>
+  <dgm:styleLbl name="solidFgAcc1">
+    <dgm:scene3d>
+      <a:camera prst="orthographicFront"/>
+      <a:lightRig rig="threePt" dir="t"/>
+    </dgm:scene3d>
+    <dgm:sp3d/>
+    <dgm:txPr/>
+    <dgm:style>
+      <a:lnRef idx="2">
+        <a:scrgbClr r="0" g="0" b="0"/>
+      </a:lnRef>
+      <a:fillRef idx="1">
+        <a:scrgbClr r="0" g="0" b="0"/>
+      </a:fillRef>
+      <a:effectRef idx="0">
+        <a:scrgbClr r="0" g="0" b="0"/>
+      </a:effectRef>
+      <a:fontRef idx="minor"/>
+    </dgm:style>
+  </dgm:styleLbl>
+  <dgm:styleLbl name="solidAlignAcc1">
+    <dgm:scene3d>
+      <a:camera prst="orthographicFront"/>
+      <a:lightRig rig="threePt" dir="t"/>
+    </dgm:scene3d>
+    <dgm:sp3d/>
+    <dgm:txPr/>
+    <dgm:style>
+      <a:lnRef idx="2">
+        <a:scrgbClr r="0" g="0" b="0"/>
+      </a:lnRef>
+      <a:fillRef idx="1">
+        <a:scrgbClr r="0" g="0" b="0"/>
+      </a:fillRef>
+      <a:effectRef idx="0">
+        <a:scrgbClr r="0" g="0" b="0"/>
+      </a:effectRef>
+      <a:fontRef idx="minor"/>
+    </dgm:style>
+  </dgm:styleLbl>
+  <dgm:styleLbl name="solidBgAcc1">
+    <dgm:scene3d>
+      <a:camera prst="orthographicFront"/>
+      <a:lightRig rig="threePt" dir="t"/>
+    </dgm:scene3d>
+    <dgm:sp3d/>
+    <dgm:txPr/>
+    <dgm:style>
+      <a:lnRef idx="2">
+        <a:scrgbClr r="0" g="0" b="0"/>
+      </a:lnRef>
+      <a:fillRef idx="1">
+        <a:scrgbClr r="0" g="0" b="0"/>
+      </a:fillRef>
+      <a:effectRef idx="0">
+        <a:scrgbClr r="0" g="0" b="0"/>
+      </a:effectRef>
+      <a:fontRef idx="minor"/>
+    </dgm:style>
+  </dgm:styleLbl>
+  <dgm:styleLbl name="fgAccFollowNode1">
+    <dgm:scene3d>
+      <a:camera prst="orthographicFront"/>
+      <a:lightRig rig="threePt" dir="t"/>
+    </dgm:scene3d>
+    <dgm:sp3d/>
+    <dgm:txPr/>
+    <dgm:style>
+      <a:lnRef idx="2">
+        <a:scrgbClr r="0" g="0" b="0"/>
+      </a:lnRef>
+      <a:fillRef idx="1">
+        <a:scrgbClr r="0" g="0" b="0"/>
+      </a:fillRef>
+      <a:effectRef idx="0">
+        <a:scrgbClr r="0" g="0" b="0"/>
+      </a:effectRef>
+      <a:fontRef idx="minor"/>
+    </dgm:style>
+  </dgm:styleLbl>
+  <dgm:styleLbl name="alignAccFollowNode1">
+    <dgm:scene3d>
+      <a:camera prst="orthographicFront"/>
+      <a:lightRig rig="threePt" dir="t"/>
+    </dgm:scene3d>
+    <dgm:sp3d/>
+    <dgm:txPr/>
+    <dgm:style>
+      <a:lnRef idx="2">
+        <a:scrgbClr r="0" g="0" b="0"/>
+      </a:lnRef>
+      <a:fillRef idx="1">
+        <a:scrgbClr r="0" g="0" b="0"/>
+      </a:fillRef>
+      <a:effectRef idx="0">
+        <a:scrgbClr r="0" g="0" b="0"/>
+      </a:effectRef>
+      <a:fontRef idx="minor"/>
+    </dgm:style>
+  </dgm:styleLbl>
+  <dgm:styleLbl name="bgAccFollowNode1">
+    <dgm:scene3d>
+      <a:camera prst="orthographicFront"/>
+      <a:lightRig rig="threePt" dir="t"/>
+    </dgm:scene3d>
+    <dgm:sp3d/>
+    <dgm:txPr/>
+    <dgm:style>
+      <a:lnRef idx="2">
+        <a:scrgbClr r="0" g="0" b="0"/>
+      </a:lnRef>
+      <a:fillRef idx="1">
+        <a:scrgbClr r="0" g="0" b="0"/>
+      </a:fillRef>
+      <a:effectRef idx="0">
+        <a:scrgbClr r="0" g="0" b="0"/>
+      </a:effectRef>
+      <a:fontRef idx="minor"/>
+    </dgm:style>
+  </dgm:styleLbl>
+  <dgm:styleLbl name="fgAcc0">
+    <dgm:scene3d>
+      <a:camera prst="orthographicFront"/>
+      <a:lightRig rig="threePt" dir="t"/>
+    </dgm:scene3d>
+    <dgm:sp3d/>
+    <dgm:txPr/>
+    <dgm:style>
+      <a:lnRef idx="2">
+        <a:scrgbClr r="0" g="0" b="0"/>
+      </a:lnRef>
+      <a:fillRef idx="1">
+        <a:scrgbClr r="0" g="0" b="0"/>
+      </a:fillRef>
+      <a:effectRef idx="0">
+        <a:scrgbClr r="0" g="0" b="0"/>
+      </a:effectRef>
+      <a:fontRef idx="minor"/>
+    </dgm:style>
+  </dgm:styleLbl>
+  <dgm:styleLbl name="fgAcc2">
+    <dgm:scene3d>
+      <a:camera prst="orthographicFront"/>
+      <a:lightRig rig="threePt" dir="t"/>
+    </dgm:scene3d>
+    <dgm:sp3d/>
+    <dgm:txPr/>
+    <dgm:style>
+      <a:lnRef idx="2">
+        <a:scrgbClr r="0" g="0" b="0"/>
+      </a:lnRef>
+      <a:fillRef idx="1">
+        <a:scrgbClr r="0" g="0" b="0"/>
+      </a:fillRef>
+      <a:effectRef idx="0">
+        <a:scrgbClr r="0" g="0" b="0"/>
+      </a:effectRef>
+      <a:fontRef idx="minor"/>
+    </dgm:style>
+  </dgm:styleLbl>
+  <dgm:styleLbl name="fgAcc3">
+    <dgm:scene3d>
+      <a:camera prst="orthographicFront"/>
+      <a:lightRig rig="threePt" dir="t"/>
+    </dgm:scene3d>
+    <dgm:sp3d/>
+    <dgm:txPr/>
+    <dgm:style>
+      <a:lnRef idx="2">
+        <a:scrgbClr r="0" g="0" b="0"/>
+      </a:lnRef>
+      <a:fillRef idx="1">
+        <a:scrgbClr r="0" g="0" b="0"/>
+      </a:fillRef>
+      <a:effectRef idx="0">
+        <a:scrgbClr r="0" g="0" b="0"/>
+      </a:effectRef>
+      <a:fontRef idx="minor"/>
+    </dgm:style>
+  </dgm:styleLbl>
+  <dgm:styleLbl name="fgAcc4">
+    <dgm:scene3d>
+      <a:camera prst="orthographicFront"/>
+      <a:lightRig rig="threePt" dir="t"/>
+    </dgm:scene3d>
+    <dgm:sp3d/>
+    <dgm:txPr/>
+    <dgm:style>
+      <a:lnRef idx="2">
+        <a:scrgbClr r="0" g="0" b="0"/>
+      </a:lnRef>
+      <a:fillRef idx="1">
+        <a:scrgbClr r="0" g="0" b="0"/>
+      </a:fillRef>
+      <a:effectRef idx="0">
+        <a:scrgbClr r="0" g="0" b="0"/>
+      </a:effectRef>
+      <a:fontRef idx="minor"/>
+    </dgm:style>
+  </dgm:styleLbl>
+  <dgm:styleLbl name="bgShp">
+    <dgm:scene3d>
+      <a:camera prst="orthographicFront"/>
+      <a:lightRig rig="threePt" dir="t"/>
+    </dgm:scene3d>
+    <dgm:sp3d/>
+    <dgm:txPr/>
+    <dgm:style>
+      <a:lnRef idx="0">
+        <a:scrgbClr r="0" g="0" b="0"/>
+      </a:lnRef>
+      <a:fillRef idx="1">
+        <a:scrgbClr r="0" g="0" b="0"/>
+      </a:fillRef>
+      <a:effectRef idx="0">
+        <a:scrgbClr r="0" g="0" b="0"/>
+      </a:effectRef>
+      <a:fontRef idx="minor"/>
+    </dgm:style>
+  </dgm:styleLbl>
+  <dgm:styleLbl name="dkBgShp">
+    <dgm:scene3d>
+      <a:camera prst="orthographicFront"/>
+      <a:lightRig rig="threePt" dir="t"/>
+    </dgm:scene3d>
+    <dgm:sp3d/>
+    <dgm:txPr/>
+    <dgm:style>
+      <a:lnRef idx="0">
+        <a:scrgbClr r="0" g="0" b="0"/>
+      </a:lnRef>
+      <a:fillRef idx="1">
+        <a:scrgbClr r="0" g="0" b="0"/>
+      </a:fillRef>
+      <a:effectRef idx="0">
+        <a:scrgbClr r="0" g="0" b="0"/>
+      </a:effectRef>
+      <a:fontRef idx="minor"/>
+    </dgm:style>
+  </dgm:styleLbl>
+  <dgm:styleLbl name="trBgShp">
+    <dgm:scene3d>
+      <a:camera prst="orthographicFront"/>
+      <a:lightRig rig="threePt" dir="t"/>
+    </dgm:scene3d>
+    <dgm:sp3d/>
+    <dgm:txPr/>
+    <dgm:style>
+      <a:lnRef idx="0">
+        <a:scrgbClr r="0" g="0" b="0"/>
+      </a:lnRef>
+      <a:fillRef idx="1">
+        <a:scrgbClr r="0" g="0" b="0"/>
+      </a:fillRef>
+      <a:effectRef idx="0">
+        <a:scrgbClr r="0" g="0" b="0"/>
+      </a:effectRef>
+      <a:fontRef idx="minor"/>
+    </dgm:style>
+  </dgm:styleLbl>
+  <dgm:styleLbl name="fgShp">
+    <dgm:scene3d>
+      <a:camera prst="orthographicFront"/>
+      <a:lightRig rig="threePt" dir="t"/>
+    </dgm:scene3d>
+    <dgm:sp3d/>
+    <dgm:txPr/>
+    <dgm:style>
+      <a:lnRef idx="2">
+        <a:scrgbClr r="0" g="0" b="0"/>
+      </a:lnRef>
+      <a:fillRef idx="1">
+        <a:scrgbClr r="0" g="0" b="0"/>
+      </a:fillRef>
+      <a:effectRef idx="0">
+        <a:scrgbClr r="0" g="0" b="0"/>
+      </a:effectRef>
+      <a:fontRef idx="minor"/>
+    </dgm:style>
+  </dgm:styleLbl>
+  <dgm:styleLbl name="revTx">
+    <dgm:scene3d>
+      <a:camera prst="orthographicFront"/>
+      <a:lightRig rig="threePt" dir="t"/>
+    </dgm:scene3d>
+    <dgm:sp3d/>
+    <dgm:txPr/>
+    <dgm:style>
+      <a:lnRef idx="0">
+        <a:scrgbClr r="0" g="0" b="0"/>
+      </a:lnRef>
+      <a:fillRef idx="0">
+        <a:scrgbClr r="0" g="0" b="0"/>
+      </a:fillRef>
+      <a:effectRef idx="0">
+        <a:scrgbClr r="0" g="0" b="0"/>
+      </a:effectRef>
+      <a:fontRef idx="minor"/>
+    </dgm:style>
+  </dgm:styleLbl>
+</dgm:styleDef>
+</file>
+
 <file path=ppt/handoutMasters/handoutMaster1.xml><?xml version="1.0" encoding="utf-8"?>
 <p:handoutMaster xmlns:a="http://schemas.openxmlformats.org/drawingml/2006/main" xmlns:r="http://schemas.openxmlformats.org/officeDocument/2006/relationships" xmlns:p="http://schemas.openxmlformats.org/presentationml/2006/main">
   <p:cSld>
@@ -197,7 +2697,7 @@
             <a:pPr rtl="0"/>
             <a:fld id="{F43FFF67-0A66-4BA5-8D01-D7436A93C5DC}" type="datetime1">
               <a:rPr lang="it-IT" smtClean="0"/>
-              <a:t>12/07/2024</a:t>
+              <a:t>15/07/2024</a:t>
             </a:fld>
             <a:endParaRPr lang="it-IT" dirty="0"/>
           </a:p>
@@ -416,7 +2916,7 @@
             <a:fld id="{CCC7B77D-D2C2-452D-80DB-AB1E949B0C69}" type="datetime1">
               <a:rPr lang="it-IT" smtClean="0"/>
               <a:pPr/>
-              <a:t>12/07/2024</a:t>
+              <a:t>15/07/2024</a:t>
             </a:fld>
             <a:endParaRPr lang="it-IT" dirty="0"/>
           </a:p>
@@ -957,7 +3457,7 @@
             <a:pPr rtl="0"/>
             <a:fld id="{A89C7E07-3C67-C64C-8DA0-0404F6303970}" type="slidenum">
               <a:rPr lang="it-IT" smtClean="0"/>
-              <a:t>4</a:t>
+              <a:t>3</a:t>
             </a:fld>
             <a:endParaRPr lang="it-IT" dirty="0"/>
           </a:p>
@@ -2766,7 +5266,7 @@
           <a:p>
             <a:pPr rtl="0"/>
             <a:r>
-              <a:rPr lang="it-IT"/>
+              <a:rPr lang="it-IT" dirty="0"/>
               <a:t>Fare clic per inserire il titolo </a:t>
             </a:r>
           </a:p>
@@ -2791,7 +5291,7 @@
         </p:nvCxnSpPr>
         <p:spPr>
           <a:xfrm>
-            <a:off x="594360" y="2148840"/>
+            <a:off x="594360" y="1830950"/>
             <a:ext cx="2133600" cy="3992"/>
           </a:xfrm>
           <a:prstGeom prst="line">
@@ -3975,6 +6475,1517 @@
     <p:extLst>
       <p:ext uri="{BB962C8B-B14F-4D97-AF65-F5344CB8AC3E}">
         <p14:creationId xmlns:p14="http://schemas.microsoft.com/office/powerpoint/2010/main" val="669273864"/>
+      </p:ext>
+    </p:extLst>
+  </p:cSld>
+  <p:clrMapOvr>
+    <a:masterClrMapping/>
+  </p:clrMapOvr>
+</p:sldLayout>
+</file>
+
+<file path=ppt/slideLayouts/slideLayout14.xml><?xml version="1.0" encoding="utf-8"?>
+<p:sldLayout xmlns:a="http://schemas.openxmlformats.org/drawingml/2006/main" xmlns:r="http://schemas.openxmlformats.org/officeDocument/2006/relationships" xmlns:p="http://schemas.openxmlformats.org/presentationml/2006/main" type="title" preserve="1">
+  <p:cSld name="Diapositiva titolo">
+    <p:spTree>
+      <p:nvGrpSpPr>
+        <p:cNvPr id="1" name=""/>
+        <p:cNvGrpSpPr/>
+        <p:nvPr/>
+      </p:nvGrpSpPr>
+      <p:grpSpPr>
+        <a:xfrm>
+          <a:off x="0" y="0"/>
+          <a:ext cx="0" cy="0"/>
+          <a:chOff x="0" y="0"/>
+          <a:chExt cx="0" cy="0"/>
+        </a:xfrm>
+      </p:grpSpPr>
+      <p:sp>
+        <p:nvSpPr>
+          <p:cNvPr id="2" name="Titolo 1">
+            <a:extLst>
+              <a:ext uri="{FF2B5EF4-FFF2-40B4-BE49-F238E27FC236}">
+                <a16:creationId xmlns:a16="http://schemas.microsoft.com/office/drawing/2014/main" id="{790A7857-B9E7-45EE-9857-2E4EF2333E36}"/>
+              </a:ext>
+            </a:extLst>
+          </p:cNvPr>
+          <p:cNvSpPr>
+            <a:spLocks noGrp="1"/>
+          </p:cNvSpPr>
+          <p:nvPr>
+            <p:ph type="ctrTitle"/>
+          </p:nvPr>
+        </p:nvSpPr>
+        <p:spPr>
+          <a:xfrm>
+            <a:off x="1524000" y="1122363"/>
+            <a:ext cx="9144000" cy="2387600"/>
+          </a:xfrm>
+        </p:spPr>
+        <p:txBody>
+          <a:bodyPr anchor="b"/>
+          <a:lstStyle>
+            <a:lvl1pPr algn="ctr">
+              <a:defRPr sz="6000"/>
+            </a:lvl1pPr>
+          </a:lstStyle>
+          <a:p>
+            <a:r>
+              <a:rPr lang="it-IT"/>
+              <a:t>Fare clic per modificare lo stile del titolo dello schema</a:t>
+            </a:r>
+          </a:p>
+        </p:txBody>
+      </p:sp>
+      <p:sp>
+        <p:nvSpPr>
+          <p:cNvPr id="3" name="Sottotitolo 2">
+            <a:extLst>
+              <a:ext uri="{FF2B5EF4-FFF2-40B4-BE49-F238E27FC236}">
+                <a16:creationId xmlns:a16="http://schemas.microsoft.com/office/drawing/2014/main" id="{9A329249-E1FD-5188-EBAD-1D636480D378}"/>
+              </a:ext>
+            </a:extLst>
+          </p:cNvPr>
+          <p:cNvSpPr>
+            <a:spLocks noGrp="1"/>
+          </p:cNvSpPr>
+          <p:nvPr>
+            <p:ph type="subTitle" idx="1"/>
+          </p:nvPr>
+        </p:nvSpPr>
+        <p:spPr>
+          <a:xfrm>
+            <a:off x="1524000" y="3602038"/>
+            <a:ext cx="9144000" cy="1655762"/>
+          </a:xfrm>
+        </p:spPr>
+        <p:txBody>
+          <a:bodyPr/>
+          <a:lstStyle>
+            <a:lvl1pPr marL="0" indent="0" algn="ctr">
+              <a:buNone/>
+              <a:defRPr sz="2400"/>
+            </a:lvl1pPr>
+            <a:lvl2pPr marL="457200" indent="0" algn="ctr">
+              <a:buNone/>
+              <a:defRPr sz="2000"/>
+            </a:lvl2pPr>
+            <a:lvl3pPr marL="914400" indent="0" algn="ctr">
+              <a:buNone/>
+              <a:defRPr sz="1800"/>
+            </a:lvl3pPr>
+            <a:lvl4pPr marL="1371600" indent="0" algn="ctr">
+              <a:buNone/>
+              <a:defRPr sz="1600"/>
+            </a:lvl4pPr>
+            <a:lvl5pPr marL="1828800" indent="0" algn="ctr">
+              <a:buNone/>
+              <a:defRPr sz="1600"/>
+            </a:lvl5pPr>
+            <a:lvl6pPr marL="2286000" indent="0" algn="ctr">
+              <a:buNone/>
+              <a:defRPr sz="1600"/>
+            </a:lvl6pPr>
+            <a:lvl7pPr marL="2743200" indent="0" algn="ctr">
+              <a:buNone/>
+              <a:defRPr sz="1600"/>
+            </a:lvl7pPr>
+            <a:lvl8pPr marL="3200400" indent="0" algn="ctr">
+              <a:buNone/>
+              <a:defRPr sz="1600"/>
+            </a:lvl8pPr>
+            <a:lvl9pPr marL="3657600" indent="0" algn="ctr">
+              <a:buNone/>
+              <a:defRPr sz="1600"/>
+            </a:lvl9pPr>
+          </a:lstStyle>
+          <a:p>
+            <a:r>
+              <a:rPr lang="it-IT"/>
+              <a:t>Fare clic per modificare lo stile del sottotitolo dello schema</a:t>
+            </a:r>
+          </a:p>
+        </p:txBody>
+      </p:sp>
+      <p:sp>
+        <p:nvSpPr>
+          <p:cNvPr id="4" name="Segnaposto data 3">
+            <a:extLst>
+              <a:ext uri="{FF2B5EF4-FFF2-40B4-BE49-F238E27FC236}">
+                <a16:creationId xmlns:a16="http://schemas.microsoft.com/office/drawing/2014/main" id="{4675C36A-F1B1-C905-EDB5-A797C65AC589}"/>
+              </a:ext>
+            </a:extLst>
+          </p:cNvPr>
+          <p:cNvSpPr>
+            <a:spLocks noGrp="1"/>
+          </p:cNvSpPr>
+          <p:nvPr>
+            <p:ph type="dt" sz="half" idx="10"/>
+          </p:nvPr>
+        </p:nvSpPr>
+        <p:spPr/>
+        <p:txBody>
+          <a:bodyPr/>
+          <a:lstStyle/>
+          <a:p>
+            <a:fld id="{0882818E-6A71-4641-9C96-F09B1D31A1E5}" type="datetimeFigureOut">
+              <a:rPr lang="it-IT" smtClean="0"/>
+              <a:t>15/07/2024</a:t>
+            </a:fld>
+            <a:endParaRPr lang="it-IT"/>
+          </a:p>
+        </p:txBody>
+      </p:sp>
+      <p:sp>
+        <p:nvSpPr>
+          <p:cNvPr id="5" name="Segnaposto piè di pagina 4">
+            <a:extLst>
+              <a:ext uri="{FF2B5EF4-FFF2-40B4-BE49-F238E27FC236}">
+                <a16:creationId xmlns:a16="http://schemas.microsoft.com/office/drawing/2014/main" id="{FA270D62-1F7A-665B-A61C-A1339C648AE0}"/>
+              </a:ext>
+            </a:extLst>
+          </p:cNvPr>
+          <p:cNvSpPr>
+            <a:spLocks noGrp="1"/>
+          </p:cNvSpPr>
+          <p:nvPr>
+            <p:ph type="ftr" sz="quarter" idx="11"/>
+          </p:nvPr>
+        </p:nvSpPr>
+        <p:spPr/>
+        <p:txBody>
+          <a:bodyPr/>
+          <a:lstStyle/>
+          <a:p>
+            <a:endParaRPr lang="it-IT"/>
+          </a:p>
+        </p:txBody>
+      </p:sp>
+      <p:sp>
+        <p:nvSpPr>
+          <p:cNvPr id="6" name="Segnaposto numero diapositiva 5">
+            <a:extLst>
+              <a:ext uri="{FF2B5EF4-FFF2-40B4-BE49-F238E27FC236}">
+                <a16:creationId xmlns:a16="http://schemas.microsoft.com/office/drawing/2014/main" id="{36B31606-2062-5D8C-AEC4-77531BF0F7DE}"/>
+              </a:ext>
+            </a:extLst>
+          </p:cNvPr>
+          <p:cNvSpPr>
+            <a:spLocks noGrp="1"/>
+          </p:cNvSpPr>
+          <p:nvPr>
+            <p:ph type="sldNum" sz="quarter" idx="12"/>
+          </p:nvPr>
+        </p:nvSpPr>
+        <p:spPr/>
+        <p:txBody>
+          <a:bodyPr/>
+          <a:lstStyle/>
+          <a:p>
+            <a:fld id="{84F9FF6C-DB37-4C39-8039-70C734184876}" type="slidenum">
+              <a:rPr lang="it-IT" smtClean="0"/>
+              <a:t>‹N›</a:t>
+            </a:fld>
+            <a:endParaRPr lang="it-IT"/>
+          </a:p>
+        </p:txBody>
+      </p:sp>
+    </p:spTree>
+    <p:extLst>
+      <p:ext uri="{BB962C8B-B14F-4D97-AF65-F5344CB8AC3E}">
+        <p14:creationId xmlns:p14="http://schemas.microsoft.com/office/powerpoint/2010/main" val="2928871099"/>
+      </p:ext>
+    </p:extLst>
+  </p:cSld>
+  <p:clrMapOvr>
+    <a:masterClrMapping/>
+  </p:clrMapOvr>
+</p:sldLayout>
+</file>
+
+<file path=ppt/slideLayouts/slideLayout15.xml><?xml version="1.0" encoding="utf-8"?>
+<p:sldLayout xmlns:a="http://schemas.openxmlformats.org/drawingml/2006/main" xmlns:r="http://schemas.openxmlformats.org/officeDocument/2006/relationships" xmlns:p="http://schemas.openxmlformats.org/presentationml/2006/main" type="obj" preserve="1">
+  <p:cSld name="Titolo e contenuto">
+    <p:spTree>
+      <p:nvGrpSpPr>
+        <p:cNvPr id="1" name=""/>
+        <p:cNvGrpSpPr/>
+        <p:nvPr/>
+      </p:nvGrpSpPr>
+      <p:grpSpPr>
+        <a:xfrm>
+          <a:off x="0" y="0"/>
+          <a:ext cx="0" cy="0"/>
+          <a:chOff x="0" y="0"/>
+          <a:chExt cx="0" cy="0"/>
+        </a:xfrm>
+      </p:grpSpPr>
+      <p:sp>
+        <p:nvSpPr>
+          <p:cNvPr id="2" name="Titolo 1">
+            <a:extLst>
+              <a:ext uri="{FF2B5EF4-FFF2-40B4-BE49-F238E27FC236}">
+                <a16:creationId xmlns:a16="http://schemas.microsoft.com/office/drawing/2014/main" id="{92658CB2-D7AE-2291-BA79-960060B23B78}"/>
+              </a:ext>
+            </a:extLst>
+          </p:cNvPr>
+          <p:cNvSpPr>
+            <a:spLocks noGrp="1"/>
+          </p:cNvSpPr>
+          <p:nvPr>
+            <p:ph type="title"/>
+          </p:nvPr>
+        </p:nvSpPr>
+        <p:spPr/>
+        <p:txBody>
+          <a:bodyPr/>
+          <a:lstStyle/>
+          <a:p>
+            <a:r>
+              <a:rPr lang="it-IT"/>
+              <a:t>Fare clic per modificare lo stile del titolo dello schema</a:t>
+            </a:r>
+          </a:p>
+        </p:txBody>
+      </p:sp>
+      <p:sp>
+        <p:nvSpPr>
+          <p:cNvPr id="3" name="Segnaposto contenuto 2">
+            <a:extLst>
+              <a:ext uri="{FF2B5EF4-FFF2-40B4-BE49-F238E27FC236}">
+                <a16:creationId xmlns:a16="http://schemas.microsoft.com/office/drawing/2014/main" id="{0341FAB5-66A6-A8A3-D57F-2CDB63E3CD41}"/>
+              </a:ext>
+            </a:extLst>
+          </p:cNvPr>
+          <p:cNvSpPr>
+            <a:spLocks noGrp="1"/>
+          </p:cNvSpPr>
+          <p:nvPr>
+            <p:ph idx="1"/>
+          </p:nvPr>
+        </p:nvSpPr>
+        <p:spPr/>
+        <p:txBody>
+          <a:bodyPr/>
+          <a:lstStyle/>
+          <a:p>
+            <a:pPr lvl="0"/>
+            <a:r>
+              <a:rPr lang="it-IT"/>
+              <a:t>Fare clic per modificare gli stili del testo dello schema</a:t>
+            </a:r>
+          </a:p>
+          <a:p>
+            <a:pPr lvl="1"/>
+            <a:r>
+              <a:rPr lang="it-IT"/>
+              <a:t>Secondo livello</a:t>
+            </a:r>
+          </a:p>
+          <a:p>
+            <a:pPr lvl="2"/>
+            <a:r>
+              <a:rPr lang="it-IT"/>
+              <a:t>Terzo livello</a:t>
+            </a:r>
+          </a:p>
+          <a:p>
+            <a:pPr lvl="3"/>
+            <a:r>
+              <a:rPr lang="it-IT"/>
+              <a:t>Quarto livello</a:t>
+            </a:r>
+          </a:p>
+          <a:p>
+            <a:pPr lvl="4"/>
+            <a:r>
+              <a:rPr lang="it-IT"/>
+              <a:t>Quinto livello</a:t>
+            </a:r>
+          </a:p>
+        </p:txBody>
+      </p:sp>
+      <p:sp>
+        <p:nvSpPr>
+          <p:cNvPr id="4" name="Segnaposto data 3">
+            <a:extLst>
+              <a:ext uri="{FF2B5EF4-FFF2-40B4-BE49-F238E27FC236}">
+                <a16:creationId xmlns:a16="http://schemas.microsoft.com/office/drawing/2014/main" id="{2C9F4E71-8DFB-27ED-219B-4D3500AF4796}"/>
+              </a:ext>
+            </a:extLst>
+          </p:cNvPr>
+          <p:cNvSpPr>
+            <a:spLocks noGrp="1"/>
+          </p:cNvSpPr>
+          <p:nvPr>
+            <p:ph type="dt" sz="half" idx="10"/>
+          </p:nvPr>
+        </p:nvSpPr>
+        <p:spPr/>
+        <p:txBody>
+          <a:bodyPr/>
+          <a:lstStyle/>
+          <a:p>
+            <a:fld id="{0882818E-6A71-4641-9C96-F09B1D31A1E5}" type="datetimeFigureOut">
+              <a:rPr lang="it-IT" smtClean="0"/>
+              <a:t>15/07/2024</a:t>
+            </a:fld>
+            <a:endParaRPr lang="it-IT"/>
+          </a:p>
+        </p:txBody>
+      </p:sp>
+      <p:sp>
+        <p:nvSpPr>
+          <p:cNvPr id="5" name="Segnaposto piè di pagina 4">
+            <a:extLst>
+              <a:ext uri="{FF2B5EF4-FFF2-40B4-BE49-F238E27FC236}">
+                <a16:creationId xmlns:a16="http://schemas.microsoft.com/office/drawing/2014/main" id="{DDD13EB4-A3F2-24DC-9A90-4E6E97806280}"/>
+              </a:ext>
+            </a:extLst>
+          </p:cNvPr>
+          <p:cNvSpPr>
+            <a:spLocks noGrp="1"/>
+          </p:cNvSpPr>
+          <p:nvPr>
+            <p:ph type="ftr" sz="quarter" idx="11"/>
+          </p:nvPr>
+        </p:nvSpPr>
+        <p:spPr/>
+        <p:txBody>
+          <a:bodyPr/>
+          <a:lstStyle/>
+          <a:p>
+            <a:endParaRPr lang="it-IT"/>
+          </a:p>
+        </p:txBody>
+      </p:sp>
+      <p:sp>
+        <p:nvSpPr>
+          <p:cNvPr id="6" name="Segnaposto numero diapositiva 5">
+            <a:extLst>
+              <a:ext uri="{FF2B5EF4-FFF2-40B4-BE49-F238E27FC236}">
+                <a16:creationId xmlns:a16="http://schemas.microsoft.com/office/drawing/2014/main" id="{2BC23EA8-375F-8FE5-A737-34BF355F69E3}"/>
+              </a:ext>
+            </a:extLst>
+          </p:cNvPr>
+          <p:cNvSpPr>
+            <a:spLocks noGrp="1"/>
+          </p:cNvSpPr>
+          <p:nvPr>
+            <p:ph type="sldNum" sz="quarter" idx="12"/>
+          </p:nvPr>
+        </p:nvSpPr>
+        <p:spPr/>
+        <p:txBody>
+          <a:bodyPr/>
+          <a:lstStyle/>
+          <a:p>
+            <a:fld id="{84F9FF6C-DB37-4C39-8039-70C734184876}" type="slidenum">
+              <a:rPr lang="it-IT" smtClean="0"/>
+              <a:t>‹N›</a:t>
+            </a:fld>
+            <a:endParaRPr lang="it-IT"/>
+          </a:p>
+        </p:txBody>
+      </p:sp>
+    </p:spTree>
+    <p:extLst>
+      <p:ext uri="{BB962C8B-B14F-4D97-AF65-F5344CB8AC3E}">
+        <p14:creationId xmlns:p14="http://schemas.microsoft.com/office/powerpoint/2010/main" val="207146218"/>
+      </p:ext>
+    </p:extLst>
+  </p:cSld>
+  <p:clrMapOvr>
+    <a:masterClrMapping/>
+  </p:clrMapOvr>
+</p:sldLayout>
+</file>
+
+<file path=ppt/slideLayouts/slideLayout16.xml><?xml version="1.0" encoding="utf-8"?>
+<p:sldLayout xmlns:a="http://schemas.openxmlformats.org/drawingml/2006/main" xmlns:r="http://schemas.openxmlformats.org/officeDocument/2006/relationships" xmlns:p="http://schemas.openxmlformats.org/presentationml/2006/main" type="secHead" preserve="1">
+  <p:cSld name="Intestazione sezione">
+    <p:spTree>
+      <p:nvGrpSpPr>
+        <p:cNvPr id="1" name=""/>
+        <p:cNvGrpSpPr/>
+        <p:nvPr/>
+      </p:nvGrpSpPr>
+      <p:grpSpPr>
+        <a:xfrm>
+          <a:off x="0" y="0"/>
+          <a:ext cx="0" cy="0"/>
+          <a:chOff x="0" y="0"/>
+          <a:chExt cx="0" cy="0"/>
+        </a:xfrm>
+      </p:grpSpPr>
+      <p:sp>
+        <p:nvSpPr>
+          <p:cNvPr id="2" name="Titolo 1">
+            <a:extLst>
+              <a:ext uri="{FF2B5EF4-FFF2-40B4-BE49-F238E27FC236}">
+                <a16:creationId xmlns:a16="http://schemas.microsoft.com/office/drawing/2014/main" id="{13CD4F26-9F2B-7DB8-012E-DC40C45C5AA6}"/>
+              </a:ext>
+            </a:extLst>
+          </p:cNvPr>
+          <p:cNvSpPr>
+            <a:spLocks noGrp="1"/>
+          </p:cNvSpPr>
+          <p:nvPr>
+            <p:ph type="title"/>
+          </p:nvPr>
+        </p:nvSpPr>
+        <p:spPr>
+          <a:xfrm>
+            <a:off x="831850" y="1709738"/>
+            <a:ext cx="10515600" cy="2852737"/>
+          </a:xfrm>
+        </p:spPr>
+        <p:txBody>
+          <a:bodyPr anchor="b"/>
+          <a:lstStyle>
+            <a:lvl1pPr>
+              <a:defRPr sz="6000"/>
+            </a:lvl1pPr>
+          </a:lstStyle>
+          <a:p>
+            <a:r>
+              <a:rPr lang="it-IT"/>
+              <a:t>Fare clic per modificare lo stile del titolo dello schema</a:t>
+            </a:r>
+          </a:p>
+        </p:txBody>
+      </p:sp>
+      <p:sp>
+        <p:nvSpPr>
+          <p:cNvPr id="3" name="Segnaposto testo 2">
+            <a:extLst>
+              <a:ext uri="{FF2B5EF4-FFF2-40B4-BE49-F238E27FC236}">
+                <a16:creationId xmlns:a16="http://schemas.microsoft.com/office/drawing/2014/main" id="{4C70DD76-E0A4-7172-C431-BE6055410E30}"/>
+              </a:ext>
+            </a:extLst>
+          </p:cNvPr>
+          <p:cNvSpPr>
+            <a:spLocks noGrp="1"/>
+          </p:cNvSpPr>
+          <p:nvPr>
+            <p:ph type="body" idx="1"/>
+          </p:nvPr>
+        </p:nvSpPr>
+        <p:spPr>
+          <a:xfrm>
+            <a:off x="831850" y="4589463"/>
+            <a:ext cx="10515600" cy="1500187"/>
+          </a:xfrm>
+        </p:spPr>
+        <p:txBody>
+          <a:bodyPr/>
+          <a:lstStyle>
+            <a:lvl1pPr marL="0" indent="0">
+              <a:buNone/>
+              <a:defRPr sz="2400">
+                <a:solidFill>
+                  <a:schemeClr val="tx1">
+                    <a:tint val="82000"/>
+                  </a:schemeClr>
+                </a:solidFill>
+              </a:defRPr>
+            </a:lvl1pPr>
+            <a:lvl2pPr marL="457200" indent="0">
+              <a:buNone/>
+              <a:defRPr sz="2000">
+                <a:solidFill>
+                  <a:schemeClr val="tx1">
+                    <a:tint val="82000"/>
+                  </a:schemeClr>
+                </a:solidFill>
+              </a:defRPr>
+            </a:lvl2pPr>
+            <a:lvl3pPr marL="914400" indent="0">
+              <a:buNone/>
+              <a:defRPr sz="1800">
+                <a:solidFill>
+                  <a:schemeClr val="tx1">
+                    <a:tint val="82000"/>
+                  </a:schemeClr>
+                </a:solidFill>
+              </a:defRPr>
+            </a:lvl3pPr>
+            <a:lvl4pPr marL="1371600" indent="0">
+              <a:buNone/>
+              <a:defRPr sz="1600">
+                <a:solidFill>
+                  <a:schemeClr val="tx1">
+                    <a:tint val="82000"/>
+                  </a:schemeClr>
+                </a:solidFill>
+              </a:defRPr>
+            </a:lvl4pPr>
+            <a:lvl5pPr marL="1828800" indent="0">
+              <a:buNone/>
+              <a:defRPr sz="1600">
+                <a:solidFill>
+                  <a:schemeClr val="tx1">
+                    <a:tint val="82000"/>
+                  </a:schemeClr>
+                </a:solidFill>
+              </a:defRPr>
+            </a:lvl5pPr>
+            <a:lvl6pPr marL="2286000" indent="0">
+              <a:buNone/>
+              <a:defRPr sz="1600">
+                <a:solidFill>
+                  <a:schemeClr val="tx1">
+                    <a:tint val="82000"/>
+                  </a:schemeClr>
+                </a:solidFill>
+              </a:defRPr>
+            </a:lvl6pPr>
+            <a:lvl7pPr marL="2743200" indent="0">
+              <a:buNone/>
+              <a:defRPr sz="1600">
+                <a:solidFill>
+                  <a:schemeClr val="tx1">
+                    <a:tint val="82000"/>
+                  </a:schemeClr>
+                </a:solidFill>
+              </a:defRPr>
+            </a:lvl7pPr>
+            <a:lvl8pPr marL="3200400" indent="0">
+              <a:buNone/>
+              <a:defRPr sz="1600">
+                <a:solidFill>
+                  <a:schemeClr val="tx1">
+                    <a:tint val="82000"/>
+                  </a:schemeClr>
+                </a:solidFill>
+              </a:defRPr>
+            </a:lvl8pPr>
+            <a:lvl9pPr marL="3657600" indent="0">
+              <a:buNone/>
+              <a:defRPr sz="1600">
+                <a:solidFill>
+                  <a:schemeClr val="tx1">
+                    <a:tint val="82000"/>
+                  </a:schemeClr>
+                </a:solidFill>
+              </a:defRPr>
+            </a:lvl9pPr>
+          </a:lstStyle>
+          <a:p>
+            <a:pPr lvl="0"/>
+            <a:r>
+              <a:rPr lang="it-IT"/>
+              <a:t>Fare clic per modificare gli stili del testo dello schema</a:t>
+            </a:r>
+          </a:p>
+        </p:txBody>
+      </p:sp>
+      <p:sp>
+        <p:nvSpPr>
+          <p:cNvPr id="4" name="Segnaposto data 3">
+            <a:extLst>
+              <a:ext uri="{FF2B5EF4-FFF2-40B4-BE49-F238E27FC236}">
+                <a16:creationId xmlns:a16="http://schemas.microsoft.com/office/drawing/2014/main" id="{4DDECC75-3180-59B8-B931-80A7C6AD368F}"/>
+              </a:ext>
+            </a:extLst>
+          </p:cNvPr>
+          <p:cNvSpPr>
+            <a:spLocks noGrp="1"/>
+          </p:cNvSpPr>
+          <p:nvPr>
+            <p:ph type="dt" sz="half" idx="10"/>
+          </p:nvPr>
+        </p:nvSpPr>
+        <p:spPr/>
+        <p:txBody>
+          <a:bodyPr/>
+          <a:lstStyle/>
+          <a:p>
+            <a:fld id="{0882818E-6A71-4641-9C96-F09B1D31A1E5}" type="datetimeFigureOut">
+              <a:rPr lang="it-IT" smtClean="0"/>
+              <a:t>15/07/2024</a:t>
+            </a:fld>
+            <a:endParaRPr lang="it-IT"/>
+          </a:p>
+        </p:txBody>
+      </p:sp>
+      <p:sp>
+        <p:nvSpPr>
+          <p:cNvPr id="5" name="Segnaposto piè di pagina 4">
+            <a:extLst>
+              <a:ext uri="{FF2B5EF4-FFF2-40B4-BE49-F238E27FC236}">
+                <a16:creationId xmlns:a16="http://schemas.microsoft.com/office/drawing/2014/main" id="{AE552CEB-7782-F0D6-1925-2CEFE1D319E2}"/>
+              </a:ext>
+            </a:extLst>
+          </p:cNvPr>
+          <p:cNvSpPr>
+            <a:spLocks noGrp="1"/>
+          </p:cNvSpPr>
+          <p:nvPr>
+            <p:ph type="ftr" sz="quarter" idx="11"/>
+          </p:nvPr>
+        </p:nvSpPr>
+        <p:spPr/>
+        <p:txBody>
+          <a:bodyPr/>
+          <a:lstStyle/>
+          <a:p>
+            <a:endParaRPr lang="it-IT"/>
+          </a:p>
+        </p:txBody>
+      </p:sp>
+      <p:sp>
+        <p:nvSpPr>
+          <p:cNvPr id="6" name="Segnaposto numero diapositiva 5">
+            <a:extLst>
+              <a:ext uri="{FF2B5EF4-FFF2-40B4-BE49-F238E27FC236}">
+                <a16:creationId xmlns:a16="http://schemas.microsoft.com/office/drawing/2014/main" id="{8D1C7E68-C6E9-7262-2CE9-30AE5A5FCF37}"/>
+              </a:ext>
+            </a:extLst>
+          </p:cNvPr>
+          <p:cNvSpPr>
+            <a:spLocks noGrp="1"/>
+          </p:cNvSpPr>
+          <p:nvPr>
+            <p:ph type="sldNum" sz="quarter" idx="12"/>
+          </p:nvPr>
+        </p:nvSpPr>
+        <p:spPr/>
+        <p:txBody>
+          <a:bodyPr/>
+          <a:lstStyle/>
+          <a:p>
+            <a:fld id="{84F9FF6C-DB37-4C39-8039-70C734184876}" type="slidenum">
+              <a:rPr lang="it-IT" smtClean="0"/>
+              <a:t>‹N›</a:t>
+            </a:fld>
+            <a:endParaRPr lang="it-IT"/>
+          </a:p>
+        </p:txBody>
+      </p:sp>
+    </p:spTree>
+    <p:extLst>
+      <p:ext uri="{BB962C8B-B14F-4D97-AF65-F5344CB8AC3E}">
+        <p14:creationId xmlns:p14="http://schemas.microsoft.com/office/powerpoint/2010/main" val="653694328"/>
+      </p:ext>
+    </p:extLst>
+  </p:cSld>
+  <p:clrMapOvr>
+    <a:masterClrMapping/>
+  </p:clrMapOvr>
+</p:sldLayout>
+</file>
+
+<file path=ppt/slideLayouts/slideLayout17.xml><?xml version="1.0" encoding="utf-8"?>
+<p:sldLayout xmlns:a="http://schemas.openxmlformats.org/drawingml/2006/main" xmlns:r="http://schemas.openxmlformats.org/officeDocument/2006/relationships" xmlns:p="http://schemas.openxmlformats.org/presentationml/2006/main" type="twoObj" preserve="1">
+  <p:cSld name="Due contenuti">
+    <p:spTree>
+      <p:nvGrpSpPr>
+        <p:cNvPr id="1" name=""/>
+        <p:cNvGrpSpPr/>
+        <p:nvPr/>
+      </p:nvGrpSpPr>
+      <p:grpSpPr>
+        <a:xfrm>
+          <a:off x="0" y="0"/>
+          <a:ext cx="0" cy="0"/>
+          <a:chOff x="0" y="0"/>
+          <a:chExt cx="0" cy="0"/>
+        </a:xfrm>
+      </p:grpSpPr>
+      <p:sp>
+        <p:nvSpPr>
+          <p:cNvPr id="2" name="Titolo 1">
+            <a:extLst>
+              <a:ext uri="{FF2B5EF4-FFF2-40B4-BE49-F238E27FC236}">
+                <a16:creationId xmlns:a16="http://schemas.microsoft.com/office/drawing/2014/main" id="{1EF620B5-98F0-62BF-C7D1-FE40D1F7F0D3}"/>
+              </a:ext>
+            </a:extLst>
+          </p:cNvPr>
+          <p:cNvSpPr>
+            <a:spLocks noGrp="1"/>
+          </p:cNvSpPr>
+          <p:nvPr>
+            <p:ph type="title"/>
+          </p:nvPr>
+        </p:nvSpPr>
+        <p:spPr/>
+        <p:txBody>
+          <a:bodyPr/>
+          <a:lstStyle/>
+          <a:p>
+            <a:r>
+              <a:rPr lang="it-IT"/>
+              <a:t>Fare clic per modificare lo stile del titolo dello schema</a:t>
+            </a:r>
+          </a:p>
+        </p:txBody>
+      </p:sp>
+      <p:sp>
+        <p:nvSpPr>
+          <p:cNvPr id="3" name="Segnaposto contenuto 2">
+            <a:extLst>
+              <a:ext uri="{FF2B5EF4-FFF2-40B4-BE49-F238E27FC236}">
+                <a16:creationId xmlns:a16="http://schemas.microsoft.com/office/drawing/2014/main" id="{639C0DAA-0A95-456E-37E6-1B614373CF49}"/>
+              </a:ext>
+            </a:extLst>
+          </p:cNvPr>
+          <p:cNvSpPr>
+            <a:spLocks noGrp="1"/>
+          </p:cNvSpPr>
+          <p:nvPr>
+            <p:ph sz="half" idx="1"/>
+          </p:nvPr>
+        </p:nvSpPr>
+        <p:spPr>
+          <a:xfrm>
+            <a:off x="838200" y="1825625"/>
+            <a:ext cx="5181600" cy="4351338"/>
+          </a:xfrm>
+        </p:spPr>
+        <p:txBody>
+          <a:bodyPr/>
+          <a:lstStyle/>
+          <a:p>
+            <a:pPr lvl="0"/>
+            <a:r>
+              <a:rPr lang="it-IT"/>
+              <a:t>Fare clic per modificare gli stili del testo dello schema</a:t>
+            </a:r>
+          </a:p>
+          <a:p>
+            <a:pPr lvl="1"/>
+            <a:r>
+              <a:rPr lang="it-IT"/>
+              <a:t>Secondo livello</a:t>
+            </a:r>
+          </a:p>
+          <a:p>
+            <a:pPr lvl="2"/>
+            <a:r>
+              <a:rPr lang="it-IT"/>
+              <a:t>Terzo livello</a:t>
+            </a:r>
+          </a:p>
+          <a:p>
+            <a:pPr lvl="3"/>
+            <a:r>
+              <a:rPr lang="it-IT"/>
+              <a:t>Quarto livello</a:t>
+            </a:r>
+          </a:p>
+          <a:p>
+            <a:pPr lvl="4"/>
+            <a:r>
+              <a:rPr lang="it-IT"/>
+              <a:t>Quinto livello</a:t>
+            </a:r>
+          </a:p>
+        </p:txBody>
+      </p:sp>
+      <p:sp>
+        <p:nvSpPr>
+          <p:cNvPr id="4" name="Segnaposto contenuto 3">
+            <a:extLst>
+              <a:ext uri="{FF2B5EF4-FFF2-40B4-BE49-F238E27FC236}">
+                <a16:creationId xmlns:a16="http://schemas.microsoft.com/office/drawing/2014/main" id="{C7A474B4-50FD-9D7F-D43C-9E8C3AF718CE}"/>
+              </a:ext>
+            </a:extLst>
+          </p:cNvPr>
+          <p:cNvSpPr>
+            <a:spLocks noGrp="1"/>
+          </p:cNvSpPr>
+          <p:nvPr>
+            <p:ph sz="half" idx="2"/>
+          </p:nvPr>
+        </p:nvSpPr>
+        <p:spPr>
+          <a:xfrm>
+            <a:off x="6172200" y="1825625"/>
+            <a:ext cx="5181600" cy="4351338"/>
+          </a:xfrm>
+        </p:spPr>
+        <p:txBody>
+          <a:bodyPr/>
+          <a:lstStyle/>
+          <a:p>
+            <a:pPr lvl="0"/>
+            <a:r>
+              <a:rPr lang="it-IT"/>
+              <a:t>Fare clic per modificare gli stili del testo dello schema</a:t>
+            </a:r>
+          </a:p>
+          <a:p>
+            <a:pPr lvl="1"/>
+            <a:r>
+              <a:rPr lang="it-IT"/>
+              <a:t>Secondo livello</a:t>
+            </a:r>
+          </a:p>
+          <a:p>
+            <a:pPr lvl="2"/>
+            <a:r>
+              <a:rPr lang="it-IT"/>
+              <a:t>Terzo livello</a:t>
+            </a:r>
+          </a:p>
+          <a:p>
+            <a:pPr lvl="3"/>
+            <a:r>
+              <a:rPr lang="it-IT"/>
+              <a:t>Quarto livello</a:t>
+            </a:r>
+          </a:p>
+          <a:p>
+            <a:pPr lvl="4"/>
+            <a:r>
+              <a:rPr lang="it-IT"/>
+              <a:t>Quinto livello</a:t>
+            </a:r>
+          </a:p>
+        </p:txBody>
+      </p:sp>
+      <p:sp>
+        <p:nvSpPr>
+          <p:cNvPr id="5" name="Segnaposto data 4">
+            <a:extLst>
+              <a:ext uri="{FF2B5EF4-FFF2-40B4-BE49-F238E27FC236}">
+                <a16:creationId xmlns:a16="http://schemas.microsoft.com/office/drawing/2014/main" id="{8E907F3A-50BA-5691-569C-C14580DE41CD}"/>
+              </a:ext>
+            </a:extLst>
+          </p:cNvPr>
+          <p:cNvSpPr>
+            <a:spLocks noGrp="1"/>
+          </p:cNvSpPr>
+          <p:nvPr>
+            <p:ph type="dt" sz="half" idx="10"/>
+          </p:nvPr>
+        </p:nvSpPr>
+        <p:spPr/>
+        <p:txBody>
+          <a:bodyPr/>
+          <a:lstStyle/>
+          <a:p>
+            <a:fld id="{0882818E-6A71-4641-9C96-F09B1D31A1E5}" type="datetimeFigureOut">
+              <a:rPr lang="it-IT" smtClean="0"/>
+              <a:t>15/07/2024</a:t>
+            </a:fld>
+            <a:endParaRPr lang="it-IT"/>
+          </a:p>
+        </p:txBody>
+      </p:sp>
+      <p:sp>
+        <p:nvSpPr>
+          <p:cNvPr id="6" name="Segnaposto piè di pagina 5">
+            <a:extLst>
+              <a:ext uri="{FF2B5EF4-FFF2-40B4-BE49-F238E27FC236}">
+                <a16:creationId xmlns:a16="http://schemas.microsoft.com/office/drawing/2014/main" id="{9C9467EB-58F3-4E47-53A9-66FA12D6F0D0}"/>
+              </a:ext>
+            </a:extLst>
+          </p:cNvPr>
+          <p:cNvSpPr>
+            <a:spLocks noGrp="1"/>
+          </p:cNvSpPr>
+          <p:nvPr>
+            <p:ph type="ftr" sz="quarter" idx="11"/>
+          </p:nvPr>
+        </p:nvSpPr>
+        <p:spPr/>
+        <p:txBody>
+          <a:bodyPr/>
+          <a:lstStyle/>
+          <a:p>
+            <a:endParaRPr lang="it-IT"/>
+          </a:p>
+        </p:txBody>
+      </p:sp>
+      <p:sp>
+        <p:nvSpPr>
+          <p:cNvPr id="7" name="Segnaposto numero diapositiva 6">
+            <a:extLst>
+              <a:ext uri="{FF2B5EF4-FFF2-40B4-BE49-F238E27FC236}">
+                <a16:creationId xmlns:a16="http://schemas.microsoft.com/office/drawing/2014/main" id="{67933B2C-9117-CC23-8B90-98748170AFFD}"/>
+              </a:ext>
+            </a:extLst>
+          </p:cNvPr>
+          <p:cNvSpPr>
+            <a:spLocks noGrp="1"/>
+          </p:cNvSpPr>
+          <p:nvPr>
+            <p:ph type="sldNum" sz="quarter" idx="12"/>
+          </p:nvPr>
+        </p:nvSpPr>
+        <p:spPr/>
+        <p:txBody>
+          <a:bodyPr/>
+          <a:lstStyle/>
+          <a:p>
+            <a:fld id="{84F9FF6C-DB37-4C39-8039-70C734184876}" type="slidenum">
+              <a:rPr lang="it-IT" smtClean="0"/>
+              <a:t>‹N›</a:t>
+            </a:fld>
+            <a:endParaRPr lang="it-IT"/>
+          </a:p>
+        </p:txBody>
+      </p:sp>
+    </p:spTree>
+    <p:extLst>
+      <p:ext uri="{BB962C8B-B14F-4D97-AF65-F5344CB8AC3E}">
+        <p14:creationId xmlns:p14="http://schemas.microsoft.com/office/powerpoint/2010/main" val="1775819637"/>
+      </p:ext>
+    </p:extLst>
+  </p:cSld>
+  <p:clrMapOvr>
+    <a:masterClrMapping/>
+  </p:clrMapOvr>
+</p:sldLayout>
+</file>
+
+<file path=ppt/slideLayouts/slideLayout18.xml><?xml version="1.0" encoding="utf-8"?>
+<p:sldLayout xmlns:a="http://schemas.openxmlformats.org/drawingml/2006/main" xmlns:r="http://schemas.openxmlformats.org/officeDocument/2006/relationships" xmlns:p="http://schemas.openxmlformats.org/presentationml/2006/main" type="twoTxTwoObj" preserve="1">
+  <p:cSld name="Confronto">
+    <p:spTree>
+      <p:nvGrpSpPr>
+        <p:cNvPr id="1" name=""/>
+        <p:cNvGrpSpPr/>
+        <p:nvPr/>
+      </p:nvGrpSpPr>
+      <p:grpSpPr>
+        <a:xfrm>
+          <a:off x="0" y="0"/>
+          <a:ext cx="0" cy="0"/>
+          <a:chOff x="0" y="0"/>
+          <a:chExt cx="0" cy="0"/>
+        </a:xfrm>
+      </p:grpSpPr>
+      <p:sp>
+        <p:nvSpPr>
+          <p:cNvPr id="2" name="Titolo 1">
+            <a:extLst>
+              <a:ext uri="{FF2B5EF4-FFF2-40B4-BE49-F238E27FC236}">
+                <a16:creationId xmlns:a16="http://schemas.microsoft.com/office/drawing/2014/main" id="{35CC4C27-472D-C900-74F3-A268EA43014A}"/>
+              </a:ext>
+            </a:extLst>
+          </p:cNvPr>
+          <p:cNvSpPr>
+            <a:spLocks noGrp="1"/>
+          </p:cNvSpPr>
+          <p:nvPr>
+            <p:ph type="title"/>
+          </p:nvPr>
+        </p:nvSpPr>
+        <p:spPr>
+          <a:xfrm>
+            <a:off x="839788" y="365125"/>
+            <a:ext cx="10515600" cy="1325563"/>
+          </a:xfrm>
+        </p:spPr>
+        <p:txBody>
+          <a:bodyPr/>
+          <a:lstStyle/>
+          <a:p>
+            <a:r>
+              <a:rPr lang="it-IT"/>
+              <a:t>Fare clic per modificare lo stile del titolo dello schema</a:t>
+            </a:r>
+          </a:p>
+        </p:txBody>
+      </p:sp>
+      <p:sp>
+        <p:nvSpPr>
+          <p:cNvPr id="3" name="Segnaposto testo 2">
+            <a:extLst>
+              <a:ext uri="{FF2B5EF4-FFF2-40B4-BE49-F238E27FC236}">
+                <a16:creationId xmlns:a16="http://schemas.microsoft.com/office/drawing/2014/main" id="{460B86B4-39C1-A2FF-8154-5A6D9CDF0C0D}"/>
+              </a:ext>
+            </a:extLst>
+          </p:cNvPr>
+          <p:cNvSpPr>
+            <a:spLocks noGrp="1"/>
+          </p:cNvSpPr>
+          <p:nvPr>
+            <p:ph type="body" idx="1"/>
+          </p:nvPr>
+        </p:nvSpPr>
+        <p:spPr>
+          <a:xfrm>
+            <a:off x="839788" y="1681163"/>
+            <a:ext cx="5157787" cy="823912"/>
+          </a:xfrm>
+        </p:spPr>
+        <p:txBody>
+          <a:bodyPr anchor="b"/>
+          <a:lstStyle>
+            <a:lvl1pPr marL="0" indent="0">
+              <a:buNone/>
+              <a:defRPr sz="2400" b="1"/>
+            </a:lvl1pPr>
+            <a:lvl2pPr marL="457200" indent="0">
+              <a:buNone/>
+              <a:defRPr sz="2000" b="1"/>
+            </a:lvl2pPr>
+            <a:lvl3pPr marL="914400" indent="0">
+              <a:buNone/>
+              <a:defRPr sz="1800" b="1"/>
+            </a:lvl3pPr>
+            <a:lvl4pPr marL="1371600" indent="0">
+              <a:buNone/>
+              <a:defRPr sz="1600" b="1"/>
+            </a:lvl4pPr>
+            <a:lvl5pPr marL="1828800" indent="0">
+              <a:buNone/>
+              <a:defRPr sz="1600" b="1"/>
+            </a:lvl5pPr>
+            <a:lvl6pPr marL="2286000" indent="0">
+              <a:buNone/>
+              <a:defRPr sz="1600" b="1"/>
+            </a:lvl6pPr>
+            <a:lvl7pPr marL="2743200" indent="0">
+              <a:buNone/>
+              <a:defRPr sz="1600" b="1"/>
+            </a:lvl7pPr>
+            <a:lvl8pPr marL="3200400" indent="0">
+              <a:buNone/>
+              <a:defRPr sz="1600" b="1"/>
+            </a:lvl8pPr>
+            <a:lvl9pPr marL="3657600" indent="0">
+              <a:buNone/>
+              <a:defRPr sz="1600" b="1"/>
+            </a:lvl9pPr>
+          </a:lstStyle>
+          <a:p>
+            <a:pPr lvl="0"/>
+            <a:r>
+              <a:rPr lang="it-IT"/>
+              <a:t>Fare clic per modificare gli stili del testo dello schema</a:t>
+            </a:r>
+          </a:p>
+        </p:txBody>
+      </p:sp>
+      <p:sp>
+        <p:nvSpPr>
+          <p:cNvPr id="4" name="Segnaposto contenuto 3">
+            <a:extLst>
+              <a:ext uri="{FF2B5EF4-FFF2-40B4-BE49-F238E27FC236}">
+                <a16:creationId xmlns:a16="http://schemas.microsoft.com/office/drawing/2014/main" id="{464E67AB-CC84-DF2A-B9D5-5EA40572633C}"/>
+              </a:ext>
+            </a:extLst>
+          </p:cNvPr>
+          <p:cNvSpPr>
+            <a:spLocks noGrp="1"/>
+          </p:cNvSpPr>
+          <p:nvPr>
+            <p:ph sz="half" idx="2"/>
+          </p:nvPr>
+        </p:nvSpPr>
+        <p:spPr>
+          <a:xfrm>
+            <a:off x="839788" y="2505075"/>
+            <a:ext cx="5157787" cy="3684588"/>
+          </a:xfrm>
+        </p:spPr>
+        <p:txBody>
+          <a:bodyPr/>
+          <a:lstStyle/>
+          <a:p>
+            <a:pPr lvl="0"/>
+            <a:r>
+              <a:rPr lang="it-IT"/>
+              <a:t>Fare clic per modificare gli stili del testo dello schema</a:t>
+            </a:r>
+          </a:p>
+          <a:p>
+            <a:pPr lvl="1"/>
+            <a:r>
+              <a:rPr lang="it-IT"/>
+              <a:t>Secondo livello</a:t>
+            </a:r>
+          </a:p>
+          <a:p>
+            <a:pPr lvl="2"/>
+            <a:r>
+              <a:rPr lang="it-IT"/>
+              <a:t>Terzo livello</a:t>
+            </a:r>
+          </a:p>
+          <a:p>
+            <a:pPr lvl="3"/>
+            <a:r>
+              <a:rPr lang="it-IT"/>
+              <a:t>Quarto livello</a:t>
+            </a:r>
+          </a:p>
+          <a:p>
+            <a:pPr lvl="4"/>
+            <a:r>
+              <a:rPr lang="it-IT"/>
+              <a:t>Quinto livello</a:t>
+            </a:r>
+          </a:p>
+        </p:txBody>
+      </p:sp>
+      <p:sp>
+        <p:nvSpPr>
+          <p:cNvPr id="5" name="Segnaposto testo 4">
+            <a:extLst>
+              <a:ext uri="{FF2B5EF4-FFF2-40B4-BE49-F238E27FC236}">
+                <a16:creationId xmlns:a16="http://schemas.microsoft.com/office/drawing/2014/main" id="{A3EC83CE-BACF-F79F-E89D-BB55CDE8C8C1}"/>
+              </a:ext>
+            </a:extLst>
+          </p:cNvPr>
+          <p:cNvSpPr>
+            <a:spLocks noGrp="1"/>
+          </p:cNvSpPr>
+          <p:nvPr>
+            <p:ph type="body" sz="quarter" idx="3"/>
+          </p:nvPr>
+        </p:nvSpPr>
+        <p:spPr>
+          <a:xfrm>
+            <a:off x="6172200" y="1681163"/>
+            <a:ext cx="5183188" cy="823912"/>
+          </a:xfrm>
+        </p:spPr>
+        <p:txBody>
+          <a:bodyPr anchor="b"/>
+          <a:lstStyle>
+            <a:lvl1pPr marL="0" indent="0">
+              <a:buNone/>
+              <a:defRPr sz="2400" b="1"/>
+            </a:lvl1pPr>
+            <a:lvl2pPr marL="457200" indent="0">
+              <a:buNone/>
+              <a:defRPr sz="2000" b="1"/>
+            </a:lvl2pPr>
+            <a:lvl3pPr marL="914400" indent="0">
+              <a:buNone/>
+              <a:defRPr sz="1800" b="1"/>
+            </a:lvl3pPr>
+            <a:lvl4pPr marL="1371600" indent="0">
+              <a:buNone/>
+              <a:defRPr sz="1600" b="1"/>
+            </a:lvl4pPr>
+            <a:lvl5pPr marL="1828800" indent="0">
+              <a:buNone/>
+              <a:defRPr sz="1600" b="1"/>
+            </a:lvl5pPr>
+            <a:lvl6pPr marL="2286000" indent="0">
+              <a:buNone/>
+              <a:defRPr sz="1600" b="1"/>
+            </a:lvl6pPr>
+            <a:lvl7pPr marL="2743200" indent="0">
+              <a:buNone/>
+              <a:defRPr sz="1600" b="1"/>
+            </a:lvl7pPr>
+            <a:lvl8pPr marL="3200400" indent="0">
+              <a:buNone/>
+              <a:defRPr sz="1600" b="1"/>
+            </a:lvl8pPr>
+            <a:lvl9pPr marL="3657600" indent="0">
+              <a:buNone/>
+              <a:defRPr sz="1600" b="1"/>
+            </a:lvl9pPr>
+          </a:lstStyle>
+          <a:p>
+            <a:pPr lvl="0"/>
+            <a:r>
+              <a:rPr lang="it-IT"/>
+              <a:t>Fare clic per modificare gli stili del testo dello schema</a:t>
+            </a:r>
+          </a:p>
+        </p:txBody>
+      </p:sp>
+      <p:sp>
+        <p:nvSpPr>
+          <p:cNvPr id="6" name="Segnaposto contenuto 5">
+            <a:extLst>
+              <a:ext uri="{FF2B5EF4-FFF2-40B4-BE49-F238E27FC236}">
+                <a16:creationId xmlns:a16="http://schemas.microsoft.com/office/drawing/2014/main" id="{0C5C1561-3C52-B8C1-C366-009A35ECE44A}"/>
+              </a:ext>
+            </a:extLst>
+          </p:cNvPr>
+          <p:cNvSpPr>
+            <a:spLocks noGrp="1"/>
+          </p:cNvSpPr>
+          <p:nvPr>
+            <p:ph sz="quarter" idx="4"/>
+          </p:nvPr>
+        </p:nvSpPr>
+        <p:spPr>
+          <a:xfrm>
+            <a:off x="6172200" y="2505075"/>
+            <a:ext cx="5183188" cy="3684588"/>
+          </a:xfrm>
+        </p:spPr>
+        <p:txBody>
+          <a:bodyPr/>
+          <a:lstStyle/>
+          <a:p>
+            <a:pPr lvl="0"/>
+            <a:r>
+              <a:rPr lang="it-IT"/>
+              <a:t>Fare clic per modificare gli stili del testo dello schema</a:t>
+            </a:r>
+          </a:p>
+          <a:p>
+            <a:pPr lvl="1"/>
+            <a:r>
+              <a:rPr lang="it-IT"/>
+              <a:t>Secondo livello</a:t>
+            </a:r>
+          </a:p>
+          <a:p>
+            <a:pPr lvl="2"/>
+            <a:r>
+              <a:rPr lang="it-IT"/>
+              <a:t>Terzo livello</a:t>
+            </a:r>
+          </a:p>
+          <a:p>
+            <a:pPr lvl="3"/>
+            <a:r>
+              <a:rPr lang="it-IT"/>
+              <a:t>Quarto livello</a:t>
+            </a:r>
+          </a:p>
+          <a:p>
+            <a:pPr lvl="4"/>
+            <a:r>
+              <a:rPr lang="it-IT"/>
+              <a:t>Quinto livello</a:t>
+            </a:r>
+          </a:p>
+        </p:txBody>
+      </p:sp>
+      <p:sp>
+        <p:nvSpPr>
+          <p:cNvPr id="7" name="Segnaposto data 6">
+            <a:extLst>
+              <a:ext uri="{FF2B5EF4-FFF2-40B4-BE49-F238E27FC236}">
+                <a16:creationId xmlns:a16="http://schemas.microsoft.com/office/drawing/2014/main" id="{34F02694-9D4C-452C-AC3A-96F923229AED}"/>
+              </a:ext>
+            </a:extLst>
+          </p:cNvPr>
+          <p:cNvSpPr>
+            <a:spLocks noGrp="1"/>
+          </p:cNvSpPr>
+          <p:nvPr>
+            <p:ph type="dt" sz="half" idx="10"/>
+          </p:nvPr>
+        </p:nvSpPr>
+        <p:spPr/>
+        <p:txBody>
+          <a:bodyPr/>
+          <a:lstStyle/>
+          <a:p>
+            <a:fld id="{0882818E-6A71-4641-9C96-F09B1D31A1E5}" type="datetimeFigureOut">
+              <a:rPr lang="it-IT" smtClean="0"/>
+              <a:t>15/07/2024</a:t>
+            </a:fld>
+            <a:endParaRPr lang="it-IT"/>
+          </a:p>
+        </p:txBody>
+      </p:sp>
+      <p:sp>
+        <p:nvSpPr>
+          <p:cNvPr id="8" name="Segnaposto piè di pagina 7">
+            <a:extLst>
+              <a:ext uri="{FF2B5EF4-FFF2-40B4-BE49-F238E27FC236}">
+                <a16:creationId xmlns:a16="http://schemas.microsoft.com/office/drawing/2014/main" id="{EA00B054-07EC-0481-0B98-4C72BEE1864D}"/>
+              </a:ext>
+            </a:extLst>
+          </p:cNvPr>
+          <p:cNvSpPr>
+            <a:spLocks noGrp="1"/>
+          </p:cNvSpPr>
+          <p:nvPr>
+            <p:ph type="ftr" sz="quarter" idx="11"/>
+          </p:nvPr>
+        </p:nvSpPr>
+        <p:spPr/>
+        <p:txBody>
+          <a:bodyPr/>
+          <a:lstStyle/>
+          <a:p>
+            <a:endParaRPr lang="it-IT"/>
+          </a:p>
+        </p:txBody>
+      </p:sp>
+      <p:sp>
+        <p:nvSpPr>
+          <p:cNvPr id="9" name="Segnaposto numero diapositiva 8">
+            <a:extLst>
+              <a:ext uri="{FF2B5EF4-FFF2-40B4-BE49-F238E27FC236}">
+                <a16:creationId xmlns:a16="http://schemas.microsoft.com/office/drawing/2014/main" id="{1E28C97A-F4BE-4C58-1A49-33D17919A1E1}"/>
+              </a:ext>
+            </a:extLst>
+          </p:cNvPr>
+          <p:cNvSpPr>
+            <a:spLocks noGrp="1"/>
+          </p:cNvSpPr>
+          <p:nvPr>
+            <p:ph type="sldNum" sz="quarter" idx="12"/>
+          </p:nvPr>
+        </p:nvSpPr>
+        <p:spPr/>
+        <p:txBody>
+          <a:bodyPr/>
+          <a:lstStyle/>
+          <a:p>
+            <a:fld id="{84F9FF6C-DB37-4C39-8039-70C734184876}" type="slidenum">
+              <a:rPr lang="it-IT" smtClean="0"/>
+              <a:t>‹N›</a:t>
+            </a:fld>
+            <a:endParaRPr lang="it-IT"/>
+          </a:p>
+        </p:txBody>
+      </p:sp>
+    </p:spTree>
+    <p:extLst>
+      <p:ext uri="{BB962C8B-B14F-4D97-AF65-F5344CB8AC3E}">
+        <p14:creationId xmlns:p14="http://schemas.microsoft.com/office/powerpoint/2010/main" val="1353822447"/>
+      </p:ext>
+    </p:extLst>
+  </p:cSld>
+  <p:clrMapOvr>
+    <a:masterClrMapping/>
+  </p:clrMapOvr>
+</p:sldLayout>
+</file>
+
+<file path=ppt/slideLayouts/slideLayout19.xml><?xml version="1.0" encoding="utf-8"?>
+<p:sldLayout xmlns:a="http://schemas.openxmlformats.org/drawingml/2006/main" xmlns:r="http://schemas.openxmlformats.org/officeDocument/2006/relationships" xmlns:p="http://schemas.openxmlformats.org/presentationml/2006/main" type="titleOnly" preserve="1">
+  <p:cSld name="Solo titolo">
+    <p:spTree>
+      <p:nvGrpSpPr>
+        <p:cNvPr id="1" name=""/>
+        <p:cNvGrpSpPr/>
+        <p:nvPr/>
+      </p:nvGrpSpPr>
+      <p:grpSpPr>
+        <a:xfrm>
+          <a:off x="0" y="0"/>
+          <a:ext cx="0" cy="0"/>
+          <a:chOff x="0" y="0"/>
+          <a:chExt cx="0" cy="0"/>
+        </a:xfrm>
+      </p:grpSpPr>
+      <p:sp>
+        <p:nvSpPr>
+          <p:cNvPr id="2" name="Titolo 1">
+            <a:extLst>
+              <a:ext uri="{FF2B5EF4-FFF2-40B4-BE49-F238E27FC236}">
+                <a16:creationId xmlns:a16="http://schemas.microsoft.com/office/drawing/2014/main" id="{15B37483-AACF-C3B2-5A55-1D09B4B9CB3B}"/>
+              </a:ext>
+            </a:extLst>
+          </p:cNvPr>
+          <p:cNvSpPr>
+            <a:spLocks noGrp="1"/>
+          </p:cNvSpPr>
+          <p:nvPr>
+            <p:ph type="title"/>
+          </p:nvPr>
+        </p:nvSpPr>
+        <p:spPr/>
+        <p:txBody>
+          <a:bodyPr/>
+          <a:lstStyle/>
+          <a:p>
+            <a:r>
+              <a:rPr lang="it-IT"/>
+              <a:t>Fare clic per modificare lo stile del titolo dello schema</a:t>
+            </a:r>
+          </a:p>
+        </p:txBody>
+      </p:sp>
+      <p:sp>
+        <p:nvSpPr>
+          <p:cNvPr id="3" name="Segnaposto data 2">
+            <a:extLst>
+              <a:ext uri="{FF2B5EF4-FFF2-40B4-BE49-F238E27FC236}">
+                <a16:creationId xmlns:a16="http://schemas.microsoft.com/office/drawing/2014/main" id="{5AB3C0DD-4387-13B5-9036-8F30D765F1D0}"/>
+              </a:ext>
+            </a:extLst>
+          </p:cNvPr>
+          <p:cNvSpPr>
+            <a:spLocks noGrp="1"/>
+          </p:cNvSpPr>
+          <p:nvPr>
+            <p:ph type="dt" sz="half" idx="10"/>
+          </p:nvPr>
+        </p:nvSpPr>
+        <p:spPr/>
+        <p:txBody>
+          <a:bodyPr/>
+          <a:lstStyle/>
+          <a:p>
+            <a:fld id="{0882818E-6A71-4641-9C96-F09B1D31A1E5}" type="datetimeFigureOut">
+              <a:rPr lang="it-IT" smtClean="0"/>
+              <a:t>15/07/2024</a:t>
+            </a:fld>
+            <a:endParaRPr lang="it-IT"/>
+          </a:p>
+        </p:txBody>
+      </p:sp>
+      <p:sp>
+        <p:nvSpPr>
+          <p:cNvPr id="4" name="Segnaposto piè di pagina 3">
+            <a:extLst>
+              <a:ext uri="{FF2B5EF4-FFF2-40B4-BE49-F238E27FC236}">
+                <a16:creationId xmlns:a16="http://schemas.microsoft.com/office/drawing/2014/main" id="{E7F82EFD-F64B-D1C8-AF90-06D8FED8D3FA}"/>
+              </a:ext>
+            </a:extLst>
+          </p:cNvPr>
+          <p:cNvSpPr>
+            <a:spLocks noGrp="1"/>
+          </p:cNvSpPr>
+          <p:nvPr>
+            <p:ph type="ftr" sz="quarter" idx="11"/>
+          </p:nvPr>
+        </p:nvSpPr>
+        <p:spPr/>
+        <p:txBody>
+          <a:bodyPr/>
+          <a:lstStyle/>
+          <a:p>
+            <a:endParaRPr lang="it-IT"/>
+          </a:p>
+        </p:txBody>
+      </p:sp>
+      <p:sp>
+        <p:nvSpPr>
+          <p:cNvPr id="5" name="Segnaposto numero diapositiva 4">
+            <a:extLst>
+              <a:ext uri="{FF2B5EF4-FFF2-40B4-BE49-F238E27FC236}">
+                <a16:creationId xmlns:a16="http://schemas.microsoft.com/office/drawing/2014/main" id="{85731580-6C92-3877-AEC8-E94644E1A111}"/>
+              </a:ext>
+            </a:extLst>
+          </p:cNvPr>
+          <p:cNvSpPr>
+            <a:spLocks noGrp="1"/>
+          </p:cNvSpPr>
+          <p:nvPr>
+            <p:ph type="sldNum" sz="quarter" idx="12"/>
+          </p:nvPr>
+        </p:nvSpPr>
+        <p:spPr/>
+        <p:txBody>
+          <a:bodyPr/>
+          <a:lstStyle/>
+          <a:p>
+            <a:fld id="{84F9FF6C-DB37-4C39-8039-70C734184876}" type="slidenum">
+              <a:rPr lang="it-IT" smtClean="0"/>
+              <a:t>‹N›</a:t>
+            </a:fld>
+            <a:endParaRPr lang="it-IT"/>
+          </a:p>
+        </p:txBody>
+      </p:sp>
+    </p:spTree>
+    <p:extLst>
+      <p:ext uri="{BB962C8B-B14F-4D97-AF65-F5344CB8AC3E}">
+        <p14:creationId xmlns:p14="http://schemas.microsoft.com/office/powerpoint/2010/main" val="350818125"/>
       </p:ext>
     </p:extLst>
   </p:cSld>
@@ -4906,6 +8917,1124 @@
 </p:sldLayout>
 </file>
 
+<file path=ppt/slideLayouts/slideLayout20.xml><?xml version="1.0" encoding="utf-8"?>
+<p:sldLayout xmlns:a="http://schemas.openxmlformats.org/drawingml/2006/main" xmlns:r="http://schemas.openxmlformats.org/officeDocument/2006/relationships" xmlns:p="http://schemas.openxmlformats.org/presentationml/2006/main" type="blank" preserve="1">
+  <p:cSld name="Vuota">
+    <p:spTree>
+      <p:nvGrpSpPr>
+        <p:cNvPr id="1" name=""/>
+        <p:cNvGrpSpPr/>
+        <p:nvPr/>
+      </p:nvGrpSpPr>
+      <p:grpSpPr>
+        <a:xfrm>
+          <a:off x="0" y="0"/>
+          <a:ext cx="0" cy="0"/>
+          <a:chOff x="0" y="0"/>
+          <a:chExt cx="0" cy="0"/>
+        </a:xfrm>
+      </p:grpSpPr>
+      <p:sp>
+        <p:nvSpPr>
+          <p:cNvPr id="2" name="Segnaposto data 1">
+            <a:extLst>
+              <a:ext uri="{FF2B5EF4-FFF2-40B4-BE49-F238E27FC236}">
+                <a16:creationId xmlns:a16="http://schemas.microsoft.com/office/drawing/2014/main" id="{8994B66F-3583-FAA2-FB88-65A556673EDF}"/>
+              </a:ext>
+            </a:extLst>
+          </p:cNvPr>
+          <p:cNvSpPr>
+            <a:spLocks noGrp="1"/>
+          </p:cNvSpPr>
+          <p:nvPr>
+            <p:ph type="dt" sz="half" idx="10"/>
+          </p:nvPr>
+        </p:nvSpPr>
+        <p:spPr/>
+        <p:txBody>
+          <a:bodyPr/>
+          <a:lstStyle/>
+          <a:p>
+            <a:fld id="{0882818E-6A71-4641-9C96-F09B1D31A1E5}" type="datetimeFigureOut">
+              <a:rPr lang="it-IT" smtClean="0"/>
+              <a:t>15/07/2024</a:t>
+            </a:fld>
+            <a:endParaRPr lang="it-IT"/>
+          </a:p>
+        </p:txBody>
+      </p:sp>
+      <p:sp>
+        <p:nvSpPr>
+          <p:cNvPr id="3" name="Segnaposto piè di pagina 2">
+            <a:extLst>
+              <a:ext uri="{FF2B5EF4-FFF2-40B4-BE49-F238E27FC236}">
+                <a16:creationId xmlns:a16="http://schemas.microsoft.com/office/drawing/2014/main" id="{980A770A-6E13-7088-3598-E53A3D44530E}"/>
+              </a:ext>
+            </a:extLst>
+          </p:cNvPr>
+          <p:cNvSpPr>
+            <a:spLocks noGrp="1"/>
+          </p:cNvSpPr>
+          <p:nvPr>
+            <p:ph type="ftr" sz="quarter" idx="11"/>
+          </p:nvPr>
+        </p:nvSpPr>
+        <p:spPr/>
+        <p:txBody>
+          <a:bodyPr/>
+          <a:lstStyle/>
+          <a:p>
+            <a:endParaRPr lang="it-IT"/>
+          </a:p>
+        </p:txBody>
+      </p:sp>
+      <p:sp>
+        <p:nvSpPr>
+          <p:cNvPr id="4" name="Segnaposto numero diapositiva 3">
+            <a:extLst>
+              <a:ext uri="{FF2B5EF4-FFF2-40B4-BE49-F238E27FC236}">
+                <a16:creationId xmlns:a16="http://schemas.microsoft.com/office/drawing/2014/main" id="{B11A7411-AB24-6C59-00F6-7457544BFC41}"/>
+              </a:ext>
+            </a:extLst>
+          </p:cNvPr>
+          <p:cNvSpPr>
+            <a:spLocks noGrp="1"/>
+          </p:cNvSpPr>
+          <p:nvPr>
+            <p:ph type="sldNum" sz="quarter" idx="12"/>
+          </p:nvPr>
+        </p:nvSpPr>
+        <p:spPr/>
+        <p:txBody>
+          <a:bodyPr/>
+          <a:lstStyle/>
+          <a:p>
+            <a:fld id="{84F9FF6C-DB37-4C39-8039-70C734184876}" type="slidenum">
+              <a:rPr lang="it-IT" smtClean="0"/>
+              <a:t>‹N›</a:t>
+            </a:fld>
+            <a:endParaRPr lang="it-IT"/>
+          </a:p>
+        </p:txBody>
+      </p:sp>
+    </p:spTree>
+    <p:extLst>
+      <p:ext uri="{BB962C8B-B14F-4D97-AF65-F5344CB8AC3E}">
+        <p14:creationId xmlns:p14="http://schemas.microsoft.com/office/powerpoint/2010/main" val="2907068995"/>
+      </p:ext>
+    </p:extLst>
+  </p:cSld>
+  <p:clrMapOvr>
+    <a:masterClrMapping/>
+  </p:clrMapOvr>
+</p:sldLayout>
+</file>
+
+<file path=ppt/slideLayouts/slideLayout21.xml><?xml version="1.0" encoding="utf-8"?>
+<p:sldLayout xmlns:a="http://schemas.openxmlformats.org/drawingml/2006/main" xmlns:r="http://schemas.openxmlformats.org/officeDocument/2006/relationships" xmlns:p="http://schemas.openxmlformats.org/presentationml/2006/main" type="objTx" preserve="1">
+  <p:cSld name="Contenuto con didascalia">
+    <p:spTree>
+      <p:nvGrpSpPr>
+        <p:cNvPr id="1" name=""/>
+        <p:cNvGrpSpPr/>
+        <p:nvPr/>
+      </p:nvGrpSpPr>
+      <p:grpSpPr>
+        <a:xfrm>
+          <a:off x="0" y="0"/>
+          <a:ext cx="0" cy="0"/>
+          <a:chOff x="0" y="0"/>
+          <a:chExt cx="0" cy="0"/>
+        </a:xfrm>
+      </p:grpSpPr>
+      <p:sp>
+        <p:nvSpPr>
+          <p:cNvPr id="2" name="Titolo 1">
+            <a:extLst>
+              <a:ext uri="{FF2B5EF4-FFF2-40B4-BE49-F238E27FC236}">
+                <a16:creationId xmlns:a16="http://schemas.microsoft.com/office/drawing/2014/main" id="{47A04ABE-1D6A-AEBE-3EA6-BB7567CCC0C9}"/>
+              </a:ext>
+            </a:extLst>
+          </p:cNvPr>
+          <p:cNvSpPr>
+            <a:spLocks noGrp="1"/>
+          </p:cNvSpPr>
+          <p:nvPr>
+            <p:ph type="title"/>
+          </p:nvPr>
+        </p:nvSpPr>
+        <p:spPr>
+          <a:xfrm>
+            <a:off x="839788" y="457200"/>
+            <a:ext cx="3932237" cy="1600200"/>
+          </a:xfrm>
+        </p:spPr>
+        <p:txBody>
+          <a:bodyPr anchor="b"/>
+          <a:lstStyle>
+            <a:lvl1pPr>
+              <a:defRPr sz="3200"/>
+            </a:lvl1pPr>
+          </a:lstStyle>
+          <a:p>
+            <a:r>
+              <a:rPr lang="it-IT"/>
+              <a:t>Fare clic per modificare lo stile del titolo dello schema</a:t>
+            </a:r>
+          </a:p>
+        </p:txBody>
+      </p:sp>
+      <p:sp>
+        <p:nvSpPr>
+          <p:cNvPr id="3" name="Segnaposto contenuto 2">
+            <a:extLst>
+              <a:ext uri="{FF2B5EF4-FFF2-40B4-BE49-F238E27FC236}">
+                <a16:creationId xmlns:a16="http://schemas.microsoft.com/office/drawing/2014/main" id="{19E3C954-0EF9-E219-26AD-41267DE17863}"/>
+              </a:ext>
+            </a:extLst>
+          </p:cNvPr>
+          <p:cNvSpPr>
+            <a:spLocks noGrp="1"/>
+          </p:cNvSpPr>
+          <p:nvPr>
+            <p:ph idx="1"/>
+          </p:nvPr>
+        </p:nvSpPr>
+        <p:spPr>
+          <a:xfrm>
+            <a:off x="5183188" y="987425"/>
+            <a:ext cx="6172200" cy="4873625"/>
+          </a:xfrm>
+        </p:spPr>
+        <p:txBody>
+          <a:bodyPr/>
+          <a:lstStyle>
+            <a:lvl1pPr>
+              <a:defRPr sz="3200"/>
+            </a:lvl1pPr>
+            <a:lvl2pPr>
+              <a:defRPr sz="2800"/>
+            </a:lvl2pPr>
+            <a:lvl3pPr>
+              <a:defRPr sz="2400"/>
+            </a:lvl3pPr>
+            <a:lvl4pPr>
+              <a:defRPr sz="2000"/>
+            </a:lvl4pPr>
+            <a:lvl5pPr>
+              <a:defRPr sz="2000"/>
+            </a:lvl5pPr>
+            <a:lvl6pPr>
+              <a:defRPr sz="2000"/>
+            </a:lvl6pPr>
+            <a:lvl7pPr>
+              <a:defRPr sz="2000"/>
+            </a:lvl7pPr>
+            <a:lvl8pPr>
+              <a:defRPr sz="2000"/>
+            </a:lvl8pPr>
+            <a:lvl9pPr>
+              <a:defRPr sz="2000"/>
+            </a:lvl9pPr>
+          </a:lstStyle>
+          <a:p>
+            <a:pPr lvl="0"/>
+            <a:r>
+              <a:rPr lang="it-IT"/>
+              <a:t>Fare clic per modificare gli stili del testo dello schema</a:t>
+            </a:r>
+          </a:p>
+          <a:p>
+            <a:pPr lvl="1"/>
+            <a:r>
+              <a:rPr lang="it-IT"/>
+              <a:t>Secondo livello</a:t>
+            </a:r>
+          </a:p>
+          <a:p>
+            <a:pPr lvl="2"/>
+            <a:r>
+              <a:rPr lang="it-IT"/>
+              <a:t>Terzo livello</a:t>
+            </a:r>
+          </a:p>
+          <a:p>
+            <a:pPr lvl="3"/>
+            <a:r>
+              <a:rPr lang="it-IT"/>
+              <a:t>Quarto livello</a:t>
+            </a:r>
+          </a:p>
+          <a:p>
+            <a:pPr lvl="4"/>
+            <a:r>
+              <a:rPr lang="it-IT"/>
+              <a:t>Quinto livello</a:t>
+            </a:r>
+          </a:p>
+        </p:txBody>
+      </p:sp>
+      <p:sp>
+        <p:nvSpPr>
+          <p:cNvPr id="4" name="Segnaposto testo 3">
+            <a:extLst>
+              <a:ext uri="{FF2B5EF4-FFF2-40B4-BE49-F238E27FC236}">
+                <a16:creationId xmlns:a16="http://schemas.microsoft.com/office/drawing/2014/main" id="{E45BCCDF-968E-D7C1-F43D-D307575B8996}"/>
+              </a:ext>
+            </a:extLst>
+          </p:cNvPr>
+          <p:cNvSpPr>
+            <a:spLocks noGrp="1"/>
+          </p:cNvSpPr>
+          <p:nvPr>
+            <p:ph type="body" sz="half" idx="2"/>
+          </p:nvPr>
+        </p:nvSpPr>
+        <p:spPr>
+          <a:xfrm>
+            <a:off x="839788" y="2057400"/>
+            <a:ext cx="3932237" cy="3811588"/>
+          </a:xfrm>
+        </p:spPr>
+        <p:txBody>
+          <a:bodyPr/>
+          <a:lstStyle>
+            <a:lvl1pPr marL="0" indent="0">
+              <a:buNone/>
+              <a:defRPr sz="1600"/>
+            </a:lvl1pPr>
+            <a:lvl2pPr marL="457200" indent="0">
+              <a:buNone/>
+              <a:defRPr sz="1400"/>
+            </a:lvl2pPr>
+            <a:lvl3pPr marL="914400" indent="0">
+              <a:buNone/>
+              <a:defRPr sz="1200"/>
+            </a:lvl3pPr>
+            <a:lvl4pPr marL="1371600" indent="0">
+              <a:buNone/>
+              <a:defRPr sz="1000"/>
+            </a:lvl4pPr>
+            <a:lvl5pPr marL="1828800" indent="0">
+              <a:buNone/>
+              <a:defRPr sz="1000"/>
+            </a:lvl5pPr>
+            <a:lvl6pPr marL="2286000" indent="0">
+              <a:buNone/>
+              <a:defRPr sz="1000"/>
+            </a:lvl6pPr>
+            <a:lvl7pPr marL="2743200" indent="0">
+              <a:buNone/>
+              <a:defRPr sz="1000"/>
+            </a:lvl7pPr>
+            <a:lvl8pPr marL="3200400" indent="0">
+              <a:buNone/>
+              <a:defRPr sz="1000"/>
+            </a:lvl8pPr>
+            <a:lvl9pPr marL="3657600" indent="0">
+              <a:buNone/>
+              <a:defRPr sz="1000"/>
+            </a:lvl9pPr>
+          </a:lstStyle>
+          <a:p>
+            <a:pPr lvl="0"/>
+            <a:r>
+              <a:rPr lang="it-IT"/>
+              <a:t>Fare clic per modificare gli stili del testo dello schema</a:t>
+            </a:r>
+          </a:p>
+        </p:txBody>
+      </p:sp>
+      <p:sp>
+        <p:nvSpPr>
+          <p:cNvPr id="5" name="Segnaposto data 4">
+            <a:extLst>
+              <a:ext uri="{FF2B5EF4-FFF2-40B4-BE49-F238E27FC236}">
+                <a16:creationId xmlns:a16="http://schemas.microsoft.com/office/drawing/2014/main" id="{92FDDAE6-FF5D-276A-A073-C501BD49327B}"/>
+              </a:ext>
+            </a:extLst>
+          </p:cNvPr>
+          <p:cNvSpPr>
+            <a:spLocks noGrp="1"/>
+          </p:cNvSpPr>
+          <p:nvPr>
+            <p:ph type="dt" sz="half" idx="10"/>
+          </p:nvPr>
+        </p:nvSpPr>
+        <p:spPr/>
+        <p:txBody>
+          <a:bodyPr/>
+          <a:lstStyle/>
+          <a:p>
+            <a:fld id="{0882818E-6A71-4641-9C96-F09B1D31A1E5}" type="datetimeFigureOut">
+              <a:rPr lang="it-IT" smtClean="0"/>
+              <a:t>15/07/2024</a:t>
+            </a:fld>
+            <a:endParaRPr lang="it-IT"/>
+          </a:p>
+        </p:txBody>
+      </p:sp>
+      <p:sp>
+        <p:nvSpPr>
+          <p:cNvPr id="6" name="Segnaposto piè di pagina 5">
+            <a:extLst>
+              <a:ext uri="{FF2B5EF4-FFF2-40B4-BE49-F238E27FC236}">
+                <a16:creationId xmlns:a16="http://schemas.microsoft.com/office/drawing/2014/main" id="{A37BF099-475F-8965-5DEB-29C46EF2C55C}"/>
+              </a:ext>
+            </a:extLst>
+          </p:cNvPr>
+          <p:cNvSpPr>
+            <a:spLocks noGrp="1"/>
+          </p:cNvSpPr>
+          <p:nvPr>
+            <p:ph type="ftr" sz="quarter" idx="11"/>
+          </p:nvPr>
+        </p:nvSpPr>
+        <p:spPr/>
+        <p:txBody>
+          <a:bodyPr/>
+          <a:lstStyle/>
+          <a:p>
+            <a:endParaRPr lang="it-IT"/>
+          </a:p>
+        </p:txBody>
+      </p:sp>
+      <p:sp>
+        <p:nvSpPr>
+          <p:cNvPr id="7" name="Segnaposto numero diapositiva 6">
+            <a:extLst>
+              <a:ext uri="{FF2B5EF4-FFF2-40B4-BE49-F238E27FC236}">
+                <a16:creationId xmlns:a16="http://schemas.microsoft.com/office/drawing/2014/main" id="{9F01AFE6-3DBD-6A1B-3435-B98924BA8B6C}"/>
+              </a:ext>
+            </a:extLst>
+          </p:cNvPr>
+          <p:cNvSpPr>
+            <a:spLocks noGrp="1"/>
+          </p:cNvSpPr>
+          <p:nvPr>
+            <p:ph type="sldNum" sz="quarter" idx="12"/>
+          </p:nvPr>
+        </p:nvSpPr>
+        <p:spPr/>
+        <p:txBody>
+          <a:bodyPr/>
+          <a:lstStyle/>
+          <a:p>
+            <a:fld id="{84F9FF6C-DB37-4C39-8039-70C734184876}" type="slidenum">
+              <a:rPr lang="it-IT" smtClean="0"/>
+              <a:t>‹N›</a:t>
+            </a:fld>
+            <a:endParaRPr lang="it-IT"/>
+          </a:p>
+        </p:txBody>
+      </p:sp>
+    </p:spTree>
+    <p:extLst>
+      <p:ext uri="{BB962C8B-B14F-4D97-AF65-F5344CB8AC3E}">
+        <p14:creationId xmlns:p14="http://schemas.microsoft.com/office/powerpoint/2010/main" val="333913442"/>
+      </p:ext>
+    </p:extLst>
+  </p:cSld>
+  <p:clrMapOvr>
+    <a:masterClrMapping/>
+  </p:clrMapOvr>
+</p:sldLayout>
+</file>
+
+<file path=ppt/slideLayouts/slideLayout22.xml><?xml version="1.0" encoding="utf-8"?>
+<p:sldLayout xmlns:a="http://schemas.openxmlformats.org/drawingml/2006/main" xmlns:r="http://schemas.openxmlformats.org/officeDocument/2006/relationships" xmlns:p="http://schemas.openxmlformats.org/presentationml/2006/main" type="picTx" preserve="1">
+  <p:cSld name="Immagine con didascalia">
+    <p:spTree>
+      <p:nvGrpSpPr>
+        <p:cNvPr id="1" name=""/>
+        <p:cNvGrpSpPr/>
+        <p:nvPr/>
+      </p:nvGrpSpPr>
+      <p:grpSpPr>
+        <a:xfrm>
+          <a:off x="0" y="0"/>
+          <a:ext cx="0" cy="0"/>
+          <a:chOff x="0" y="0"/>
+          <a:chExt cx="0" cy="0"/>
+        </a:xfrm>
+      </p:grpSpPr>
+      <p:sp>
+        <p:nvSpPr>
+          <p:cNvPr id="2" name="Titolo 1">
+            <a:extLst>
+              <a:ext uri="{FF2B5EF4-FFF2-40B4-BE49-F238E27FC236}">
+                <a16:creationId xmlns:a16="http://schemas.microsoft.com/office/drawing/2014/main" id="{BE4D8EAD-5877-A411-78CF-86C62837BCF4}"/>
+              </a:ext>
+            </a:extLst>
+          </p:cNvPr>
+          <p:cNvSpPr>
+            <a:spLocks noGrp="1"/>
+          </p:cNvSpPr>
+          <p:nvPr>
+            <p:ph type="title"/>
+          </p:nvPr>
+        </p:nvSpPr>
+        <p:spPr>
+          <a:xfrm>
+            <a:off x="839788" y="457200"/>
+            <a:ext cx="3932237" cy="1600200"/>
+          </a:xfrm>
+        </p:spPr>
+        <p:txBody>
+          <a:bodyPr anchor="b"/>
+          <a:lstStyle>
+            <a:lvl1pPr>
+              <a:defRPr sz="3200"/>
+            </a:lvl1pPr>
+          </a:lstStyle>
+          <a:p>
+            <a:r>
+              <a:rPr lang="it-IT"/>
+              <a:t>Fare clic per modificare lo stile del titolo dello schema</a:t>
+            </a:r>
+          </a:p>
+        </p:txBody>
+      </p:sp>
+      <p:sp>
+        <p:nvSpPr>
+          <p:cNvPr id="3" name="Segnaposto immagine 2">
+            <a:extLst>
+              <a:ext uri="{FF2B5EF4-FFF2-40B4-BE49-F238E27FC236}">
+                <a16:creationId xmlns:a16="http://schemas.microsoft.com/office/drawing/2014/main" id="{944390BE-1493-C19A-45F4-0F976986405E}"/>
+              </a:ext>
+            </a:extLst>
+          </p:cNvPr>
+          <p:cNvSpPr>
+            <a:spLocks noGrp="1"/>
+          </p:cNvSpPr>
+          <p:nvPr>
+            <p:ph type="pic" idx="1"/>
+          </p:nvPr>
+        </p:nvSpPr>
+        <p:spPr>
+          <a:xfrm>
+            <a:off x="5183188" y="987425"/>
+            <a:ext cx="6172200" cy="4873625"/>
+          </a:xfrm>
+        </p:spPr>
+        <p:txBody>
+          <a:bodyPr/>
+          <a:lstStyle>
+            <a:lvl1pPr marL="0" indent="0">
+              <a:buNone/>
+              <a:defRPr sz="3200"/>
+            </a:lvl1pPr>
+            <a:lvl2pPr marL="457200" indent="0">
+              <a:buNone/>
+              <a:defRPr sz="2800"/>
+            </a:lvl2pPr>
+            <a:lvl3pPr marL="914400" indent="0">
+              <a:buNone/>
+              <a:defRPr sz="2400"/>
+            </a:lvl3pPr>
+            <a:lvl4pPr marL="1371600" indent="0">
+              <a:buNone/>
+              <a:defRPr sz="2000"/>
+            </a:lvl4pPr>
+            <a:lvl5pPr marL="1828800" indent="0">
+              <a:buNone/>
+              <a:defRPr sz="2000"/>
+            </a:lvl5pPr>
+            <a:lvl6pPr marL="2286000" indent="0">
+              <a:buNone/>
+              <a:defRPr sz="2000"/>
+            </a:lvl6pPr>
+            <a:lvl7pPr marL="2743200" indent="0">
+              <a:buNone/>
+              <a:defRPr sz="2000"/>
+            </a:lvl7pPr>
+            <a:lvl8pPr marL="3200400" indent="0">
+              <a:buNone/>
+              <a:defRPr sz="2000"/>
+            </a:lvl8pPr>
+            <a:lvl9pPr marL="3657600" indent="0">
+              <a:buNone/>
+              <a:defRPr sz="2000"/>
+            </a:lvl9pPr>
+          </a:lstStyle>
+          <a:p>
+            <a:endParaRPr lang="it-IT"/>
+          </a:p>
+        </p:txBody>
+      </p:sp>
+      <p:sp>
+        <p:nvSpPr>
+          <p:cNvPr id="4" name="Segnaposto testo 3">
+            <a:extLst>
+              <a:ext uri="{FF2B5EF4-FFF2-40B4-BE49-F238E27FC236}">
+                <a16:creationId xmlns:a16="http://schemas.microsoft.com/office/drawing/2014/main" id="{5862CDC0-C0E1-23AA-489D-C647EA3B2619}"/>
+              </a:ext>
+            </a:extLst>
+          </p:cNvPr>
+          <p:cNvSpPr>
+            <a:spLocks noGrp="1"/>
+          </p:cNvSpPr>
+          <p:nvPr>
+            <p:ph type="body" sz="half" idx="2"/>
+          </p:nvPr>
+        </p:nvSpPr>
+        <p:spPr>
+          <a:xfrm>
+            <a:off x="839788" y="2057400"/>
+            <a:ext cx="3932237" cy="3811588"/>
+          </a:xfrm>
+        </p:spPr>
+        <p:txBody>
+          <a:bodyPr/>
+          <a:lstStyle>
+            <a:lvl1pPr marL="0" indent="0">
+              <a:buNone/>
+              <a:defRPr sz="1600"/>
+            </a:lvl1pPr>
+            <a:lvl2pPr marL="457200" indent="0">
+              <a:buNone/>
+              <a:defRPr sz="1400"/>
+            </a:lvl2pPr>
+            <a:lvl3pPr marL="914400" indent="0">
+              <a:buNone/>
+              <a:defRPr sz="1200"/>
+            </a:lvl3pPr>
+            <a:lvl4pPr marL="1371600" indent="0">
+              <a:buNone/>
+              <a:defRPr sz="1000"/>
+            </a:lvl4pPr>
+            <a:lvl5pPr marL="1828800" indent="0">
+              <a:buNone/>
+              <a:defRPr sz="1000"/>
+            </a:lvl5pPr>
+            <a:lvl6pPr marL="2286000" indent="0">
+              <a:buNone/>
+              <a:defRPr sz="1000"/>
+            </a:lvl6pPr>
+            <a:lvl7pPr marL="2743200" indent="0">
+              <a:buNone/>
+              <a:defRPr sz="1000"/>
+            </a:lvl7pPr>
+            <a:lvl8pPr marL="3200400" indent="0">
+              <a:buNone/>
+              <a:defRPr sz="1000"/>
+            </a:lvl8pPr>
+            <a:lvl9pPr marL="3657600" indent="0">
+              <a:buNone/>
+              <a:defRPr sz="1000"/>
+            </a:lvl9pPr>
+          </a:lstStyle>
+          <a:p>
+            <a:pPr lvl="0"/>
+            <a:r>
+              <a:rPr lang="it-IT"/>
+              <a:t>Fare clic per modificare gli stili del testo dello schema</a:t>
+            </a:r>
+          </a:p>
+        </p:txBody>
+      </p:sp>
+      <p:sp>
+        <p:nvSpPr>
+          <p:cNvPr id="5" name="Segnaposto data 4">
+            <a:extLst>
+              <a:ext uri="{FF2B5EF4-FFF2-40B4-BE49-F238E27FC236}">
+                <a16:creationId xmlns:a16="http://schemas.microsoft.com/office/drawing/2014/main" id="{7AEEA6C2-8657-791C-AAC3-2BC932F1CEA3}"/>
+              </a:ext>
+            </a:extLst>
+          </p:cNvPr>
+          <p:cNvSpPr>
+            <a:spLocks noGrp="1"/>
+          </p:cNvSpPr>
+          <p:nvPr>
+            <p:ph type="dt" sz="half" idx="10"/>
+          </p:nvPr>
+        </p:nvSpPr>
+        <p:spPr/>
+        <p:txBody>
+          <a:bodyPr/>
+          <a:lstStyle/>
+          <a:p>
+            <a:fld id="{0882818E-6A71-4641-9C96-F09B1D31A1E5}" type="datetimeFigureOut">
+              <a:rPr lang="it-IT" smtClean="0"/>
+              <a:t>15/07/2024</a:t>
+            </a:fld>
+            <a:endParaRPr lang="it-IT"/>
+          </a:p>
+        </p:txBody>
+      </p:sp>
+      <p:sp>
+        <p:nvSpPr>
+          <p:cNvPr id="6" name="Segnaposto piè di pagina 5">
+            <a:extLst>
+              <a:ext uri="{FF2B5EF4-FFF2-40B4-BE49-F238E27FC236}">
+                <a16:creationId xmlns:a16="http://schemas.microsoft.com/office/drawing/2014/main" id="{F963C327-5A5A-05C5-E645-F7CFC2894254}"/>
+              </a:ext>
+            </a:extLst>
+          </p:cNvPr>
+          <p:cNvSpPr>
+            <a:spLocks noGrp="1"/>
+          </p:cNvSpPr>
+          <p:nvPr>
+            <p:ph type="ftr" sz="quarter" idx="11"/>
+          </p:nvPr>
+        </p:nvSpPr>
+        <p:spPr/>
+        <p:txBody>
+          <a:bodyPr/>
+          <a:lstStyle/>
+          <a:p>
+            <a:endParaRPr lang="it-IT"/>
+          </a:p>
+        </p:txBody>
+      </p:sp>
+      <p:sp>
+        <p:nvSpPr>
+          <p:cNvPr id="7" name="Segnaposto numero diapositiva 6">
+            <a:extLst>
+              <a:ext uri="{FF2B5EF4-FFF2-40B4-BE49-F238E27FC236}">
+                <a16:creationId xmlns:a16="http://schemas.microsoft.com/office/drawing/2014/main" id="{433DD548-8116-C953-6379-AFE7D4EC45EC}"/>
+              </a:ext>
+            </a:extLst>
+          </p:cNvPr>
+          <p:cNvSpPr>
+            <a:spLocks noGrp="1"/>
+          </p:cNvSpPr>
+          <p:nvPr>
+            <p:ph type="sldNum" sz="quarter" idx="12"/>
+          </p:nvPr>
+        </p:nvSpPr>
+        <p:spPr/>
+        <p:txBody>
+          <a:bodyPr/>
+          <a:lstStyle/>
+          <a:p>
+            <a:fld id="{84F9FF6C-DB37-4C39-8039-70C734184876}" type="slidenum">
+              <a:rPr lang="it-IT" smtClean="0"/>
+              <a:t>‹N›</a:t>
+            </a:fld>
+            <a:endParaRPr lang="it-IT"/>
+          </a:p>
+        </p:txBody>
+      </p:sp>
+    </p:spTree>
+    <p:extLst>
+      <p:ext uri="{BB962C8B-B14F-4D97-AF65-F5344CB8AC3E}">
+        <p14:creationId xmlns:p14="http://schemas.microsoft.com/office/powerpoint/2010/main" val="2649356893"/>
+      </p:ext>
+    </p:extLst>
+  </p:cSld>
+  <p:clrMapOvr>
+    <a:masterClrMapping/>
+  </p:clrMapOvr>
+</p:sldLayout>
+</file>
+
+<file path=ppt/slideLayouts/slideLayout23.xml><?xml version="1.0" encoding="utf-8"?>
+<p:sldLayout xmlns:a="http://schemas.openxmlformats.org/drawingml/2006/main" xmlns:r="http://schemas.openxmlformats.org/officeDocument/2006/relationships" xmlns:p="http://schemas.openxmlformats.org/presentationml/2006/main" type="vertTx" preserve="1">
+  <p:cSld name="Titolo e testo verticale">
+    <p:spTree>
+      <p:nvGrpSpPr>
+        <p:cNvPr id="1" name=""/>
+        <p:cNvGrpSpPr/>
+        <p:nvPr/>
+      </p:nvGrpSpPr>
+      <p:grpSpPr>
+        <a:xfrm>
+          <a:off x="0" y="0"/>
+          <a:ext cx="0" cy="0"/>
+          <a:chOff x="0" y="0"/>
+          <a:chExt cx="0" cy="0"/>
+        </a:xfrm>
+      </p:grpSpPr>
+      <p:sp>
+        <p:nvSpPr>
+          <p:cNvPr id="2" name="Titolo 1">
+            <a:extLst>
+              <a:ext uri="{FF2B5EF4-FFF2-40B4-BE49-F238E27FC236}">
+                <a16:creationId xmlns:a16="http://schemas.microsoft.com/office/drawing/2014/main" id="{363D282C-52B4-132F-968E-FD3059DD0F91}"/>
+              </a:ext>
+            </a:extLst>
+          </p:cNvPr>
+          <p:cNvSpPr>
+            <a:spLocks noGrp="1"/>
+          </p:cNvSpPr>
+          <p:nvPr>
+            <p:ph type="title"/>
+          </p:nvPr>
+        </p:nvSpPr>
+        <p:spPr/>
+        <p:txBody>
+          <a:bodyPr/>
+          <a:lstStyle/>
+          <a:p>
+            <a:r>
+              <a:rPr lang="it-IT"/>
+              <a:t>Fare clic per modificare lo stile del titolo dello schema</a:t>
+            </a:r>
+          </a:p>
+        </p:txBody>
+      </p:sp>
+      <p:sp>
+        <p:nvSpPr>
+          <p:cNvPr id="3" name="Segnaposto testo verticale 2">
+            <a:extLst>
+              <a:ext uri="{FF2B5EF4-FFF2-40B4-BE49-F238E27FC236}">
+                <a16:creationId xmlns:a16="http://schemas.microsoft.com/office/drawing/2014/main" id="{645AE6D7-26E0-7E72-4F60-081808298AC2}"/>
+              </a:ext>
+            </a:extLst>
+          </p:cNvPr>
+          <p:cNvSpPr>
+            <a:spLocks noGrp="1"/>
+          </p:cNvSpPr>
+          <p:nvPr>
+            <p:ph type="body" orient="vert" idx="1"/>
+          </p:nvPr>
+        </p:nvSpPr>
+        <p:spPr/>
+        <p:txBody>
+          <a:bodyPr vert="eaVert"/>
+          <a:lstStyle/>
+          <a:p>
+            <a:pPr lvl="0"/>
+            <a:r>
+              <a:rPr lang="it-IT"/>
+              <a:t>Fare clic per modificare gli stili del testo dello schema</a:t>
+            </a:r>
+          </a:p>
+          <a:p>
+            <a:pPr lvl="1"/>
+            <a:r>
+              <a:rPr lang="it-IT"/>
+              <a:t>Secondo livello</a:t>
+            </a:r>
+          </a:p>
+          <a:p>
+            <a:pPr lvl="2"/>
+            <a:r>
+              <a:rPr lang="it-IT"/>
+              <a:t>Terzo livello</a:t>
+            </a:r>
+          </a:p>
+          <a:p>
+            <a:pPr lvl="3"/>
+            <a:r>
+              <a:rPr lang="it-IT"/>
+              <a:t>Quarto livello</a:t>
+            </a:r>
+          </a:p>
+          <a:p>
+            <a:pPr lvl="4"/>
+            <a:r>
+              <a:rPr lang="it-IT"/>
+              <a:t>Quinto livello</a:t>
+            </a:r>
+          </a:p>
+        </p:txBody>
+      </p:sp>
+      <p:sp>
+        <p:nvSpPr>
+          <p:cNvPr id="4" name="Segnaposto data 3">
+            <a:extLst>
+              <a:ext uri="{FF2B5EF4-FFF2-40B4-BE49-F238E27FC236}">
+                <a16:creationId xmlns:a16="http://schemas.microsoft.com/office/drawing/2014/main" id="{7A9F94A0-AE36-B66A-0A35-B4384682B8A9}"/>
+              </a:ext>
+            </a:extLst>
+          </p:cNvPr>
+          <p:cNvSpPr>
+            <a:spLocks noGrp="1"/>
+          </p:cNvSpPr>
+          <p:nvPr>
+            <p:ph type="dt" sz="half" idx="10"/>
+          </p:nvPr>
+        </p:nvSpPr>
+        <p:spPr/>
+        <p:txBody>
+          <a:bodyPr/>
+          <a:lstStyle/>
+          <a:p>
+            <a:fld id="{0882818E-6A71-4641-9C96-F09B1D31A1E5}" type="datetimeFigureOut">
+              <a:rPr lang="it-IT" smtClean="0"/>
+              <a:t>15/07/2024</a:t>
+            </a:fld>
+            <a:endParaRPr lang="it-IT"/>
+          </a:p>
+        </p:txBody>
+      </p:sp>
+      <p:sp>
+        <p:nvSpPr>
+          <p:cNvPr id="5" name="Segnaposto piè di pagina 4">
+            <a:extLst>
+              <a:ext uri="{FF2B5EF4-FFF2-40B4-BE49-F238E27FC236}">
+                <a16:creationId xmlns:a16="http://schemas.microsoft.com/office/drawing/2014/main" id="{3A9C62F5-A7F8-065A-521E-ACADFC5105D3}"/>
+              </a:ext>
+            </a:extLst>
+          </p:cNvPr>
+          <p:cNvSpPr>
+            <a:spLocks noGrp="1"/>
+          </p:cNvSpPr>
+          <p:nvPr>
+            <p:ph type="ftr" sz="quarter" idx="11"/>
+          </p:nvPr>
+        </p:nvSpPr>
+        <p:spPr/>
+        <p:txBody>
+          <a:bodyPr/>
+          <a:lstStyle/>
+          <a:p>
+            <a:endParaRPr lang="it-IT"/>
+          </a:p>
+        </p:txBody>
+      </p:sp>
+      <p:sp>
+        <p:nvSpPr>
+          <p:cNvPr id="6" name="Segnaposto numero diapositiva 5">
+            <a:extLst>
+              <a:ext uri="{FF2B5EF4-FFF2-40B4-BE49-F238E27FC236}">
+                <a16:creationId xmlns:a16="http://schemas.microsoft.com/office/drawing/2014/main" id="{4ADC27D6-59F7-264D-0801-07C9CFB834C8}"/>
+              </a:ext>
+            </a:extLst>
+          </p:cNvPr>
+          <p:cNvSpPr>
+            <a:spLocks noGrp="1"/>
+          </p:cNvSpPr>
+          <p:nvPr>
+            <p:ph type="sldNum" sz="quarter" idx="12"/>
+          </p:nvPr>
+        </p:nvSpPr>
+        <p:spPr/>
+        <p:txBody>
+          <a:bodyPr/>
+          <a:lstStyle/>
+          <a:p>
+            <a:fld id="{84F9FF6C-DB37-4C39-8039-70C734184876}" type="slidenum">
+              <a:rPr lang="it-IT" smtClean="0"/>
+              <a:t>‹N›</a:t>
+            </a:fld>
+            <a:endParaRPr lang="it-IT"/>
+          </a:p>
+        </p:txBody>
+      </p:sp>
+    </p:spTree>
+    <p:extLst>
+      <p:ext uri="{BB962C8B-B14F-4D97-AF65-F5344CB8AC3E}">
+        <p14:creationId xmlns:p14="http://schemas.microsoft.com/office/powerpoint/2010/main" val="3827379919"/>
+      </p:ext>
+    </p:extLst>
+  </p:cSld>
+  <p:clrMapOvr>
+    <a:masterClrMapping/>
+  </p:clrMapOvr>
+</p:sldLayout>
+</file>
+
+<file path=ppt/slideLayouts/slideLayout24.xml><?xml version="1.0" encoding="utf-8"?>
+<p:sldLayout xmlns:a="http://schemas.openxmlformats.org/drawingml/2006/main" xmlns:r="http://schemas.openxmlformats.org/officeDocument/2006/relationships" xmlns:p="http://schemas.openxmlformats.org/presentationml/2006/main" type="vertTitleAndTx" preserve="1">
+  <p:cSld name="1_Titolo e testo verticale">
+    <p:spTree>
+      <p:nvGrpSpPr>
+        <p:cNvPr id="1" name=""/>
+        <p:cNvGrpSpPr/>
+        <p:nvPr/>
+      </p:nvGrpSpPr>
+      <p:grpSpPr>
+        <a:xfrm>
+          <a:off x="0" y="0"/>
+          <a:ext cx="0" cy="0"/>
+          <a:chOff x="0" y="0"/>
+          <a:chExt cx="0" cy="0"/>
+        </a:xfrm>
+      </p:grpSpPr>
+      <p:sp>
+        <p:nvSpPr>
+          <p:cNvPr id="2" name="Titolo verticale 1">
+            <a:extLst>
+              <a:ext uri="{FF2B5EF4-FFF2-40B4-BE49-F238E27FC236}">
+                <a16:creationId xmlns:a16="http://schemas.microsoft.com/office/drawing/2014/main" id="{9F72BEE8-20DB-5E22-6E64-B4050C95CA93}"/>
+              </a:ext>
+            </a:extLst>
+          </p:cNvPr>
+          <p:cNvSpPr>
+            <a:spLocks noGrp="1"/>
+          </p:cNvSpPr>
+          <p:nvPr>
+            <p:ph type="title" orient="vert"/>
+          </p:nvPr>
+        </p:nvSpPr>
+        <p:spPr>
+          <a:xfrm>
+            <a:off x="8724900" y="365125"/>
+            <a:ext cx="2628900" cy="5811838"/>
+          </a:xfrm>
+        </p:spPr>
+        <p:txBody>
+          <a:bodyPr vert="eaVert"/>
+          <a:lstStyle/>
+          <a:p>
+            <a:r>
+              <a:rPr lang="it-IT"/>
+              <a:t>Fare clic per modificare lo stile del titolo dello schema</a:t>
+            </a:r>
+          </a:p>
+        </p:txBody>
+      </p:sp>
+      <p:sp>
+        <p:nvSpPr>
+          <p:cNvPr id="3" name="Segnaposto testo verticale 2">
+            <a:extLst>
+              <a:ext uri="{FF2B5EF4-FFF2-40B4-BE49-F238E27FC236}">
+                <a16:creationId xmlns:a16="http://schemas.microsoft.com/office/drawing/2014/main" id="{D2E8B788-C308-4DDD-DF85-0C41B7D32F40}"/>
+              </a:ext>
+            </a:extLst>
+          </p:cNvPr>
+          <p:cNvSpPr>
+            <a:spLocks noGrp="1"/>
+          </p:cNvSpPr>
+          <p:nvPr>
+            <p:ph type="body" orient="vert" idx="1"/>
+          </p:nvPr>
+        </p:nvSpPr>
+        <p:spPr>
+          <a:xfrm>
+            <a:off x="838200" y="365125"/>
+            <a:ext cx="7734300" cy="5811838"/>
+          </a:xfrm>
+        </p:spPr>
+        <p:txBody>
+          <a:bodyPr vert="eaVert"/>
+          <a:lstStyle/>
+          <a:p>
+            <a:pPr lvl="0"/>
+            <a:r>
+              <a:rPr lang="it-IT"/>
+              <a:t>Fare clic per modificare gli stili del testo dello schema</a:t>
+            </a:r>
+          </a:p>
+          <a:p>
+            <a:pPr lvl="1"/>
+            <a:r>
+              <a:rPr lang="it-IT"/>
+              <a:t>Secondo livello</a:t>
+            </a:r>
+          </a:p>
+          <a:p>
+            <a:pPr lvl="2"/>
+            <a:r>
+              <a:rPr lang="it-IT"/>
+              <a:t>Terzo livello</a:t>
+            </a:r>
+          </a:p>
+          <a:p>
+            <a:pPr lvl="3"/>
+            <a:r>
+              <a:rPr lang="it-IT"/>
+              <a:t>Quarto livello</a:t>
+            </a:r>
+          </a:p>
+          <a:p>
+            <a:pPr lvl="4"/>
+            <a:r>
+              <a:rPr lang="it-IT"/>
+              <a:t>Quinto livello</a:t>
+            </a:r>
+          </a:p>
+        </p:txBody>
+      </p:sp>
+      <p:sp>
+        <p:nvSpPr>
+          <p:cNvPr id="4" name="Segnaposto data 3">
+            <a:extLst>
+              <a:ext uri="{FF2B5EF4-FFF2-40B4-BE49-F238E27FC236}">
+                <a16:creationId xmlns:a16="http://schemas.microsoft.com/office/drawing/2014/main" id="{C620FB25-CF53-8BF2-CED1-489B19BCF478}"/>
+              </a:ext>
+            </a:extLst>
+          </p:cNvPr>
+          <p:cNvSpPr>
+            <a:spLocks noGrp="1"/>
+          </p:cNvSpPr>
+          <p:nvPr>
+            <p:ph type="dt" sz="half" idx="10"/>
+          </p:nvPr>
+        </p:nvSpPr>
+        <p:spPr/>
+        <p:txBody>
+          <a:bodyPr/>
+          <a:lstStyle/>
+          <a:p>
+            <a:fld id="{0882818E-6A71-4641-9C96-F09B1D31A1E5}" type="datetimeFigureOut">
+              <a:rPr lang="it-IT" smtClean="0"/>
+              <a:t>15/07/2024</a:t>
+            </a:fld>
+            <a:endParaRPr lang="it-IT"/>
+          </a:p>
+        </p:txBody>
+      </p:sp>
+      <p:sp>
+        <p:nvSpPr>
+          <p:cNvPr id="5" name="Segnaposto piè di pagina 4">
+            <a:extLst>
+              <a:ext uri="{FF2B5EF4-FFF2-40B4-BE49-F238E27FC236}">
+                <a16:creationId xmlns:a16="http://schemas.microsoft.com/office/drawing/2014/main" id="{ECE79B5C-E1D3-386A-5B01-4BB4ABBDC536}"/>
+              </a:ext>
+            </a:extLst>
+          </p:cNvPr>
+          <p:cNvSpPr>
+            <a:spLocks noGrp="1"/>
+          </p:cNvSpPr>
+          <p:nvPr>
+            <p:ph type="ftr" sz="quarter" idx="11"/>
+          </p:nvPr>
+        </p:nvSpPr>
+        <p:spPr/>
+        <p:txBody>
+          <a:bodyPr/>
+          <a:lstStyle/>
+          <a:p>
+            <a:endParaRPr lang="it-IT"/>
+          </a:p>
+        </p:txBody>
+      </p:sp>
+      <p:sp>
+        <p:nvSpPr>
+          <p:cNvPr id="6" name="Segnaposto numero diapositiva 5">
+            <a:extLst>
+              <a:ext uri="{FF2B5EF4-FFF2-40B4-BE49-F238E27FC236}">
+                <a16:creationId xmlns:a16="http://schemas.microsoft.com/office/drawing/2014/main" id="{7EE03F63-689F-EC1F-4330-86AB4E4BADC0}"/>
+              </a:ext>
+            </a:extLst>
+          </p:cNvPr>
+          <p:cNvSpPr>
+            <a:spLocks noGrp="1"/>
+          </p:cNvSpPr>
+          <p:nvPr>
+            <p:ph type="sldNum" sz="quarter" idx="12"/>
+          </p:nvPr>
+        </p:nvSpPr>
+        <p:spPr/>
+        <p:txBody>
+          <a:bodyPr/>
+          <a:lstStyle/>
+          <a:p>
+            <a:fld id="{84F9FF6C-DB37-4C39-8039-70C734184876}" type="slidenum">
+              <a:rPr lang="it-IT" smtClean="0"/>
+              <a:t>‹N›</a:t>
+            </a:fld>
+            <a:endParaRPr lang="it-IT"/>
+          </a:p>
+        </p:txBody>
+      </p:sp>
+    </p:spTree>
+    <p:extLst>
+      <p:ext uri="{BB962C8B-B14F-4D97-AF65-F5344CB8AC3E}">
+        <p14:creationId xmlns:p14="http://schemas.microsoft.com/office/powerpoint/2010/main" val="1891722710"/>
+      </p:ext>
+    </p:extLst>
+  </p:cSld>
+  <p:clrMapOvr>
+    <a:masterClrMapping/>
+  </p:clrMapOvr>
+</p:sldLayout>
+</file>
+
 <file path=ppt/slideLayouts/slideLayout3.xml><?xml version="1.0" encoding="utf-8"?>
 <p:sldLayout xmlns:a="http://schemas.openxmlformats.org/drawingml/2006/main" xmlns:r="http://schemas.openxmlformats.org/officeDocument/2006/relationships" xmlns:p="http://schemas.openxmlformats.org/presentationml/2006/main" preserve="1" userDrawn="1">
   <p:cSld name="Titolo sezione">
@@ -7086,7 +12215,7 @@
           </a:prstGeom>
         </p:spPr>
         <p:txBody>
-          <a:bodyPr lIns="0" tIns="0" rIns="0" bIns="0" rtlCol="0" anchor="b" anchorCtr="0">
+          <a:bodyPr lIns="0" tIns="0" rIns="0" bIns="0" rtlCol="0" anchor="ctr" anchorCtr="0">
             <a:noAutofit/>
           </a:bodyPr>
           <a:lstStyle>
@@ -7102,7 +12231,7 @@
           <a:p>
             <a:pPr rtl="0"/>
             <a:r>
-              <a:rPr lang="it-IT"/>
+              <a:rPr lang="it-IT" dirty="0"/>
               <a:t>Fare clic per inserire il titolo </a:t>
             </a:r>
           </a:p>
@@ -7390,7 +12519,7 @@
         </p:nvCxnSpPr>
         <p:spPr>
           <a:xfrm>
-            <a:off x="594360" y="2148840"/>
+            <a:off x="594360" y="1830950"/>
             <a:ext cx="2133600" cy="3992"/>
           </a:xfrm>
           <a:prstGeom prst="line">
@@ -9632,6 +14761,574 @@
 </p:sldMaster>
 </file>
 
+<file path=ppt/slideMasters/slideMaster2.xml><?xml version="1.0" encoding="utf-8"?>
+<p:sldMaster xmlns:a="http://schemas.openxmlformats.org/drawingml/2006/main" xmlns:r="http://schemas.openxmlformats.org/officeDocument/2006/relationships" xmlns:p="http://schemas.openxmlformats.org/presentationml/2006/main" preserve="1">
+  <p:cSld>
+    <p:bg>
+      <p:bgRef idx="1001">
+        <a:schemeClr val="bg1"/>
+      </p:bgRef>
+    </p:bg>
+    <p:spTree>
+      <p:nvGrpSpPr>
+        <p:cNvPr id="1" name=""/>
+        <p:cNvGrpSpPr/>
+        <p:nvPr/>
+      </p:nvGrpSpPr>
+      <p:grpSpPr>
+        <a:xfrm>
+          <a:off x="0" y="0"/>
+          <a:ext cx="0" cy="0"/>
+          <a:chOff x="0" y="0"/>
+          <a:chExt cx="0" cy="0"/>
+        </a:xfrm>
+      </p:grpSpPr>
+      <p:sp>
+        <p:nvSpPr>
+          <p:cNvPr id="2" name="Segnaposto titolo 1">
+            <a:extLst>
+              <a:ext uri="{FF2B5EF4-FFF2-40B4-BE49-F238E27FC236}">
+                <a16:creationId xmlns:a16="http://schemas.microsoft.com/office/drawing/2014/main" id="{3DFF0B3E-66BA-108D-0920-7E7ED3F942D2}"/>
+              </a:ext>
+            </a:extLst>
+          </p:cNvPr>
+          <p:cNvSpPr>
+            <a:spLocks noGrp="1"/>
+          </p:cNvSpPr>
+          <p:nvPr>
+            <p:ph type="title"/>
+          </p:nvPr>
+        </p:nvSpPr>
+        <p:spPr>
+          <a:xfrm>
+            <a:off x="838200" y="365125"/>
+            <a:ext cx="10515600" cy="1325563"/>
+          </a:xfrm>
+          <a:prstGeom prst="rect">
+            <a:avLst/>
+          </a:prstGeom>
+        </p:spPr>
+        <p:txBody>
+          <a:bodyPr vert="horz" lIns="91440" tIns="45720" rIns="91440" bIns="45720" rtlCol="0" anchor="ctr">
+            <a:normAutofit/>
+          </a:bodyPr>
+          <a:lstStyle/>
+          <a:p>
+            <a:r>
+              <a:rPr lang="it-IT"/>
+              <a:t>Fare clic per modificare lo stile del titolo dello schema</a:t>
+            </a:r>
+          </a:p>
+        </p:txBody>
+      </p:sp>
+      <p:sp>
+        <p:nvSpPr>
+          <p:cNvPr id="3" name="Segnaposto testo 2">
+            <a:extLst>
+              <a:ext uri="{FF2B5EF4-FFF2-40B4-BE49-F238E27FC236}">
+                <a16:creationId xmlns:a16="http://schemas.microsoft.com/office/drawing/2014/main" id="{0AC37943-7AA8-77C2-903C-299097BBD2B4}"/>
+              </a:ext>
+            </a:extLst>
+          </p:cNvPr>
+          <p:cNvSpPr>
+            <a:spLocks noGrp="1"/>
+          </p:cNvSpPr>
+          <p:nvPr>
+            <p:ph type="body" idx="1"/>
+          </p:nvPr>
+        </p:nvSpPr>
+        <p:spPr>
+          <a:xfrm>
+            <a:off x="838200" y="1825625"/>
+            <a:ext cx="10515600" cy="4351338"/>
+          </a:xfrm>
+          <a:prstGeom prst="rect">
+            <a:avLst/>
+          </a:prstGeom>
+        </p:spPr>
+        <p:txBody>
+          <a:bodyPr vert="horz" lIns="91440" tIns="45720" rIns="91440" bIns="45720" rtlCol="0">
+            <a:normAutofit/>
+          </a:bodyPr>
+          <a:lstStyle/>
+          <a:p>
+            <a:pPr lvl="0"/>
+            <a:r>
+              <a:rPr lang="it-IT"/>
+              <a:t>Fare clic per modificare gli stili del testo dello schema</a:t>
+            </a:r>
+          </a:p>
+          <a:p>
+            <a:pPr lvl="1"/>
+            <a:r>
+              <a:rPr lang="it-IT"/>
+              <a:t>Secondo livello</a:t>
+            </a:r>
+          </a:p>
+          <a:p>
+            <a:pPr lvl="2"/>
+            <a:r>
+              <a:rPr lang="it-IT"/>
+              <a:t>Terzo livello</a:t>
+            </a:r>
+          </a:p>
+          <a:p>
+            <a:pPr lvl="3"/>
+            <a:r>
+              <a:rPr lang="it-IT"/>
+              <a:t>Quarto livello</a:t>
+            </a:r>
+          </a:p>
+          <a:p>
+            <a:pPr lvl="4"/>
+            <a:r>
+              <a:rPr lang="it-IT"/>
+              <a:t>Quinto livello</a:t>
+            </a:r>
+          </a:p>
+        </p:txBody>
+      </p:sp>
+      <p:sp>
+        <p:nvSpPr>
+          <p:cNvPr id="4" name="Segnaposto data 3">
+            <a:extLst>
+              <a:ext uri="{FF2B5EF4-FFF2-40B4-BE49-F238E27FC236}">
+                <a16:creationId xmlns:a16="http://schemas.microsoft.com/office/drawing/2014/main" id="{F4496D56-95BD-C033-B1DA-AD272E365EC3}"/>
+              </a:ext>
+            </a:extLst>
+          </p:cNvPr>
+          <p:cNvSpPr>
+            <a:spLocks noGrp="1"/>
+          </p:cNvSpPr>
+          <p:nvPr>
+            <p:ph type="dt" sz="half" idx="2"/>
+          </p:nvPr>
+        </p:nvSpPr>
+        <p:spPr>
+          <a:xfrm>
+            <a:off x="838200" y="6356350"/>
+            <a:ext cx="2743200" cy="365125"/>
+          </a:xfrm>
+          <a:prstGeom prst="rect">
+            <a:avLst/>
+          </a:prstGeom>
+        </p:spPr>
+        <p:txBody>
+          <a:bodyPr vert="horz" lIns="91440" tIns="45720" rIns="91440" bIns="45720" rtlCol="0" anchor="ctr"/>
+          <a:lstStyle>
+            <a:lvl1pPr algn="l">
+              <a:defRPr sz="1200">
+                <a:solidFill>
+                  <a:schemeClr val="tx1">
+                    <a:tint val="82000"/>
+                  </a:schemeClr>
+                </a:solidFill>
+              </a:defRPr>
+            </a:lvl1pPr>
+          </a:lstStyle>
+          <a:p>
+            <a:fld id="{0882818E-6A71-4641-9C96-F09B1D31A1E5}" type="datetimeFigureOut">
+              <a:rPr lang="it-IT" smtClean="0"/>
+              <a:t>15/07/2024</a:t>
+            </a:fld>
+            <a:endParaRPr lang="it-IT"/>
+          </a:p>
+        </p:txBody>
+      </p:sp>
+      <p:sp>
+        <p:nvSpPr>
+          <p:cNvPr id="5" name="Segnaposto piè di pagina 4">
+            <a:extLst>
+              <a:ext uri="{FF2B5EF4-FFF2-40B4-BE49-F238E27FC236}">
+                <a16:creationId xmlns:a16="http://schemas.microsoft.com/office/drawing/2014/main" id="{998CFEC1-70EB-CBA5-F229-AC23A24D9329}"/>
+              </a:ext>
+            </a:extLst>
+          </p:cNvPr>
+          <p:cNvSpPr>
+            <a:spLocks noGrp="1"/>
+          </p:cNvSpPr>
+          <p:nvPr>
+            <p:ph type="ftr" sz="quarter" idx="3"/>
+          </p:nvPr>
+        </p:nvSpPr>
+        <p:spPr>
+          <a:xfrm>
+            <a:off x="4038600" y="6356350"/>
+            <a:ext cx="4114800" cy="365125"/>
+          </a:xfrm>
+          <a:prstGeom prst="rect">
+            <a:avLst/>
+          </a:prstGeom>
+        </p:spPr>
+        <p:txBody>
+          <a:bodyPr vert="horz" lIns="91440" tIns="45720" rIns="91440" bIns="45720" rtlCol="0" anchor="ctr"/>
+          <a:lstStyle>
+            <a:lvl1pPr algn="ctr">
+              <a:defRPr sz="1200">
+                <a:solidFill>
+                  <a:schemeClr val="tx1">
+                    <a:tint val="82000"/>
+                  </a:schemeClr>
+                </a:solidFill>
+              </a:defRPr>
+            </a:lvl1pPr>
+          </a:lstStyle>
+          <a:p>
+            <a:endParaRPr lang="it-IT"/>
+          </a:p>
+        </p:txBody>
+      </p:sp>
+      <p:sp>
+        <p:nvSpPr>
+          <p:cNvPr id="6" name="Segnaposto numero diapositiva 5">
+            <a:extLst>
+              <a:ext uri="{FF2B5EF4-FFF2-40B4-BE49-F238E27FC236}">
+                <a16:creationId xmlns:a16="http://schemas.microsoft.com/office/drawing/2014/main" id="{9EB45BB3-7CFD-CDE9-8AA6-35DEF143A65B}"/>
+              </a:ext>
+            </a:extLst>
+          </p:cNvPr>
+          <p:cNvSpPr>
+            <a:spLocks noGrp="1"/>
+          </p:cNvSpPr>
+          <p:nvPr>
+            <p:ph type="sldNum" sz="quarter" idx="4"/>
+          </p:nvPr>
+        </p:nvSpPr>
+        <p:spPr>
+          <a:xfrm>
+            <a:off x="8610600" y="6356350"/>
+            <a:ext cx="2743200" cy="365125"/>
+          </a:xfrm>
+          <a:prstGeom prst="rect">
+            <a:avLst/>
+          </a:prstGeom>
+        </p:spPr>
+        <p:txBody>
+          <a:bodyPr vert="horz" lIns="91440" tIns="45720" rIns="91440" bIns="45720" rtlCol="0" anchor="ctr"/>
+          <a:lstStyle>
+            <a:lvl1pPr algn="r">
+              <a:defRPr sz="1200">
+                <a:solidFill>
+                  <a:schemeClr val="tx1">
+                    <a:tint val="82000"/>
+                  </a:schemeClr>
+                </a:solidFill>
+              </a:defRPr>
+            </a:lvl1pPr>
+          </a:lstStyle>
+          <a:p>
+            <a:fld id="{84F9FF6C-DB37-4C39-8039-70C734184876}" type="slidenum">
+              <a:rPr lang="it-IT" smtClean="0"/>
+              <a:t>‹N›</a:t>
+            </a:fld>
+            <a:endParaRPr lang="it-IT"/>
+          </a:p>
+        </p:txBody>
+      </p:sp>
+    </p:spTree>
+    <p:extLst>
+      <p:ext uri="{BB962C8B-B14F-4D97-AF65-F5344CB8AC3E}">
+        <p14:creationId xmlns:p14="http://schemas.microsoft.com/office/powerpoint/2010/main" val="417249052"/>
+      </p:ext>
+    </p:extLst>
+  </p:cSld>
+  <p:clrMap bg1="lt1" tx1="dk1" bg2="lt2" tx2="dk2" accent1="accent1" accent2="accent2" accent3="accent3" accent4="accent4" accent5="accent5" accent6="accent6" hlink="hlink" folHlink="folHlink"/>
+  <p:sldLayoutIdLst>
+    <p:sldLayoutId id="2147483713" r:id="rId1"/>
+    <p:sldLayoutId id="2147483714" r:id="rId2"/>
+    <p:sldLayoutId id="2147483715" r:id="rId3"/>
+    <p:sldLayoutId id="2147483716" r:id="rId4"/>
+    <p:sldLayoutId id="2147483717" r:id="rId5"/>
+    <p:sldLayoutId id="2147483718" r:id="rId6"/>
+    <p:sldLayoutId id="2147483719" r:id="rId7"/>
+    <p:sldLayoutId id="2147483720" r:id="rId8"/>
+    <p:sldLayoutId id="2147483721" r:id="rId9"/>
+    <p:sldLayoutId id="2147483722" r:id="rId10"/>
+    <p:sldLayoutId id="2147483723" r:id="rId11"/>
+  </p:sldLayoutIdLst>
+  <p:txStyles>
+    <p:titleStyle>
+      <a:lvl1pPr algn="l" defTabSz="914400" rtl="0" eaLnBrk="1" latinLnBrk="0" hangingPunct="1">
+        <a:lnSpc>
+          <a:spcPct val="90000"/>
+        </a:lnSpc>
+        <a:spcBef>
+          <a:spcPct val="0"/>
+        </a:spcBef>
+        <a:buNone/>
+        <a:defRPr sz="4400" kern="1200">
+          <a:solidFill>
+            <a:schemeClr val="tx1"/>
+          </a:solidFill>
+          <a:latin typeface="+mj-lt"/>
+          <a:ea typeface="+mj-ea"/>
+          <a:cs typeface="+mj-cs"/>
+        </a:defRPr>
+      </a:lvl1pPr>
+    </p:titleStyle>
+    <p:bodyStyle>
+      <a:lvl1pPr marL="228600" indent="-228600" algn="l" defTabSz="914400" rtl="0" eaLnBrk="1" latinLnBrk="0" hangingPunct="1">
+        <a:lnSpc>
+          <a:spcPct val="90000"/>
+        </a:lnSpc>
+        <a:spcBef>
+          <a:spcPts val="1000"/>
+        </a:spcBef>
+        <a:buFont typeface="Arial" panose="020B0604020202020204" pitchFamily="34" charset="0"/>
+        <a:buChar char="•"/>
+        <a:defRPr sz="2800" kern="1200">
+          <a:solidFill>
+            <a:schemeClr val="tx1"/>
+          </a:solidFill>
+          <a:latin typeface="+mn-lt"/>
+          <a:ea typeface="+mn-ea"/>
+          <a:cs typeface="+mn-cs"/>
+        </a:defRPr>
+      </a:lvl1pPr>
+      <a:lvl2pPr marL="685800" indent="-228600" algn="l" defTabSz="914400" rtl="0" eaLnBrk="1" latinLnBrk="0" hangingPunct="1">
+        <a:lnSpc>
+          <a:spcPct val="90000"/>
+        </a:lnSpc>
+        <a:spcBef>
+          <a:spcPts val="500"/>
+        </a:spcBef>
+        <a:buFont typeface="Arial" panose="020B0604020202020204" pitchFamily="34" charset="0"/>
+        <a:buChar char="•"/>
+        <a:defRPr sz="2400" kern="1200">
+          <a:solidFill>
+            <a:schemeClr val="tx1"/>
+          </a:solidFill>
+          <a:latin typeface="+mn-lt"/>
+          <a:ea typeface="+mn-ea"/>
+          <a:cs typeface="+mn-cs"/>
+        </a:defRPr>
+      </a:lvl2pPr>
+      <a:lvl3pPr marL="1143000" indent="-228600" algn="l" defTabSz="914400" rtl="0" eaLnBrk="1" latinLnBrk="0" hangingPunct="1">
+        <a:lnSpc>
+          <a:spcPct val="90000"/>
+        </a:lnSpc>
+        <a:spcBef>
+          <a:spcPts val="500"/>
+        </a:spcBef>
+        <a:buFont typeface="Arial" panose="020B0604020202020204" pitchFamily="34" charset="0"/>
+        <a:buChar char="•"/>
+        <a:defRPr sz="2000" kern="1200">
+          <a:solidFill>
+            <a:schemeClr val="tx1"/>
+          </a:solidFill>
+          <a:latin typeface="+mn-lt"/>
+          <a:ea typeface="+mn-ea"/>
+          <a:cs typeface="+mn-cs"/>
+        </a:defRPr>
+      </a:lvl3pPr>
+      <a:lvl4pPr marL="1600200" indent="-228600" algn="l" defTabSz="914400" rtl="0" eaLnBrk="1" latinLnBrk="0" hangingPunct="1">
+        <a:lnSpc>
+          <a:spcPct val="90000"/>
+        </a:lnSpc>
+        <a:spcBef>
+          <a:spcPts val="500"/>
+        </a:spcBef>
+        <a:buFont typeface="Arial" panose="020B0604020202020204" pitchFamily="34" charset="0"/>
+        <a:buChar char="•"/>
+        <a:defRPr sz="1800" kern="1200">
+          <a:solidFill>
+            <a:schemeClr val="tx1"/>
+          </a:solidFill>
+          <a:latin typeface="+mn-lt"/>
+          <a:ea typeface="+mn-ea"/>
+          <a:cs typeface="+mn-cs"/>
+        </a:defRPr>
+      </a:lvl4pPr>
+      <a:lvl5pPr marL="2057400" indent="-228600" algn="l" defTabSz="914400" rtl="0" eaLnBrk="1" latinLnBrk="0" hangingPunct="1">
+        <a:lnSpc>
+          <a:spcPct val="90000"/>
+        </a:lnSpc>
+        <a:spcBef>
+          <a:spcPts val="500"/>
+        </a:spcBef>
+        <a:buFont typeface="Arial" panose="020B0604020202020204" pitchFamily="34" charset="0"/>
+        <a:buChar char="•"/>
+        <a:defRPr sz="1800" kern="1200">
+          <a:solidFill>
+            <a:schemeClr val="tx1"/>
+          </a:solidFill>
+          <a:latin typeface="+mn-lt"/>
+          <a:ea typeface="+mn-ea"/>
+          <a:cs typeface="+mn-cs"/>
+        </a:defRPr>
+      </a:lvl5pPr>
+      <a:lvl6pPr marL="2514600" indent="-228600" algn="l" defTabSz="914400" rtl="0" eaLnBrk="1" latinLnBrk="0" hangingPunct="1">
+        <a:lnSpc>
+          <a:spcPct val="90000"/>
+        </a:lnSpc>
+        <a:spcBef>
+          <a:spcPts val="500"/>
+        </a:spcBef>
+        <a:buFont typeface="Arial" panose="020B0604020202020204" pitchFamily="34" charset="0"/>
+        <a:buChar char="•"/>
+        <a:defRPr sz="1800" kern="1200">
+          <a:solidFill>
+            <a:schemeClr val="tx1"/>
+          </a:solidFill>
+          <a:latin typeface="+mn-lt"/>
+          <a:ea typeface="+mn-ea"/>
+          <a:cs typeface="+mn-cs"/>
+        </a:defRPr>
+      </a:lvl6pPr>
+      <a:lvl7pPr marL="2971800" indent="-228600" algn="l" defTabSz="914400" rtl="0" eaLnBrk="1" latinLnBrk="0" hangingPunct="1">
+        <a:lnSpc>
+          <a:spcPct val="90000"/>
+        </a:lnSpc>
+        <a:spcBef>
+          <a:spcPts val="500"/>
+        </a:spcBef>
+        <a:buFont typeface="Arial" panose="020B0604020202020204" pitchFamily="34" charset="0"/>
+        <a:buChar char="•"/>
+        <a:defRPr sz="1800" kern="1200">
+          <a:solidFill>
+            <a:schemeClr val="tx1"/>
+          </a:solidFill>
+          <a:latin typeface="+mn-lt"/>
+          <a:ea typeface="+mn-ea"/>
+          <a:cs typeface="+mn-cs"/>
+        </a:defRPr>
+      </a:lvl7pPr>
+      <a:lvl8pPr marL="3429000" indent="-228600" algn="l" defTabSz="914400" rtl="0" eaLnBrk="1" latinLnBrk="0" hangingPunct="1">
+        <a:lnSpc>
+          <a:spcPct val="90000"/>
+        </a:lnSpc>
+        <a:spcBef>
+          <a:spcPts val="500"/>
+        </a:spcBef>
+        <a:buFont typeface="Arial" panose="020B0604020202020204" pitchFamily="34" charset="0"/>
+        <a:buChar char="•"/>
+        <a:defRPr sz="1800" kern="1200">
+          <a:solidFill>
+            <a:schemeClr val="tx1"/>
+          </a:solidFill>
+          <a:latin typeface="+mn-lt"/>
+          <a:ea typeface="+mn-ea"/>
+          <a:cs typeface="+mn-cs"/>
+        </a:defRPr>
+      </a:lvl8pPr>
+      <a:lvl9pPr marL="3886200" indent="-228600" algn="l" defTabSz="914400" rtl="0" eaLnBrk="1" latinLnBrk="0" hangingPunct="1">
+        <a:lnSpc>
+          <a:spcPct val="90000"/>
+        </a:lnSpc>
+        <a:spcBef>
+          <a:spcPts val="500"/>
+        </a:spcBef>
+        <a:buFont typeface="Arial" panose="020B0604020202020204" pitchFamily="34" charset="0"/>
+        <a:buChar char="•"/>
+        <a:defRPr sz="1800" kern="1200">
+          <a:solidFill>
+            <a:schemeClr val="tx1"/>
+          </a:solidFill>
+          <a:latin typeface="+mn-lt"/>
+          <a:ea typeface="+mn-ea"/>
+          <a:cs typeface="+mn-cs"/>
+        </a:defRPr>
+      </a:lvl9pPr>
+    </p:bodyStyle>
+    <p:otherStyle>
+      <a:defPPr>
+        <a:defRPr lang="it-IT"/>
+      </a:defPPr>
+      <a:lvl1pPr marL="0" algn="l" defTabSz="914400" rtl="0" eaLnBrk="1" latinLnBrk="0" hangingPunct="1">
+        <a:defRPr sz="1800" kern="1200">
+          <a:solidFill>
+            <a:schemeClr val="tx1"/>
+          </a:solidFill>
+          <a:latin typeface="+mn-lt"/>
+          <a:ea typeface="+mn-ea"/>
+          <a:cs typeface="+mn-cs"/>
+        </a:defRPr>
+      </a:lvl1pPr>
+      <a:lvl2pPr marL="457200" algn="l" defTabSz="914400" rtl="0" eaLnBrk="1" latinLnBrk="0" hangingPunct="1">
+        <a:defRPr sz="1800" kern="1200">
+          <a:solidFill>
+            <a:schemeClr val="tx1"/>
+          </a:solidFill>
+          <a:latin typeface="+mn-lt"/>
+          <a:ea typeface="+mn-ea"/>
+          <a:cs typeface="+mn-cs"/>
+        </a:defRPr>
+      </a:lvl2pPr>
+      <a:lvl3pPr marL="914400" algn="l" defTabSz="914400" rtl="0" eaLnBrk="1" latinLnBrk="0" hangingPunct="1">
+        <a:defRPr sz="1800" kern="1200">
+          <a:solidFill>
+            <a:schemeClr val="tx1"/>
+          </a:solidFill>
+          <a:latin typeface="+mn-lt"/>
+          <a:ea typeface="+mn-ea"/>
+          <a:cs typeface="+mn-cs"/>
+        </a:defRPr>
+      </a:lvl3pPr>
+      <a:lvl4pPr marL="1371600" algn="l" defTabSz="914400" rtl="0" eaLnBrk="1" latinLnBrk="0" hangingPunct="1">
+        <a:defRPr sz="1800" kern="1200">
+          <a:solidFill>
+            <a:schemeClr val="tx1"/>
+          </a:solidFill>
+          <a:latin typeface="+mn-lt"/>
+          <a:ea typeface="+mn-ea"/>
+          <a:cs typeface="+mn-cs"/>
+        </a:defRPr>
+      </a:lvl4pPr>
+      <a:lvl5pPr marL="1828800" algn="l" defTabSz="914400" rtl="0" eaLnBrk="1" latinLnBrk="0" hangingPunct="1">
+        <a:defRPr sz="1800" kern="1200">
+          <a:solidFill>
+            <a:schemeClr val="tx1"/>
+          </a:solidFill>
+          <a:latin typeface="+mn-lt"/>
+          <a:ea typeface="+mn-ea"/>
+          <a:cs typeface="+mn-cs"/>
+        </a:defRPr>
+      </a:lvl5pPr>
+      <a:lvl6pPr marL="2286000" algn="l" defTabSz="914400" rtl="0" eaLnBrk="1" latinLnBrk="0" hangingPunct="1">
+        <a:defRPr sz="1800" kern="1200">
+          <a:solidFill>
+            <a:schemeClr val="tx1"/>
+          </a:solidFill>
+          <a:latin typeface="+mn-lt"/>
+          <a:ea typeface="+mn-ea"/>
+          <a:cs typeface="+mn-cs"/>
+        </a:defRPr>
+      </a:lvl6pPr>
+      <a:lvl7pPr marL="2743200" algn="l" defTabSz="914400" rtl="0" eaLnBrk="1" latinLnBrk="0" hangingPunct="1">
+        <a:defRPr sz="1800" kern="1200">
+          <a:solidFill>
+            <a:schemeClr val="tx1"/>
+          </a:solidFill>
+          <a:latin typeface="+mn-lt"/>
+          <a:ea typeface="+mn-ea"/>
+          <a:cs typeface="+mn-cs"/>
+        </a:defRPr>
+      </a:lvl7pPr>
+      <a:lvl8pPr marL="3200400" algn="l" defTabSz="914400" rtl="0" eaLnBrk="1" latinLnBrk="0" hangingPunct="1">
+        <a:defRPr sz="1800" kern="1200">
+          <a:solidFill>
+            <a:schemeClr val="tx1"/>
+          </a:solidFill>
+          <a:latin typeface="+mn-lt"/>
+          <a:ea typeface="+mn-ea"/>
+          <a:cs typeface="+mn-cs"/>
+        </a:defRPr>
+      </a:lvl8pPr>
+      <a:lvl9pPr marL="3657600" algn="l" defTabSz="914400" rtl="0" eaLnBrk="1" latinLnBrk="0" hangingPunct="1">
+        <a:defRPr sz="1800" kern="1200">
+          <a:solidFill>
+            <a:schemeClr val="tx1"/>
+          </a:solidFill>
+          <a:latin typeface="+mn-lt"/>
+          <a:ea typeface="+mn-ea"/>
+          <a:cs typeface="+mn-cs"/>
+        </a:defRPr>
+      </a:lvl9pPr>
+    </p:otherStyle>
+  </p:txStyles>
+</p:sldMaster>
+</file>
+
 <file path=ppt/slides/slide1.xml><?xml version="1.0" encoding="utf-8"?>
 <p:sld xmlns:a="http://schemas.openxmlformats.org/drawingml/2006/main" xmlns:r="http://schemas.openxmlformats.org/officeDocument/2006/relationships" xmlns:p="http://schemas.openxmlformats.org/presentationml/2006/main">
   <p:cSld>
@@ -9953,44 +15650,6 @@
           <a:chExt cx="0" cy="0"/>
         </a:xfrm>
       </p:grpSpPr>
-      <p:sp>
-        <p:nvSpPr>
-          <p:cNvPr id="2" name="Titolo 1">
-            <a:extLst>
-              <a:ext uri="{FF2B5EF4-FFF2-40B4-BE49-F238E27FC236}">
-                <a16:creationId xmlns:a16="http://schemas.microsoft.com/office/drawing/2014/main" id="{805346ED-721D-85EE-2F1B-A31D0912DE29}"/>
-              </a:ext>
-            </a:extLst>
-          </p:cNvPr>
-          <p:cNvSpPr>
-            <a:spLocks noGrp="1"/>
-          </p:cNvSpPr>
-          <p:nvPr>
-            <p:ph type="title"/>
-          </p:nvPr>
-        </p:nvSpPr>
-        <p:spPr>
-          <a:xfrm>
-            <a:off x="594360" y="278129"/>
-            <a:ext cx="9778365" cy="1494596"/>
-          </a:xfrm>
-        </p:spPr>
-        <p:txBody>
-          <a:bodyPr rtlCol="0"/>
-          <a:lstStyle>
-            <a:defPPr>
-              <a:defRPr lang="it-IT"/>
-            </a:defPPr>
-          </a:lstStyle>
-          <a:p>
-            <a:pPr rtl="0"/>
-            <a:r>
-              <a:rPr lang="it-IT" dirty="0"/>
-              <a:t>Il problema</a:t>
-            </a:r>
-          </a:p>
-        </p:txBody>
-      </p:sp>
       <p:grpSp>
         <p:nvGrpSpPr>
           <p:cNvPr id="14" name="Gruppo 13">
@@ -10777,24 +16436,6 @@
                   </a:rPr>
                   <a:t>proprietari</a:t>
                 </a:r>
-                <a:r>
-                  <a:rPr lang="en-US" sz="1100" dirty="0">
-                    <a:solidFill>
-                      <a:prstClr val="white"/>
-                    </a:solidFill>
-                    <a:latin typeface="Calibri" panose="020F0502020204030204"/>
-                  </a:rPr>
-                  <a:t> via </a:t>
-                </a:r>
-                <a:r>
-                  <a:rPr lang="it-IT" sz="1100" b="0" i="0" u="none" strike="noStrike" baseline="0" dirty="0">
-                    <a:solidFill>
-                      <a:srgbClr val="FFFFFF"/>
-                    </a:solidFill>
-                    <a:latin typeface="Calibri" panose="020F0502020204030204" pitchFamily="34" charset="0"/>
-                  </a:rPr>
-                  <a:t>Bluetooth ®</a:t>
-                </a:r>
                 <a:endParaRPr lang="en-US" sz="1100" dirty="0">
                   <a:solidFill>
                     <a:prstClr val="white"/>
@@ -11129,41 +16770,72 @@
           </p:sp>
         </p:grpSp>
       </p:grpSp>
-      <p:pic>
-        <p:nvPicPr>
-          <p:cNvPr id="12" name="Segnaposto contenuto 11" descr="Nuvola con riempimento a tinta unita">
+      <p:sp>
+        <p:nvSpPr>
+          <p:cNvPr id="2" name="Titolo 1">
             <a:extLst>
               <a:ext uri="{FF2B5EF4-FFF2-40B4-BE49-F238E27FC236}">
-                <a16:creationId xmlns:a16="http://schemas.microsoft.com/office/drawing/2014/main" id="{C92DABD1-4272-51EC-EC21-B12A8232F66F}"/>
+                <a16:creationId xmlns:a16="http://schemas.microsoft.com/office/drawing/2014/main" id="{805346ED-721D-85EE-2F1B-A31D0912DE29}"/>
               </a:ext>
             </a:extLst>
           </p:cNvPr>
-          <p:cNvPicPr>
-            <a:picLocks noGrp="1" noChangeAspect="1"/>
-          </p:cNvPicPr>
+          <p:cNvSpPr>
+            <a:spLocks noGrp="1"/>
+          </p:cNvSpPr>
           <p:nvPr>
-            <p:ph sz="quarter" idx="15"/>
+            <p:ph type="title"/>
           </p:nvPr>
-        </p:nvPicPr>
-        <p:blipFill>
-          <a:blip r:embed="rId9">
-            <a:extLst>
-              <a:ext uri="{96DAC541-7B7A-43D3-8B79-37D633B846F1}">
-                <asvg:svgBlip xmlns:asvg="http://schemas.microsoft.com/office/drawing/2016/SVG/main" r:embed="rId10"/>
-              </a:ext>
-            </a:extLst>
-          </a:blip>
-          <a:stretch>
-            <a:fillRect/>
-          </a:stretch>
-        </p:blipFill>
-        <p:spPr>
-          <a:xfrm>
-            <a:off x="9132256" y="3869377"/>
-            <a:ext cx="914400" cy="914400"/>
-          </a:xfrm>
-        </p:spPr>
-      </p:pic>
+        </p:nvSpPr>
+        <p:spPr/>
+        <p:txBody>
+          <a:bodyPr rtlCol="0" anchor="ctr"/>
+          <a:lstStyle>
+            <a:defPPr>
+              <a:defRPr lang="it-IT"/>
+            </a:defPPr>
+          </a:lstStyle>
+          <a:p>
+            <a:pPr rtl="0"/>
+            <a:r>
+              <a:rPr lang="it-IT" dirty="0"/>
+              <a:t>Il problema</a:t>
+            </a:r>
+          </a:p>
+        </p:txBody>
+      </p:sp>
+      <p:sp>
+        <p:nvSpPr>
+          <p:cNvPr id="10" name="Segnaposto numero diapositiva 9">
+            <a:extLst>
+              <a:ext uri="{FF2B5EF4-FFF2-40B4-BE49-F238E27FC236}">
+                <a16:creationId xmlns:a16="http://schemas.microsoft.com/office/drawing/2014/main" id="{AB771242-2AE6-7C4B-1244-63422EE7CADA}"/>
+              </a:ext>
+            </a:extLst>
+          </p:cNvPr>
+          <p:cNvSpPr>
+            <a:spLocks noGrp="1"/>
+          </p:cNvSpPr>
+          <p:nvPr>
+            <p:ph type="sldNum" sz="quarter" idx="12"/>
+          </p:nvPr>
+        </p:nvSpPr>
+        <p:spPr/>
+        <p:txBody>
+          <a:bodyPr/>
+          <a:lstStyle/>
+          <a:p>
+            <a:pPr rtl="0"/>
+            <a:fld id="{294A09A9-5501-47C1-A89A-A340965A2BE2}" type="slidenum">
+              <a:rPr lang="it-IT" smtClean="0"/>
+              <a:pPr rtl="0"/>
+              <a:t>2</a:t>
+            </a:fld>
+            <a:endParaRPr lang="it-IT" dirty="0">
+              <a:latin typeface="+mn-lt"/>
+            </a:endParaRPr>
+          </a:p>
+        </p:txBody>
+      </p:sp>
       <p:sp>
         <p:nvSpPr>
           <p:cNvPr id="3" name="Curved Left Arrow 10">
@@ -11290,39 +16962,41 @@
           </a:p>
         </p:txBody>
       </p:sp>
-      <p:sp>
-        <p:nvSpPr>
-          <p:cNvPr id="10" name="Segnaposto numero diapositiva 9">
+      <p:pic>
+        <p:nvPicPr>
+          <p:cNvPr id="12" name="Segnaposto contenuto 11" descr="Nuvola con riempimento a tinta unita">
             <a:extLst>
               <a:ext uri="{FF2B5EF4-FFF2-40B4-BE49-F238E27FC236}">
-                <a16:creationId xmlns:a16="http://schemas.microsoft.com/office/drawing/2014/main" id="{AB771242-2AE6-7C4B-1244-63422EE7CADA}"/>
+                <a16:creationId xmlns:a16="http://schemas.microsoft.com/office/drawing/2014/main" id="{C92DABD1-4272-51EC-EC21-B12A8232F66F}"/>
               </a:ext>
             </a:extLst>
           </p:cNvPr>
-          <p:cNvSpPr>
-            <a:spLocks noGrp="1"/>
-          </p:cNvSpPr>
+          <p:cNvPicPr>
+            <a:picLocks noGrp="1" noChangeAspect="1"/>
+          </p:cNvPicPr>
           <p:nvPr>
-            <p:ph type="sldNum" sz="quarter" idx="12"/>
+            <p:ph sz="quarter" idx="15"/>
           </p:nvPr>
-        </p:nvSpPr>
-        <p:spPr/>
-        <p:txBody>
-          <a:bodyPr/>
-          <a:lstStyle/>
-          <a:p>
-            <a:pPr rtl="0"/>
-            <a:fld id="{294A09A9-5501-47C1-A89A-A340965A2BE2}" type="slidenum">
-              <a:rPr lang="it-IT" smtClean="0"/>
-              <a:pPr rtl="0"/>
-              <a:t>2</a:t>
-            </a:fld>
-            <a:endParaRPr lang="it-IT" dirty="0">
-              <a:latin typeface="+mn-lt"/>
-            </a:endParaRPr>
-          </a:p>
-        </p:txBody>
-      </p:sp>
+        </p:nvPicPr>
+        <p:blipFill>
+          <a:blip r:embed="rId9">
+            <a:extLst>
+              <a:ext uri="{96DAC541-7B7A-43D3-8B79-37D633B846F1}">
+                <asvg:svgBlip xmlns:asvg="http://schemas.microsoft.com/office/drawing/2016/SVG/main" r:embed="rId10"/>
+              </a:ext>
+            </a:extLst>
+          </a:blip>
+          <a:stretch>
+            <a:fillRect/>
+          </a:stretch>
+        </p:blipFill>
+        <p:spPr>
+          <a:xfrm>
+            <a:off x="9132256" y="3869377"/>
+            <a:ext cx="914400" cy="914400"/>
+          </a:xfrm>
+        </p:spPr>
+      </p:pic>
     </p:spTree>
     <p:extLst>
       <p:ext uri="{BB962C8B-B14F-4D97-AF65-F5344CB8AC3E}">
@@ -11353,360 +17027,6 @@
           <a:chExt cx="0" cy="0"/>
         </a:xfrm>
       </p:grpSpPr>
-      <p:sp>
-        <p:nvSpPr>
-          <p:cNvPr id="2" name="Titolo 1">
-            <a:extLst>
-              <a:ext uri="{FF2B5EF4-FFF2-40B4-BE49-F238E27FC236}">
-                <a16:creationId xmlns:a16="http://schemas.microsoft.com/office/drawing/2014/main" id="{7FBFBBBA-ED58-C5C3-11F4-296EDE8DB1E6}"/>
-              </a:ext>
-            </a:extLst>
-          </p:cNvPr>
-          <p:cNvSpPr>
-            <a:spLocks noGrp="1"/>
-          </p:cNvSpPr>
-          <p:nvPr>
-            <p:ph type="title"/>
-          </p:nvPr>
-        </p:nvSpPr>
-        <p:spPr/>
-        <p:txBody>
-          <a:bodyPr/>
-          <a:lstStyle/>
-          <a:p>
-            <a:r>
-              <a:rPr lang="it-IT" dirty="0"/>
-              <a:t>La soluzione</a:t>
-            </a:r>
-          </a:p>
-        </p:txBody>
-      </p:sp>
-      <p:sp>
-        <p:nvSpPr>
-          <p:cNvPr id="3" name="Segnaposto contenuto 2">
-            <a:extLst>
-              <a:ext uri="{FF2B5EF4-FFF2-40B4-BE49-F238E27FC236}">
-                <a16:creationId xmlns:a16="http://schemas.microsoft.com/office/drawing/2014/main" id="{A074437C-C6DC-6C0D-6A49-D84539AFB00D}"/>
-              </a:ext>
-            </a:extLst>
-          </p:cNvPr>
-          <p:cNvSpPr>
-            <a:spLocks noGrp="1"/>
-          </p:cNvSpPr>
-          <p:nvPr>
-            <p:ph sz="quarter" idx="15"/>
-          </p:nvPr>
-        </p:nvSpPr>
-        <p:spPr/>
-        <p:txBody>
-          <a:bodyPr>
-            <a:normAutofit/>
-          </a:bodyPr>
-          <a:lstStyle/>
-          <a:p>
-            <a:r>
-              <a:rPr lang="it-IT" sz="1600" b="1" dirty="0"/>
-              <a:t>HL7 FHIR</a:t>
-            </a:r>
-          </a:p>
-          <a:p>
-            <a:pPr marL="342900" indent="-342900">
-              <a:buFont typeface="Arial" panose="020B0604020202020204" pitchFamily="34" charset="0"/>
-              <a:buChar char="•"/>
-            </a:pPr>
-            <a:r>
-              <a:rPr lang="it-IT" sz="1600" dirty="0"/>
-              <a:t>Linguaggio a livello di applicazione per ottenere l'interoperabilità dei dati sanitari. </a:t>
-            </a:r>
-          </a:p>
-          <a:p>
-            <a:pPr marL="342900" indent="-342900">
-              <a:buFont typeface="Arial" panose="020B0604020202020204" pitchFamily="34" charset="0"/>
-              <a:buChar char="•"/>
-            </a:pPr>
-            <a:r>
-              <a:rPr lang="it-IT" sz="1600" dirty="0"/>
-              <a:t>Non risolve ancora la diversità di comunicazione dei dispositivi di salute personale, ed è qui che entra in gioco ACOM</a:t>
-            </a:r>
-          </a:p>
-          <a:p>
-            <a:endParaRPr lang="it-IT" sz="1600" b="1" dirty="0"/>
-          </a:p>
-        </p:txBody>
-      </p:sp>
-      <p:sp>
-        <p:nvSpPr>
-          <p:cNvPr id="4" name="Segnaposto contenuto 3">
-            <a:extLst>
-              <a:ext uri="{FF2B5EF4-FFF2-40B4-BE49-F238E27FC236}">
-                <a16:creationId xmlns:a16="http://schemas.microsoft.com/office/drawing/2014/main" id="{0F865E98-3896-E174-8D9E-73E3D9AB91DC}"/>
-              </a:ext>
-            </a:extLst>
-          </p:cNvPr>
-          <p:cNvSpPr>
-            <a:spLocks noGrp="1"/>
-          </p:cNvSpPr>
-          <p:nvPr>
-            <p:ph sz="quarter" idx="16"/>
-          </p:nvPr>
-        </p:nvSpPr>
-        <p:spPr/>
-        <p:txBody>
-          <a:bodyPr>
-            <a:normAutofit/>
-          </a:bodyPr>
-          <a:lstStyle/>
-          <a:p>
-            <a:r>
-              <a:rPr lang="it-IT" sz="1600" b="1" dirty="0"/>
-              <a:t>IEEE 11073-10206 ACOM</a:t>
-            </a:r>
-          </a:p>
-          <a:p>
-            <a:pPr marL="342900" indent="-342900">
-              <a:buFont typeface="Arial" panose="020B0604020202020204" pitchFamily="34" charset="0"/>
-              <a:buChar char="•"/>
-            </a:pPr>
-            <a:r>
-              <a:rPr lang="it-IT" sz="1600" dirty="0"/>
-              <a:t>ACOM sta per «Abstract Content Model»</a:t>
-            </a:r>
-          </a:p>
-          <a:p>
-            <a:pPr marL="342900" indent="-342900">
-              <a:buFont typeface="Arial" panose="020B0604020202020204" pitchFamily="34" charset="0"/>
-              <a:buChar char="•"/>
-            </a:pPr>
-            <a:r>
-              <a:rPr lang="it-IT" sz="1600" dirty="0"/>
-              <a:t>ACOM definisce un modello basato sullo standard IEEE 11073 per la comunicazione dei dispositivi medici</a:t>
-            </a:r>
-          </a:p>
-          <a:p>
-            <a:pPr marL="342900" indent="-342900">
-              <a:buFont typeface="Arial" panose="020B0604020202020204" pitchFamily="34" charset="0"/>
-              <a:buChar char="•"/>
-            </a:pPr>
-            <a:r>
-              <a:rPr lang="it-IT" sz="1600" dirty="0"/>
-              <a:t>Gli oggetti e gli attributi di ACOM sono mappati </a:t>
-            </a:r>
-            <a:r>
-              <a:rPr lang="it-IT" sz="1600" b="1" dirty="0"/>
-              <a:t>1 a 1</a:t>
-            </a:r>
-            <a:r>
-              <a:rPr lang="it-IT" sz="1600" dirty="0"/>
-              <a:t> alle risorse HL7 FHIR</a:t>
-            </a:r>
-            <a:endParaRPr lang="it-IT" sz="1600" b="1" dirty="0"/>
-          </a:p>
-        </p:txBody>
-      </p:sp>
-      <p:pic>
-        <p:nvPicPr>
-          <p:cNvPr id="6" name="Picture 2" descr="FHIR and the Real Challenge of Health Data ...">
-            <a:extLst>
-              <a:ext uri="{FF2B5EF4-FFF2-40B4-BE49-F238E27FC236}">
-                <a16:creationId xmlns:a16="http://schemas.microsoft.com/office/drawing/2014/main" id="{7CC15EDF-1016-FD1E-0048-5341C48C1F16}"/>
-              </a:ext>
-            </a:extLst>
-          </p:cNvPr>
-          <p:cNvPicPr>
-            <a:picLocks noChangeAspect="1" noChangeArrowheads="1"/>
-          </p:cNvPicPr>
-          <p:nvPr/>
-        </p:nvPicPr>
-        <p:blipFill>
-          <a:blip r:embed="rId2" cstate="print">
-            <a:clrChange>
-              <a:clrFrom>
-                <a:srgbClr val="FFFFFF"/>
-              </a:clrFrom>
-              <a:clrTo>
-                <a:srgbClr val="FFFFFF">
-                  <a:alpha val="0"/>
-                </a:srgbClr>
-              </a:clrTo>
-            </a:clrChange>
-            <a:extLst>
-              <a:ext uri="{28A0092B-C50C-407E-A947-70E740481C1C}">
-                <a14:useLocalDpi xmlns:a14="http://schemas.microsoft.com/office/drawing/2010/main" val="0"/>
-              </a:ext>
-            </a:extLst>
-          </a:blip>
-          <a:srcRect/>
-          <a:stretch>
-            <a:fillRect/>
-          </a:stretch>
-        </p:blipFill>
-        <p:spPr bwMode="auto">
-          <a:xfrm>
-            <a:off x="594359" y="5565217"/>
-            <a:ext cx="1513179" cy="708778"/>
-          </a:xfrm>
-          <a:prstGeom prst="rect">
-            <a:avLst/>
-          </a:prstGeom>
-          <a:noFill/>
-          <a:extLst>
-            <a:ext uri="{909E8E84-426E-40DD-AFC4-6F175D3DCCD1}">
-              <a14:hiddenFill xmlns:a14="http://schemas.microsoft.com/office/drawing/2010/main">
-                <a:solidFill>
-                  <a:srgbClr val="FFFFFF"/>
-                </a:solidFill>
-              </a14:hiddenFill>
-            </a:ext>
-          </a:extLst>
-        </p:spPr>
-      </p:pic>
-      <p:pic>
-        <p:nvPicPr>
-          <p:cNvPr id="7" name="Content Placeholder 4" descr="Icon&#10;&#10;Description automatically generated">
-            <a:extLst>
-              <a:ext uri="{FF2B5EF4-FFF2-40B4-BE49-F238E27FC236}">
-                <a16:creationId xmlns:a16="http://schemas.microsoft.com/office/drawing/2014/main" id="{10A4B3F2-9790-A176-8B5A-9FAFFF7752DE}"/>
-              </a:ext>
-            </a:extLst>
-          </p:cNvPr>
-          <p:cNvPicPr>
-            <a:picLocks noChangeAspect="1"/>
-          </p:cNvPicPr>
-          <p:nvPr/>
-        </p:nvPicPr>
-        <p:blipFill>
-          <a:blip r:embed="rId3">
-            <a:clrChange>
-              <a:clrFrom>
-                <a:srgbClr val="FFFFFF"/>
-              </a:clrFrom>
-              <a:clrTo>
-                <a:srgbClr val="FFFFFF">
-                  <a:alpha val="0"/>
-                </a:srgbClr>
-              </a:clrTo>
-            </a:clrChange>
-            <a:extLst>
-              <a:ext uri="{28A0092B-C50C-407E-A947-70E740481C1C}">
-                <a14:useLocalDpi xmlns:a14="http://schemas.microsoft.com/office/drawing/2010/main" val="0"/>
-              </a:ext>
-            </a:extLst>
-          </a:blip>
-          <a:stretch>
-            <a:fillRect/>
-          </a:stretch>
-        </p:blipFill>
-        <p:spPr>
-          <a:xfrm>
-            <a:off x="8859545" y="5677650"/>
-            <a:ext cx="1513180" cy="483911"/>
-          </a:xfrm>
-          <a:prstGeom prst="rect">
-            <a:avLst/>
-          </a:prstGeom>
-        </p:spPr>
-      </p:pic>
-      <p:sp>
-        <p:nvSpPr>
-          <p:cNvPr id="5" name="Segnaposto numero diapositiva 4">
-            <a:extLst>
-              <a:ext uri="{FF2B5EF4-FFF2-40B4-BE49-F238E27FC236}">
-                <a16:creationId xmlns:a16="http://schemas.microsoft.com/office/drawing/2014/main" id="{E342E31C-47FE-08AD-D5F9-44ACD71819F1}"/>
-              </a:ext>
-            </a:extLst>
-          </p:cNvPr>
-          <p:cNvSpPr>
-            <a:spLocks noGrp="1"/>
-          </p:cNvSpPr>
-          <p:nvPr>
-            <p:ph type="sldNum" sz="quarter" idx="12"/>
-          </p:nvPr>
-        </p:nvSpPr>
-        <p:spPr/>
-        <p:txBody>
-          <a:bodyPr/>
-          <a:lstStyle/>
-          <a:p>
-            <a:pPr rtl="0"/>
-            <a:fld id="{294A09A9-5501-47C1-A89A-A340965A2BE2}" type="slidenum">
-              <a:rPr lang="it-IT" smtClean="0"/>
-              <a:pPr rtl="0"/>
-              <a:t>3</a:t>
-            </a:fld>
-            <a:endParaRPr lang="it-IT" dirty="0">
-              <a:latin typeface="+mn-lt"/>
-            </a:endParaRPr>
-          </a:p>
-        </p:txBody>
-      </p:sp>
-    </p:spTree>
-    <p:extLst>
-      <p:ext uri="{BB962C8B-B14F-4D97-AF65-F5344CB8AC3E}">
-        <p14:creationId xmlns:p14="http://schemas.microsoft.com/office/powerpoint/2010/main" val="1625547966"/>
-      </p:ext>
-    </p:extLst>
-  </p:cSld>
-  <p:clrMapOvr>
-    <a:masterClrMapping/>
-  </p:clrMapOvr>
-</p:sld>
-</file>
-
-<file path=ppt/slides/slide4.xml><?xml version="1.0" encoding="utf-8"?>
-<p:sld xmlns:a="http://schemas.openxmlformats.org/drawingml/2006/main" xmlns:r="http://schemas.openxmlformats.org/officeDocument/2006/relationships" xmlns:p="http://schemas.openxmlformats.org/presentationml/2006/main">
-  <p:cSld>
-    <p:spTree>
-      <p:nvGrpSpPr>
-        <p:cNvPr id="1" name=""/>
-        <p:cNvGrpSpPr/>
-        <p:nvPr/>
-      </p:nvGrpSpPr>
-      <p:grpSpPr>
-        <a:xfrm>
-          <a:off x="0" y="0"/>
-          <a:ext cx="0" cy="0"/>
-          <a:chOff x="0" y="0"/>
-          <a:chExt cx="0" cy="0"/>
-        </a:xfrm>
-      </p:grpSpPr>
-      <p:sp>
-        <p:nvSpPr>
-          <p:cNvPr id="2" name="Titolo 1">
-            <a:extLst>
-              <a:ext uri="{FF2B5EF4-FFF2-40B4-BE49-F238E27FC236}">
-                <a16:creationId xmlns:a16="http://schemas.microsoft.com/office/drawing/2014/main" id="{805346ED-721D-85EE-2F1B-A31D0912DE29}"/>
-              </a:ext>
-            </a:extLst>
-          </p:cNvPr>
-          <p:cNvSpPr>
-            <a:spLocks noGrp="1"/>
-          </p:cNvSpPr>
-          <p:nvPr>
-            <p:ph type="title"/>
-          </p:nvPr>
-        </p:nvSpPr>
-        <p:spPr>
-          <a:xfrm>
-            <a:off x="594360" y="278129"/>
-            <a:ext cx="9778365" cy="1494596"/>
-          </a:xfrm>
-        </p:spPr>
-        <p:txBody>
-          <a:bodyPr rtlCol="0"/>
-          <a:lstStyle>
-            <a:defPPr>
-              <a:defRPr lang="it-IT"/>
-            </a:defPPr>
-          </a:lstStyle>
-          <a:p>
-            <a:pPr rtl="0"/>
-            <a:r>
-              <a:rPr lang="it-IT" dirty="0"/>
-              <a:t>La soluzione</a:t>
-            </a:r>
-          </a:p>
-        </p:txBody>
-      </p:sp>
       <p:grpSp>
         <p:nvGrpSpPr>
           <p:cNvPr id="14" name="Gruppo 13">
@@ -12243,24 +17563,6 @@
                 </a:rPr>
                 <a:t>ACOM</a:t>
               </a:r>
-              <a:r>
-                <a:rPr lang="en-US" sz="1100" dirty="0">
-                  <a:solidFill>
-                    <a:prstClr val="white"/>
-                  </a:solidFill>
-                  <a:latin typeface="Calibri" panose="020F0502020204030204"/>
-                </a:rPr>
-                <a:t> via </a:t>
-              </a:r>
-              <a:r>
-                <a:rPr lang="it-IT" sz="1100" b="0" i="0" u="none" strike="noStrike" baseline="0" dirty="0">
-                  <a:solidFill>
-                    <a:srgbClr val="FFFFFF"/>
-                  </a:solidFill>
-                  <a:latin typeface="Calibri" panose="020F0502020204030204" pitchFamily="34" charset="0"/>
-                </a:rPr>
-                <a:t>Bluetooth ®</a:t>
-              </a:r>
               <a:endParaRPr lang="en-US" sz="1100" dirty="0">
                 <a:solidFill>
                   <a:prstClr val="white"/>
@@ -12333,41 +17635,72 @@
           </p:txBody>
         </p:sp>
       </p:grpSp>
-      <p:pic>
-        <p:nvPicPr>
-          <p:cNvPr id="12" name="Segnaposto contenuto 11" descr="Nuvola con riempimento a tinta unita">
+      <p:sp>
+        <p:nvSpPr>
+          <p:cNvPr id="2" name="Titolo 1">
             <a:extLst>
               <a:ext uri="{FF2B5EF4-FFF2-40B4-BE49-F238E27FC236}">
-                <a16:creationId xmlns:a16="http://schemas.microsoft.com/office/drawing/2014/main" id="{C92DABD1-4272-51EC-EC21-B12A8232F66F}"/>
+                <a16:creationId xmlns:a16="http://schemas.microsoft.com/office/drawing/2014/main" id="{805346ED-721D-85EE-2F1B-A31D0912DE29}"/>
               </a:ext>
             </a:extLst>
           </p:cNvPr>
-          <p:cNvPicPr>
-            <a:picLocks noGrp="1" noChangeAspect="1"/>
-          </p:cNvPicPr>
+          <p:cNvSpPr>
+            <a:spLocks noGrp="1"/>
+          </p:cNvSpPr>
           <p:nvPr>
-            <p:ph sz="quarter" idx="15"/>
+            <p:ph type="title"/>
           </p:nvPr>
-        </p:nvPicPr>
-        <p:blipFill>
-          <a:blip r:embed="rId9">
-            <a:extLst>
-              <a:ext uri="{96DAC541-7B7A-43D3-8B79-37D633B846F1}">
-                <asvg:svgBlip xmlns:asvg="http://schemas.microsoft.com/office/drawing/2016/SVG/main" r:embed="rId10"/>
-              </a:ext>
-            </a:extLst>
-          </a:blip>
-          <a:stretch>
-            <a:fillRect/>
-          </a:stretch>
-        </p:blipFill>
-        <p:spPr>
-          <a:xfrm>
-            <a:off x="9026930" y="3592969"/>
-            <a:ext cx="914400" cy="914400"/>
-          </a:xfrm>
-        </p:spPr>
-      </p:pic>
+        </p:nvSpPr>
+        <p:spPr/>
+        <p:txBody>
+          <a:bodyPr numCol="1" rtlCol="0" anchor="ctr"/>
+          <a:lstStyle>
+            <a:defPPr>
+              <a:defRPr lang="it-IT"/>
+            </a:defPPr>
+          </a:lstStyle>
+          <a:p>
+            <a:pPr rtl="0"/>
+            <a:r>
+              <a:rPr lang="it-IT" dirty="0"/>
+              <a:t>La soluzione</a:t>
+            </a:r>
+          </a:p>
+        </p:txBody>
+      </p:sp>
+      <p:sp>
+        <p:nvSpPr>
+          <p:cNvPr id="5" name="Segnaposto numero diapositiva 4">
+            <a:extLst>
+              <a:ext uri="{FF2B5EF4-FFF2-40B4-BE49-F238E27FC236}">
+                <a16:creationId xmlns:a16="http://schemas.microsoft.com/office/drawing/2014/main" id="{26E4ED73-77F5-F09A-5197-34B24F5B76C3}"/>
+              </a:ext>
+            </a:extLst>
+          </p:cNvPr>
+          <p:cNvSpPr>
+            <a:spLocks noGrp="1"/>
+          </p:cNvSpPr>
+          <p:nvPr>
+            <p:ph type="sldNum" sz="quarter" idx="12"/>
+          </p:nvPr>
+        </p:nvSpPr>
+        <p:spPr/>
+        <p:txBody>
+          <a:bodyPr/>
+          <a:lstStyle/>
+          <a:p>
+            <a:pPr rtl="0"/>
+            <a:fld id="{294A09A9-5501-47C1-A89A-A340965A2BE2}" type="slidenum">
+              <a:rPr lang="it-IT" smtClean="0"/>
+              <a:pPr rtl="0"/>
+              <a:t>3</a:t>
+            </a:fld>
+            <a:endParaRPr lang="it-IT" dirty="0">
+              <a:latin typeface="+mn-lt"/>
+            </a:endParaRPr>
+          </a:p>
+        </p:txBody>
+      </p:sp>
       <p:sp>
         <p:nvSpPr>
           <p:cNvPr id="4" name="Left-Right Arrow 8">
@@ -12422,16 +17755,7 @@
                 </a:solidFill>
                 <a:latin typeface="Calibri" panose="020F0502020204030204"/>
               </a:rPr>
-              <a:t>Upload e download osservazioni </a:t>
-            </a:r>
-            <a:r>
-              <a:rPr lang="it-IT" sz="1100" b="1" dirty="0">
-                <a:solidFill>
-                  <a:prstClr val="white"/>
-                </a:solidFill>
-                <a:latin typeface="Calibri" panose="020F0502020204030204"/>
-              </a:rPr>
-              <a:t>FHIR</a:t>
+              <a:t>Upload e download osservazioni</a:t>
             </a:r>
             <a:endParaRPr lang="en-US" sz="1100" b="1" dirty="0">
               <a:solidFill>
@@ -12457,7 +17781,7 @@
           <p:nvPr/>
         </p:nvPicPr>
         <p:blipFill>
-          <a:blip r:embed="rId11" cstate="print">
+          <a:blip r:embed="rId9" cstate="print">
             <a:clrChange>
               <a:clrFrom>
                 <a:srgbClr val="FFFFFF"/>
@@ -12481,7 +17805,7 @@
         </p:blipFill>
         <p:spPr bwMode="auto">
           <a:xfrm>
-            <a:off x="8607412" y="4286042"/>
+            <a:off x="8727540" y="4290218"/>
             <a:ext cx="1513179" cy="708778"/>
           </a:xfrm>
           <a:prstGeom prst="rect">
@@ -12558,39 +17882,6 @@
               <a:solidFill>
                 <a:schemeClr val="tx1"/>
               </a:solidFill>
-            </a:endParaRPr>
-          </a:p>
-        </p:txBody>
-      </p:sp>
-      <p:sp>
-        <p:nvSpPr>
-          <p:cNvPr id="5" name="Segnaposto numero diapositiva 4">
-            <a:extLst>
-              <a:ext uri="{FF2B5EF4-FFF2-40B4-BE49-F238E27FC236}">
-                <a16:creationId xmlns:a16="http://schemas.microsoft.com/office/drawing/2014/main" id="{26E4ED73-77F5-F09A-5197-34B24F5B76C3}"/>
-              </a:ext>
-            </a:extLst>
-          </p:cNvPr>
-          <p:cNvSpPr>
-            <a:spLocks noGrp="1"/>
-          </p:cNvSpPr>
-          <p:nvPr>
-            <p:ph type="sldNum" sz="quarter" idx="12"/>
-          </p:nvPr>
-        </p:nvSpPr>
-        <p:spPr/>
-        <p:txBody>
-          <a:bodyPr/>
-          <a:lstStyle/>
-          <a:p>
-            <a:pPr rtl="0"/>
-            <a:fld id="{294A09A9-5501-47C1-A89A-A340965A2BE2}" type="slidenum">
-              <a:rPr lang="it-IT" smtClean="0"/>
-              <a:pPr rtl="0"/>
-              <a:t>4</a:t>
-            </a:fld>
-            <a:endParaRPr lang="it-IT" dirty="0">
-              <a:latin typeface="+mn-lt"/>
             </a:endParaRPr>
           </a:p>
         </p:txBody>
@@ -12958,6 +18249,145 @@
           </a:p>
         </p:txBody>
       </p:sp>
+      <p:pic>
+        <p:nvPicPr>
+          <p:cNvPr id="6" name="Picture 2" descr="FHIR and the Real Challenge of Health Data ...">
+            <a:extLst>
+              <a:ext uri="{FF2B5EF4-FFF2-40B4-BE49-F238E27FC236}">
+                <a16:creationId xmlns:a16="http://schemas.microsoft.com/office/drawing/2014/main" id="{DD25C774-6217-BE16-1738-955CA81F0678}"/>
+              </a:ext>
+            </a:extLst>
+          </p:cNvPr>
+          <p:cNvPicPr>
+            <a:picLocks noChangeAspect="1" noChangeArrowheads="1"/>
+          </p:cNvPicPr>
+          <p:nvPr/>
+        </p:nvPicPr>
+        <p:blipFill>
+          <a:blip r:embed="rId9" cstate="print">
+            <a:clrChange>
+              <a:clrFrom>
+                <a:srgbClr val="FFFFFF"/>
+              </a:clrFrom>
+              <a:clrTo>
+                <a:srgbClr val="FFFFFF">
+                  <a:alpha val="0"/>
+                </a:srgbClr>
+              </a:clrTo>
+            </a:clrChange>
+            <a:extLst>
+              <a:ext uri="{28A0092B-C50C-407E-A947-70E740481C1C}">
+                <a14:useLocalDpi xmlns:a14="http://schemas.microsoft.com/office/drawing/2010/main" val="0"/>
+              </a:ext>
+            </a:extLst>
+          </a:blip>
+          <a:srcRect/>
+          <a:stretch>
+            <a:fillRect/>
+          </a:stretch>
+        </p:blipFill>
+        <p:spPr bwMode="auto">
+          <a:xfrm>
+            <a:off x="7107545" y="4100513"/>
+            <a:ext cx="1192851" cy="558735"/>
+          </a:xfrm>
+          <a:prstGeom prst="rect">
+            <a:avLst/>
+          </a:prstGeom>
+          <a:noFill/>
+          <a:extLst>
+            <a:ext uri="{909E8E84-426E-40DD-AFC4-6F175D3DCCD1}">
+              <a14:hiddenFill xmlns:a14="http://schemas.microsoft.com/office/drawing/2010/main">
+                <a:solidFill>
+                  <a:srgbClr val="FFFFFF"/>
+                </a:solidFill>
+              </a14:hiddenFill>
+            </a:ext>
+          </a:extLst>
+        </p:spPr>
+      </p:pic>
+      <p:pic>
+        <p:nvPicPr>
+          <p:cNvPr id="1026" name="Picture 2" descr="IEEE - IEEE WIE AG University of Dhaka">
+            <a:extLst>
+              <a:ext uri="{FF2B5EF4-FFF2-40B4-BE49-F238E27FC236}">
+                <a16:creationId xmlns:a16="http://schemas.microsoft.com/office/drawing/2014/main" id="{CD20707B-E926-E410-3CA1-FA725E6EBF41}"/>
+              </a:ext>
+            </a:extLst>
+          </p:cNvPr>
+          <p:cNvPicPr>
+            <a:picLocks noChangeAspect="1" noChangeArrowheads="1"/>
+          </p:cNvPicPr>
+          <p:nvPr/>
+        </p:nvPicPr>
+        <p:blipFill>
+          <a:blip r:embed="rId10">
+            <a:extLst>
+              <a:ext uri="{28A0092B-C50C-407E-A947-70E740481C1C}">
+                <a14:useLocalDpi xmlns:a14="http://schemas.microsoft.com/office/drawing/2010/main" val="0"/>
+              </a:ext>
+            </a:extLst>
+          </a:blip>
+          <a:srcRect/>
+          <a:stretch>
+            <a:fillRect/>
+          </a:stretch>
+        </p:blipFill>
+        <p:spPr bwMode="auto">
+          <a:xfrm>
+            <a:off x="3770395" y="3677900"/>
+            <a:ext cx="921385" cy="298730"/>
+          </a:xfrm>
+          <a:prstGeom prst="rect">
+            <a:avLst/>
+          </a:prstGeom>
+          <a:noFill/>
+          <a:extLst>
+            <a:ext uri="{909E8E84-426E-40DD-AFC4-6F175D3DCCD1}">
+              <a14:hiddenFill xmlns:a14="http://schemas.microsoft.com/office/drawing/2010/main">
+                <a:solidFill>
+                  <a:srgbClr val="FFFFFF"/>
+                </a:solidFill>
+              </a14:hiddenFill>
+            </a:ext>
+          </a:extLst>
+        </p:spPr>
+      </p:pic>
+      <p:pic>
+        <p:nvPicPr>
+          <p:cNvPr id="12" name="Segnaposto contenuto 11" descr="Nuvola con riempimento a tinta unita">
+            <a:extLst>
+              <a:ext uri="{FF2B5EF4-FFF2-40B4-BE49-F238E27FC236}">
+                <a16:creationId xmlns:a16="http://schemas.microsoft.com/office/drawing/2014/main" id="{C92DABD1-4272-51EC-EC21-B12A8232F66F}"/>
+              </a:ext>
+            </a:extLst>
+          </p:cNvPr>
+          <p:cNvPicPr>
+            <a:picLocks noGrp="1" noChangeAspect="1"/>
+          </p:cNvPicPr>
+          <p:nvPr>
+            <p:ph sz="quarter" idx="15"/>
+          </p:nvPr>
+        </p:nvPicPr>
+        <p:blipFill>
+          <a:blip r:embed="rId11">
+            <a:extLst>
+              <a:ext uri="{96DAC541-7B7A-43D3-8B79-37D633B846F1}">
+                <asvg:svgBlip xmlns:asvg="http://schemas.microsoft.com/office/drawing/2016/SVG/main" r:embed="rId12"/>
+              </a:ext>
+            </a:extLst>
+          </a:blip>
+          <a:stretch>
+            <a:fillRect/>
+          </a:stretch>
+        </p:blipFill>
+        <p:spPr>
+          <a:xfrm>
+            <a:off x="9026930" y="3592969"/>
+            <a:ext cx="914400" cy="914400"/>
+          </a:xfrm>
+        </p:spPr>
+      </p:pic>
     </p:spTree>
     <p:extLst>
       <p:ext uri="{BB962C8B-B14F-4D97-AF65-F5344CB8AC3E}">
@@ -13057,6 +18487,125 @@
 </p:sld>
 </file>
 
+<file path=ppt/slides/slide4.xml><?xml version="1.0" encoding="utf-8"?>
+<p:sld xmlns:a="http://schemas.openxmlformats.org/drawingml/2006/main" xmlns:r="http://schemas.openxmlformats.org/officeDocument/2006/relationships" xmlns:p="http://schemas.openxmlformats.org/presentationml/2006/main">
+  <p:cSld>
+    <p:spTree>
+      <p:nvGrpSpPr>
+        <p:cNvPr id="1" name=""/>
+        <p:cNvGrpSpPr/>
+        <p:nvPr/>
+      </p:nvGrpSpPr>
+      <p:grpSpPr>
+        <a:xfrm>
+          <a:off x="0" y="0"/>
+          <a:ext cx="0" cy="0"/>
+          <a:chOff x="0" y="0"/>
+          <a:chExt cx="0" cy="0"/>
+        </a:xfrm>
+      </p:grpSpPr>
+      <p:sp>
+        <p:nvSpPr>
+          <p:cNvPr id="2" name="Titolo 1">
+            <a:extLst>
+              <a:ext uri="{FF2B5EF4-FFF2-40B4-BE49-F238E27FC236}">
+                <a16:creationId xmlns:a16="http://schemas.microsoft.com/office/drawing/2014/main" id="{979312F5-A241-3BFE-E84B-B36E1CE8FD1F}"/>
+              </a:ext>
+            </a:extLst>
+          </p:cNvPr>
+          <p:cNvSpPr>
+            <a:spLocks noGrp="1"/>
+          </p:cNvSpPr>
+          <p:nvPr>
+            <p:ph type="title"/>
+          </p:nvPr>
+        </p:nvSpPr>
+        <p:spPr/>
+        <p:txBody>
+          <a:bodyPr anchor="ctr"/>
+          <a:lstStyle/>
+          <a:p>
+            <a:r>
+              <a:rPr lang="it-IT" dirty="0"/>
+              <a:t>Obbiettivo tesi</a:t>
+            </a:r>
+          </a:p>
+        </p:txBody>
+      </p:sp>
+      <p:graphicFrame>
+        <p:nvGraphicFramePr>
+          <p:cNvPr id="9" name="Segnaposto contenuto 8">
+            <a:extLst>
+              <a:ext uri="{FF2B5EF4-FFF2-40B4-BE49-F238E27FC236}">
+                <a16:creationId xmlns:a16="http://schemas.microsoft.com/office/drawing/2014/main" id="{E38D1694-50DF-768D-CF9E-644DB90874D1}"/>
+              </a:ext>
+            </a:extLst>
+          </p:cNvPr>
+          <p:cNvGraphicFramePr>
+            <a:graphicFrameLocks noGrp="1"/>
+          </p:cNvGraphicFramePr>
+          <p:nvPr>
+            <p:ph sz="quarter" idx="15"/>
+            <p:extLst>
+              <p:ext uri="{D42A27DB-BD31-4B8C-83A1-F6EECF244321}">
+                <p14:modId xmlns:p14="http://schemas.microsoft.com/office/powerpoint/2010/main" val="26321656"/>
+              </p:ext>
+            </p:extLst>
+          </p:nvPr>
+        </p:nvGraphicFramePr>
+        <p:xfrm>
+          <a:off x="723152" y="2059978"/>
+          <a:ext cx="10745696" cy="3984988"/>
+        </p:xfrm>
+        <a:graphic>
+          <a:graphicData uri="http://schemas.openxmlformats.org/drawingml/2006/diagram">
+            <dgm:relIds xmlns:dgm="http://schemas.openxmlformats.org/drawingml/2006/diagram" xmlns:r="http://schemas.openxmlformats.org/officeDocument/2006/relationships" r:dm="rId2" r:lo="rId3" r:qs="rId4" r:cs="rId5"/>
+          </a:graphicData>
+        </a:graphic>
+      </p:graphicFrame>
+      <p:sp>
+        <p:nvSpPr>
+          <p:cNvPr id="5" name="Segnaposto numero diapositiva 4">
+            <a:extLst>
+              <a:ext uri="{FF2B5EF4-FFF2-40B4-BE49-F238E27FC236}">
+                <a16:creationId xmlns:a16="http://schemas.microsoft.com/office/drawing/2014/main" id="{C639AE6C-4A86-993D-11B4-5994747B919B}"/>
+              </a:ext>
+            </a:extLst>
+          </p:cNvPr>
+          <p:cNvSpPr>
+            <a:spLocks noGrp="1"/>
+          </p:cNvSpPr>
+          <p:nvPr>
+            <p:ph type="sldNum" sz="quarter" idx="12"/>
+          </p:nvPr>
+        </p:nvSpPr>
+        <p:spPr/>
+        <p:txBody>
+          <a:bodyPr/>
+          <a:lstStyle/>
+          <a:p>
+            <a:fld id="{294A09A9-5501-47C1-A89A-A340965A2BE2}" type="slidenum">
+              <a:rPr lang="it-IT" smtClean="0"/>
+              <a:pPr/>
+              <a:t>4</a:t>
+            </a:fld>
+            <a:endParaRPr lang="it-IT" dirty="0"/>
+          </a:p>
+        </p:txBody>
+      </p:sp>
+    </p:spTree>
+    <p:extLst>
+      <p:ext uri="{BB962C8B-B14F-4D97-AF65-F5344CB8AC3E}">
+        <p14:creationId xmlns:p14="http://schemas.microsoft.com/office/powerpoint/2010/main" val="343753163"/>
+      </p:ext>
+    </p:extLst>
+  </p:cSld>
+  <p:clrMapOvr>
+    <a:masterClrMapping/>
+  </p:clrMapOvr>
+</p:sld>
+</file>
+
 <file path=ppt/slides/slide5.xml><?xml version="1.0" encoding="utf-8"?>
 <p:sld xmlns:a="http://schemas.openxmlformats.org/drawingml/2006/main" xmlns:r="http://schemas.openxmlformats.org/officeDocument/2006/relationships" xmlns:p="http://schemas.openxmlformats.org/presentationml/2006/main">
   <p:cSld>
@@ -13079,7 +18628,7 @@
           <p:cNvPr id="2" name="Titolo 1">
             <a:extLst>
               <a:ext uri="{FF2B5EF4-FFF2-40B4-BE49-F238E27FC236}">
-                <a16:creationId xmlns:a16="http://schemas.microsoft.com/office/drawing/2014/main" id="{979312F5-A241-3BFE-E84B-B36E1CE8FD1F}"/>
+                <a16:creationId xmlns:a16="http://schemas.microsoft.com/office/drawing/2014/main" id="{DDE826F3-B1A9-C6D4-80A2-7CCADFEA9915}"/>
               </a:ext>
             </a:extLst>
           </p:cNvPr>
@@ -13090,29 +18639,24 @@
             <p:ph type="title"/>
           </p:nvPr>
         </p:nvSpPr>
-        <p:spPr>
-          <a:xfrm>
-            <a:off x="594360" y="278129"/>
-            <a:ext cx="9778365" cy="1494596"/>
-          </a:xfrm>
-        </p:spPr>
+        <p:spPr/>
         <p:txBody>
           <a:bodyPr/>
           <a:lstStyle/>
           <a:p>
             <a:r>
               <a:rPr lang="it-IT" dirty="0"/>
-              <a:t>Obbiettivo tesi</a:t>
+              <a:t>Classi ACOM</a:t>
             </a:r>
           </a:p>
         </p:txBody>
       </p:sp>
       <p:sp>
         <p:nvSpPr>
-          <p:cNvPr id="8" name="Segnaposto contenuto 7">
+          <p:cNvPr id="3" name="Segnaposto contenuto 2">
             <a:extLst>
               <a:ext uri="{FF2B5EF4-FFF2-40B4-BE49-F238E27FC236}">
-                <a16:creationId xmlns:a16="http://schemas.microsoft.com/office/drawing/2014/main" id="{E78FEFCE-05EE-692F-66B8-B5ED151C0192}"/>
+                <a16:creationId xmlns:a16="http://schemas.microsoft.com/office/drawing/2014/main" id="{6C2B0DB9-7139-1DD7-2E95-C7135E14C45F}"/>
               </a:ext>
             </a:extLst>
           </p:cNvPr>
@@ -13125,51 +18669,68 @@
         </p:nvSpPr>
         <p:spPr>
           <a:xfrm>
-            <a:off x="594360" y="2676525"/>
-            <a:ext cx="9778365" cy="3597470"/>
+            <a:off x="594361" y="2676525"/>
+            <a:ext cx="2876628" cy="3597470"/>
           </a:xfrm>
         </p:spPr>
         <p:txBody>
-          <a:bodyPr/>
+          <a:bodyPr>
+            <a:normAutofit/>
+          </a:bodyPr>
           <a:lstStyle/>
           <a:p>
-            <a:pPr marL="457200" indent="-457200">
-              <a:buFont typeface="+mj-lt"/>
-              <a:buAutoNum type="arabicPeriod"/>
-            </a:pPr>
+            <a:r>
+              <a:rPr lang="it-IT" sz="1600" b="1" dirty="0"/>
+              <a:t>Osservazione</a:t>
+            </a:r>
+          </a:p>
+          <a:p>
             <a:r>
               <a:rPr lang="it-IT" sz="1600" dirty="0"/>
-              <a:t>Studio IEEE 1103-10206</a:t>
+              <a:t>processo di raccolta, registrazione e trasmissione dei dati clinici di un paziente da parte di un dispositivo </a:t>
             </a:r>
-          </a:p>
-          <a:p>
-            <a:pPr marL="457200" indent="-457200">
-              <a:buFont typeface="+mj-lt"/>
-              <a:buAutoNum type="arabicPeriod"/>
-            </a:pPr>
-            <a:r>
-              <a:rPr lang="it-IT" sz="1600" dirty="0"/>
-              <a:t>Studio FHIR</a:t>
-            </a:r>
-          </a:p>
-          <a:p>
-            <a:pPr marL="457200" indent="-457200">
-              <a:buFont typeface="+mj-lt"/>
-              <a:buAutoNum type="arabicPeriod"/>
-            </a:pPr>
-            <a:r>
-              <a:rPr lang="it-IT" sz="1600" dirty="0"/>
-              <a:t>Sviluppo convertitore </a:t>
-            </a:r>
+            <a:endParaRPr lang="it-IT" sz="1800" dirty="0"/>
           </a:p>
         </p:txBody>
       </p:sp>
+      <p:pic>
+        <p:nvPicPr>
+          <p:cNvPr id="5" name="Picture 3">
+            <a:extLst>
+              <a:ext uri="{FF2B5EF4-FFF2-40B4-BE49-F238E27FC236}">
+                <a16:creationId xmlns:a16="http://schemas.microsoft.com/office/drawing/2014/main" id="{A23B0152-79D8-1C18-2C94-378197C74368}"/>
+              </a:ext>
+            </a:extLst>
+          </p:cNvPr>
+          <p:cNvPicPr>
+            <a:picLocks noGrp="1" noChangeAspect="1"/>
+          </p:cNvPicPr>
+          <p:nvPr>
+            <p:ph sz="quarter" idx="16"/>
+          </p:nvPr>
+        </p:nvPicPr>
+        <p:blipFill>
+          <a:blip r:embed="rId2"/>
+          <a:stretch>
+            <a:fillRect/>
+          </a:stretch>
+        </p:blipFill>
+        <p:spPr>
+          <a:xfrm>
+            <a:off x="3597215" y="2116705"/>
+            <a:ext cx="6559508" cy="4212433"/>
+          </a:xfrm>
+          <a:prstGeom prst="rect">
+            <a:avLst/>
+          </a:prstGeom>
+        </p:spPr>
+      </p:pic>
       <p:sp>
         <p:nvSpPr>
-          <p:cNvPr id="5" name="Segnaposto numero diapositiva 4">
+          <p:cNvPr id="4" name="Segnaposto numero diapositiva 3">
             <a:extLst>
               <a:ext uri="{FF2B5EF4-FFF2-40B4-BE49-F238E27FC236}">
-                <a16:creationId xmlns:a16="http://schemas.microsoft.com/office/drawing/2014/main" id="{C639AE6C-4A86-993D-11B4-5994747B919B}"/>
+                <a16:creationId xmlns:a16="http://schemas.microsoft.com/office/drawing/2014/main" id="{94D13361-0EF9-915F-7A6E-78D0881CF188}"/>
               </a:ext>
             </a:extLst>
           </p:cNvPr>
@@ -13180,29 +18741,27 @@
             <p:ph type="sldNum" sz="quarter" idx="12"/>
           </p:nvPr>
         </p:nvSpPr>
-        <p:spPr>
-          <a:xfrm>
-            <a:off x="594360" y="6332220"/>
-            <a:ext cx="523240" cy="247651"/>
-          </a:xfrm>
-        </p:spPr>
+        <p:spPr/>
         <p:txBody>
           <a:bodyPr/>
           <a:lstStyle/>
           <a:p>
+            <a:pPr rtl="0"/>
             <a:fld id="{294A09A9-5501-47C1-A89A-A340965A2BE2}" type="slidenum">
               <a:rPr lang="it-IT" smtClean="0"/>
-              <a:pPr/>
+              <a:pPr rtl="0"/>
               <a:t>5</a:t>
             </a:fld>
-            <a:endParaRPr lang="it-IT" dirty="0"/>
+            <a:endParaRPr lang="it-IT" dirty="0">
+              <a:latin typeface="+mn-lt"/>
+            </a:endParaRPr>
           </a:p>
         </p:txBody>
       </p:sp>
     </p:spTree>
     <p:extLst>
       <p:ext uri="{BB962C8B-B14F-4D97-AF65-F5344CB8AC3E}">
-        <p14:creationId xmlns:p14="http://schemas.microsoft.com/office/powerpoint/2010/main" val="343753163"/>
+        <p14:creationId xmlns:p14="http://schemas.microsoft.com/office/powerpoint/2010/main" val="555919634"/>
       </p:ext>
     </p:extLst>
   </p:cSld>
@@ -13245,81 +18804,31 @@
             <p:ph type="title"/>
           </p:nvPr>
         </p:nvSpPr>
-        <p:spPr/>
-        <p:txBody>
-          <a:bodyPr/>
-          <a:lstStyle/>
-          <a:p>
-            <a:r>
-              <a:rPr lang="it-IT" dirty="0"/>
-              <a:t>Osservazioni ACOM</a:t>
-            </a:r>
-          </a:p>
-        </p:txBody>
-      </p:sp>
-      <p:sp>
-        <p:nvSpPr>
-          <p:cNvPr id="3" name="Segnaposto contenuto 2">
-            <a:extLst>
-              <a:ext uri="{FF2B5EF4-FFF2-40B4-BE49-F238E27FC236}">
-                <a16:creationId xmlns:a16="http://schemas.microsoft.com/office/drawing/2014/main" id="{6C2B0DB9-7139-1DD7-2E95-C7135E14C45F}"/>
-              </a:ext>
-            </a:extLst>
-          </p:cNvPr>
-          <p:cNvSpPr>
-            <a:spLocks noGrp="1"/>
-          </p:cNvSpPr>
-          <p:nvPr>
-            <p:ph sz="quarter" idx="15"/>
-          </p:nvPr>
-        </p:nvSpPr>
         <p:spPr>
           <a:xfrm>
-            <a:off x="594360" y="2676525"/>
-            <a:ext cx="3002855" cy="3597470"/>
+            <a:off x="594360" y="198409"/>
+            <a:ext cx="10972800" cy="1238506"/>
           </a:xfrm>
         </p:spPr>
         <p:txBody>
-          <a:bodyPr>
+          <a:bodyPr anchor="b">
             <a:normAutofit/>
           </a:bodyPr>
           <a:lstStyle/>
           <a:p>
-            <a:pPr marL="285750" indent="-285750">
-              <a:buFont typeface="Arial" panose="020B0604020202020204" pitchFamily="34" charset="0"/>
-              <a:buChar char="•"/>
-            </a:pPr>
             <a:r>
-              <a:rPr lang="it-IT" sz="1600" dirty="0"/>
-              <a:t>ACOM definisce un insieme di classi che modellano i diversi tipi di </a:t>
-            </a:r>
-            <a:r>
-              <a:rPr lang="it-IT" sz="1600" b="1" dirty="0"/>
-              <a:t>osservazioni</a:t>
-            </a:r>
-            <a:r>
-              <a:rPr lang="it-IT" sz="1600" dirty="0"/>
-              <a:t> che i dispositivi di salute personale possono creare.</a:t>
-            </a:r>
-          </a:p>
-          <a:p>
-            <a:pPr marL="285750" indent="-285750">
-              <a:buFont typeface="Arial" panose="020B0604020202020204" pitchFamily="34" charset="0"/>
-              <a:buChar char="•"/>
-            </a:pPr>
-            <a:r>
-              <a:rPr lang="it-IT" sz="1600" dirty="0"/>
-              <a:t>Questa base permette lo sviluppo di specializzazioni</a:t>
+              <a:rPr lang="it-IT" dirty="0"/>
+              <a:t>Risorsa FHIR</a:t>
             </a:r>
           </a:p>
         </p:txBody>
       </p:sp>
       <p:pic>
         <p:nvPicPr>
-          <p:cNvPr id="5" name="Picture 3">
+          <p:cNvPr id="17" name="Segnaposto contenuto 16">
             <a:extLst>
               <a:ext uri="{FF2B5EF4-FFF2-40B4-BE49-F238E27FC236}">
-                <a16:creationId xmlns:a16="http://schemas.microsoft.com/office/drawing/2014/main" id="{A23B0152-79D8-1C18-2C94-378197C74368}"/>
+                <a16:creationId xmlns:a16="http://schemas.microsoft.com/office/drawing/2014/main" id="{D5A9DB59-8C35-F698-5FE0-A1E13E61A5D7}"/>
               </a:ext>
             </a:extLst>
           </p:cNvPr>
@@ -13327,23 +18836,25 @@
             <a:picLocks noGrp="1" noChangeAspect="1"/>
           </p:cNvPicPr>
           <p:nvPr>
-            <p:ph sz="quarter" idx="16"/>
+            <p:ph sz="quarter" idx="13"/>
           </p:nvPr>
         </p:nvPicPr>
         <p:blipFill>
-          <a:blip r:embed="rId2"/>
-          <a:stretch>
-            <a:fillRect/>
-          </a:stretch>
+          <a:blip r:embed="rId2">
+            <a:extLst>
+              <a:ext uri="{28A0092B-C50C-407E-A947-70E740481C1C}">
+                <a14:useLocalDpi xmlns:a14="http://schemas.microsoft.com/office/drawing/2010/main" val="0"/>
+              </a:ext>
+            </a:extLst>
+          </a:blip>
+          <a:stretch/>
         </p:blipFill>
         <p:spPr>
           <a:xfrm>
-            <a:off x="3842966" y="2097241"/>
-            <a:ext cx="6980253" cy="4482630"/>
+            <a:off x="3694253" y="1949033"/>
+            <a:ext cx="4803493" cy="4383187"/>
           </a:xfrm>
-          <a:prstGeom prst="rect">
-            <a:avLst/>
-          </a:prstGeom>
+          <a:noFill/>
         </p:spPr>
       </p:pic>
       <p:sp>
@@ -13364,25 +18875,33 @@
         </p:nvSpPr>
         <p:spPr/>
         <p:txBody>
-          <a:bodyPr/>
+          <a:bodyPr anchor="t">
+            <a:normAutofit/>
+          </a:bodyPr>
           <a:lstStyle/>
           <a:p>
-            <a:pPr rtl="0"/>
+            <a:pPr rtl="0">
+              <a:spcAft>
+                <a:spcPts val="600"/>
+              </a:spcAft>
+            </a:pPr>
             <a:fld id="{294A09A9-5501-47C1-A89A-A340965A2BE2}" type="slidenum">
               <a:rPr lang="it-IT" smtClean="0"/>
-              <a:pPr rtl="0"/>
+              <a:pPr rtl="0">
+                <a:spcAft>
+                  <a:spcPts val="600"/>
+                </a:spcAft>
+              </a:pPr>
               <a:t>6</a:t>
             </a:fld>
-            <a:endParaRPr lang="it-IT" dirty="0">
-              <a:latin typeface="+mn-lt"/>
-            </a:endParaRPr>
+            <a:endParaRPr lang="it-IT"/>
           </a:p>
         </p:txBody>
       </p:sp>
     </p:spTree>
     <p:extLst>
       <p:ext uri="{BB962C8B-B14F-4D97-AF65-F5344CB8AC3E}">
-        <p14:creationId xmlns:p14="http://schemas.microsoft.com/office/powerpoint/2010/main" val="555919634"/>
+        <p14:creationId xmlns:p14="http://schemas.microsoft.com/office/powerpoint/2010/main" val="1371659115"/>
       </p:ext>
     </p:extLst>
   </p:cSld>
@@ -13427,50 +18946,12 @@
         </p:nvSpPr>
         <p:spPr>
           <a:xfrm>
-            <a:off x="594360" y="278129"/>
-            <a:ext cx="9778365" cy="1494596"/>
+            <a:off x="594360" y="198408"/>
+            <a:ext cx="10972800" cy="1539395"/>
           </a:xfrm>
         </p:spPr>
         <p:txBody>
-          <a:bodyPr rtlCol="0"/>
-          <a:lstStyle>
-            <a:defPPr>
-              <a:defRPr lang="it-IT"/>
-            </a:defPPr>
-          </a:lstStyle>
-          <a:p>
-            <a:pPr rtl="0"/>
-            <a:r>
-              <a:rPr lang="it-IT" dirty="0"/>
-              <a:t>Mappatura da ACOM a FHIR</a:t>
-            </a:r>
-          </a:p>
-        </p:txBody>
-      </p:sp>
-      <p:sp>
-        <p:nvSpPr>
-          <p:cNvPr id="3" name="Segnaposto contenuto 2">
-            <a:extLst>
-              <a:ext uri="{FF2B5EF4-FFF2-40B4-BE49-F238E27FC236}">
-                <a16:creationId xmlns:a16="http://schemas.microsoft.com/office/drawing/2014/main" id="{DB097449-5B72-ADA0-3B2D-1CBC160D6B90}"/>
-              </a:ext>
-            </a:extLst>
-          </p:cNvPr>
-          <p:cNvSpPr>
-            <a:spLocks noGrp="1"/>
-          </p:cNvSpPr>
-          <p:nvPr>
-            <p:ph sz="quarter" idx="15"/>
-          </p:nvPr>
-        </p:nvSpPr>
-        <p:spPr>
-          <a:xfrm>
-            <a:off x="594361" y="2676525"/>
-            <a:ext cx="3035247" cy="3597470"/>
-          </a:xfrm>
-        </p:spPr>
-        <p:txBody>
-          <a:bodyPr rtlCol="0">
+          <a:bodyPr rtlCol="0" anchor="ctr">
             <a:normAutofit/>
           </a:bodyPr>
           <a:lstStyle>
@@ -13481,817 +18962,220 @@
           <a:p>
             <a:pPr rtl="0"/>
             <a:r>
-              <a:rPr lang="it-IT" sz="1600" dirty="0">
-                <a:sym typeface="Wingdings" panose="05000000000000000000" pitchFamily="2" charset="2"/>
-              </a:rPr>
-              <a:t>Nel progetto di tesi è stato sviluppato un convertitore in grado di convertire le specifiche IEEE 11073-10408 </a:t>
-            </a:r>
-            <a:r>
-              <a:rPr lang="it-IT" sz="1600" b="1" dirty="0">
-                <a:sym typeface="Wingdings" panose="05000000000000000000" pitchFamily="2" charset="2"/>
-              </a:rPr>
-              <a:t>Termometro</a:t>
-            </a:r>
-            <a:r>
-              <a:rPr lang="it-IT" sz="1600" dirty="0">
-                <a:sym typeface="Wingdings" panose="05000000000000000000" pitchFamily="2" charset="2"/>
-              </a:rPr>
-              <a:t> e IEEE 11073-10415 </a:t>
-            </a:r>
-            <a:r>
-              <a:rPr lang="it-IT" sz="1600" b="1" dirty="0">
-                <a:sym typeface="Wingdings" panose="05000000000000000000" pitchFamily="2" charset="2"/>
-              </a:rPr>
-              <a:t>Bilancia</a:t>
+              <a:rPr lang="it-IT" dirty="0"/>
+              <a:t>Mappatura da ACOM a FHIR</a:t>
             </a:r>
           </a:p>
         </p:txBody>
       </p:sp>
-      <p:graphicFrame>
-        <p:nvGraphicFramePr>
-          <p:cNvPr id="5" name="Table 4">
-            <a:extLst>
-              <a:ext uri="{FF2B5EF4-FFF2-40B4-BE49-F238E27FC236}">
-                <a16:creationId xmlns:a16="http://schemas.microsoft.com/office/drawing/2014/main" id="{53ADB8C0-B7A5-CE30-62C8-79A827F7A094}"/>
-              </a:ext>
-            </a:extLst>
-          </p:cNvPr>
-          <p:cNvGraphicFramePr>
-            <a:graphicFrameLocks noGrp="1"/>
-          </p:cNvGraphicFramePr>
-          <p:nvPr>
-            <p:extLst>
-              <p:ext uri="{D42A27DB-BD31-4B8C-83A1-F6EECF244321}">
-                <p14:modId xmlns:p14="http://schemas.microsoft.com/office/powerpoint/2010/main" val="1836332384"/>
-              </p:ext>
-            </p:extLst>
-          </p:nvPr>
-        </p:nvGraphicFramePr>
-        <p:xfrm>
-          <a:off x="3890867" y="2217510"/>
-          <a:ext cx="6937748" cy="4362361"/>
-        </p:xfrm>
-        <a:graphic>
-          <a:graphicData uri="http://schemas.openxmlformats.org/drawingml/2006/table">
-            <a:tbl>
-              <a:tblPr firstRow="1" bandRow="1">
-                <a:tableStyleId>{5C22544A-7EE6-4342-B048-85BDC9FD1C3A}</a:tableStyleId>
-              </a:tblPr>
-              <a:tblGrid>
-                <a:gridCol w="1715801">
-                  <a:extLst>
-                    <a:ext uri="{9D8B030D-6E8A-4147-A177-3AD203B41FA5}">
-                      <a16:colId xmlns:a16="http://schemas.microsoft.com/office/drawing/2014/main" val="20000"/>
-                    </a:ext>
-                  </a:extLst>
-                </a:gridCol>
-                <a:gridCol w="2405136">
-                  <a:extLst>
-                    <a:ext uri="{9D8B030D-6E8A-4147-A177-3AD203B41FA5}">
-                      <a16:colId xmlns:a16="http://schemas.microsoft.com/office/drawing/2014/main" val="20001"/>
-                    </a:ext>
-                  </a:extLst>
-                </a:gridCol>
-                <a:gridCol w="2816811">
-                  <a:extLst>
-                    <a:ext uri="{9D8B030D-6E8A-4147-A177-3AD203B41FA5}">
-                      <a16:colId xmlns:a16="http://schemas.microsoft.com/office/drawing/2014/main" val="4235085973"/>
-                    </a:ext>
-                  </a:extLst>
-                </a:gridCol>
-              </a:tblGrid>
-              <a:tr h="549840">
-                <a:tc>
-                  <a:txBody>
-                    <a:bodyPr/>
-                    <a:lstStyle/>
-                    <a:p>
-                      <a:r>
-                        <a:rPr lang="it-IT" sz="1200" noProof="0" dirty="0"/>
-                        <a:t>Attributo</a:t>
-                      </a:r>
-                      <a:r>
-                        <a:rPr lang="en-US" sz="1200" dirty="0"/>
-                        <a:t> </a:t>
-                      </a:r>
-                    </a:p>
-                    <a:p>
-                      <a:r>
-                        <a:rPr lang="it-IT" sz="1200" noProof="0" dirty="0"/>
-                        <a:t>osservazione</a:t>
-                      </a:r>
-                    </a:p>
-                    <a:p>
-                      <a:r>
-                        <a:rPr lang="en-US" sz="1200" dirty="0"/>
-                        <a:t>ACOM</a:t>
-                      </a:r>
-                    </a:p>
-                  </a:txBody>
-                  <a:tcPr marL="55443" marR="55443" marT="27722" marB="27722" anchor="ctr"/>
-                </a:tc>
-                <a:tc>
-                  <a:txBody>
-                    <a:bodyPr/>
-                    <a:lstStyle/>
-                    <a:p>
-                      <a:r>
-                        <a:rPr lang="en-US" sz="1200" dirty="0"/>
-                        <a:t>Valore</a:t>
-                      </a:r>
-                    </a:p>
-                  </a:txBody>
-                  <a:tcPr marL="55443" marR="55443" marT="27722" marB="27722" anchor="ctr"/>
-                </a:tc>
-                <a:tc>
-                  <a:txBody>
-                    <a:bodyPr/>
-                    <a:lstStyle/>
-                    <a:p>
-                      <a:r>
-                        <a:rPr lang="en-US" sz="1200" dirty="0" err="1"/>
-                        <a:t>Attributi</a:t>
-                      </a:r>
-                      <a:r>
-                        <a:rPr lang="en-US" sz="1200" dirty="0"/>
-                        <a:t> e </a:t>
-                      </a:r>
-                      <a:r>
-                        <a:rPr lang="en-US" sz="1200" dirty="0" err="1"/>
-                        <a:t>valori</a:t>
-                      </a:r>
-                      <a:r>
-                        <a:rPr lang="en-US" sz="1200" dirty="0"/>
-                        <a:t> </a:t>
-                      </a:r>
-                      <a:r>
-                        <a:rPr lang="en-US" sz="1200" dirty="0" err="1"/>
-                        <a:t>osservazione</a:t>
-                      </a:r>
-                      <a:r>
-                        <a:rPr lang="en-US" sz="1200" dirty="0"/>
-                        <a:t> FHIR</a:t>
-                      </a:r>
-                    </a:p>
-                  </a:txBody>
-                  <a:tcPr marL="55443" marR="55443" marT="27722" marB="27722" anchor="ctr"/>
-                </a:tc>
-                <a:extLst>
-                  <a:ext uri="{0D108BD9-81ED-4DB2-BD59-A6C34878D82A}">
-                    <a16:rowId xmlns:a16="http://schemas.microsoft.com/office/drawing/2014/main" val="10000"/>
-                  </a:ext>
-                </a:extLst>
-              </a:tr>
-              <a:tr h="432267">
-                <a:tc>
-                  <a:txBody>
-                    <a:bodyPr/>
-                    <a:lstStyle/>
-                    <a:p>
-                      <a:r>
-                        <a:rPr lang="en-US" sz="1200"/>
-                        <a:t>Object</a:t>
-                      </a:r>
-                    </a:p>
-                  </a:txBody>
-                  <a:tcPr marL="55443" marR="55443" marT="27722" marB="27722" anchor="ctr"/>
-                </a:tc>
-                <a:tc>
-                  <a:txBody>
-                    <a:bodyPr/>
-                    <a:lstStyle/>
-                    <a:p>
-                      <a:r>
-                        <a:rPr lang="en-US" sz="1200" dirty="0"/>
-                        <a:t>Numeric Observation</a:t>
-                      </a:r>
-                    </a:p>
-                  </a:txBody>
-                  <a:tcPr marL="55443" marR="55443" marT="27722" marB="27722" anchor="ctr"/>
-                </a:tc>
-                <a:tc>
-                  <a:txBody>
-                    <a:bodyPr/>
-                    <a:lstStyle/>
-                    <a:p>
-                      <a:r>
-                        <a:rPr lang="en-US" sz="1200" dirty="0"/>
-                        <a:t>{</a:t>
-                      </a:r>
-                    </a:p>
-                    <a:p>
-                      <a:r>
-                        <a:rPr lang="en-US" sz="1200" dirty="0"/>
-                        <a:t>“</a:t>
-                      </a:r>
-                      <a:r>
-                        <a:rPr lang="en-US" sz="1200" dirty="0" err="1"/>
-                        <a:t>resourceType</a:t>
-                      </a:r>
-                      <a:r>
-                        <a:rPr lang="en-US" sz="1200" dirty="0"/>
-                        <a:t>”: “Observation”,</a:t>
-                      </a:r>
-                    </a:p>
-                  </a:txBody>
-                  <a:tcPr marL="55443" marR="55443" marT="27722" marB="27722" anchor="ctr"/>
-                </a:tc>
-                <a:extLst>
-                  <a:ext uri="{0D108BD9-81ED-4DB2-BD59-A6C34878D82A}">
-                    <a16:rowId xmlns:a16="http://schemas.microsoft.com/office/drawing/2014/main" val="3422855056"/>
-                  </a:ext>
-                </a:extLst>
-              </a:tr>
-              <a:tr h="1049214">
-                <a:tc>
-                  <a:txBody>
-                    <a:bodyPr/>
-                    <a:lstStyle/>
-                    <a:p>
-                      <a:r>
-                        <a:rPr lang="en-US" sz="1200" dirty="0"/>
-                        <a:t>Type</a:t>
-                      </a:r>
-                    </a:p>
-                  </a:txBody>
-                  <a:tcPr marL="55443" marR="55443" marT="27722" marB="27722" anchor="ctr"/>
-                </a:tc>
-                <a:tc>
-                  <a:txBody>
-                    <a:bodyPr/>
-                    <a:lstStyle/>
-                    <a:p>
-                      <a:pPr marL="0" algn="l" defTabSz="914400" rtl="0" eaLnBrk="1" latinLnBrk="0" hangingPunct="1"/>
-                      <a:r>
-                        <a:rPr lang="it-IT" sz="1200" kern="1200" dirty="0">
-                          <a:solidFill>
-                            <a:schemeClr val="dk1"/>
-                          </a:solidFill>
-                          <a:latin typeface="+mn-lt"/>
-                          <a:ea typeface="+mn-ea"/>
-                          <a:cs typeface="+mn-cs"/>
-                        </a:rPr>
-                        <a:t>MDC_TEMP_BODY</a:t>
-                      </a:r>
-                    </a:p>
-                  </a:txBody>
-                  <a:tcPr marL="55443" marR="55443" marT="27722" marB="27722" anchor="ctr"/>
-                </a:tc>
-                <a:tc>
-                  <a:txBody>
-                    <a:bodyPr/>
-                    <a:lstStyle/>
-                    <a:p>
-                      <a:pPr marL="0" algn="l" defTabSz="914400" rtl="0" eaLnBrk="1" latinLnBrk="0" hangingPunct="1"/>
-                      <a:r>
-                        <a:rPr lang="en-US" sz="1800" b="0" kern="1200" dirty="0">
-                          <a:solidFill>
-                            <a:schemeClr val="dk1"/>
-                          </a:solidFill>
-                          <a:effectLst/>
-                          <a:latin typeface="+mn-lt"/>
-                          <a:ea typeface="+mn-ea"/>
-                          <a:cs typeface="+mn-cs"/>
-                        </a:rPr>
-                        <a:t>"</a:t>
-                      </a:r>
-                      <a:r>
-                        <a:rPr lang="en-US" sz="1200" kern="1200" dirty="0">
-                          <a:solidFill>
-                            <a:schemeClr val="dk1"/>
-                          </a:solidFill>
-                          <a:latin typeface="+mn-lt"/>
-                          <a:ea typeface="+mn-ea"/>
-                          <a:cs typeface="+mn-cs"/>
-                        </a:rPr>
-                        <a:t>code": {"coding": [{</a:t>
-                      </a:r>
-                    </a:p>
-                    <a:p>
-                      <a:pPr marL="0" algn="l" defTabSz="914400" rtl="0" eaLnBrk="1" latinLnBrk="0" hangingPunct="1"/>
-                      <a:r>
-                        <a:rPr lang="en-US" sz="1200" kern="1200" dirty="0">
-                          <a:solidFill>
-                            <a:schemeClr val="dk1"/>
-                          </a:solidFill>
-                          <a:latin typeface="+mn-lt"/>
-                          <a:ea typeface="+mn-ea"/>
-                          <a:cs typeface="+mn-cs"/>
-                        </a:rPr>
-                        <a:t>            "system": "http://loinc.org",</a:t>
-                      </a:r>
-                    </a:p>
-                    <a:p>
-                      <a:pPr marL="0" algn="l" defTabSz="914400" rtl="0" eaLnBrk="1" latinLnBrk="0" hangingPunct="1"/>
-                      <a:r>
-                        <a:rPr lang="en-US" sz="1200" kern="1200" dirty="0">
-                          <a:solidFill>
-                            <a:schemeClr val="dk1"/>
-                          </a:solidFill>
-                          <a:latin typeface="+mn-lt"/>
-                          <a:ea typeface="+mn-ea"/>
-                          <a:cs typeface="+mn-cs"/>
-                        </a:rPr>
-                        <a:t>            "code": "8310-5",</a:t>
-                      </a:r>
-                    </a:p>
-                    <a:p>
-                      <a:pPr marL="0" algn="l" defTabSz="914400" rtl="0" eaLnBrk="1" latinLnBrk="0" hangingPunct="1"/>
-                      <a:r>
-                        <a:rPr lang="en-US" sz="1200" kern="1200" dirty="0">
-                          <a:solidFill>
-                            <a:schemeClr val="dk1"/>
-                          </a:solidFill>
-                          <a:latin typeface="+mn-lt"/>
-                          <a:ea typeface="+mn-ea"/>
-                          <a:cs typeface="+mn-cs"/>
-                        </a:rPr>
-                        <a:t>            "display": "Body temperature“}],</a:t>
-                      </a:r>
-                    </a:p>
-                    <a:p>
-                      <a:pPr marL="0" algn="l" defTabSz="914400" rtl="0" eaLnBrk="1" latinLnBrk="0" hangingPunct="1"/>
-                      <a:r>
-                        <a:rPr lang="en-US" sz="1200" kern="1200" dirty="0">
-                          <a:solidFill>
-                            <a:schemeClr val="dk1"/>
-                          </a:solidFill>
-                          <a:latin typeface="+mn-lt"/>
-                          <a:ea typeface="+mn-ea"/>
-                          <a:cs typeface="+mn-cs"/>
-                        </a:rPr>
-                        <a:t>            "text": "Body temperature"</a:t>
-                      </a:r>
-                    </a:p>
-                    <a:p>
-                      <a:pPr marL="0" algn="l" defTabSz="914400" rtl="0" eaLnBrk="1" latinLnBrk="0" hangingPunct="1"/>
-                      <a:r>
-                        <a:rPr lang="en-US" sz="1200" kern="1200" dirty="0">
-                          <a:solidFill>
-                            <a:schemeClr val="dk1"/>
-                          </a:solidFill>
-                          <a:latin typeface="+mn-lt"/>
-                          <a:ea typeface="+mn-ea"/>
-                          <a:cs typeface="+mn-cs"/>
-                        </a:rPr>
-                        <a:t>        },</a:t>
-                      </a:r>
-                    </a:p>
-                  </a:txBody>
-                  <a:tcPr marL="55443" marR="55443" marT="27722" marB="27722" anchor="ctr"/>
-                </a:tc>
-                <a:extLst>
-                  <a:ext uri="{0D108BD9-81ED-4DB2-BD59-A6C34878D82A}">
-                    <a16:rowId xmlns:a16="http://schemas.microsoft.com/office/drawing/2014/main" val="10001"/>
-                  </a:ext>
-                </a:extLst>
-              </a:tr>
-              <a:tr h="555304">
-                <a:tc>
-                  <a:txBody>
-                    <a:bodyPr/>
-                    <a:lstStyle/>
-                    <a:p>
-                      <a:pPr marL="0" algn="l" defTabSz="914400" rtl="0" eaLnBrk="1" latinLnBrk="0" hangingPunct="1"/>
-                      <a:r>
-                        <a:rPr lang="en-US" sz="1200" kern="1200" dirty="0"/>
-                        <a:t>Unit Code </a:t>
-                      </a:r>
-                      <a:endParaRPr lang="en-US" sz="1200" kern="1200" dirty="0">
-                        <a:solidFill>
-                          <a:schemeClr val="dk1"/>
-                        </a:solidFill>
-                        <a:latin typeface="+mn-lt"/>
-                        <a:ea typeface="+mn-ea"/>
-                        <a:cs typeface="+mn-cs"/>
-                      </a:endParaRPr>
-                    </a:p>
-                  </a:txBody>
-                  <a:tcPr marL="55443" marR="55443" marT="27722" marB="27722" anchor="ctr"/>
-                </a:tc>
-                <a:tc>
-                  <a:txBody>
-                    <a:bodyPr/>
-                    <a:lstStyle/>
-                    <a:p>
-                      <a:pPr marL="0" marR="0" lvl="0" indent="0" algn="l" defTabSz="914400" rtl="0" eaLnBrk="1" fontAlgn="auto" latinLnBrk="0" hangingPunct="1">
-                        <a:lnSpc>
-                          <a:spcPct val="100000"/>
-                        </a:lnSpc>
-                        <a:spcBef>
-                          <a:spcPts val="0"/>
-                        </a:spcBef>
-                        <a:spcAft>
-                          <a:spcPts val="0"/>
-                        </a:spcAft>
-                        <a:buClrTx/>
-                        <a:buSzTx/>
-                        <a:buFontTx/>
-                        <a:buNone/>
-                        <a:tabLst/>
-                        <a:defRPr/>
-                      </a:pPr>
-                      <a:r>
-                        <a:rPr lang="it-IT" sz="1200" kern="1200" dirty="0">
-                          <a:solidFill>
-                            <a:schemeClr val="dk1"/>
-                          </a:solidFill>
-                          <a:latin typeface="+mn-lt"/>
-                          <a:ea typeface="+mn-ea"/>
-                          <a:cs typeface="+mn-cs"/>
-                        </a:rPr>
-                        <a:t>MDC_DIM_DEGC</a:t>
-                      </a:r>
-                    </a:p>
-                    <a:p>
-                      <a:endParaRPr lang="it-IT" sz="1200" kern="1200" dirty="0">
-                        <a:solidFill>
-                          <a:schemeClr val="dk1"/>
-                        </a:solidFill>
-                        <a:latin typeface="+mn-lt"/>
-                        <a:ea typeface="+mn-ea"/>
-                        <a:cs typeface="+mn-cs"/>
-                      </a:endParaRPr>
-                    </a:p>
-                  </a:txBody>
-                  <a:tcPr marL="55443" marR="55443" marT="27722" marB="27722" anchor="ctr"/>
-                </a:tc>
-                <a:tc rowSpan="2">
-                  <a:txBody>
-                    <a:bodyPr/>
-                    <a:lstStyle/>
-                    <a:p>
-                      <a:r>
-                        <a:rPr lang="it-IT" sz="1800" b="0" kern="1200" dirty="0">
-                          <a:solidFill>
-                            <a:schemeClr val="dk1"/>
-                          </a:solidFill>
-                          <a:effectLst/>
-                          <a:latin typeface="+mn-lt"/>
-                          <a:ea typeface="+mn-ea"/>
-                          <a:cs typeface="+mn-cs"/>
-                        </a:rPr>
-                        <a:t> </a:t>
-                      </a:r>
-                      <a:r>
-                        <a:rPr lang="it-IT" sz="1200" kern="1200" dirty="0">
-                          <a:solidFill>
-                            <a:schemeClr val="dk1"/>
-                          </a:solidFill>
-                          <a:latin typeface="+mn-lt"/>
-                          <a:ea typeface="+mn-ea"/>
-                          <a:cs typeface="+mn-cs"/>
-                        </a:rPr>
-                        <a:t>"</a:t>
-                      </a:r>
-                      <a:r>
-                        <a:rPr lang="it-IT" sz="1200" kern="1200" dirty="0" err="1">
-                          <a:solidFill>
-                            <a:schemeClr val="dk1"/>
-                          </a:solidFill>
-                          <a:latin typeface="+mn-lt"/>
-                          <a:ea typeface="+mn-ea"/>
-                          <a:cs typeface="+mn-cs"/>
-                        </a:rPr>
-                        <a:t>valueQuantity</a:t>
-                      </a:r>
-                      <a:r>
-                        <a:rPr lang="it-IT" sz="1200" kern="1200" dirty="0">
-                          <a:solidFill>
-                            <a:schemeClr val="dk1"/>
-                          </a:solidFill>
-                          <a:latin typeface="+mn-lt"/>
-                          <a:ea typeface="+mn-ea"/>
-                          <a:cs typeface="+mn-cs"/>
-                        </a:rPr>
-                        <a:t>": {</a:t>
-                      </a:r>
-                    </a:p>
-                    <a:p>
-                      <a:r>
-                        <a:rPr lang="it-IT" sz="1200" kern="1200" dirty="0">
-                          <a:solidFill>
-                            <a:schemeClr val="dk1"/>
-                          </a:solidFill>
-                          <a:latin typeface="+mn-lt"/>
-                          <a:ea typeface="+mn-ea"/>
-                          <a:cs typeface="+mn-cs"/>
-                        </a:rPr>
-                        <a:t>            "</a:t>
-                      </a:r>
-                      <a:r>
-                        <a:rPr lang="it-IT" sz="1200" kern="1200" dirty="0" err="1">
-                          <a:solidFill>
-                            <a:schemeClr val="dk1"/>
-                          </a:solidFill>
-                          <a:latin typeface="+mn-lt"/>
-                          <a:ea typeface="+mn-ea"/>
-                          <a:cs typeface="+mn-cs"/>
-                        </a:rPr>
-                        <a:t>value</a:t>
-                      </a:r>
-                      <a:r>
-                        <a:rPr lang="it-IT" sz="1200" kern="1200" dirty="0">
-                          <a:solidFill>
-                            <a:schemeClr val="dk1"/>
-                          </a:solidFill>
-                          <a:latin typeface="+mn-lt"/>
-                          <a:ea typeface="+mn-ea"/>
-                          <a:cs typeface="+mn-cs"/>
-                        </a:rPr>
-                        <a:t>": 36.5,</a:t>
-                      </a:r>
-                    </a:p>
-                    <a:p>
-                      <a:r>
-                        <a:rPr lang="it-IT" sz="1200" kern="1200" dirty="0">
-                          <a:solidFill>
-                            <a:schemeClr val="dk1"/>
-                          </a:solidFill>
-                          <a:latin typeface="+mn-lt"/>
-                          <a:ea typeface="+mn-ea"/>
-                          <a:cs typeface="+mn-cs"/>
-                        </a:rPr>
-                        <a:t>            "</a:t>
-                      </a:r>
-                      <a:r>
-                        <a:rPr lang="it-IT" sz="1200" kern="1200" dirty="0" err="1">
-                          <a:solidFill>
-                            <a:schemeClr val="dk1"/>
-                          </a:solidFill>
-                          <a:latin typeface="+mn-lt"/>
-                          <a:ea typeface="+mn-ea"/>
-                          <a:cs typeface="+mn-cs"/>
-                        </a:rPr>
-                        <a:t>unit</a:t>
-                      </a:r>
-                      <a:r>
-                        <a:rPr lang="it-IT" sz="1200" kern="1200" dirty="0">
-                          <a:solidFill>
-                            <a:schemeClr val="dk1"/>
-                          </a:solidFill>
-                          <a:latin typeface="+mn-lt"/>
-                          <a:ea typeface="+mn-ea"/>
-                          <a:cs typeface="+mn-cs"/>
-                        </a:rPr>
-                        <a:t>": "C",</a:t>
-                      </a:r>
-                    </a:p>
-                    <a:p>
-                      <a:r>
-                        <a:rPr lang="it-IT" sz="1200" kern="1200" dirty="0">
-                          <a:solidFill>
-                            <a:schemeClr val="dk1"/>
-                          </a:solidFill>
-                          <a:latin typeface="+mn-lt"/>
-                          <a:ea typeface="+mn-ea"/>
-                          <a:cs typeface="+mn-cs"/>
-                        </a:rPr>
-                        <a:t>            "system": "http://unitsofmeasure.org",</a:t>
-                      </a:r>
-                    </a:p>
-                    <a:p>
-                      <a:r>
-                        <a:rPr lang="it-IT" sz="1200" kern="1200" dirty="0">
-                          <a:solidFill>
-                            <a:schemeClr val="dk1"/>
-                          </a:solidFill>
-                          <a:latin typeface="+mn-lt"/>
-                          <a:ea typeface="+mn-ea"/>
-                          <a:cs typeface="+mn-cs"/>
-                        </a:rPr>
-                        <a:t>            "code": "Cel"</a:t>
-                      </a:r>
-                    </a:p>
-                    <a:p>
-                      <a:r>
-                        <a:rPr lang="it-IT" sz="1200" kern="1200" dirty="0">
-                          <a:solidFill>
-                            <a:schemeClr val="dk1"/>
-                          </a:solidFill>
-                          <a:latin typeface="+mn-lt"/>
-                          <a:ea typeface="+mn-ea"/>
-                          <a:cs typeface="+mn-cs"/>
-                        </a:rPr>
-                        <a:t>        }</a:t>
-                      </a:r>
-                      <a:r>
-                        <a:rPr lang="en-US" sz="1200" kern="1200" dirty="0">
-                          <a:solidFill>
-                            <a:schemeClr val="dk1"/>
-                          </a:solidFill>
-                          <a:latin typeface="+mn-lt"/>
-                          <a:ea typeface="+mn-ea"/>
-                          <a:cs typeface="+mn-cs"/>
-                        </a:rPr>
-                        <a:t>,</a:t>
-                      </a:r>
-                    </a:p>
-                  </a:txBody>
-                  <a:tcPr marL="55443" marR="55443" marT="27722" marB="27722" anchor="ctr"/>
-                </a:tc>
-                <a:extLst>
-                  <a:ext uri="{0D108BD9-81ED-4DB2-BD59-A6C34878D82A}">
-                    <a16:rowId xmlns:a16="http://schemas.microsoft.com/office/drawing/2014/main" val="10003"/>
-                  </a:ext>
-                </a:extLst>
-              </a:tr>
-              <a:tr h="910056">
-                <a:tc>
-                  <a:txBody>
-                    <a:bodyPr/>
-                    <a:lstStyle/>
-                    <a:p>
-                      <a:pPr marL="0" algn="l" defTabSz="914400" rtl="0" eaLnBrk="1" latinLnBrk="0" hangingPunct="1"/>
-                      <a:r>
-                        <a:rPr lang="en-US" sz="1200" kern="1200"/>
-                        <a:t>Observed Value </a:t>
-                      </a:r>
-                      <a:endParaRPr lang="en-US" sz="1200" kern="1200">
-                        <a:solidFill>
-                          <a:schemeClr val="dk1"/>
-                        </a:solidFill>
-                        <a:latin typeface="+mn-lt"/>
-                        <a:ea typeface="+mn-ea"/>
-                        <a:cs typeface="+mn-cs"/>
-                      </a:endParaRPr>
-                    </a:p>
-                  </a:txBody>
-                  <a:tcPr marL="55443" marR="55443" marT="27722" marB="27722" anchor="ctr"/>
-                </a:tc>
-                <a:tc>
-                  <a:txBody>
-                    <a:bodyPr/>
-                    <a:lstStyle/>
-                    <a:p>
-                      <a:pPr marL="0" marR="0" lvl="0" indent="0" algn="l" defTabSz="914400" rtl="0" eaLnBrk="1" fontAlgn="auto" latinLnBrk="0" hangingPunct="1">
-                        <a:lnSpc>
-                          <a:spcPct val="100000"/>
-                        </a:lnSpc>
-                        <a:spcBef>
-                          <a:spcPts val="0"/>
-                        </a:spcBef>
-                        <a:spcAft>
-                          <a:spcPts val="0"/>
-                        </a:spcAft>
-                        <a:buClrTx/>
-                        <a:buSzTx/>
-                        <a:buFontTx/>
-                        <a:buNone/>
-                        <a:tabLst/>
-                        <a:defRPr/>
-                      </a:pPr>
-                      <a:r>
-                        <a:rPr lang="it-IT" sz="1200" kern="1200" dirty="0">
-                          <a:solidFill>
-                            <a:schemeClr val="dk1"/>
-                          </a:solidFill>
-                          <a:latin typeface="+mn-lt"/>
-                          <a:ea typeface="+mn-ea"/>
-                          <a:cs typeface="+mn-cs"/>
-                        </a:rPr>
-                        <a:t>36.5</a:t>
-                      </a:r>
-                    </a:p>
-                  </a:txBody>
-                  <a:tcPr marL="55443" marR="55443" marT="27722" marB="27722" anchor="ctr"/>
-                </a:tc>
-                <a:tc vMerge="1">
-                  <a:txBody>
-                    <a:bodyPr/>
-                    <a:lstStyle/>
-                    <a:p>
-                      <a:endParaRPr lang="en-US" sz="1400" dirty="0"/>
-                    </a:p>
-                  </a:txBody>
-                  <a:tcPr marL="68580" marR="68580" marT="34290" marB="34290">
-                    <a:lnT w="12700" cap="flat" cmpd="sng" algn="ctr">
-                      <a:solidFill>
-                        <a:schemeClr val="tx1"/>
-                      </a:solidFill>
-                      <a:prstDash val="solid"/>
-                      <a:round/>
-                      <a:headEnd type="none" w="med" len="med"/>
-                      <a:tailEnd type="none" w="med" len="med"/>
-                    </a:lnT>
-                  </a:tcPr>
-                </a:tc>
-                <a:extLst>
-                  <a:ext uri="{0D108BD9-81ED-4DB2-BD59-A6C34878D82A}">
-                    <a16:rowId xmlns:a16="http://schemas.microsoft.com/office/drawing/2014/main" val="10004"/>
-                  </a:ext>
-                </a:extLst>
-              </a:tr>
-              <a:tr h="616486">
-                <a:tc>
-                  <a:txBody>
-                    <a:bodyPr/>
-                    <a:lstStyle/>
-                    <a:p>
-                      <a:r>
-                        <a:rPr lang="en-US" sz="1200" dirty="0"/>
-                        <a:t>Time stamp</a:t>
-                      </a:r>
-                    </a:p>
-                  </a:txBody>
-                  <a:tcPr marL="55443" marR="55443" marT="27722" marB="27722" anchor="ctr"/>
-                </a:tc>
-                <a:tc>
-                  <a:txBody>
-                    <a:bodyPr/>
-                    <a:lstStyle/>
-                    <a:p>
-                      <a:pPr marL="0" marR="0" lvl="0" indent="0" algn="l" defTabSz="914400" rtl="0" eaLnBrk="1" fontAlgn="auto" latinLnBrk="0" hangingPunct="1">
-                        <a:lnSpc>
-                          <a:spcPct val="100000"/>
-                        </a:lnSpc>
-                        <a:spcBef>
-                          <a:spcPts val="0"/>
-                        </a:spcBef>
-                        <a:spcAft>
-                          <a:spcPts val="0"/>
-                        </a:spcAft>
-                        <a:buClrTx/>
-                        <a:buSzTx/>
-                        <a:buFontTx/>
-                        <a:buNone/>
-                        <a:tabLst/>
-                        <a:defRPr/>
-                      </a:pPr>
-                      <a:r>
-                        <a:rPr lang="it-IT" sz="1200" kern="1200" dirty="0">
-                          <a:solidFill>
-                            <a:schemeClr val="dk1"/>
-                          </a:solidFill>
-                          <a:latin typeface="+mn-lt"/>
-                          <a:ea typeface="+mn-ea"/>
-                          <a:cs typeface="+mn-cs"/>
-                        </a:rPr>
-                        <a:t>2024-05-24T10:27:02Z</a:t>
-                      </a:r>
-                    </a:p>
-                  </a:txBody>
-                  <a:tcPr marL="55443" marR="55443" marT="27722" marB="27722" anchor="ctr"/>
-                </a:tc>
-                <a:tc>
-                  <a:txBody>
-                    <a:bodyPr/>
-                    <a:lstStyle/>
-                    <a:p>
-                      <a:pPr marL="0" algn="l" defTabSz="914400" rtl="0" eaLnBrk="1" latinLnBrk="0" hangingPunct="1"/>
-                      <a:r>
-                        <a:rPr lang="it-IT" sz="1200" kern="1200" dirty="0">
-                          <a:solidFill>
-                            <a:schemeClr val="dk1"/>
-                          </a:solidFill>
-                          <a:latin typeface="+mn-lt"/>
-                          <a:ea typeface="+mn-ea"/>
-                          <a:cs typeface="+mn-cs"/>
-                        </a:rPr>
-                        <a:t>"</a:t>
-                      </a:r>
-                      <a:r>
-                        <a:rPr lang="it-IT" sz="1200" kern="1200" dirty="0" err="1">
-                          <a:solidFill>
-                            <a:schemeClr val="dk1"/>
-                          </a:solidFill>
-                          <a:latin typeface="+mn-lt"/>
-                          <a:ea typeface="+mn-ea"/>
-                          <a:cs typeface="+mn-cs"/>
-                        </a:rPr>
-                        <a:t>effectiveDateTime</a:t>
-                      </a:r>
-                      <a:r>
-                        <a:rPr lang="it-IT" sz="1200" kern="1200" dirty="0">
-                          <a:solidFill>
-                            <a:schemeClr val="dk1"/>
-                          </a:solidFill>
-                          <a:latin typeface="+mn-lt"/>
-                          <a:ea typeface="+mn-ea"/>
-                          <a:cs typeface="+mn-cs"/>
-                        </a:rPr>
-                        <a:t>": "2024-05-24T10:27:02Z"</a:t>
-                      </a:r>
-                    </a:p>
-                  </a:txBody>
-                  <a:tcPr marL="55443" marR="55443" marT="27722" marB="27722" anchor="ctr"/>
-                </a:tc>
-                <a:extLst>
-                  <a:ext uri="{0D108BD9-81ED-4DB2-BD59-A6C34878D82A}">
-                    <a16:rowId xmlns:a16="http://schemas.microsoft.com/office/drawing/2014/main" val="10005"/>
-                  </a:ext>
-                </a:extLst>
-              </a:tr>
-            </a:tbl>
-          </a:graphicData>
-        </a:graphic>
-      </p:graphicFrame>
       <p:sp>
         <p:nvSpPr>
           <p:cNvPr id="4" name="Segnaposto numero diapositiva 3">
             <a:extLst>
               <a:ext uri="{FF2B5EF4-FFF2-40B4-BE49-F238E27FC236}">
                 <a16:creationId xmlns:a16="http://schemas.microsoft.com/office/drawing/2014/main" id="{24FA05D7-6198-9DD7-9CBB-A68CE906CB8C}"/>
+              </a:ext>
+            </a:extLst>
+          </p:cNvPr>
+          <p:cNvSpPr>
+            <a:spLocks noGrp="1"/>
+          </p:cNvSpPr>
+          <p:nvPr>
+            <p:ph type="sldNum" sz="quarter" idx="12"/>
+          </p:nvPr>
+        </p:nvSpPr>
+        <p:spPr/>
+        <p:txBody>
+          <a:bodyPr anchor="t">
+            <a:normAutofit/>
+          </a:bodyPr>
+          <a:lstStyle/>
+          <a:p>
+            <a:pPr rtl="0">
+              <a:spcAft>
+                <a:spcPts val="600"/>
+              </a:spcAft>
+            </a:pPr>
+            <a:fld id="{294A09A9-5501-47C1-A89A-A340965A2BE2}" type="slidenum">
+              <a:rPr lang="it-IT" smtClean="0"/>
+              <a:pPr rtl="0">
+                <a:spcAft>
+                  <a:spcPts val="600"/>
+                </a:spcAft>
+              </a:pPr>
+              <a:t>7</a:t>
+            </a:fld>
+            <a:endParaRPr lang="it-IT"/>
+          </a:p>
+        </p:txBody>
+      </p:sp>
+      <p:pic>
+        <p:nvPicPr>
+          <p:cNvPr id="7" name="Immagine 6">
+            <a:extLst>
+              <a:ext uri="{FF2B5EF4-FFF2-40B4-BE49-F238E27FC236}">
+                <a16:creationId xmlns:a16="http://schemas.microsoft.com/office/drawing/2014/main" id="{020C390B-0D98-7590-A09E-4D2FA3891BBF}"/>
+              </a:ext>
+            </a:extLst>
+          </p:cNvPr>
+          <p:cNvPicPr>
+            <a:picLocks noChangeAspect="1"/>
+          </p:cNvPicPr>
+          <p:nvPr/>
+        </p:nvPicPr>
+        <p:blipFill>
+          <a:blip r:embed="rId3">
+            <a:extLst>
+              <a:ext uri="{28A0092B-C50C-407E-A947-70E740481C1C}">
+                <a14:useLocalDpi xmlns:a14="http://schemas.microsoft.com/office/drawing/2010/main" val="0"/>
+              </a:ext>
+            </a:extLst>
+          </a:blip>
+          <a:srcRect/>
+          <a:stretch/>
+        </p:blipFill>
+        <p:spPr>
+          <a:xfrm>
+            <a:off x="1815585" y="1737803"/>
+            <a:ext cx="8530350" cy="4594416"/>
+          </a:xfrm>
+          <a:prstGeom prst="rect">
+            <a:avLst/>
+          </a:prstGeom>
+          <a:noFill/>
+        </p:spPr>
+      </p:pic>
+    </p:spTree>
+    <p:extLst>
+      <p:ext uri="{BB962C8B-B14F-4D97-AF65-F5344CB8AC3E}">
+        <p14:creationId xmlns:p14="http://schemas.microsoft.com/office/powerpoint/2010/main" val="1031111158"/>
+      </p:ext>
+    </p:extLst>
+  </p:cSld>
+  <p:clrMapOvr>
+    <a:masterClrMapping/>
+  </p:clrMapOvr>
+</p:sld>
+</file>
+
+<file path=ppt/slides/slide8.xml><?xml version="1.0" encoding="utf-8"?>
+<p:sld xmlns:a="http://schemas.openxmlformats.org/drawingml/2006/main" xmlns:r="http://schemas.openxmlformats.org/officeDocument/2006/relationships" xmlns:p="http://schemas.openxmlformats.org/presentationml/2006/main">
+  <p:cSld>
+    <p:spTree>
+      <p:nvGrpSpPr>
+        <p:cNvPr id="1" name=""/>
+        <p:cNvGrpSpPr/>
+        <p:nvPr/>
+      </p:nvGrpSpPr>
+      <p:grpSpPr>
+        <a:xfrm>
+          <a:off x="0" y="0"/>
+          <a:ext cx="0" cy="0"/>
+          <a:chOff x="0" y="0"/>
+          <a:chExt cx="0" cy="0"/>
+        </a:xfrm>
+      </p:grpSpPr>
+      <p:sp>
+        <p:nvSpPr>
+          <p:cNvPr id="2" name="Titolo 1">
+            <a:extLst>
+              <a:ext uri="{FF2B5EF4-FFF2-40B4-BE49-F238E27FC236}">
+                <a16:creationId xmlns:a16="http://schemas.microsoft.com/office/drawing/2014/main" id="{546A3A7B-A290-DC7C-9E72-8DDA43E99EC0}"/>
+              </a:ext>
+            </a:extLst>
+          </p:cNvPr>
+          <p:cNvSpPr>
+            <a:spLocks noGrp="1"/>
+          </p:cNvSpPr>
+          <p:nvPr>
+            <p:ph type="title"/>
+          </p:nvPr>
+        </p:nvSpPr>
+        <p:spPr/>
+        <p:txBody>
+          <a:bodyPr anchor="ctr"/>
+          <a:lstStyle/>
+          <a:p>
+            <a:r>
+              <a:rPr lang="it-IT" dirty="0"/>
+              <a:t>Conoscenze e competenze apprese</a:t>
+            </a:r>
+          </a:p>
+        </p:txBody>
+      </p:sp>
+      <p:sp>
+        <p:nvSpPr>
+          <p:cNvPr id="3" name="Segnaposto contenuto 2">
+            <a:extLst>
+              <a:ext uri="{FF2B5EF4-FFF2-40B4-BE49-F238E27FC236}">
+                <a16:creationId xmlns:a16="http://schemas.microsoft.com/office/drawing/2014/main" id="{1BD2B69E-16EC-3DC3-8483-FCAEFA76316E}"/>
+              </a:ext>
+            </a:extLst>
+          </p:cNvPr>
+          <p:cNvSpPr>
+            <a:spLocks noGrp="1"/>
+          </p:cNvSpPr>
+          <p:nvPr>
+            <p:ph sz="quarter" idx="13"/>
+          </p:nvPr>
+        </p:nvSpPr>
+        <p:spPr>
+          <a:xfrm>
+            <a:off x="595522" y="2676525"/>
+            <a:ext cx="10339955" cy="3597470"/>
+          </a:xfrm>
+        </p:spPr>
+        <p:txBody>
+          <a:bodyPr/>
+          <a:lstStyle/>
+          <a:p>
+            <a:pPr marL="342900" indent="-342900">
+              <a:buFont typeface="Arial" panose="020B0604020202020204" pitchFamily="34" charset="0"/>
+              <a:buChar char="•"/>
+            </a:pPr>
+            <a:r>
+              <a:rPr lang="it-IT" dirty="0"/>
+              <a:t>Conoscenza della famiglia di formati IEEE 11073 e FHIR</a:t>
+            </a:r>
+          </a:p>
+          <a:p>
+            <a:pPr marL="342900" indent="-342900">
+              <a:buFont typeface="Arial" panose="020B0604020202020204" pitchFamily="34" charset="0"/>
+              <a:buChar char="•"/>
+            </a:pPr>
+            <a:r>
+              <a:rPr lang="it-IT" dirty="0"/>
+              <a:t>Saper studiare ed implementare formati di dati</a:t>
+            </a:r>
+          </a:p>
+          <a:p>
+            <a:pPr marL="342900" indent="-342900">
+              <a:buFont typeface="Arial" panose="020B0604020202020204" pitchFamily="34" charset="0"/>
+              <a:buChar char="•"/>
+            </a:pPr>
+            <a:r>
+              <a:rPr lang="it-IT" dirty="0"/>
+              <a:t>Saper sfruttare conoscenze pregresse nello sviluppo del codice</a:t>
+            </a:r>
+          </a:p>
+          <a:p>
+            <a:pPr marL="342900" indent="-342900">
+              <a:buFont typeface="Arial" panose="020B0604020202020204" pitchFamily="34" charset="0"/>
+              <a:buChar char="•"/>
+            </a:pPr>
+            <a:r>
+              <a:rPr lang="it-IT" dirty="0"/>
+              <a:t>Saper comprendere la logica di funzionamento di sistemi complessi</a:t>
+            </a:r>
+          </a:p>
+        </p:txBody>
+      </p:sp>
+      <p:sp>
+        <p:nvSpPr>
+          <p:cNvPr id="5" name="Segnaposto numero diapositiva 4">
+            <a:extLst>
+              <a:ext uri="{FF2B5EF4-FFF2-40B4-BE49-F238E27FC236}">
+                <a16:creationId xmlns:a16="http://schemas.microsoft.com/office/drawing/2014/main" id="{90AF7BF7-DC76-E8AE-000F-D0B46C71D55C}"/>
               </a:ext>
             </a:extLst>
           </p:cNvPr>
@@ -14311,7 +19195,7 @@
             <a:fld id="{294A09A9-5501-47C1-A89A-A340965A2BE2}" type="slidenum">
               <a:rPr lang="it-IT" smtClean="0"/>
               <a:pPr rtl="0"/>
-              <a:t>7</a:t>
+              <a:t>8</a:t>
             </a:fld>
             <a:endParaRPr lang="it-IT" dirty="0">
               <a:latin typeface="+mn-lt"/>
@@ -14322,7 +19206,7 @@
     </p:spTree>
     <p:extLst>
       <p:ext uri="{BB962C8B-B14F-4D97-AF65-F5344CB8AC3E}">
-        <p14:creationId xmlns:p14="http://schemas.microsoft.com/office/powerpoint/2010/main" val="1031111158"/>
+        <p14:creationId xmlns:p14="http://schemas.microsoft.com/office/powerpoint/2010/main" val="4026629975"/>
       </p:ext>
     </p:extLst>
   </p:cSld>
@@ -14594,6 +19478,321 @@
 </file>
 
 <file path=ppt/theme/theme2.xml><?xml version="1.0" encoding="utf-8"?>
+<a:theme xmlns:a="http://schemas.openxmlformats.org/drawingml/2006/main" name="Personalizza struttura">
+  <a:themeElements>
+    <a:clrScheme name="Office">
+      <a:dk1>
+        <a:sysClr val="windowText" lastClr="000000"/>
+      </a:dk1>
+      <a:lt1>
+        <a:sysClr val="window" lastClr="FFFFFF"/>
+      </a:lt1>
+      <a:dk2>
+        <a:srgbClr val="0E2841"/>
+      </a:dk2>
+      <a:lt2>
+        <a:srgbClr val="E8E8E8"/>
+      </a:lt2>
+      <a:accent1>
+        <a:srgbClr val="156082"/>
+      </a:accent1>
+      <a:accent2>
+        <a:srgbClr val="E97132"/>
+      </a:accent2>
+      <a:accent3>
+        <a:srgbClr val="196B24"/>
+      </a:accent3>
+      <a:accent4>
+        <a:srgbClr val="0F9ED5"/>
+      </a:accent4>
+      <a:accent5>
+        <a:srgbClr val="A02B93"/>
+      </a:accent5>
+      <a:accent6>
+        <a:srgbClr val="4EA72E"/>
+      </a:accent6>
+      <a:hlink>
+        <a:srgbClr val="467886"/>
+      </a:hlink>
+      <a:folHlink>
+        <a:srgbClr val="96607D"/>
+      </a:folHlink>
+    </a:clrScheme>
+    <a:fontScheme name="Office">
+      <a:majorFont>
+        <a:latin typeface="Aptos Display" panose="02110004020202020204"/>
+        <a:ea typeface=""/>
+        <a:cs typeface=""/>
+        <a:font script="Jpan" typeface="游ゴシック Light"/>
+        <a:font script="Hang" typeface="맑은 고딕"/>
+        <a:font script="Hans" typeface="等线 Light"/>
+        <a:font script="Hant" typeface="新細明體"/>
+        <a:font script="Arab" typeface="Times New Roman"/>
+        <a:font script="Hebr" typeface="Times New Roman"/>
+        <a:font script="Thai" typeface="Angsana New"/>
+        <a:font script="Ethi" typeface="Nyala"/>
+        <a:font script="Beng" typeface="Vrinda"/>
+        <a:font script="Gujr" typeface="Shruti"/>
+        <a:font script="Khmr" typeface="MoolBoran"/>
+        <a:font script="Knda" typeface="Tunga"/>
+        <a:font script="Guru" typeface="Raavi"/>
+        <a:font script="Cans" typeface="Euphemia"/>
+        <a:font script="Cher" typeface="Plantagenet Cherokee"/>
+        <a:font script="Yiii" typeface="Microsoft Yi Baiti"/>
+        <a:font script="Tibt" typeface="Microsoft Himalaya"/>
+        <a:font script="Thaa" typeface="MV Boli"/>
+        <a:font script="Deva" typeface="Mangal"/>
+        <a:font script="Telu" typeface="Gautami"/>
+        <a:font script="Taml" typeface="Latha"/>
+        <a:font script="Syrc" typeface="Estrangelo Edessa"/>
+        <a:font script="Orya" typeface="Kalinga"/>
+        <a:font script="Mlym" typeface="Kartika"/>
+        <a:font script="Laoo" typeface="DokChampa"/>
+        <a:font script="Sinh" typeface="Iskoola Pota"/>
+        <a:font script="Mong" typeface="Mongolian Baiti"/>
+        <a:font script="Viet" typeface="Times New Roman"/>
+        <a:font script="Uigh" typeface="Microsoft Uighur"/>
+        <a:font script="Geor" typeface="Sylfaen"/>
+        <a:font script="Armn" typeface="Arial"/>
+        <a:font script="Bugi" typeface="Leelawadee UI"/>
+        <a:font script="Bopo" typeface="Microsoft JhengHei"/>
+        <a:font script="Java" typeface="Javanese Text"/>
+        <a:font script="Lisu" typeface="Segoe UI"/>
+        <a:font script="Mymr" typeface="Myanmar Text"/>
+        <a:font script="Nkoo" typeface="Ebrima"/>
+        <a:font script="Olck" typeface="Nirmala UI"/>
+        <a:font script="Osma" typeface="Ebrima"/>
+        <a:font script="Phag" typeface="Phagspa"/>
+        <a:font script="Syrn" typeface="Estrangelo Edessa"/>
+        <a:font script="Syrj" typeface="Estrangelo Edessa"/>
+        <a:font script="Syre" typeface="Estrangelo Edessa"/>
+        <a:font script="Sora" typeface="Nirmala UI"/>
+        <a:font script="Tale" typeface="Microsoft Tai Le"/>
+        <a:font script="Talu" typeface="Microsoft New Tai Lue"/>
+        <a:font script="Tfng" typeface="Ebrima"/>
+      </a:majorFont>
+      <a:minorFont>
+        <a:latin typeface="Aptos" panose="02110004020202020204"/>
+        <a:ea typeface=""/>
+        <a:cs typeface=""/>
+        <a:font script="Jpan" typeface="游ゴシック"/>
+        <a:font script="Hang" typeface="맑은 고딕"/>
+        <a:font script="Hans" typeface="等线"/>
+        <a:font script="Hant" typeface="新細明體"/>
+        <a:font script="Arab" typeface="Arial"/>
+        <a:font script="Hebr" typeface="Arial"/>
+        <a:font script="Thai" typeface="Cordia New"/>
+        <a:font script="Ethi" typeface="Nyala"/>
+        <a:font script="Beng" typeface="Vrinda"/>
+        <a:font script="Gujr" typeface="Shruti"/>
+        <a:font script="Khmr" typeface="DaunPenh"/>
+        <a:font script="Knda" typeface="Tunga"/>
+        <a:font script="Guru" typeface="Raavi"/>
+        <a:font script="Cans" typeface="Euphemia"/>
+        <a:font script="Cher" typeface="Plantagenet Cherokee"/>
+        <a:font script="Yiii" typeface="Microsoft Yi Baiti"/>
+        <a:font script="Tibt" typeface="Microsoft Himalaya"/>
+        <a:font script="Thaa" typeface="MV Boli"/>
+        <a:font script="Deva" typeface="Mangal"/>
+        <a:font script="Telu" typeface="Gautami"/>
+        <a:font script="Taml" typeface="Latha"/>
+        <a:font script="Syrc" typeface="Estrangelo Edessa"/>
+        <a:font script="Orya" typeface="Kalinga"/>
+        <a:font script="Mlym" typeface="Kartika"/>
+        <a:font script="Laoo" typeface="DokChampa"/>
+        <a:font script="Sinh" typeface="Iskoola Pota"/>
+        <a:font script="Mong" typeface="Mongolian Baiti"/>
+        <a:font script="Viet" typeface="Arial"/>
+        <a:font script="Uigh" typeface="Microsoft Uighur"/>
+        <a:font script="Geor" typeface="Sylfaen"/>
+        <a:font script="Armn" typeface="Arial"/>
+        <a:font script="Bugi" typeface="Leelawadee UI"/>
+        <a:font script="Bopo" typeface="Microsoft JhengHei"/>
+        <a:font script="Java" typeface="Javanese Text"/>
+        <a:font script="Lisu" typeface="Segoe UI"/>
+        <a:font script="Mymr" typeface="Myanmar Text"/>
+        <a:font script="Nkoo" typeface="Ebrima"/>
+        <a:font script="Olck" typeface="Nirmala UI"/>
+        <a:font script="Osma" typeface="Ebrima"/>
+        <a:font script="Phag" typeface="Phagspa"/>
+        <a:font script="Syrn" typeface="Estrangelo Edessa"/>
+        <a:font script="Syrj" typeface="Estrangelo Edessa"/>
+        <a:font script="Syre" typeface="Estrangelo Edessa"/>
+        <a:font script="Sora" typeface="Nirmala UI"/>
+        <a:font script="Tale" typeface="Microsoft Tai Le"/>
+        <a:font script="Talu" typeface="Microsoft New Tai Lue"/>
+        <a:font script="Tfng" typeface="Ebrima"/>
+      </a:minorFont>
+    </a:fontScheme>
+    <a:fmtScheme name="Office">
+      <a:fillStyleLst>
+        <a:solidFill>
+          <a:schemeClr val="phClr"/>
+        </a:solidFill>
+        <a:gradFill rotWithShape="1">
+          <a:gsLst>
+            <a:gs pos="0">
+              <a:schemeClr val="phClr">
+                <a:lumMod val="110000"/>
+                <a:satMod val="105000"/>
+                <a:tint val="67000"/>
+              </a:schemeClr>
+            </a:gs>
+            <a:gs pos="50000">
+              <a:schemeClr val="phClr">
+                <a:lumMod val="105000"/>
+                <a:satMod val="103000"/>
+                <a:tint val="73000"/>
+              </a:schemeClr>
+            </a:gs>
+            <a:gs pos="100000">
+              <a:schemeClr val="phClr">
+                <a:lumMod val="105000"/>
+                <a:satMod val="109000"/>
+                <a:tint val="81000"/>
+              </a:schemeClr>
+            </a:gs>
+          </a:gsLst>
+          <a:lin ang="5400000" scaled="0"/>
+        </a:gradFill>
+        <a:gradFill rotWithShape="1">
+          <a:gsLst>
+            <a:gs pos="0">
+              <a:schemeClr val="phClr">
+                <a:satMod val="103000"/>
+                <a:lumMod val="102000"/>
+                <a:tint val="94000"/>
+              </a:schemeClr>
+            </a:gs>
+            <a:gs pos="50000">
+              <a:schemeClr val="phClr">
+                <a:satMod val="110000"/>
+                <a:lumMod val="100000"/>
+                <a:shade val="100000"/>
+              </a:schemeClr>
+            </a:gs>
+            <a:gs pos="100000">
+              <a:schemeClr val="phClr">
+                <a:lumMod val="99000"/>
+                <a:satMod val="120000"/>
+                <a:shade val="78000"/>
+              </a:schemeClr>
+            </a:gs>
+          </a:gsLst>
+          <a:lin ang="5400000" scaled="0"/>
+        </a:gradFill>
+      </a:fillStyleLst>
+      <a:lnStyleLst>
+        <a:ln w="12700" cap="flat" cmpd="sng" algn="ctr">
+          <a:solidFill>
+            <a:schemeClr val="phClr"/>
+          </a:solidFill>
+          <a:prstDash val="solid"/>
+          <a:miter lim="800000"/>
+        </a:ln>
+        <a:ln w="19050" cap="flat" cmpd="sng" algn="ctr">
+          <a:solidFill>
+            <a:schemeClr val="phClr"/>
+          </a:solidFill>
+          <a:prstDash val="solid"/>
+          <a:miter lim="800000"/>
+        </a:ln>
+        <a:ln w="25400" cap="flat" cmpd="sng" algn="ctr">
+          <a:solidFill>
+            <a:schemeClr val="phClr"/>
+          </a:solidFill>
+          <a:prstDash val="solid"/>
+          <a:miter lim="800000"/>
+        </a:ln>
+      </a:lnStyleLst>
+      <a:effectStyleLst>
+        <a:effectStyle>
+          <a:effectLst/>
+        </a:effectStyle>
+        <a:effectStyle>
+          <a:effectLst/>
+        </a:effectStyle>
+        <a:effectStyle>
+          <a:effectLst>
+            <a:outerShdw blurRad="57150" dist="19050" dir="5400000" algn="ctr" rotWithShape="0">
+              <a:srgbClr val="000000">
+                <a:alpha val="63000"/>
+              </a:srgbClr>
+            </a:outerShdw>
+          </a:effectLst>
+        </a:effectStyle>
+      </a:effectStyleLst>
+      <a:bgFillStyleLst>
+        <a:solidFill>
+          <a:schemeClr val="phClr"/>
+        </a:solidFill>
+        <a:solidFill>
+          <a:schemeClr val="phClr">
+            <a:tint val="95000"/>
+            <a:satMod val="170000"/>
+          </a:schemeClr>
+        </a:solidFill>
+        <a:gradFill rotWithShape="1">
+          <a:gsLst>
+            <a:gs pos="0">
+              <a:schemeClr val="phClr">
+                <a:tint val="93000"/>
+                <a:satMod val="150000"/>
+                <a:shade val="98000"/>
+                <a:lumMod val="102000"/>
+              </a:schemeClr>
+            </a:gs>
+            <a:gs pos="50000">
+              <a:schemeClr val="phClr">
+                <a:tint val="98000"/>
+                <a:satMod val="130000"/>
+                <a:shade val="90000"/>
+                <a:lumMod val="103000"/>
+              </a:schemeClr>
+            </a:gs>
+            <a:gs pos="100000">
+              <a:schemeClr val="phClr">
+                <a:shade val="63000"/>
+                <a:satMod val="120000"/>
+              </a:schemeClr>
+            </a:gs>
+          </a:gsLst>
+          <a:lin ang="5400000" scaled="0"/>
+        </a:gradFill>
+      </a:bgFillStyleLst>
+    </a:fmtScheme>
+  </a:themeElements>
+  <a:objectDefaults>
+    <a:lnDef>
+      <a:spPr/>
+      <a:bodyPr/>
+      <a:lstStyle/>
+      <a:style>
+        <a:lnRef idx="2">
+          <a:schemeClr val="accent1"/>
+        </a:lnRef>
+        <a:fillRef idx="0">
+          <a:schemeClr val="accent1"/>
+        </a:fillRef>
+        <a:effectRef idx="1">
+          <a:schemeClr val="accent1"/>
+        </a:effectRef>
+        <a:fontRef idx="minor">
+          <a:schemeClr val="tx1"/>
+        </a:fontRef>
+      </a:style>
+    </a:lnDef>
+  </a:objectDefaults>
+  <a:extraClrSchemeLst/>
+  <a:extLst>
+    <a:ext uri="{05A4C25C-085E-4340-85A3-A5531E510DB2}">
+      <thm15:themeFamily xmlns:thm15="http://schemas.microsoft.com/office/thememl/2012/main" name="Office Theme" id="{2E142A2C-CD16-42D6-873A-C26D2A0506FA}" vid="{1BDDFF52-6CD6-40A5-AB3C-68EB2F1E4D0A}"/>
+    </a:ext>
+  </a:extLst>
+</a:theme>
+</file>
+
+<file path=ppt/theme/theme3.xml><?xml version="1.0" encoding="utf-8"?>
 <a:theme xmlns:a="http://schemas.openxmlformats.org/drawingml/2006/main" name="Tema di Office">
   <a:themeElements>
     <a:clrScheme name="Office">
@@ -14888,7 +20087,7 @@
 </a:theme>
 </file>
 
-<file path=ppt/theme/theme3.xml><?xml version="1.0" encoding="utf-8"?>
+<file path=ppt/theme/theme4.xml><?xml version="1.0" encoding="utf-8"?>
 <a:theme xmlns:a="http://schemas.openxmlformats.org/drawingml/2006/main" name="Tema di Office">
   <a:themeElements>
     <a:clrScheme name="Office">
@@ -15535,11 +20734,18 @@
 <file path=customXml/itemProps2.xml><?xml version="1.0" encoding="utf-8"?>
 <ds:datastoreItem xmlns:ds="http://schemas.openxmlformats.org/officeDocument/2006/customXml" ds:itemID="{4F4B194E-8B30-4377-8C59-ECFB902D2A26}">
   <ds:schemaRefs>
+    <ds:schemaRef ds:uri="http://schemas.microsoft.com/office/2006/documentManagement/types"/>
+    <ds:schemaRef ds:uri="http://purl.org/dc/elements/1.1/"/>
+    <ds:schemaRef ds:uri="http://schemas.microsoft.com/sharepoint/v3"/>
+    <ds:schemaRef ds:uri="http://purl.org/dc/dcmitype/"/>
+    <ds:schemaRef ds:uri="71af3243-3dd4-4a8d-8c0d-dd76da1f02a5"/>
+    <ds:schemaRef ds:uri="http://schemas.microsoft.com/office/infopath/2007/PartnerControls"/>
+    <ds:schemaRef ds:uri="16c05727-aa75-4e4a-9b5f-8a80a1165891"/>
+    <ds:schemaRef ds:uri="http://schemas.openxmlformats.org/package/2006/metadata/core-properties"/>
     <ds:schemaRef ds:uri="http://schemas.microsoft.com/office/2006/metadata/properties"/>
-    <ds:schemaRef ds:uri="http://schemas.microsoft.com/office/infopath/2007/PartnerControls"/>
-    <ds:schemaRef ds:uri="71af3243-3dd4-4a8d-8c0d-dd76da1f02a5"/>
-    <ds:schemaRef ds:uri="http://schemas.microsoft.com/sharepoint/v3"/>
     <ds:schemaRef ds:uri="230e9df3-be65-4c73-a93b-d1236ebd677e"/>
+    <ds:schemaRef ds:uri="http://www.w3.org/XML/1998/namespace"/>
+    <ds:schemaRef ds:uri="http://purl.org/dc/terms/"/>
   </ds:schemaRefs>
 </ds:datastoreItem>
 </file>
